--- a/NLH.pptx
+++ b/NLH.pptx
@@ -199,7 +199,7 @@
           <a:p>
             <a:fld id="{CD589C0A-3A09-49C7-BF5E-A18753F65EB4}" type="datetimeFigureOut">
               <a:rPr lang="en-US" smtClean="0"/>
-              <a:t>7/27/2022</a:t>
+              <a:t>8/2/2022</a:t>
             </a:fld>
             <a:endParaRPr lang="en-US"/>
           </a:p>
@@ -613,7 +613,7 @@
           <a:p>
             <a:fld id="{BCCF18D8-6DFB-4CDA-AE1C-8F66D1E20DFB}" type="datetimeFigureOut">
               <a:rPr lang="en-US" smtClean="0"/>
-              <a:t>7/27/2022</a:t>
+              <a:t>8/2/2022</a:t>
             </a:fld>
             <a:endParaRPr lang="en-US"/>
           </a:p>
@@ -811,7 +811,7 @@
           <a:p>
             <a:fld id="{BCCF18D8-6DFB-4CDA-AE1C-8F66D1E20DFB}" type="datetimeFigureOut">
               <a:rPr lang="en-US" smtClean="0"/>
-              <a:t>7/27/2022</a:t>
+              <a:t>8/2/2022</a:t>
             </a:fld>
             <a:endParaRPr lang="en-US"/>
           </a:p>
@@ -1019,7 +1019,7 @@
           <a:p>
             <a:fld id="{BCCF18D8-6DFB-4CDA-AE1C-8F66D1E20DFB}" type="datetimeFigureOut">
               <a:rPr lang="en-US" smtClean="0"/>
-              <a:t>7/27/2022</a:t>
+              <a:t>8/2/2022</a:t>
             </a:fld>
             <a:endParaRPr lang="en-US"/>
           </a:p>
@@ -1217,7 +1217,7 @@
           <a:p>
             <a:fld id="{BCCF18D8-6DFB-4CDA-AE1C-8F66D1E20DFB}" type="datetimeFigureOut">
               <a:rPr lang="en-US" smtClean="0"/>
-              <a:t>7/27/2022</a:t>
+              <a:t>8/2/2022</a:t>
             </a:fld>
             <a:endParaRPr lang="en-US"/>
           </a:p>
@@ -1492,7 +1492,7 @@
           <a:p>
             <a:fld id="{BCCF18D8-6DFB-4CDA-AE1C-8F66D1E20DFB}" type="datetimeFigureOut">
               <a:rPr lang="en-US" smtClean="0"/>
-              <a:t>7/27/2022</a:t>
+              <a:t>8/2/2022</a:t>
             </a:fld>
             <a:endParaRPr lang="en-US"/>
           </a:p>
@@ -1757,7 +1757,7 @@
           <a:p>
             <a:fld id="{BCCF18D8-6DFB-4CDA-AE1C-8F66D1E20DFB}" type="datetimeFigureOut">
               <a:rPr lang="en-US" smtClean="0"/>
-              <a:t>7/27/2022</a:t>
+              <a:t>8/2/2022</a:t>
             </a:fld>
             <a:endParaRPr lang="en-US"/>
           </a:p>
@@ -2169,7 +2169,7 @@
           <a:p>
             <a:fld id="{BCCF18D8-6DFB-4CDA-AE1C-8F66D1E20DFB}" type="datetimeFigureOut">
               <a:rPr lang="en-US" smtClean="0"/>
-              <a:t>7/27/2022</a:t>
+              <a:t>8/2/2022</a:t>
             </a:fld>
             <a:endParaRPr lang="en-US"/>
           </a:p>
@@ -2310,7 +2310,7 @@
           <a:p>
             <a:fld id="{BCCF18D8-6DFB-4CDA-AE1C-8F66D1E20DFB}" type="datetimeFigureOut">
               <a:rPr lang="en-US" smtClean="0"/>
-              <a:t>7/27/2022</a:t>
+              <a:t>8/2/2022</a:t>
             </a:fld>
             <a:endParaRPr lang="en-US"/>
           </a:p>
@@ -2423,7 +2423,7 @@
           <a:p>
             <a:fld id="{BCCF18D8-6DFB-4CDA-AE1C-8F66D1E20DFB}" type="datetimeFigureOut">
               <a:rPr lang="en-US" smtClean="0"/>
-              <a:t>7/27/2022</a:t>
+              <a:t>8/2/2022</a:t>
             </a:fld>
             <a:endParaRPr lang="en-US"/>
           </a:p>
@@ -2734,7 +2734,7 @@
           <a:p>
             <a:fld id="{BCCF18D8-6DFB-4CDA-AE1C-8F66D1E20DFB}" type="datetimeFigureOut">
               <a:rPr lang="en-US" smtClean="0"/>
-              <a:t>7/27/2022</a:t>
+              <a:t>8/2/2022</a:t>
             </a:fld>
             <a:endParaRPr lang="en-US"/>
           </a:p>
@@ -3022,7 +3022,7 @@
           <a:p>
             <a:fld id="{BCCF18D8-6DFB-4CDA-AE1C-8F66D1E20DFB}" type="datetimeFigureOut">
               <a:rPr lang="en-US" smtClean="0"/>
-              <a:t>7/27/2022</a:t>
+              <a:t>8/2/2022</a:t>
             </a:fld>
             <a:endParaRPr lang="en-US"/>
           </a:p>
@@ -3263,7 +3263,7 @@
           <a:p>
             <a:fld id="{BCCF18D8-6DFB-4CDA-AE1C-8F66D1E20DFB}" type="datetimeFigureOut">
               <a:rPr lang="en-US" smtClean="0"/>
-              <a:t>7/27/2022</a:t>
+              <a:t>8/2/2022</a:t>
             </a:fld>
             <a:endParaRPr lang="en-US"/>
           </a:p>
@@ -4274,14 +4274,14 @@
           <p:nvPr>
             <p:extLst>
               <p:ext uri="{D42A27DB-BD31-4B8C-83A1-F6EECF244321}">
-                <p14:modId xmlns:p14="http://schemas.microsoft.com/office/powerpoint/2010/main" val="3008804881"/>
+                <p14:modId xmlns:p14="http://schemas.microsoft.com/office/powerpoint/2010/main" val="823859884"/>
               </p:ext>
             </p:extLst>
           </p:nvPr>
         </p:nvGraphicFramePr>
         <p:xfrm>
           <a:off x="7059280" y="3729456"/>
-          <a:ext cx="4218678" cy="370840"/>
+          <a:ext cx="4218678" cy="426720"/>
         </p:xfrm>
         <a:graphic>
           <a:graphicData uri="http://schemas.openxmlformats.org/drawingml/2006/table">
@@ -4318,6 +4318,14 @@
                     <a:bodyPr/>
                     <a:lstStyle/>
                     <a:p>
+                      <a:r>
+                        <a:rPr lang="en-US" sz="1100" dirty="0"/>
+                        <a:t>w/ Henderson </a:t>
+                      </a:r>
+                      <a:r>
+                        <a:rPr lang="en-US" sz="1100" dirty="0" err="1"/>
+                        <a:t>Hasselbalch</a:t>
+                      </a:r>
                       <a:endParaRPr lang="en-US" dirty="0"/>
                     </a:p>
                   </a:txBody>
@@ -5002,14 +5010,14 @@
           <p:nvPr>
             <p:extLst>
               <p:ext uri="{D42A27DB-BD31-4B8C-83A1-F6EECF244321}">
-                <p14:modId xmlns:p14="http://schemas.microsoft.com/office/powerpoint/2010/main" val="3688814209"/>
+                <p14:modId xmlns:p14="http://schemas.microsoft.com/office/powerpoint/2010/main" val="879608146"/>
               </p:ext>
             </p:extLst>
           </p:nvPr>
         </p:nvGraphicFramePr>
         <p:xfrm>
           <a:off x="7869984" y="241540"/>
-          <a:ext cx="4218678" cy="370840"/>
+          <a:ext cx="4218678" cy="396240"/>
         </p:xfrm>
         <a:graphic>
           <a:graphicData uri="http://schemas.openxmlformats.org/drawingml/2006/table">
@@ -5046,7 +5054,32 @@
                     <a:bodyPr/>
                     <a:lstStyle/>
                     <a:p>
-                      <a:endParaRPr lang="en-US" dirty="0"/>
+                      <a:pPr marL="0" marR="0" lvl="0" indent="0" algn="l" defTabSz="914400" rtl="0" eaLnBrk="1" fontAlgn="auto" latinLnBrk="0" hangingPunct="1">
+                        <a:lnSpc>
+                          <a:spcPct val="100000"/>
+                        </a:lnSpc>
+                        <a:spcBef>
+                          <a:spcPts val="0"/>
+                        </a:spcBef>
+                        <a:spcAft>
+                          <a:spcPts val="0"/>
+                        </a:spcAft>
+                        <a:buClrTx/>
+                        <a:buSzTx/>
+                        <a:buFontTx/>
+                        <a:buNone/>
+                        <a:tabLst/>
+                        <a:defRPr/>
+                      </a:pPr>
+                      <a:r>
+                        <a:rPr lang="en-US" sz="1000" dirty="0"/>
+                        <a:t>w/ Henderson </a:t>
+                      </a:r>
+                      <a:r>
+                        <a:rPr lang="en-US" sz="1000" dirty="0" err="1"/>
+                        <a:t>Hasselbalch</a:t>
+                      </a:r>
+                      <a:endParaRPr lang="en-US" sz="1000" dirty="0"/>
                     </a:p>
                   </a:txBody>
                   <a:tcPr/>

--- a/NLH.pptx
+++ b/NLH.pptx
@@ -4459,7 +4459,7 @@
           <p:nvPr>
             <p:extLst>
               <p:ext uri="{D42A27DB-BD31-4B8C-83A1-F6EECF244321}">
-                <p14:modId xmlns:p14="http://schemas.microsoft.com/office/powerpoint/2010/main" val="3317048984"/>
+                <p14:modId xmlns:p14="http://schemas.microsoft.com/office/powerpoint/2010/main" val="938445303"/>
               </p:ext>
             </p:extLst>
           </p:nvPr>
@@ -4533,6 +4533,17 @@
                         <a:rPr lang="en-US" dirty="0"/>
                         <a:t>Chi</a:t>
                       </a:r>
+                    </a:p>
+                    <a:p>
+                      <a:r>
+                        <a:rPr lang="en-US" sz="1400" dirty="0" err="1"/>
+                        <a:t>Chi_max</a:t>
+                      </a:r>
+                      <a:r>
+                        <a:rPr lang="en-US" sz="1400" dirty="0"/>
+                        <a:t> = 2.2</a:t>
+                      </a:r>
+                      <a:endParaRPr lang="en-US" dirty="0"/>
                     </a:p>
                   </a:txBody>
                   <a:tcPr/>

--- a/NLH.pptx
+++ b/NLH.pptx
@@ -3702,7 +3702,7 @@
         </p:blipFill>
         <p:spPr>
           <a:xfrm>
-            <a:off x="2970631" y="1016828"/>
+            <a:off x="2664259" y="1143893"/>
             <a:ext cx="6863482" cy="4570214"/>
           </a:xfrm>
           <a:prstGeom prst="rect">
@@ -3915,7 +3915,7 @@
           <p:nvPr>
             <p:extLst>
               <p:ext uri="{D42A27DB-BD31-4B8C-83A1-F6EECF244321}">
-                <p14:modId xmlns:p14="http://schemas.microsoft.com/office/powerpoint/2010/main" val="4255693763"/>
+                <p14:modId xmlns:p14="http://schemas.microsoft.com/office/powerpoint/2010/main" val="4257097107"/>
               </p:ext>
             </p:extLst>
           </p:nvPr>
@@ -3989,6 +3989,17 @@
                         <a:rPr lang="en-US" dirty="0"/>
                         <a:t>Chi</a:t>
                       </a:r>
+                    </a:p>
+                    <a:p>
+                      <a:r>
+                        <a:rPr lang="en-US" sz="1400" dirty="0" err="1"/>
+                        <a:t>Chi_max</a:t>
+                      </a:r>
+                      <a:r>
+                        <a:rPr lang="en-US" sz="1400" dirty="0"/>
+                        <a:t> = 2.2</a:t>
+                      </a:r>
+                      <a:endParaRPr lang="en-US" sz="2400" dirty="0"/>
                     </a:p>
                   </a:txBody>
                   <a:tcPr/>

--- a/NLH.pptx
+++ b/NLH.pptx
@@ -3915,14 +3915,14 @@
           <p:nvPr>
             <p:extLst>
               <p:ext uri="{D42A27DB-BD31-4B8C-83A1-F6EECF244321}">
-                <p14:modId xmlns:p14="http://schemas.microsoft.com/office/powerpoint/2010/main" val="4257097107"/>
+                <p14:modId xmlns:p14="http://schemas.microsoft.com/office/powerpoint/2010/main" val="397748465"/>
               </p:ext>
             </p:extLst>
           </p:nvPr>
         </p:nvGraphicFramePr>
         <p:xfrm>
           <a:off x="7059279" y="4100296"/>
-          <a:ext cx="4218678" cy="2118360"/>
+          <a:ext cx="4218678" cy="2148840"/>
         </p:xfrm>
         <a:graphic>
           <a:graphicData uri="http://schemas.openxmlformats.org/drawingml/2006/table">
@@ -3976,6 +3976,34 @@
                         <a:rPr lang="en-US" dirty="0"/>
                         <a:t>Alpha</a:t>
                       </a:r>
+                    </a:p>
+                    <a:p>
+                      <a:pPr marL="0" marR="0" lvl="0" indent="0" algn="l" defTabSz="914400" rtl="0" eaLnBrk="1" fontAlgn="auto" latinLnBrk="0" hangingPunct="1">
+                        <a:lnSpc>
+                          <a:spcPct val="100000"/>
+                        </a:lnSpc>
+                        <a:spcBef>
+                          <a:spcPts val="0"/>
+                        </a:spcBef>
+                        <a:spcAft>
+                          <a:spcPts val="0"/>
+                        </a:spcAft>
+                        <a:buClrTx/>
+                        <a:buSzTx/>
+                        <a:buFontTx/>
+                        <a:buNone/>
+                        <a:tabLst/>
+                        <a:defRPr/>
+                      </a:pPr>
+                      <a:r>
+                        <a:rPr lang="en-US" sz="1000" dirty="0"/>
+                        <a:t>w/ Henderson </a:t>
+                      </a:r>
+                      <a:r>
+                        <a:rPr lang="en-US" sz="1000" dirty="0" err="1"/>
+                        <a:t>Hasselbalch</a:t>
+                      </a:r>
+                      <a:endParaRPr lang="en-US" sz="1000" dirty="0"/>
                     </a:p>
                   </a:txBody>
                   <a:tcPr/>
@@ -4285,14 +4313,14 @@
           <p:nvPr>
             <p:extLst>
               <p:ext uri="{D42A27DB-BD31-4B8C-83A1-F6EECF244321}">
-                <p14:modId xmlns:p14="http://schemas.microsoft.com/office/powerpoint/2010/main" val="823859884"/>
+                <p14:modId xmlns:p14="http://schemas.microsoft.com/office/powerpoint/2010/main" val="1387748990"/>
               </p:ext>
             </p:extLst>
           </p:nvPr>
         </p:nvGraphicFramePr>
         <p:xfrm>
           <a:off x="7059280" y="3729456"/>
-          <a:ext cx="4218678" cy="426720"/>
+          <a:ext cx="4218678" cy="370840"/>
         </p:xfrm>
         <a:graphic>
           <a:graphicData uri="http://schemas.openxmlformats.org/drawingml/2006/table">
@@ -4329,14 +4357,6 @@
                     <a:bodyPr/>
                     <a:lstStyle/>
                     <a:p>
-                      <a:r>
-                        <a:rPr lang="en-US" sz="1100" dirty="0"/>
-                        <a:t>w/ Henderson </a:t>
-                      </a:r>
-                      <a:r>
-                        <a:rPr lang="en-US" sz="1100" dirty="0" err="1"/>
-                        <a:t>Hasselbalch</a:t>
-                      </a:r>
                       <a:endParaRPr lang="en-US" dirty="0"/>
                     </a:p>
                   </a:txBody>
@@ -4470,14 +4490,14 @@
           <p:nvPr>
             <p:extLst>
               <p:ext uri="{D42A27DB-BD31-4B8C-83A1-F6EECF244321}">
-                <p14:modId xmlns:p14="http://schemas.microsoft.com/office/powerpoint/2010/main" val="938445303"/>
+                <p14:modId xmlns:p14="http://schemas.microsoft.com/office/powerpoint/2010/main" val="2616338420"/>
               </p:ext>
             </p:extLst>
           </p:nvPr>
         </p:nvGraphicFramePr>
         <p:xfrm>
           <a:off x="7869983" y="612380"/>
-          <a:ext cx="4218678" cy="3235960"/>
+          <a:ext cx="4218678" cy="3388360"/>
         </p:xfrm>
         <a:graphic>
           <a:graphicData uri="http://schemas.openxmlformats.org/drawingml/2006/table">
@@ -4527,10 +4547,55 @@
                     <a:bodyPr/>
                     <a:lstStyle/>
                     <a:p>
+                      <a:pPr marL="0" marR="0" lvl="0" indent="0" algn="l" defTabSz="914400" rtl="0" eaLnBrk="1" fontAlgn="auto" latinLnBrk="0" hangingPunct="1">
+                        <a:lnSpc>
+                          <a:spcPct val="100000"/>
+                        </a:lnSpc>
+                        <a:spcBef>
+                          <a:spcPts val="0"/>
+                        </a:spcBef>
+                        <a:spcAft>
+                          <a:spcPts val="0"/>
+                        </a:spcAft>
+                        <a:buClrTx/>
+                        <a:buSzTx/>
+                        <a:buFontTx/>
+                        <a:buNone/>
+                        <a:tabLst/>
+                        <a:defRPr/>
+                      </a:pPr>
                       <a:r>
                         <a:rPr lang="en-US" dirty="0"/>
                         <a:t>Alpha</a:t>
                       </a:r>
+                    </a:p>
+                    <a:p>
+                      <a:pPr marL="0" marR="0" lvl="0" indent="0" algn="l" defTabSz="914400" rtl="0" eaLnBrk="1" fontAlgn="auto" latinLnBrk="0" hangingPunct="1">
+                        <a:lnSpc>
+                          <a:spcPct val="100000"/>
+                        </a:lnSpc>
+                        <a:spcBef>
+                          <a:spcPts val="0"/>
+                        </a:spcBef>
+                        <a:spcAft>
+                          <a:spcPts val="0"/>
+                        </a:spcAft>
+                        <a:buClrTx/>
+                        <a:buSzTx/>
+                        <a:buFontTx/>
+                        <a:buNone/>
+                        <a:tabLst/>
+                        <a:defRPr/>
+                      </a:pPr>
+                      <a:r>
+                        <a:rPr lang="en-US" sz="1400" dirty="0"/>
+                        <a:t>w/ Henderson </a:t>
+                      </a:r>
+                      <a:r>
+                        <a:rPr lang="en-US" sz="1400" dirty="0" err="1"/>
+                        <a:t>Hasselbalch</a:t>
+                      </a:r>
+                      <a:endParaRPr lang="en-US" sz="1400" dirty="0"/>
                     </a:p>
                   </a:txBody>
                   <a:tcPr/>
@@ -5032,14 +5097,14 @@
           <p:nvPr>
             <p:extLst>
               <p:ext uri="{D42A27DB-BD31-4B8C-83A1-F6EECF244321}">
-                <p14:modId xmlns:p14="http://schemas.microsoft.com/office/powerpoint/2010/main" val="879608146"/>
+                <p14:modId xmlns:p14="http://schemas.microsoft.com/office/powerpoint/2010/main" val="3628730318"/>
               </p:ext>
             </p:extLst>
           </p:nvPr>
         </p:nvGraphicFramePr>
         <p:xfrm>
           <a:off x="7869984" y="241540"/>
-          <a:ext cx="4218678" cy="396240"/>
+          <a:ext cx="4218678" cy="370840"/>
         </p:xfrm>
         <a:graphic>
           <a:graphicData uri="http://schemas.openxmlformats.org/drawingml/2006/table">
@@ -5093,14 +5158,6 @@
                         <a:tabLst/>
                         <a:defRPr/>
                       </a:pPr>
-                      <a:r>
-                        <a:rPr lang="en-US" sz="1000" dirty="0"/>
-                        <a:t>w/ Henderson </a:t>
-                      </a:r>
-                      <a:r>
-                        <a:rPr lang="en-US" sz="1000" dirty="0" err="1"/>
-                        <a:t>Hasselbalch</a:t>
-                      </a:r>
                       <a:endParaRPr lang="en-US" sz="1000" dirty="0"/>
                     </a:p>
                   </a:txBody>

--- a/NLH.pptx
+++ b/NLH.pptx
@@ -5,12 +5,13 @@
     <p:sldMasterId id="2147483648" r:id="rId1"/>
   </p:sldMasterIdLst>
   <p:notesMasterIdLst>
-    <p:notesMasterId r:id="rId5"/>
+    <p:notesMasterId r:id="rId6"/>
   </p:notesMasterIdLst>
   <p:sldIdLst>
     <p:sldId id="260" r:id="rId2"/>
     <p:sldId id="258" r:id="rId3"/>
     <p:sldId id="259" r:id="rId4"/>
+    <p:sldId id="261" r:id="rId5"/>
   </p:sldIdLst>
   <p:sldSz cx="12192000" cy="6858000"/>
   <p:notesSz cx="6858000" cy="9144000"/>
@@ -199,7 +200,7 @@
           <a:p>
             <a:fld id="{CD589C0A-3A09-49C7-BF5E-A18753F65EB4}" type="datetimeFigureOut">
               <a:rPr lang="en-US" smtClean="0"/>
-              <a:t>8/2/2022</a:t>
+              <a:t>8/15/2022</a:t>
             </a:fld>
             <a:endParaRPr lang="en-US"/>
           </a:p>
@@ -613,7 +614,7 @@
           <a:p>
             <a:fld id="{BCCF18D8-6DFB-4CDA-AE1C-8F66D1E20DFB}" type="datetimeFigureOut">
               <a:rPr lang="en-US" smtClean="0"/>
-              <a:t>8/2/2022</a:t>
+              <a:t>8/15/2022</a:t>
             </a:fld>
             <a:endParaRPr lang="en-US"/>
           </a:p>
@@ -811,7 +812,7 @@
           <a:p>
             <a:fld id="{BCCF18D8-6DFB-4CDA-AE1C-8F66D1E20DFB}" type="datetimeFigureOut">
               <a:rPr lang="en-US" smtClean="0"/>
-              <a:t>8/2/2022</a:t>
+              <a:t>8/15/2022</a:t>
             </a:fld>
             <a:endParaRPr lang="en-US"/>
           </a:p>
@@ -1019,7 +1020,7 @@
           <a:p>
             <a:fld id="{BCCF18D8-6DFB-4CDA-AE1C-8F66D1E20DFB}" type="datetimeFigureOut">
               <a:rPr lang="en-US" smtClean="0"/>
-              <a:t>8/2/2022</a:t>
+              <a:t>8/15/2022</a:t>
             </a:fld>
             <a:endParaRPr lang="en-US"/>
           </a:p>
@@ -1217,7 +1218,7 @@
           <a:p>
             <a:fld id="{BCCF18D8-6DFB-4CDA-AE1C-8F66D1E20DFB}" type="datetimeFigureOut">
               <a:rPr lang="en-US" smtClean="0"/>
-              <a:t>8/2/2022</a:t>
+              <a:t>8/15/2022</a:t>
             </a:fld>
             <a:endParaRPr lang="en-US"/>
           </a:p>
@@ -1492,7 +1493,7 @@
           <a:p>
             <a:fld id="{BCCF18D8-6DFB-4CDA-AE1C-8F66D1E20DFB}" type="datetimeFigureOut">
               <a:rPr lang="en-US" smtClean="0"/>
-              <a:t>8/2/2022</a:t>
+              <a:t>8/15/2022</a:t>
             </a:fld>
             <a:endParaRPr lang="en-US"/>
           </a:p>
@@ -1757,7 +1758,7 @@
           <a:p>
             <a:fld id="{BCCF18D8-6DFB-4CDA-AE1C-8F66D1E20DFB}" type="datetimeFigureOut">
               <a:rPr lang="en-US" smtClean="0"/>
-              <a:t>8/2/2022</a:t>
+              <a:t>8/15/2022</a:t>
             </a:fld>
             <a:endParaRPr lang="en-US"/>
           </a:p>
@@ -2169,7 +2170,7 @@
           <a:p>
             <a:fld id="{BCCF18D8-6DFB-4CDA-AE1C-8F66D1E20DFB}" type="datetimeFigureOut">
               <a:rPr lang="en-US" smtClean="0"/>
-              <a:t>8/2/2022</a:t>
+              <a:t>8/15/2022</a:t>
             </a:fld>
             <a:endParaRPr lang="en-US"/>
           </a:p>
@@ -2310,7 +2311,7 @@
           <a:p>
             <a:fld id="{BCCF18D8-6DFB-4CDA-AE1C-8F66D1E20DFB}" type="datetimeFigureOut">
               <a:rPr lang="en-US" smtClean="0"/>
-              <a:t>8/2/2022</a:t>
+              <a:t>8/15/2022</a:t>
             </a:fld>
             <a:endParaRPr lang="en-US"/>
           </a:p>
@@ -2423,7 +2424,7 @@
           <a:p>
             <a:fld id="{BCCF18D8-6DFB-4CDA-AE1C-8F66D1E20DFB}" type="datetimeFigureOut">
               <a:rPr lang="en-US" smtClean="0"/>
-              <a:t>8/2/2022</a:t>
+              <a:t>8/15/2022</a:t>
             </a:fld>
             <a:endParaRPr lang="en-US"/>
           </a:p>
@@ -2734,7 +2735,7 @@
           <a:p>
             <a:fld id="{BCCF18D8-6DFB-4CDA-AE1C-8F66D1E20DFB}" type="datetimeFigureOut">
               <a:rPr lang="en-US" smtClean="0"/>
-              <a:t>8/2/2022</a:t>
+              <a:t>8/15/2022</a:t>
             </a:fld>
             <a:endParaRPr lang="en-US"/>
           </a:p>
@@ -3022,7 +3023,7 @@
           <a:p>
             <a:fld id="{BCCF18D8-6DFB-4CDA-AE1C-8F66D1E20DFB}" type="datetimeFigureOut">
               <a:rPr lang="en-US" smtClean="0"/>
-              <a:t>8/2/2022</a:t>
+              <a:t>8/15/2022</a:t>
             </a:fld>
             <a:endParaRPr lang="en-US"/>
           </a:p>
@@ -3263,7 +3264,7 @@
           <a:p>
             <a:fld id="{BCCF18D8-6DFB-4CDA-AE1C-8F66D1E20DFB}" type="datetimeFigureOut">
               <a:rPr lang="en-US" smtClean="0"/>
-              <a:t>8/2/2022</a:t>
+              <a:t>8/15/2022</a:t>
             </a:fld>
             <a:endParaRPr lang="en-US"/>
           </a:p>
@@ -3702,12 +3703,59 @@
         </p:blipFill>
         <p:spPr>
           <a:xfrm>
-            <a:off x="2664259" y="1143893"/>
-            <a:ext cx="6863482" cy="4570214"/>
+            <a:off x="214356" y="1759789"/>
+            <a:ext cx="5372425" cy="3577358"/>
           </a:xfrm>
           <a:prstGeom prst="rect">
             <a:avLst/>
           </a:prstGeom>
+        </p:spPr>
+      </p:pic>
+      <p:pic>
+        <p:nvPicPr>
+          <p:cNvPr id="1028" name="Picture 4">
+            <a:extLst>
+              <a:ext uri="{FF2B5EF4-FFF2-40B4-BE49-F238E27FC236}">
+                <a16:creationId xmlns:a16="http://schemas.microsoft.com/office/drawing/2014/main" id="{C77D05B2-4BC2-5EE8-1969-602E52A4F7BF}"/>
+              </a:ext>
+            </a:extLst>
+          </p:cNvPr>
+          <p:cNvPicPr>
+            <a:picLocks noChangeAspect="1" noChangeArrowheads="1"/>
+          </p:cNvPicPr>
+          <p:nvPr/>
+        </p:nvPicPr>
+        <p:blipFill>
+          <a:blip r:embed="rId3">
+            <a:extLst>
+              <a:ext uri="{28A0092B-C50C-407E-A947-70E740481C1C}">
+                <a14:useLocalDpi xmlns:a14="http://schemas.microsoft.com/office/drawing/2010/main" val="0"/>
+              </a:ext>
+            </a:extLst>
+          </a:blip>
+          <a:srcRect/>
+          <a:stretch>
+            <a:fillRect/>
+          </a:stretch>
+        </p:blipFill>
+        <p:spPr bwMode="auto">
+          <a:xfrm>
+            <a:off x="6473497" y="1580763"/>
+            <a:ext cx="4628699" cy="3696474"/>
+          </a:xfrm>
+          <a:prstGeom prst="rect">
+            <a:avLst/>
+          </a:prstGeom>
+          <a:noFill/>
+          <a:extLst>
+            <a:ext uri="{909E8E84-426E-40DD-AFC4-6F175D3DCCD1}">
+              <a14:hiddenFill xmlns:a14="http://schemas.microsoft.com/office/drawing/2010/main">
+                <a:solidFill>
+                  <a:srgbClr val="FFFFFF"/>
+                </a:solidFill>
+              </a14:hiddenFill>
+            </a:ext>
+          </a:extLst>
         </p:spPr>
       </p:pic>
     </p:spTree>
@@ -5316,6 +5364,118 @@
     <p:extLst>
       <p:ext uri="{BB962C8B-B14F-4D97-AF65-F5344CB8AC3E}">
         <p14:creationId xmlns:p14="http://schemas.microsoft.com/office/powerpoint/2010/main" val="4071948857"/>
+      </p:ext>
+    </p:extLst>
+  </p:cSld>
+  <p:clrMapOvr>
+    <a:masterClrMapping/>
+  </p:clrMapOvr>
+</p:sld>
+</file>
+
+<file path=ppt/slides/slide4.xml><?xml version="1.0" encoding="utf-8"?>
+<p:sld xmlns:a="http://schemas.openxmlformats.org/drawingml/2006/main" xmlns:r="http://schemas.openxmlformats.org/officeDocument/2006/relationships" xmlns:p="http://schemas.openxmlformats.org/presentationml/2006/main">
+  <p:cSld>
+    <p:spTree>
+      <p:nvGrpSpPr>
+        <p:cNvPr id="1" name=""/>
+        <p:cNvGrpSpPr/>
+        <p:nvPr/>
+      </p:nvGrpSpPr>
+      <p:grpSpPr>
+        <a:xfrm>
+          <a:off x="0" y="0"/>
+          <a:ext cx="0" cy="0"/>
+          <a:chOff x="0" y="0"/>
+          <a:chExt cx="0" cy="0"/>
+        </a:xfrm>
+      </p:grpSpPr>
+      <p:sp>
+        <p:nvSpPr>
+          <p:cNvPr id="2" name="TextBox 1">
+            <a:extLst>
+              <a:ext uri="{FF2B5EF4-FFF2-40B4-BE49-F238E27FC236}">
+                <a16:creationId xmlns:a16="http://schemas.microsoft.com/office/drawing/2014/main" id="{4A1D1452-B04C-160E-FE59-9220B67C60D4}"/>
+              </a:ext>
+            </a:extLst>
+          </p:cNvPr>
+          <p:cNvSpPr txBox="1"/>
+          <p:nvPr/>
+        </p:nvSpPr>
+        <p:spPr>
+          <a:xfrm>
+            <a:off x="621102" y="301925"/>
+            <a:ext cx="878767" cy="369332"/>
+          </a:xfrm>
+          <a:prstGeom prst="rect">
+            <a:avLst/>
+          </a:prstGeom>
+          <a:noFill/>
+        </p:spPr>
+        <p:txBody>
+          <a:bodyPr wrap="none" rtlCol="0">
+            <a:spAutoFit/>
+          </a:bodyPr>
+          <a:lstStyle/>
+          <a:p>
+            <a:r>
+              <a:rPr lang="en-US" dirty="0"/>
+              <a:t>b10v14</a:t>
+            </a:r>
+          </a:p>
+        </p:txBody>
+      </p:sp>
+      <p:pic>
+        <p:nvPicPr>
+          <p:cNvPr id="2050" name="Picture 2">
+            <a:extLst>
+              <a:ext uri="{FF2B5EF4-FFF2-40B4-BE49-F238E27FC236}">
+                <a16:creationId xmlns:a16="http://schemas.microsoft.com/office/drawing/2014/main" id="{8BBB63B2-4AAE-D769-69BB-6CF5F7692F28}"/>
+              </a:ext>
+            </a:extLst>
+          </p:cNvPr>
+          <p:cNvPicPr>
+            <a:picLocks noChangeAspect="1" noChangeArrowheads="1"/>
+          </p:cNvPicPr>
+          <p:nvPr/>
+        </p:nvPicPr>
+        <p:blipFill>
+          <a:blip r:embed="rId2">
+            <a:extLst>
+              <a:ext uri="{28A0092B-C50C-407E-A947-70E740481C1C}">
+                <a14:useLocalDpi xmlns:a14="http://schemas.microsoft.com/office/drawing/2010/main" val="0"/>
+              </a:ext>
+            </a:extLst>
+          </a:blip>
+          <a:srcRect/>
+          <a:stretch>
+            <a:fillRect/>
+          </a:stretch>
+        </p:blipFill>
+        <p:spPr bwMode="auto">
+          <a:xfrm>
+            <a:off x="1271768" y="1613140"/>
+            <a:ext cx="5155223" cy="4116956"/>
+          </a:xfrm>
+          <a:prstGeom prst="rect">
+            <a:avLst/>
+          </a:prstGeom>
+          <a:noFill/>
+          <a:extLst>
+            <a:ext uri="{909E8E84-426E-40DD-AFC4-6F175D3DCCD1}">
+              <a14:hiddenFill xmlns:a14="http://schemas.microsoft.com/office/drawing/2010/main">
+                <a:solidFill>
+                  <a:srgbClr val="FFFFFF"/>
+                </a:solidFill>
+              </a14:hiddenFill>
+            </a:ext>
+          </a:extLst>
+        </p:spPr>
+      </p:pic>
+    </p:spTree>
+    <p:extLst>
+      <p:ext uri="{BB962C8B-B14F-4D97-AF65-F5344CB8AC3E}">
+        <p14:creationId xmlns:p14="http://schemas.microsoft.com/office/powerpoint/2010/main" val="1117542525"/>
       </p:ext>
     </p:extLst>
   </p:cSld>

--- a/NLH.pptx
+++ b/NLH.pptx
@@ -5404,7 +5404,7 @@
         </p:nvSpPr>
         <p:spPr>
           <a:xfrm>
-            <a:off x="621102" y="301925"/>
+            <a:off x="1699967" y="2147977"/>
             <a:ext cx="878767" cy="369332"/>
           </a:xfrm>
           <a:prstGeom prst="rect">
@@ -5427,10 +5427,10 @@
       </p:sp>
       <p:pic>
         <p:nvPicPr>
-          <p:cNvPr id="2050" name="Picture 2">
-            <a:extLst>
-              <a:ext uri="{FF2B5EF4-FFF2-40B4-BE49-F238E27FC236}">
-                <a16:creationId xmlns:a16="http://schemas.microsoft.com/office/drawing/2014/main" id="{8BBB63B2-4AAE-D769-69BB-6CF5F7692F28}"/>
+          <p:cNvPr id="2052" name="Picture 4">
+            <a:extLst>
+              <a:ext uri="{FF2B5EF4-FFF2-40B4-BE49-F238E27FC236}">
+                <a16:creationId xmlns:a16="http://schemas.microsoft.com/office/drawing/2014/main" id="{C6F87D58-5C69-75A0-3A29-E3D7C1DFA922}"/>
               </a:ext>
             </a:extLst>
           </p:cNvPr>
@@ -5454,8 +5454,172 @@
         </p:blipFill>
         <p:spPr bwMode="auto">
           <a:xfrm>
-            <a:off x="1271768" y="1613140"/>
-            <a:ext cx="5155223" cy="4116956"/>
+            <a:off x="495392" y="2717321"/>
+            <a:ext cx="3491725" cy="2788488"/>
+          </a:xfrm>
+          <a:prstGeom prst="rect">
+            <a:avLst/>
+          </a:prstGeom>
+          <a:noFill/>
+          <a:extLst>
+            <a:ext uri="{909E8E84-426E-40DD-AFC4-6F175D3DCCD1}">
+              <a14:hiddenFill xmlns:a14="http://schemas.microsoft.com/office/drawing/2010/main">
+                <a:solidFill>
+                  <a:srgbClr val="FFFFFF"/>
+                </a:solidFill>
+              </a14:hiddenFill>
+            </a:ext>
+          </a:extLst>
+        </p:spPr>
+      </p:pic>
+      <p:sp>
+        <p:nvSpPr>
+          <p:cNvPr id="5" name="TextBox 4">
+            <a:extLst>
+              <a:ext uri="{FF2B5EF4-FFF2-40B4-BE49-F238E27FC236}">
+                <a16:creationId xmlns:a16="http://schemas.microsoft.com/office/drawing/2014/main" id="{CE255B7B-083A-CF99-D476-5DCB80EFBA5B}"/>
+              </a:ext>
+            </a:extLst>
+          </p:cNvPr>
+          <p:cNvSpPr txBox="1"/>
+          <p:nvPr/>
+        </p:nvSpPr>
+        <p:spPr>
+          <a:xfrm>
+            <a:off x="5913487" y="2070340"/>
+            <a:ext cx="878767" cy="369332"/>
+          </a:xfrm>
+          <a:prstGeom prst="rect">
+            <a:avLst/>
+          </a:prstGeom>
+          <a:noFill/>
+        </p:spPr>
+        <p:txBody>
+          <a:bodyPr wrap="none" rtlCol="0">
+            <a:spAutoFit/>
+          </a:bodyPr>
+          <a:lstStyle/>
+          <a:p>
+            <a:r>
+              <a:rPr lang="en-US" dirty="0"/>
+              <a:t>b12v14</a:t>
+            </a:r>
+          </a:p>
+        </p:txBody>
+      </p:sp>
+      <p:pic>
+        <p:nvPicPr>
+          <p:cNvPr id="2054" name="Picture 6">
+            <a:extLst>
+              <a:ext uri="{FF2B5EF4-FFF2-40B4-BE49-F238E27FC236}">
+                <a16:creationId xmlns:a16="http://schemas.microsoft.com/office/drawing/2014/main" id="{75522D8F-6ACA-9D43-6BEE-436BB237C863}"/>
+              </a:ext>
+            </a:extLst>
+          </p:cNvPr>
+          <p:cNvPicPr>
+            <a:picLocks noChangeAspect="1" noChangeArrowheads="1"/>
+          </p:cNvPicPr>
+          <p:nvPr/>
+        </p:nvPicPr>
+        <p:blipFill>
+          <a:blip r:embed="rId3">
+            <a:extLst>
+              <a:ext uri="{28A0092B-C50C-407E-A947-70E740481C1C}">
+                <a14:useLocalDpi xmlns:a14="http://schemas.microsoft.com/office/drawing/2010/main" val="0"/>
+              </a:ext>
+            </a:extLst>
+          </a:blip>
+          <a:srcRect/>
+          <a:stretch>
+            <a:fillRect/>
+          </a:stretch>
+        </p:blipFill>
+        <p:spPr bwMode="auto">
+          <a:xfrm>
+            <a:off x="4532553" y="2639681"/>
+            <a:ext cx="3491726" cy="2788489"/>
+          </a:xfrm>
+          <a:prstGeom prst="rect">
+            <a:avLst/>
+          </a:prstGeom>
+          <a:noFill/>
+          <a:extLst>
+            <a:ext uri="{909E8E84-426E-40DD-AFC4-6F175D3DCCD1}">
+              <a14:hiddenFill xmlns:a14="http://schemas.microsoft.com/office/drawing/2010/main">
+                <a:solidFill>
+                  <a:srgbClr val="FFFFFF"/>
+                </a:solidFill>
+              </a14:hiddenFill>
+            </a:ext>
+          </a:extLst>
+        </p:spPr>
+      </p:pic>
+      <p:sp>
+        <p:nvSpPr>
+          <p:cNvPr id="6" name="TextBox 5">
+            <a:extLst>
+              <a:ext uri="{FF2B5EF4-FFF2-40B4-BE49-F238E27FC236}">
+                <a16:creationId xmlns:a16="http://schemas.microsoft.com/office/drawing/2014/main" id="{545BC216-7A35-D8ED-A4EC-B0B2509C7BF3}"/>
+              </a:ext>
+            </a:extLst>
+          </p:cNvPr>
+          <p:cNvSpPr txBox="1"/>
+          <p:nvPr/>
+        </p:nvSpPr>
+        <p:spPr>
+          <a:xfrm>
+            <a:off x="9844256" y="2070340"/>
+            <a:ext cx="878767" cy="369332"/>
+          </a:xfrm>
+          <a:prstGeom prst="rect">
+            <a:avLst/>
+          </a:prstGeom>
+          <a:noFill/>
+        </p:spPr>
+        <p:txBody>
+          <a:bodyPr wrap="none" rtlCol="0">
+            <a:spAutoFit/>
+          </a:bodyPr>
+          <a:lstStyle/>
+          <a:p>
+            <a:r>
+              <a:rPr lang="en-US" dirty="0"/>
+              <a:t>b14v14</a:t>
+            </a:r>
+          </a:p>
+        </p:txBody>
+      </p:sp>
+      <p:pic>
+        <p:nvPicPr>
+          <p:cNvPr id="2056" name="Picture 8">
+            <a:extLst>
+              <a:ext uri="{FF2B5EF4-FFF2-40B4-BE49-F238E27FC236}">
+                <a16:creationId xmlns:a16="http://schemas.microsoft.com/office/drawing/2014/main" id="{43C3CB1A-BF37-4BD9-88B0-6903B9E194FF}"/>
+              </a:ext>
+            </a:extLst>
+          </p:cNvPr>
+          <p:cNvPicPr>
+            <a:picLocks noChangeAspect="1" noChangeArrowheads="1"/>
+          </p:cNvPicPr>
+          <p:nvPr/>
+        </p:nvPicPr>
+        <p:blipFill>
+          <a:blip r:embed="rId4">
+            <a:extLst>
+              <a:ext uri="{28A0092B-C50C-407E-A947-70E740481C1C}">
+                <a14:useLocalDpi xmlns:a14="http://schemas.microsoft.com/office/drawing/2010/main" val="0"/>
+              </a:ext>
+            </a:extLst>
+          </a:blip>
+          <a:srcRect/>
+          <a:stretch>
+            <a:fillRect/>
+          </a:stretch>
+        </p:blipFill>
+        <p:spPr bwMode="auto">
+          <a:xfrm>
+            <a:off x="8537776" y="2658026"/>
+            <a:ext cx="3491725" cy="2751797"/>
           </a:xfrm>
           <a:prstGeom prst="rect">
             <a:avLst/>

--- a/NLH.pptx
+++ b/NLH.pptx
@@ -5,13 +5,14 @@
     <p:sldMasterId id="2147483648" r:id="rId1"/>
   </p:sldMasterIdLst>
   <p:notesMasterIdLst>
-    <p:notesMasterId r:id="rId6"/>
+    <p:notesMasterId r:id="rId7"/>
   </p:notesMasterIdLst>
   <p:sldIdLst>
     <p:sldId id="260" r:id="rId2"/>
     <p:sldId id="258" r:id="rId3"/>
     <p:sldId id="259" r:id="rId4"/>
     <p:sldId id="261" r:id="rId5"/>
+    <p:sldId id="262" r:id="rId6"/>
   </p:sldIdLst>
   <p:sldSz cx="12192000" cy="6858000"/>
   <p:notesSz cx="6858000" cy="9144000"/>
@@ -200,7 +201,7 @@
           <a:p>
             <a:fld id="{CD589C0A-3A09-49C7-BF5E-A18753F65EB4}" type="datetimeFigureOut">
               <a:rPr lang="en-US" smtClean="0"/>
-              <a:t>8/15/2022</a:t>
+              <a:t>8/24/2022</a:t>
             </a:fld>
             <a:endParaRPr lang="en-US"/>
           </a:p>
@@ -614,7 +615,7 @@
           <a:p>
             <a:fld id="{BCCF18D8-6DFB-4CDA-AE1C-8F66D1E20DFB}" type="datetimeFigureOut">
               <a:rPr lang="en-US" smtClean="0"/>
-              <a:t>8/15/2022</a:t>
+              <a:t>8/24/2022</a:t>
             </a:fld>
             <a:endParaRPr lang="en-US"/>
           </a:p>
@@ -812,7 +813,7 @@
           <a:p>
             <a:fld id="{BCCF18D8-6DFB-4CDA-AE1C-8F66D1E20DFB}" type="datetimeFigureOut">
               <a:rPr lang="en-US" smtClean="0"/>
-              <a:t>8/15/2022</a:t>
+              <a:t>8/24/2022</a:t>
             </a:fld>
             <a:endParaRPr lang="en-US"/>
           </a:p>
@@ -1020,7 +1021,7 @@
           <a:p>
             <a:fld id="{BCCF18D8-6DFB-4CDA-AE1C-8F66D1E20DFB}" type="datetimeFigureOut">
               <a:rPr lang="en-US" smtClean="0"/>
-              <a:t>8/15/2022</a:t>
+              <a:t>8/24/2022</a:t>
             </a:fld>
             <a:endParaRPr lang="en-US"/>
           </a:p>
@@ -1218,7 +1219,7 @@
           <a:p>
             <a:fld id="{BCCF18D8-6DFB-4CDA-AE1C-8F66D1E20DFB}" type="datetimeFigureOut">
               <a:rPr lang="en-US" smtClean="0"/>
-              <a:t>8/15/2022</a:t>
+              <a:t>8/24/2022</a:t>
             </a:fld>
             <a:endParaRPr lang="en-US"/>
           </a:p>
@@ -1493,7 +1494,7 @@
           <a:p>
             <a:fld id="{BCCF18D8-6DFB-4CDA-AE1C-8F66D1E20DFB}" type="datetimeFigureOut">
               <a:rPr lang="en-US" smtClean="0"/>
-              <a:t>8/15/2022</a:t>
+              <a:t>8/24/2022</a:t>
             </a:fld>
             <a:endParaRPr lang="en-US"/>
           </a:p>
@@ -1758,7 +1759,7 @@
           <a:p>
             <a:fld id="{BCCF18D8-6DFB-4CDA-AE1C-8F66D1E20DFB}" type="datetimeFigureOut">
               <a:rPr lang="en-US" smtClean="0"/>
-              <a:t>8/15/2022</a:t>
+              <a:t>8/24/2022</a:t>
             </a:fld>
             <a:endParaRPr lang="en-US"/>
           </a:p>
@@ -2170,7 +2171,7 @@
           <a:p>
             <a:fld id="{BCCF18D8-6DFB-4CDA-AE1C-8F66D1E20DFB}" type="datetimeFigureOut">
               <a:rPr lang="en-US" smtClean="0"/>
-              <a:t>8/15/2022</a:t>
+              <a:t>8/24/2022</a:t>
             </a:fld>
             <a:endParaRPr lang="en-US"/>
           </a:p>
@@ -2311,7 +2312,7 @@
           <a:p>
             <a:fld id="{BCCF18D8-6DFB-4CDA-AE1C-8F66D1E20DFB}" type="datetimeFigureOut">
               <a:rPr lang="en-US" smtClean="0"/>
-              <a:t>8/15/2022</a:t>
+              <a:t>8/24/2022</a:t>
             </a:fld>
             <a:endParaRPr lang="en-US"/>
           </a:p>
@@ -2424,7 +2425,7 @@
           <a:p>
             <a:fld id="{BCCF18D8-6DFB-4CDA-AE1C-8F66D1E20DFB}" type="datetimeFigureOut">
               <a:rPr lang="en-US" smtClean="0"/>
-              <a:t>8/15/2022</a:t>
+              <a:t>8/24/2022</a:t>
             </a:fld>
             <a:endParaRPr lang="en-US"/>
           </a:p>
@@ -2735,7 +2736,7 @@
           <a:p>
             <a:fld id="{BCCF18D8-6DFB-4CDA-AE1C-8F66D1E20DFB}" type="datetimeFigureOut">
               <a:rPr lang="en-US" smtClean="0"/>
-              <a:t>8/15/2022</a:t>
+              <a:t>8/24/2022</a:t>
             </a:fld>
             <a:endParaRPr lang="en-US"/>
           </a:p>
@@ -3023,7 +3024,7 @@
           <a:p>
             <a:fld id="{BCCF18D8-6DFB-4CDA-AE1C-8F66D1E20DFB}" type="datetimeFigureOut">
               <a:rPr lang="en-US" smtClean="0"/>
-              <a:t>8/15/2022</a:t>
+              <a:t>8/24/2022</a:t>
             </a:fld>
             <a:endParaRPr lang="en-US"/>
           </a:p>
@@ -3264,7 +3265,7 @@
           <a:p>
             <a:fld id="{BCCF18D8-6DFB-4CDA-AE1C-8F66D1E20DFB}" type="datetimeFigureOut">
               <a:rPr lang="en-US" smtClean="0"/>
-              <a:t>8/15/2022</a:t>
+              <a:t>8/24/2022</a:t>
             </a:fld>
             <a:endParaRPr lang="en-US"/>
           </a:p>
@@ -5636,10 +5637,286 @@
           </a:extLst>
         </p:spPr>
       </p:pic>
+      <p:sp>
+        <p:nvSpPr>
+          <p:cNvPr id="3" name="TextBox 2">
+            <a:extLst>
+              <a:ext uri="{FF2B5EF4-FFF2-40B4-BE49-F238E27FC236}">
+                <a16:creationId xmlns:a16="http://schemas.microsoft.com/office/drawing/2014/main" id="{E3F38777-6E41-0B0D-2024-E3D2628A5313}"/>
+              </a:ext>
+            </a:extLst>
+          </p:cNvPr>
+          <p:cNvSpPr txBox="1"/>
+          <p:nvPr/>
+        </p:nvSpPr>
+        <p:spPr>
+          <a:xfrm>
+            <a:off x="5226423" y="1305254"/>
+            <a:ext cx="2402541" cy="369332"/>
+          </a:xfrm>
+          <a:prstGeom prst="rect">
+            <a:avLst/>
+          </a:prstGeom>
+          <a:noFill/>
+        </p:spPr>
+        <p:txBody>
+          <a:bodyPr wrap="square" rtlCol="0">
+            <a:spAutoFit/>
+          </a:bodyPr>
+          <a:lstStyle/>
+          <a:p>
+            <a:pPr algn="ctr"/>
+            <a:r>
+              <a:rPr lang="en-US" dirty="0" err="1"/>
+              <a:t>Chimax</a:t>
+            </a:r>
+            <a:r>
+              <a:rPr lang="en-US" dirty="0"/>
+              <a:t> = 2.2</a:t>
+            </a:r>
+          </a:p>
+        </p:txBody>
+      </p:sp>
     </p:spTree>
     <p:extLst>
       <p:ext uri="{BB962C8B-B14F-4D97-AF65-F5344CB8AC3E}">
         <p14:creationId xmlns:p14="http://schemas.microsoft.com/office/powerpoint/2010/main" val="1117542525"/>
+      </p:ext>
+    </p:extLst>
+  </p:cSld>
+  <p:clrMapOvr>
+    <a:masterClrMapping/>
+  </p:clrMapOvr>
+</p:sld>
+</file>
+
+<file path=ppt/slides/slide5.xml><?xml version="1.0" encoding="utf-8"?>
+<p:sld xmlns:a="http://schemas.openxmlformats.org/drawingml/2006/main" xmlns:r="http://schemas.openxmlformats.org/officeDocument/2006/relationships" xmlns:p="http://schemas.openxmlformats.org/presentationml/2006/main">
+  <p:cSld>
+    <p:spTree>
+      <p:nvGrpSpPr>
+        <p:cNvPr id="1" name=""/>
+        <p:cNvGrpSpPr/>
+        <p:nvPr/>
+      </p:nvGrpSpPr>
+      <p:grpSpPr>
+        <a:xfrm>
+          <a:off x="0" y="0"/>
+          <a:ext cx="0" cy="0"/>
+          <a:chOff x="0" y="0"/>
+          <a:chExt cx="0" cy="0"/>
+        </a:xfrm>
+      </p:grpSpPr>
+      <p:pic>
+        <p:nvPicPr>
+          <p:cNvPr id="1026" name="Picture 2">
+            <a:extLst>
+              <a:ext uri="{FF2B5EF4-FFF2-40B4-BE49-F238E27FC236}">
+                <a16:creationId xmlns:a16="http://schemas.microsoft.com/office/drawing/2014/main" id="{AA4FF42C-05FC-B62B-883D-26DFB1529CF1}"/>
+              </a:ext>
+            </a:extLst>
+          </p:cNvPr>
+          <p:cNvPicPr>
+            <a:picLocks noChangeAspect="1" noChangeArrowheads="1"/>
+          </p:cNvPicPr>
+          <p:nvPr/>
+        </p:nvPicPr>
+        <p:blipFill>
+          <a:blip r:embed="rId2">
+            <a:extLst>
+              <a:ext uri="{28A0092B-C50C-407E-A947-70E740481C1C}">
+                <a14:useLocalDpi xmlns:a14="http://schemas.microsoft.com/office/drawing/2010/main" val="0"/>
+              </a:ext>
+            </a:extLst>
+          </a:blip>
+          <a:srcRect/>
+          <a:stretch>
+            <a:fillRect/>
+          </a:stretch>
+        </p:blipFill>
+        <p:spPr bwMode="auto">
+          <a:xfrm>
+            <a:off x="729665" y="2502569"/>
+            <a:ext cx="4753045" cy="3745832"/>
+          </a:xfrm>
+          <a:prstGeom prst="rect">
+            <a:avLst/>
+          </a:prstGeom>
+          <a:noFill/>
+          <a:extLst>
+            <a:ext uri="{909E8E84-426E-40DD-AFC4-6F175D3DCCD1}">
+              <a14:hiddenFill xmlns:a14="http://schemas.microsoft.com/office/drawing/2010/main">
+                <a:solidFill>
+                  <a:srgbClr val="FFFFFF"/>
+                </a:solidFill>
+              </a14:hiddenFill>
+            </a:ext>
+          </a:extLst>
+        </p:spPr>
+      </p:pic>
+      <p:sp>
+        <p:nvSpPr>
+          <p:cNvPr id="2" name="TextBox 1">
+            <a:extLst>
+              <a:ext uri="{FF2B5EF4-FFF2-40B4-BE49-F238E27FC236}">
+                <a16:creationId xmlns:a16="http://schemas.microsoft.com/office/drawing/2014/main" id="{56688CDA-2217-A67C-DD35-2AD9F8E5C036}"/>
+              </a:ext>
+            </a:extLst>
+          </p:cNvPr>
+          <p:cNvSpPr txBox="1"/>
+          <p:nvPr/>
+        </p:nvSpPr>
+        <p:spPr>
+          <a:xfrm>
+            <a:off x="5226423" y="1305254"/>
+            <a:ext cx="2402541" cy="369332"/>
+          </a:xfrm>
+          <a:prstGeom prst="rect">
+            <a:avLst/>
+          </a:prstGeom>
+          <a:noFill/>
+        </p:spPr>
+        <p:txBody>
+          <a:bodyPr wrap="square" rtlCol="0">
+            <a:spAutoFit/>
+          </a:bodyPr>
+          <a:lstStyle/>
+          <a:p>
+            <a:pPr algn="ctr"/>
+            <a:r>
+              <a:rPr lang="en-US" dirty="0" err="1"/>
+              <a:t>Chimax</a:t>
+            </a:r>
+            <a:r>
+              <a:rPr lang="en-US" dirty="0"/>
+              <a:t> = 3.0</a:t>
+            </a:r>
+          </a:p>
+        </p:txBody>
+      </p:sp>
+      <p:sp>
+        <p:nvSpPr>
+          <p:cNvPr id="3" name="TextBox 2">
+            <a:extLst>
+              <a:ext uri="{FF2B5EF4-FFF2-40B4-BE49-F238E27FC236}">
+                <a16:creationId xmlns:a16="http://schemas.microsoft.com/office/drawing/2014/main" id="{FA74725C-2CC2-7DCB-8848-99DB9B3B5694}"/>
+              </a:ext>
+            </a:extLst>
+          </p:cNvPr>
+          <p:cNvSpPr txBox="1"/>
+          <p:nvPr/>
+        </p:nvSpPr>
+        <p:spPr>
+          <a:xfrm>
+            <a:off x="2122275" y="2099885"/>
+            <a:ext cx="2402541" cy="369332"/>
+          </a:xfrm>
+          <a:prstGeom prst="rect">
+            <a:avLst/>
+          </a:prstGeom>
+          <a:noFill/>
+        </p:spPr>
+        <p:txBody>
+          <a:bodyPr wrap="square" rtlCol="0">
+            <a:spAutoFit/>
+          </a:bodyPr>
+          <a:lstStyle/>
+          <a:p>
+            <a:pPr algn="ctr"/>
+            <a:r>
+              <a:rPr lang="en-US" dirty="0"/>
+              <a:t>Gibbs</a:t>
+            </a:r>
+          </a:p>
+        </p:txBody>
+      </p:sp>
+      <p:sp>
+        <p:nvSpPr>
+          <p:cNvPr id="4" name="TextBox 3">
+            <a:extLst>
+              <a:ext uri="{FF2B5EF4-FFF2-40B4-BE49-F238E27FC236}">
+                <a16:creationId xmlns:a16="http://schemas.microsoft.com/office/drawing/2014/main" id="{9CF704AA-A4C8-C1AA-9222-AECE29D82A1D}"/>
+              </a:ext>
+            </a:extLst>
+          </p:cNvPr>
+          <p:cNvSpPr txBox="1"/>
+          <p:nvPr/>
+        </p:nvSpPr>
+        <p:spPr>
+          <a:xfrm>
+            <a:off x="7667185" y="2099885"/>
+            <a:ext cx="2402541" cy="369332"/>
+          </a:xfrm>
+          <a:prstGeom prst="rect">
+            <a:avLst/>
+          </a:prstGeom>
+          <a:noFill/>
+        </p:spPr>
+        <p:txBody>
+          <a:bodyPr wrap="square" rtlCol="0">
+            <a:spAutoFit/>
+          </a:bodyPr>
+          <a:lstStyle/>
+          <a:p>
+            <a:pPr algn="ctr"/>
+            <a:r>
+              <a:rPr lang="en-US" dirty="0"/>
+              <a:t>Phi thresh = 1e-04</a:t>
+            </a:r>
+          </a:p>
+        </p:txBody>
+      </p:sp>
+      <p:pic>
+        <p:nvPicPr>
+          <p:cNvPr id="1028" name="Picture 4">
+            <a:extLst>
+              <a:ext uri="{FF2B5EF4-FFF2-40B4-BE49-F238E27FC236}">
+                <a16:creationId xmlns:a16="http://schemas.microsoft.com/office/drawing/2014/main" id="{6C2E26D9-EDE4-4E22-94DA-59D36681FE98}"/>
+              </a:ext>
+            </a:extLst>
+          </p:cNvPr>
+          <p:cNvPicPr>
+            <a:picLocks noChangeAspect="1" noChangeArrowheads="1"/>
+          </p:cNvPicPr>
+          <p:nvPr/>
+        </p:nvPicPr>
+        <p:blipFill>
+          <a:blip r:embed="rId3">
+            <a:extLst>
+              <a:ext uri="{28A0092B-C50C-407E-A947-70E740481C1C}">
+                <a14:useLocalDpi xmlns:a14="http://schemas.microsoft.com/office/drawing/2010/main" val="0"/>
+              </a:ext>
+            </a:extLst>
+          </a:blip>
+          <a:srcRect/>
+          <a:stretch>
+            <a:fillRect/>
+          </a:stretch>
+        </p:blipFill>
+        <p:spPr bwMode="auto">
+          <a:xfrm>
+            <a:off x="6296277" y="2502568"/>
+            <a:ext cx="4753046" cy="3745833"/>
+          </a:xfrm>
+          <a:prstGeom prst="rect">
+            <a:avLst/>
+          </a:prstGeom>
+          <a:noFill/>
+          <a:extLst>
+            <a:ext uri="{909E8E84-426E-40DD-AFC4-6F175D3DCCD1}">
+              <a14:hiddenFill xmlns:a14="http://schemas.microsoft.com/office/drawing/2010/main">
+                <a:solidFill>
+                  <a:srgbClr val="FFFFFF"/>
+                </a:solidFill>
+              </a14:hiddenFill>
+            </a:ext>
+          </a:extLst>
+        </p:spPr>
+      </p:pic>
+    </p:spTree>
+    <p:extLst>
+      <p:ext uri="{BB962C8B-B14F-4D97-AF65-F5344CB8AC3E}">
+        <p14:creationId xmlns:p14="http://schemas.microsoft.com/office/powerpoint/2010/main" val="3346254354"/>
       </p:ext>
     </p:extLst>
   </p:cSld>

--- a/NLH.pptx
+++ b/NLH.pptx
@@ -5768,7 +5768,7 @@
         </p:nvSpPr>
         <p:spPr>
           <a:xfrm>
-            <a:off x="5226423" y="1305254"/>
+            <a:off x="4894729" y="904202"/>
             <a:ext cx="2402541" cy="369332"/>
           </a:xfrm>
           <a:prstGeom prst="rect">

--- a/NLH.pptx
+++ b/NLH.pptx
@@ -5,7 +5,7 @@
     <p:sldMasterId id="2147483648" r:id="rId1"/>
   </p:sldMasterIdLst>
   <p:notesMasterIdLst>
-    <p:notesMasterId r:id="rId7"/>
+    <p:notesMasterId r:id="rId8"/>
   </p:notesMasterIdLst>
   <p:sldIdLst>
     <p:sldId id="260" r:id="rId2"/>
@@ -13,6 +13,7 @@
     <p:sldId id="259" r:id="rId4"/>
     <p:sldId id="261" r:id="rId5"/>
     <p:sldId id="262" r:id="rId6"/>
+    <p:sldId id="263" r:id="rId7"/>
   </p:sldIdLst>
   <p:sldSz cx="12192000" cy="6858000"/>
   <p:notesSz cx="6858000" cy="9144000"/>
@@ -466,6 +467,90 @@
     </a:lvl9pPr>
   </p:notesStyle>
 </p:notesMaster>
+</file>
+
+<file path=ppt/notesSlides/notesSlide1.xml><?xml version="1.0" encoding="utf-8"?>
+<p:notes xmlns:a="http://schemas.openxmlformats.org/drawingml/2006/main" xmlns:r="http://schemas.openxmlformats.org/officeDocument/2006/relationships" xmlns:p="http://schemas.openxmlformats.org/presentationml/2006/main">
+  <p:cSld>
+    <p:spTree>
+      <p:nvGrpSpPr>
+        <p:cNvPr id="1" name=""/>
+        <p:cNvGrpSpPr/>
+        <p:nvPr/>
+      </p:nvGrpSpPr>
+      <p:grpSpPr>
+        <a:xfrm>
+          <a:off x="0" y="0"/>
+          <a:ext cx="0" cy="0"/>
+          <a:chOff x="0" y="0"/>
+          <a:chExt cx="0" cy="0"/>
+        </a:xfrm>
+      </p:grpSpPr>
+      <p:sp>
+        <p:nvSpPr>
+          <p:cNvPr id="2" name="Slide Image Placeholder 1"/>
+          <p:cNvSpPr>
+            <a:spLocks noGrp="1" noRot="1" noChangeAspect="1"/>
+          </p:cNvSpPr>
+          <p:nvPr>
+            <p:ph type="sldImg"/>
+          </p:nvPr>
+        </p:nvSpPr>
+        <p:spPr/>
+      </p:sp>
+      <p:sp>
+        <p:nvSpPr>
+          <p:cNvPr id="3" name="Notes Placeholder 2"/>
+          <p:cNvSpPr>
+            <a:spLocks noGrp="1"/>
+          </p:cNvSpPr>
+          <p:nvPr>
+            <p:ph type="body" idx="1"/>
+          </p:nvPr>
+        </p:nvSpPr>
+        <p:spPr/>
+        <p:txBody>
+          <a:bodyPr/>
+          <a:lstStyle/>
+          <a:p>
+            <a:endParaRPr lang="en-US" dirty="0"/>
+          </a:p>
+        </p:txBody>
+      </p:sp>
+      <p:sp>
+        <p:nvSpPr>
+          <p:cNvPr id="4" name="Slide Number Placeholder 3"/>
+          <p:cNvSpPr>
+            <a:spLocks noGrp="1"/>
+          </p:cNvSpPr>
+          <p:nvPr>
+            <p:ph type="sldNum" sz="quarter" idx="5"/>
+          </p:nvPr>
+        </p:nvSpPr>
+        <p:spPr/>
+        <p:txBody>
+          <a:bodyPr/>
+          <a:lstStyle/>
+          <a:p>
+            <a:fld id="{5820411F-DB0B-4B08-816C-26D013D8D212}" type="slidenum">
+              <a:rPr lang="en-US" smtClean="0"/>
+              <a:t>6</a:t>
+            </a:fld>
+            <a:endParaRPr lang="en-US"/>
+          </a:p>
+        </p:txBody>
+      </p:sp>
+    </p:spTree>
+    <p:extLst>
+      <p:ext uri="{BB962C8B-B14F-4D97-AF65-F5344CB8AC3E}">
+        <p14:creationId xmlns:p14="http://schemas.microsoft.com/office/powerpoint/2010/main" val="3624621818"/>
+      </p:ext>
+    </p:extLst>
+  </p:cSld>
+  <p:clrMapOvr>
+    <a:masterClrMapping/>
+  </p:clrMapOvr>
+</p:notes>
 </file>
 
 <file path=ppt/slideLayouts/slideLayout1.xml><?xml version="1.0" encoding="utf-8"?>
@@ -5917,6 +6002,377 @@
     <p:extLst>
       <p:ext uri="{BB962C8B-B14F-4D97-AF65-F5344CB8AC3E}">
         <p14:creationId xmlns:p14="http://schemas.microsoft.com/office/powerpoint/2010/main" val="3346254354"/>
+      </p:ext>
+    </p:extLst>
+  </p:cSld>
+  <p:clrMapOvr>
+    <a:masterClrMapping/>
+  </p:clrMapOvr>
+</p:sld>
+</file>
+
+<file path=ppt/slides/slide6.xml><?xml version="1.0" encoding="utf-8"?>
+<p:sld xmlns:a="http://schemas.openxmlformats.org/drawingml/2006/main" xmlns:r="http://schemas.openxmlformats.org/officeDocument/2006/relationships" xmlns:p="http://schemas.openxmlformats.org/presentationml/2006/main">
+  <p:cSld>
+    <p:spTree>
+      <p:nvGrpSpPr>
+        <p:cNvPr id="1" name=""/>
+        <p:cNvGrpSpPr/>
+        <p:nvPr/>
+      </p:nvGrpSpPr>
+      <p:grpSpPr>
+        <a:xfrm>
+          <a:off x="0" y="0"/>
+          <a:ext cx="0" cy="0"/>
+          <a:chOff x="0" y="0"/>
+          <a:chExt cx="0" cy="0"/>
+        </a:xfrm>
+      </p:grpSpPr>
+      <p:pic>
+        <p:nvPicPr>
+          <p:cNvPr id="2050" name="Picture 2">
+            <a:extLst>
+              <a:ext uri="{FF2B5EF4-FFF2-40B4-BE49-F238E27FC236}">
+                <a16:creationId xmlns:a16="http://schemas.microsoft.com/office/drawing/2014/main" id="{4F1AE46C-B210-F407-CB16-1DC8E66F6642}"/>
+              </a:ext>
+            </a:extLst>
+          </p:cNvPr>
+          <p:cNvPicPr>
+            <a:picLocks noChangeAspect="1" noChangeArrowheads="1"/>
+          </p:cNvPicPr>
+          <p:nvPr/>
+        </p:nvPicPr>
+        <p:blipFill rotWithShape="1">
+          <a:blip r:embed="rId3">
+            <a:extLst>
+              <a:ext uri="{28A0092B-C50C-407E-A947-70E740481C1C}">
+                <a14:useLocalDpi xmlns:a14="http://schemas.microsoft.com/office/drawing/2010/main" val="0"/>
+              </a:ext>
+            </a:extLst>
+          </a:blip>
+          <a:srcRect r="50000"/>
+          <a:stretch/>
+        </p:blipFill>
+        <p:spPr bwMode="auto">
+          <a:xfrm>
+            <a:off x="554547" y="71718"/>
+            <a:ext cx="4198228" cy="3428999"/>
+          </a:xfrm>
+          <a:prstGeom prst="rect">
+            <a:avLst/>
+          </a:prstGeom>
+          <a:noFill/>
+          <a:extLst>
+            <a:ext uri="{909E8E84-426E-40DD-AFC4-6F175D3DCCD1}">
+              <a14:hiddenFill xmlns:a14="http://schemas.microsoft.com/office/drawing/2010/main">
+                <a:solidFill>
+                  <a:srgbClr val="FFFFFF"/>
+                </a:solidFill>
+              </a14:hiddenFill>
+            </a:ext>
+          </a:extLst>
+        </p:spPr>
+      </p:pic>
+      <p:sp>
+        <p:nvSpPr>
+          <p:cNvPr id="2" name="TextBox 1">
+            <a:extLst>
+              <a:ext uri="{FF2B5EF4-FFF2-40B4-BE49-F238E27FC236}">
+                <a16:creationId xmlns:a16="http://schemas.microsoft.com/office/drawing/2014/main" id="{62803436-4FB5-4FF4-6DA3-C8BFE7E7E85F}"/>
+              </a:ext>
+            </a:extLst>
+          </p:cNvPr>
+          <p:cNvSpPr txBox="1"/>
+          <p:nvPr/>
+        </p:nvSpPr>
+        <p:spPr>
+          <a:xfrm>
+            <a:off x="4752775" y="1303367"/>
+            <a:ext cx="3431124" cy="369332"/>
+          </a:xfrm>
+          <a:prstGeom prst="rect">
+            <a:avLst/>
+          </a:prstGeom>
+          <a:noFill/>
+        </p:spPr>
+        <p:txBody>
+          <a:bodyPr wrap="square" rtlCol="0">
+            <a:spAutoFit/>
+          </a:bodyPr>
+          <a:lstStyle/>
+          <a:p>
+            <a:pPr algn="ctr"/>
+            <a:r>
+              <a:rPr lang="en-US" dirty="0"/>
+              <a:t>Block 4 highlighted—</a:t>
+            </a:r>
+            <a:r>
+              <a:rPr lang="en-US" dirty="0" err="1"/>
+              <a:t>KsP</a:t>
+            </a:r>
+            <a:r>
+              <a:rPr lang="en-US" dirty="0"/>
+              <a:t> repeats</a:t>
+            </a:r>
+          </a:p>
+        </p:txBody>
+      </p:sp>
+      <p:grpSp>
+        <p:nvGrpSpPr>
+          <p:cNvPr id="5" name="Group 4">
+            <a:extLst>
+              <a:ext uri="{FF2B5EF4-FFF2-40B4-BE49-F238E27FC236}">
+                <a16:creationId xmlns:a16="http://schemas.microsoft.com/office/drawing/2014/main" id="{C73B413C-EBE9-C800-BE5F-741F26298480}"/>
+              </a:ext>
+            </a:extLst>
+          </p:cNvPr>
+          <p:cNvGrpSpPr/>
+          <p:nvPr/>
+        </p:nvGrpSpPr>
+        <p:grpSpPr>
+          <a:xfrm>
+            <a:off x="554547" y="3429000"/>
+            <a:ext cx="4198228" cy="3429000"/>
+            <a:chOff x="554547" y="3500717"/>
+            <a:chExt cx="4198228" cy="3429000"/>
+          </a:xfrm>
+        </p:grpSpPr>
+        <p:pic>
+          <p:nvPicPr>
+            <p:cNvPr id="2052" name="Picture 4">
+              <a:extLst>
+                <a:ext uri="{FF2B5EF4-FFF2-40B4-BE49-F238E27FC236}">
+                  <a16:creationId xmlns:a16="http://schemas.microsoft.com/office/drawing/2014/main" id="{72A870F9-3E31-6A6E-8A20-F9027DD4F4E2}"/>
+                </a:ext>
+              </a:extLst>
+            </p:cNvPr>
+            <p:cNvPicPr>
+              <a:picLocks noChangeAspect="1" noChangeArrowheads="1"/>
+            </p:cNvPicPr>
+            <p:nvPr/>
+          </p:nvPicPr>
+          <p:blipFill rotWithShape="1">
+            <a:blip r:embed="rId4">
+              <a:extLst>
+                <a:ext uri="{28A0092B-C50C-407E-A947-70E740481C1C}">
+                  <a14:useLocalDpi xmlns:a14="http://schemas.microsoft.com/office/drawing/2010/main" val="0"/>
+                </a:ext>
+              </a:extLst>
+            </a:blip>
+            <a:srcRect r="50000"/>
+            <a:stretch/>
+          </p:blipFill>
+          <p:spPr bwMode="auto">
+            <a:xfrm>
+              <a:off x="554547" y="3500717"/>
+              <a:ext cx="4198228" cy="3429000"/>
+            </a:xfrm>
+            <a:prstGeom prst="rect">
+              <a:avLst/>
+            </a:prstGeom>
+            <a:noFill/>
+            <a:extLst>
+              <a:ext uri="{909E8E84-426E-40DD-AFC4-6F175D3DCCD1}">
+                <a14:hiddenFill xmlns:a14="http://schemas.microsoft.com/office/drawing/2010/main">
+                  <a:solidFill>
+                    <a:srgbClr val="FFFFFF"/>
+                  </a:solidFill>
+                </a14:hiddenFill>
+              </a:ext>
+            </a:extLst>
+          </p:spPr>
+        </p:pic>
+        <p:pic>
+          <p:nvPicPr>
+            <p:cNvPr id="4" name="Picture 3">
+              <a:extLst>
+                <a:ext uri="{FF2B5EF4-FFF2-40B4-BE49-F238E27FC236}">
+                  <a16:creationId xmlns:a16="http://schemas.microsoft.com/office/drawing/2014/main" id="{4DDEB75A-0883-3D80-761A-EB4511D9B4CD}"/>
+                </a:ext>
+              </a:extLst>
+            </p:cNvPr>
+            <p:cNvPicPr>
+              <a:picLocks noChangeAspect="1"/>
+            </p:cNvPicPr>
+            <p:nvPr/>
+          </p:nvPicPr>
+          <p:blipFill>
+            <a:blip r:embed="rId5"/>
+            <a:stretch>
+              <a:fillRect/>
+            </a:stretch>
+          </p:blipFill>
+          <p:spPr>
+            <a:xfrm>
+              <a:off x="3717210" y="3661864"/>
+              <a:ext cx="798500" cy="1439054"/>
+            </a:xfrm>
+            <a:prstGeom prst="rect">
+              <a:avLst/>
+            </a:prstGeom>
+          </p:spPr>
+        </p:pic>
+      </p:grpSp>
+      <p:sp>
+        <p:nvSpPr>
+          <p:cNvPr id="6" name="TextBox 5">
+            <a:extLst>
+              <a:ext uri="{FF2B5EF4-FFF2-40B4-BE49-F238E27FC236}">
+                <a16:creationId xmlns:a16="http://schemas.microsoft.com/office/drawing/2014/main" id="{44FD5A9D-4A0F-1446-3932-1D49D53FBE10}"/>
+              </a:ext>
+            </a:extLst>
+          </p:cNvPr>
+          <p:cNvSpPr txBox="1"/>
+          <p:nvPr/>
+        </p:nvSpPr>
+        <p:spPr>
+          <a:xfrm>
+            <a:off x="5110292" y="4885444"/>
+            <a:ext cx="3431124" cy="369332"/>
+          </a:xfrm>
+          <a:prstGeom prst="rect">
+            <a:avLst/>
+          </a:prstGeom>
+          <a:noFill/>
+        </p:spPr>
+        <p:txBody>
+          <a:bodyPr wrap="square" rtlCol="0">
+            <a:spAutoFit/>
+          </a:bodyPr>
+          <a:lstStyle/>
+          <a:p>
+            <a:r>
+              <a:rPr lang="en-US" dirty="0"/>
+              <a:t>End block highlighted</a:t>
+            </a:r>
+          </a:p>
+        </p:txBody>
+      </p:sp>
+      <p:cxnSp>
+        <p:nvCxnSpPr>
+          <p:cNvPr id="9" name="Straight Arrow Connector 8">
+            <a:extLst>
+              <a:ext uri="{FF2B5EF4-FFF2-40B4-BE49-F238E27FC236}">
+                <a16:creationId xmlns:a16="http://schemas.microsoft.com/office/drawing/2014/main" id="{B7BAFD44-B607-179C-5AA2-D35A164792EF}"/>
+              </a:ext>
+            </a:extLst>
+          </p:cNvPr>
+          <p:cNvCxnSpPr/>
+          <p:nvPr/>
+        </p:nvCxnSpPr>
+        <p:spPr>
+          <a:xfrm flipH="1">
+            <a:off x="2528047" y="788894"/>
+            <a:ext cx="1189163" cy="1039906"/>
+          </a:xfrm>
+          <a:prstGeom prst="straightConnector1">
+            <a:avLst/>
+          </a:prstGeom>
+          <a:ln w="28575">
+            <a:tailEnd type="triangle"/>
+          </a:ln>
+        </p:spPr>
+        <p:style>
+          <a:lnRef idx="1">
+            <a:schemeClr val="accent1"/>
+          </a:lnRef>
+          <a:fillRef idx="0">
+            <a:schemeClr val="accent1"/>
+          </a:fillRef>
+          <a:effectRef idx="0">
+            <a:schemeClr val="accent1"/>
+          </a:effectRef>
+          <a:fontRef idx="minor">
+            <a:schemeClr val="tx1"/>
+          </a:fontRef>
+        </p:style>
+      </p:cxnSp>
+      <p:cxnSp>
+        <p:nvCxnSpPr>
+          <p:cNvPr id="11" name="Straight Arrow Connector 10">
+            <a:extLst>
+              <a:ext uri="{FF2B5EF4-FFF2-40B4-BE49-F238E27FC236}">
+                <a16:creationId xmlns:a16="http://schemas.microsoft.com/office/drawing/2014/main" id="{FBE7EF37-FF8B-3043-13C9-A2AA05C518EA}"/>
+              </a:ext>
+            </a:extLst>
+          </p:cNvPr>
+          <p:cNvCxnSpPr>
+            <a:cxnSpLocks/>
+          </p:cNvCxnSpPr>
+          <p:nvPr/>
+        </p:nvCxnSpPr>
+        <p:spPr>
+          <a:xfrm flipH="1">
+            <a:off x="2743200" y="4916252"/>
+            <a:ext cx="379428" cy="0"/>
+          </a:xfrm>
+          <a:prstGeom prst="straightConnector1">
+            <a:avLst/>
+          </a:prstGeom>
+          <a:ln w="28575">
+            <a:tailEnd type="triangle"/>
+          </a:ln>
+        </p:spPr>
+        <p:style>
+          <a:lnRef idx="1">
+            <a:schemeClr val="accent1"/>
+          </a:lnRef>
+          <a:fillRef idx="0">
+            <a:schemeClr val="accent1"/>
+          </a:fillRef>
+          <a:effectRef idx="0">
+            <a:schemeClr val="accent1"/>
+          </a:effectRef>
+          <a:fontRef idx="minor">
+            <a:schemeClr val="tx1"/>
+          </a:fontRef>
+        </p:style>
+      </p:cxnSp>
+      <p:cxnSp>
+        <p:nvCxnSpPr>
+          <p:cNvPr id="13" name="Straight Arrow Connector 12">
+            <a:extLst>
+              <a:ext uri="{FF2B5EF4-FFF2-40B4-BE49-F238E27FC236}">
+                <a16:creationId xmlns:a16="http://schemas.microsoft.com/office/drawing/2014/main" id="{A4C1F5B2-A01A-52F9-526B-8FEEF0A937C1}"/>
+              </a:ext>
+            </a:extLst>
+          </p:cNvPr>
+          <p:cNvCxnSpPr>
+            <a:cxnSpLocks/>
+          </p:cNvCxnSpPr>
+          <p:nvPr/>
+        </p:nvCxnSpPr>
+        <p:spPr>
+          <a:xfrm>
+            <a:off x="2647499" y="4518212"/>
+            <a:ext cx="376518" cy="0"/>
+          </a:xfrm>
+          <a:prstGeom prst="straightConnector1">
+            <a:avLst/>
+          </a:prstGeom>
+          <a:ln w="28575">
+            <a:tailEnd type="triangle"/>
+          </a:ln>
+        </p:spPr>
+        <p:style>
+          <a:lnRef idx="1">
+            <a:schemeClr val="accent1"/>
+          </a:lnRef>
+          <a:fillRef idx="0">
+            <a:schemeClr val="accent1"/>
+          </a:fillRef>
+          <a:effectRef idx="0">
+            <a:schemeClr val="accent1"/>
+          </a:effectRef>
+          <a:fontRef idx="minor">
+            <a:schemeClr val="tx1"/>
+          </a:fontRef>
+        </p:style>
+      </p:cxnSp>
+    </p:spTree>
+    <p:extLst>
+      <p:ext uri="{BB962C8B-B14F-4D97-AF65-F5344CB8AC3E}">
+        <p14:creationId xmlns:p14="http://schemas.microsoft.com/office/powerpoint/2010/main" val="185519905"/>
       </p:ext>
     </p:extLst>
   </p:cSld>

--- a/NLH.pptx
+++ b/NLH.pptx
@@ -202,7 +202,7 @@
           <a:p>
             <a:fld id="{CD589C0A-3A09-49C7-BF5E-A18753F65EB4}" type="datetimeFigureOut">
               <a:rPr lang="en-US" smtClean="0"/>
-              <a:t>8/24/2022</a:t>
+              <a:t>9/1/2022</a:t>
             </a:fld>
             <a:endParaRPr lang="en-US"/>
           </a:p>
@@ -700,7 +700,7 @@
           <a:p>
             <a:fld id="{BCCF18D8-6DFB-4CDA-AE1C-8F66D1E20DFB}" type="datetimeFigureOut">
               <a:rPr lang="en-US" smtClean="0"/>
-              <a:t>8/24/2022</a:t>
+              <a:t>9/1/2022</a:t>
             </a:fld>
             <a:endParaRPr lang="en-US"/>
           </a:p>
@@ -898,7 +898,7 @@
           <a:p>
             <a:fld id="{BCCF18D8-6DFB-4CDA-AE1C-8F66D1E20DFB}" type="datetimeFigureOut">
               <a:rPr lang="en-US" smtClean="0"/>
-              <a:t>8/24/2022</a:t>
+              <a:t>9/1/2022</a:t>
             </a:fld>
             <a:endParaRPr lang="en-US"/>
           </a:p>
@@ -1106,7 +1106,7 @@
           <a:p>
             <a:fld id="{BCCF18D8-6DFB-4CDA-AE1C-8F66D1E20DFB}" type="datetimeFigureOut">
               <a:rPr lang="en-US" smtClean="0"/>
-              <a:t>8/24/2022</a:t>
+              <a:t>9/1/2022</a:t>
             </a:fld>
             <a:endParaRPr lang="en-US"/>
           </a:p>
@@ -1304,7 +1304,7 @@
           <a:p>
             <a:fld id="{BCCF18D8-6DFB-4CDA-AE1C-8F66D1E20DFB}" type="datetimeFigureOut">
               <a:rPr lang="en-US" smtClean="0"/>
-              <a:t>8/24/2022</a:t>
+              <a:t>9/1/2022</a:t>
             </a:fld>
             <a:endParaRPr lang="en-US"/>
           </a:p>
@@ -1579,7 +1579,7 @@
           <a:p>
             <a:fld id="{BCCF18D8-6DFB-4CDA-AE1C-8F66D1E20DFB}" type="datetimeFigureOut">
               <a:rPr lang="en-US" smtClean="0"/>
-              <a:t>8/24/2022</a:t>
+              <a:t>9/1/2022</a:t>
             </a:fld>
             <a:endParaRPr lang="en-US"/>
           </a:p>
@@ -1844,7 +1844,7 @@
           <a:p>
             <a:fld id="{BCCF18D8-6DFB-4CDA-AE1C-8F66D1E20DFB}" type="datetimeFigureOut">
               <a:rPr lang="en-US" smtClean="0"/>
-              <a:t>8/24/2022</a:t>
+              <a:t>9/1/2022</a:t>
             </a:fld>
             <a:endParaRPr lang="en-US"/>
           </a:p>
@@ -2256,7 +2256,7 @@
           <a:p>
             <a:fld id="{BCCF18D8-6DFB-4CDA-AE1C-8F66D1E20DFB}" type="datetimeFigureOut">
               <a:rPr lang="en-US" smtClean="0"/>
-              <a:t>8/24/2022</a:t>
+              <a:t>9/1/2022</a:t>
             </a:fld>
             <a:endParaRPr lang="en-US"/>
           </a:p>
@@ -2397,7 +2397,7 @@
           <a:p>
             <a:fld id="{BCCF18D8-6DFB-4CDA-AE1C-8F66D1E20DFB}" type="datetimeFigureOut">
               <a:rPr lang="en-US" smtClean="0"/>
-              <a:t>8/24/2022</a:t>
+              <a:t>9/1/2022</a:t>
             </a:fld>
             <a:endParaRPr lang="en-US"/>
           </a:p>
@@ -2510,7 +2510,7 @@
           <a:p>
             <a:fld id="{BCCF18D8-6DFB-4CDA-AE1C-8F66D1E20DFB}" type="datetimeFigureOut">
               <a:rPr lang="en-US" smtClean="0"/>
-              <a:t>8/24/2022</a:t>
+              <a:t>9/1/2022</a:t>
             </a:fld>
             <a:endParaRPr lang="en-US"/>
           </a:p>
@@ -2821,7 +2821,7 @@
           <a:p>
             <a:fld id="{BCCF18D8-6DFB-4CDA-AE1C-8F66D1E20DFB}" type="datetimeFigureOut">
               <a:rPr lang="en-US" smtClean="0"/>
-              <a:t>8/24/2022</a:t>
+              <a:t>9/1/2022</a:t>
             </a:fld>
             <a:endParaRPr lang="en-US"/>
           </a:p>
@@ -3109,7 +3109,7 @@
           <a:p>
             <a:fld id="{BCCF18D8-6DFB-4CDA-AE1C-8F66D1E20DFB}" type="datetimeFigureOut">
               <a:rPr lang="en-US" smtClean="0"/>
-              <a:t>8/24/2022</a:t>
+              <a:t>9/1/2022</a:t>
             </a:fld>
             <a:endParaRPr lang="en-US"/>
           </a:p>
@@ -3350,7 +3350,7 @@
           <a:p>
             <a:fld id="{BCCF18D8-6DFB-4CDA-AE1C-8F66D1E20DFB}" type="datetimeFigureOut">
               <a:rPr lang="en-US" smtClean="0"/>
-              <a:t>8/24/2022</a:t>
+              <a:t>9/1/2022</a:t>
             </a:fld>
             <a:endParaRPr lang="en-US"/>
           </a:p>
@@ -5821,8 +5821,8 @@
         </p:blipFill>
         <p:spPr bwMode="auto">
           <a:xfrm>
-            <a:off x="729665" y="2502569"/>
-            <a:ext cx="4753045" cy="3745832"/>
+            <a:off x="941618" y="708211"/>
+            <a:ext cx="3583194" cy="2823883"/>
           </a:xfrm>
           <a:prstGeom prst="rect">
             <a:avLst/>
@@ -5853,7 +5853,7 @@
         </p:nvSpPr>
         <p:spPr>
           <a:xfrm>
-            <a:off x="4894729" y="904202"/>
+            <a:off x="4894727" y="229158"/>
             <a:ext cx="2402541" cy="369332"/>
           </a:xfrm>
           <a:prstGeom prst="rect">
@@ -5893,7 +5893,7 @@
         </p:nvSpPr>
         <p:spPr>
           <a:xfrm>
-            <a:off x="2122275" y="2099885"/>
+            <a:off x="1531945" y="229158"/>
             <a:ext cx="2402541" cy="369332"/>
           </a:xfrm>
           <a:prstGeom prst="rect">
@@ -5929,7 +5929,7 @@
         </p:nvSpPr>
         <p:spPr>
           <a:xfrm>
-            <a:off x="7667185" y="2099885"/>
+            <a:off x="8606782" y="229158"/>
             <a:ext cx="2402541" cy="369332"/>
           </a:xfrm>
           <a:prstGeom prst="rect">
@@ -5980,8 +5980,142 @@
         </p:blipFill>
         <p:spPr bwMode="auto">
           <a:xfrm>
-            <a:off x="6296277" y="2502568"/>
-            <a:ext cx="4753046" cy="3745833"/>
+            <a:off x="7667186" y="794265"/>
+            <a:ext cx="3753823" cy="2958354"/>
+          </a:xfrm>
+          <a:prstGeom prst="rect">
+            <a:avLst/>
+          </a:prstGeom>
+          <a:noFill/>
+          <a:extLst>
+            <a:ext uri="{909E8E84-426E-40DD-AFC4-6F175D3DCCD1}">
+              <a14:hiddenFill xmlns:a14="http://schemas.microsoft.com/office/drawing/2010/main">
+                <a:solidFill>
+                  <a:srgbClr val="FFFFFF"/>
+                </a:solidFill>
+              </a14:hiddenFill>
+            </a:ext>
+          </a:extLst>
+        </p:spPr>
+      </p:pic>
+      <p:pic>
+        <p:nvPicPr>
+          <p:cNvPr id="5" name="Picture 2">
+            <a:extLst>
+              <a:ext uri="{FF2B5EF4-FFF2-40B4-BE49-F238E27FC236}">
+                <a16:creationId xmlns:a16="http://schemas.microsoft.com/office/drawing/2014/main" id="{BB786995-F953-C790-FE2A-D23D01DE42DE}"/>
+              </a:ext>
+            </a:extLst>
+          </p:cNvPr>
+          <p:cNvPicPr>
+            <a:picLocks noChangeAspect="1" noChangeArrowheads="1"/>
+          </p:cNvPicPr>
+          <p:nvPr/>
+        </p:nvPicPr>
+        <p:blipFill>
+          <a:blip r:embed="rId4">
+            <a:extLst>
+              <a:ext uri="{28A0092B-C50C-407E-A947-70E740481C1C}">
+                <a14:useLocalDpi xmlns:a14="http://schemas.microsoft.com/office/drawing/2010/main" val="0"/>
+              </a:ext>
+            </a:extLst>
+          </a:blip>
+          <a:srcRect/>
+          <a:stretch>
+            <a:fillRect/>
+          </a:stretch>
+        </p:blipFill>
+        <p:spPr bwMode="auto">
+          <a:xfrm>
+            <a:off x="7564447" y="3818678"/>
+            <a:ext cx="3856562" cy="3039322"/>
+          </a:xfrm>
+          <a:prstGeom prst="rect">
+            <a:avLst/>
+          </a:prstGeom>
+          <a:noFill/>
+          <a:extLst>
+            <a:ext uri="{909E8E84-426E-40DD-AFC4-6F175D3DCCD1}">
+              <a14:hiddenFill xmlns:a14="http://schemas.microsoft.com/office/drawing/2010/main">
+                <a:solidFill>
+                  <a:srgbClr val="FFFFFF"/>
+                </a:solidFill>
+              </a14:hiddenFill>
+            </a:ext>
+          </a:extLst>
+        </p:spPr>
+      </p:pic>
+      <p:sp>
+        <p:nvSpPr>
+          <p:cNvPr id="6" name="TextBox 5">
+            <a:extLst>
+              <a:ext uri="{FF2B5EF4-FFF2-40B4-BE49-F238E27FC236}">
+                <a16:creationId xmlns:a16="http://schemas.microsoft.com/office/drawing/2014/main" id="{3C2BBE33-8983-0D05-3D6D-F8CBD5CE8EC0}"/>
+              </a:ext>
+            </a:extLst>
+          </p:cNvPr>
+          <p:cNvSpPr txBox="1"/>
+          <p:nvPr/>
+        </p:nvSpPr>
+        <p:spPr>
+          <a:xfrm>
+            <a:off x="5274203" y="4969007"/>
+            <a:ext cx="1643591" cy="369332"/>
+          </a:xfrm>
+          <a:prstGeom prst="rect">
+            <a:avLst/>
+          </a:prstGeom>
+          <a:noFill/>
+        </p:spPr>
+        <p:txBody>
+          <a:bodyPr wrap="none" rtlCol="0">
+            <a:spAutoFit/>
+          </a:bodyPr>
+          <a:lstStyle/>
+          <a:p>
+            <a:r>
+              <a:rPr lang="en-US" dirty="0"/>
+              <a:t>Minimum </a:t>
+            </a:r>
+            <a:r>
+              <a:rPr lang="en-US" dirty="0" err="1"/>
+              <a:t>freeE</a:t>
+            </a:r>
+            <a:endParaRPr lang="en-US" dirty="0"/>
+          </a:p>
+        </p:txBody>
+      </p:sp>
+      <p:pic>
+        <p:nvPicPr>
+          <p:cNvPr id="7" name="Picture 4">
+            <a:extLst>
+              <a:ext uri="{FF2B5EF4-FFF2-40B4-BE49-F238E27FC236}">
+                <a16:creationId xmlns:a16="http://schemas.microsoft.com/office/drawing/2014/main" id="{01171936-D1AE-1743-907F-5E5FB1091EC1}"/>
+              </a:ext>
+            </a:extLst>
+          </p:cNvPr>
+          <p:cNvPicPr>
+            <a:picLocks noChangeAspect="1" noChangeArrowheads="1"/>
+          </p:cNvPicPr>
+          <p:nvPr/>
+        </p:nvPicPr>
+        <p:blipFill>
+          <a:blip r:embed="rId5">
+            <a:extLst>
+              <a:ext uri="{28A0092B-C50C-407E-A947-70E740481C1C}">
+                <a14:useLocalDpi xmlns:a14="http://schemas.microsoft.com/office/drawing/2010/main" val="0"/>
+              </a:ext>
+            </a:extLst>
+          </a:blip>
+          <a:srcRect/>
+          <a:stretch>
+            <a:fillRect/>
+          </a:stretch>
+        </p:blipFill>
+        <p:spPr bwMode="auto">
+          <a:xfrm>
+            <a:off x="941618" y="3820170"/>
+            <a:ext cx="3583194" cy="2823883"/>
           </a:xfrm>
           <a:prstGeom prst="rect">
             <a:avLst/>

--- a/NLH.pptx
+++ b/NLH.pptx
@@ -5,15 +5,16 @@
     <p:sldMasterId id="2147483648" r:id="rId1"/>
   </p:sldMasterIdLst>
   <p:notesMasterIdLst>
-    <p:notesMasterId r:id="rId8"/>
+    <p:notesMasterId r:id="rId9"/>
   </p:notesMasterIdLst>
   <p:sldIdLst>
     <p:sldId id="260" r:id="rId2"/>
     <p:sldId id="258" r:id="rId3"/>
     <p:sldId id="259" r:id="rId4"/>
-    <p:sldId id="261" r:id="rId5"/>
+    <p:sldId id="264" r:id="rId5"/>
     <p:sldId id="262" r:id="rId6"/>
-    <p:sldId id="263" r:id="rId7"/>
+    <p:sldId id="265" r:id="rId7"/>
+    <p:sldId id="263" r:id="rId8"/>
   </p:sldIdLst>
   <p:sldSz cx="12192000" cy="6858000"/>
   <p:notesSz cx="6858000" cy="9144000"/>
@@ -202,7 +203,7 @@
           <a:p>
             <a:fld id="{CD589C0A-3A09-49C7-BF5E-A18753F65EB4}" type="datetimeFigureOut">
               <a:rPr lang="en-US" smtClean="0"/>
-              <a:t>9/1/2022</a:t>
+              <a:t>10/24/2022</a:t>
             </a:fld>
             <a:endParaRPr lang="en-US"/>
           </a:p>
@@ -469,90 +470,6 @@
 </p:notesMaster>
 </file>
 
-<file path=ppt/notesSlides/notesSlide1.xml><?xml version="1.0" encoding="utf-8"?>
-<p:notes xmlns:a="http://schemas.openxmlformats.org/drawingml/2006/main" xmlns:r="http://schemas.openxmlformats.org/officeDocument/2006/relationships" xmlns:p="http://schemas.openxmlformats.org/presentationml/2006/main">
-  <p:cSld>
-    <p:spTree>
-      <p:nvGrpSpPr>
-        <p:cNvPr id="1" name=""/>
-        <p:cNvGrpSpPr/>
-        <p:nvPr/>
-      </p:nvGrpSpPr>
-      <p:grpSpPr>
-        <a:xfrm>
-          <a:off x="0" y="0"/>
-          <a:ext cx="0" cy="0"/>
-          <a:chOff x="0" y="0"/>
-          <a:chExt cx="0" cy="0"/>
-        </a:xfrm>
-      </p:grpSpPr>
-      <p:sp>
-        <p:nvSpPr>
-          <p:cNvPr id="2" name="Slide Image Placeholder 1"/>
-          <p:cNvSpPr>
-            <a:spLocks noGrp="1" noRot="1" noChangeAspect="1"/>
-          </p:cNvSpPr>
-          <p:nvPr>
-            <p:ph type="sldImg"/>
-          </p:nvPr>
-        </p:nvSpPr>
-        <p:spPr/>
-      </p:sp>
-      <p:sp>
-        <p:nvSpPr>
-          <p:cNvPr id="3" name="Notes Placeholder 2"/>
-          <p:cNvSpPr>
-            <a:spLocks noGrp="1"/>
-          </p:cNvSpPr>
-          <p:nvPr>
-            <p:ph type="body" idx="1"/>
-          </p:nvPr>
-        </p:nvSpPr>
-        <p:spPr/>
-        <p:txBody>
-          <a:bodyPr/>
-          <a:lstStyle/>
-          <a:p>
-            <a:endParaRPr lang="en-US" dirty="0"/>
-          </a:p>
-        </p:txBody>
-      </p:sp>
-      <p:sp>
-        <p:nvSpPr>
-          <p:cNvPr id="4" name="Slide Number Placeholder 3"/>
-          <p:cNvSpPr>
-            <a:spLocks noGrp="1"/>
-          </p:cNvSpPr>
-          <p:nvPr>
-            <p:ph type="sldNum" sz="quarter" idx="5"/>
-          </p:nvPr>
-        </p:nvSpPr>
-        <p:spPr/>
-        <p:txBody>
-          <a:bodyPr/>
-          <a:lstStyle/>
-          <a:p>
-            <a:fld id="{5820411F-DB0B-4B08-816C-26D013D8D212}" type="slidenum">
-              <a:rPr lang="en-US" smtClean="0"/>
-              <a:t>6</a:t>
-            </a:fld>
-            <a:endParaRPr lang="en-US"/>
-          </a:p>
-        </p:txBody>
-      </p:sp>
-    </p:spTree>
-    <p:extLst>
-      <p:ext uri="{BB962C8B-B14F-4D97-AF65-F5344CB8AC3E}">
-        <p14:creationId xmlns:p14="http://schemas.microsoft.com/office/powerpoint/2010/main" val="3624621818"/>
-      </p:ext>
-    </p:extLst>
-  </p:cSld>
-  <p:clrMapOvr>
-    <a:masterClrMapping/>
-  </p:clrMapOvr>
-</p:notes>
-</file>
-
 <file path=ppt/slideLayouts/slideLayout1.xml><?xml version="1.0" encoding="utf-8"?>
 <p:sldLayout xmlns:a="http://schemas.openxmlformats.org/drawingml/2006/main" xmlns:r="http://schemas.openxmlformats.org/officeDocument/2006/relationships" xmlns:p="http://schemas.openxmlformats.org/presentationml/2006/main" type="title" preserve="1">
   <p:cSld name="Title Slide">
@@ -700,7 +617,7 @@
           <a:p>
             <a:fld id="{BCCF18D8-6DFB-4CDA-AE1C-8F66D1E20DFB}" type="datetimeFigureOut">
               <a:rPr lang="en-US" smtClean="0"/>
-              <a:t>9/1/2022</a:t>
+              <a:t>10/24/2022</a:t>
             </a:fld>
             <a:endParaRPr lang="en-US"/>
           </a:p>
@@ -898,7 +815,7 @@
           <a:p>
             <a:fld id="{BCCF18D8-6DFB-4CDA-AE1C-8F66D1E20DFB}" type="datetimeFigureOut">
               <a:rPr lang="en-US" smtClean="0"/>
-              <a:t>9/1/2022</a:t>
+              <a:t>10/24/2022</a:t>
             </a:fld>
             <a:endParaRPr lang="en-US"/>
           </a:p>
@@ -1106,7 +1023,7 @@
           <a:p>
             <a:fld id="{BCCF18D8-6DFB-4CDA-AE1C-8F66D1E20DFB}" type="datetimeFigureOut">
               <a:rPr lang="en-US" smtClean="0"/>
-              <a:t>9/1/2022</a:t>
+              <a:t>10/24/2022</a:t>
             </a:fld>
             <a:endParaRPr lang="en-US"/>
           </a:p>
@@ -1304,7 +1221,7 @@
           <a:p>
             <a:fld id="{BCCF18D8-6DFB-4CDA-AE1C-8F66D1E20DFB}" type="datetimeFigureOut">
               <a:rPr lang="en-US" smtClean="0"/>
-              <a:t>9/1/2022</a:t>
+              <a:t>10/24/2022</a:t>
             </a:fld>
             <a:endParaRPr lang="en-US"/>
           </a:p>
@@ -1579,7 +1496,7 @@
           <a:p>
             <a:fld id="{BCCF18D8-6DFB-4CDA-AE1C-8F66D1E20DFB}" type="datetimeFigureOut">
               <a:rPr lang="en-US" smtClean="0"/>
-              <a:t>9/1/2022</a:t>
+              <a:t>10/24/2022</a:t>
             </a:fld>
             <a:endParaRPr lang="en-US"/>
           </a:p>
@@ -1844,7 +1761,7 @@
           <a:p>
             <a:fld id="{BCCF18D8-6DFB-4CDA-AE1C-8F66D1E20DFB}" type="datetimeFigureOut">
               <a:rPr lang="en-US" smtClean="0"/>
-              <a:t>9/1/2022</a:t>
+              <a:t>10/24/2022</a:t>
             </a:fld>
             <a:endParaRPr lang="en-US"/>
           </a:p>
@@ -2256,7 +2173,7 @@
           <a:p>
             <a:fld id="{BCCF18D8-6DFB-4CDA-AE1C-8F66D1E20DFB}" type="datetimeFigureOut">
               <a:rPr lang="en-US" smtClean="0"/>
-              <a:t>9/1/2022</a:t>
+              <a:t>10/24/2022</a:t>
             </a:fld>
             <a:endParaRPr lang="en-US"/>
           </a:p>
@@ -2397,7 +2314,7 @@
           <a:p>
             <a:fld id="{BCCF18D8-6DFB-4CDA-AE1C-8F66D1E20DFB}" type="datetimeFigureOut">
               <a:rPr lang="en-US" smtClean="0"/>
-              <a:t>9/1/2022</a:t>
+              <a:t>10/24/2022</a:t>
             </a:fld>
             <a:endParaRPr lang="en-US"/>
           </a:p>
@@ -2510,7 +2427,7 @@
           <a:p>
             <a:fld id="{BCCF18D8-6DFB-4CDA-AE1C-8F66D1E20DFB}" type="datetimeFigureOut">
               <a:rPr lang="en-US" smtClean="0"/>
-              <a:t>9/1/2022</a:t>
+              <a:t>10/24/2022</a:t>
             </a:fld>
             <a:endParaRPr lang="en-US"/>
           </a:p>
@@ -2821,7 +2738,7 @@
           <a:p>
             <a:fld id="{BCCF18D8-6DFB-4CDA-AE1C-8F66D1E20DFB}" type="datetimeFigureOut">
               <a:rPr lang="en-US" smtClean="0"/>
-              <a:t>9/1/2022</a:t>
+              <a:t>10/24/2022</a:t>
             </a:fld>
             <a:endParaRPr lang="en-US"/>
           </a:p>
@@ -3109,7 +3026,7 @@
           <a:p>
             <a:fld id="{BCCF18D8-6DFB-4CDA-AE1C-8F66D1E20DFB}" type="datetimeFigureOut">
               <a:rPr lang="en-US" smtClean="0"/>
-              <a:t>9/1/2022</a:t>
+              <a:t>10/24/2022</a:t>
             </a:fld>
             <a:endParaRPr lang="en-US"/>
           </a:p>
@@ -3350,7 +3267,7 @@
           <a:p>
             <a:fld id="{BCCF18D8-6DFB-4CDA-AE1C-8F66D1E20DFB}" type="datetimeFigureOut">
               <a:rPr lang="en-US" smtClean="0"/>
-              <a:t>9/1/2022</a:t>
+              <a:t>10/24/2022</a:t>
             </a:fld>
             <a:endParaRPr lang="en-US"/>
           </a:p>
@@ -3844,6 +3761,52 @@
           </a:extLst>
         </p:spPr>
       </p:pic>
+      <p:sp>
+        <p:nvSpPr>
+          <p:cNvPr id="2" name="Arrow: Right 1">
+            <a:extLst>
+              <a:ext uri="{FF2B5EF4-FFF2-40B4-BE49-F238E27FC236}">
+                <a16:creationId xmlns:a16="http://schemas.microsoft.com/office/drawing/2014/main" id="{1AFF8B14-1AD4-AE6C-213D-F933EF4ECCE2}"/>
+              </a:ext>
+            </a:extLst>
+          </p:cNvPr>
+          <p:cNvSpPr/>
+          <p:nvPr/>
+        </p:nvSpPr>
+        <p:spPr>
+          <a:xfrm>
+            <a:off x="4477109" y="3907766"/>
+            <a:ext cx="1802921" cy="439947"/>
+          </a:xfrm>
+          <a:prstGeom prst="rightArrow">
+            <a:avLst/>
+          </a:prstGeom>
+        </p:spPr>
+        <p:style>
+          <a:lnRef idx="2">
+            <a:schemeClr val="accent1">
+              <a:shade val="50000"/>
+            </a:schemeClr>
+          </a:lnRef>
+          <a:fillRef idx="1">
+            <a:schemeClr val="accent1"/>
+          </a:fillRef>
+          <a:effectRef idx="0">
+            <a:schemeClr val="accent1"/>
+          </a:effectRef>
+          <a:fontRef idx="minor">
+            <a:schemeClr val="lt1"/>
+          </a:fontRef>
+        </p:style>
+        <p:txBody>
+          <a:bodyPr rtlCol="0" anchor="ctr"/>
+          <a:lstStyle/>
+          <a:p>
+            <a:pPr algn="ctr"/>
+            <a:endParaRPr lang="en-US"/>
+          </a:p>
+        </p:txBody>
+      </p:sp>
     </p:spTree>
     <p:extLst>
       <p:ext uri="{BB962C8B-B14F-4D97-AF65-F5344CB8AC3E}">
@@ -5478,294 +5441,148 @@
       </p:grpSpPr>
       <p:sp>
         <p:nvSpPr>
-          <p:cNvPr id="2" name="TextBox 1">
-            <a:extLst>
-              <a:ext uri="{FF2B5EF4-FFF2-40B4-BE49-F238E27FC236}">
-                <a16:creationId xmlns:a16="http://schemas.microsoft.com/office/drawing/2014/main" id="{4A1D1452-B04C-160E-FE59-9220B67C60D4}"/>
-              </a:ext>
-            </a:extLst>
-          </p:cNvPr>
-          <p:cNvSpPr txBox="1"/>
+          <p:cNvPr id="2" name="Title 1">
+            <a:extLst>
+              <a:ext uri="{FF2B5EF4-FFF2-40B4-BE49-F238E27FC236}">
+                <a16:creationId xmlns:a16="http://schemas.microsoft.com/office/drawing/2014/main" id="{A7B13F05-FA5B-88F9-BCBF-A886D892BAF7}"/>
+              </a:ext>
+            </a:extLst>
+          </p:cNvPr>
+          <p:cNvSpPr>
+            <a:spLocks noGrp="1"/>
+          </p:cNvSpPr>
+          <p:nvPr>
+            <p:ph type="ctrTitle"/>
+          </p:nvPr>
+        </p:nvSpPr>
+        <p:spPr/>
+        <p:txBody>
+          <a:bodyPr/>
+          <a:lstStyle/>
+          <a:p>
+            <a:r>
+              <a:rPr lang="en-US" dirty="0"/>
+              <a:t>B = 0.75</a:t>
+            </a:r>
+          </a:p>
+        </p:txBody>
+      </p:sp>
+      <p:pic>
+        <p:nvPicPr>
+          <p:cNvPr id="4" name="Picture 3">
+            <a:extLst>
+              <a:ext uri="{FF2B5EF4-FFF2-40B4-BE49-F238E27FC236}">
+                <a16:creationId xmlns:a16="http://schemas.microsoft.com/office/drawing/2014/main" id="{125DB0A5-1182-12FA-7E43-5D0D740A43E5}"/>
+              </a:ext>
+            </a:extLst>
+          </p:cNvPr>
+          <p:cNvPicPr>
+            <a:picLocks noChangeAspect="1"/>
+          </p:cNvPicPr>
           <p:nvPr/>
-        </p:nvSpPr>
+        </p:nvPicPr>
+        <p:blipFill>
+          <a:blip r:embed="rId2"/>
+          <a:stretch>
+            <a:fillRect/>
+          </a:stretch>
+        </p:blipFill>
         <p:spPr>
           <a:xfrm>
-            <a:off x="1699967" y="2147977"/>
-            <a:ext cx="878767" cy="369332"/>
+            <a:off x="4382270" y="3760443"/>
+            <a:ext cx="4037272" cy="1656631"/>
+          </a:xfrm>
+          <a:prstGeom prst="rect">
+            <a:avLst/>
+          </a:prstGeom>
+        </p:spPr>
+      </p:pic>
+      <p:pic>
+        <p:nvPicPr>
+          <p:cNvPr id="5" name="Picture 4">
+            <a:extLst>
+              <a:ext uri="{FF2B5EF4-FFF2-40B4-BE49-F238E27FC236}">
+                <a16:creationId xmlns:a16="http://schemas.microsoft.com/office/drawing/2014/main" id="{E5AB6F59-98A7-96F4-12D2-524F11E338C4}"/>
+              </a:ext>
+            </a:extLst>
+          </p:cNvPr>
+          <p:cNvPicPr>
+            <a:picLocks noChangeAspect="1"/>
+          </p:cNvPicPr>
+          <p:nvPr/>
+        </p:nvPicPr>
+        <p:blipFill>
+          <a:blip r:embed="rId3"/>
+          <a:stretch>
+            <a:fillRect/>
+          </a:stretch>
+        </p:blipFill>
+        <p:spPr>
+          <a:xfrm>
+            <a:off x="5512806" y="5555412"/>
+            <a:ext cx="1776199" cy="860346"/>
+          </a:xfrm>
+          <a:prstGeom prst="rect">
+            <a:avLst/>
+          </a:prstGeom>
+        </p:spPr>
+      </p:pic>
+      <p:sp>
+        <p:nvSpPr>
+          <p:cNvPr id="6" name="Rectangle 5">
+            <a:extLst>
+              <a:ext uri="{FF2B5EF4-FFF2-40B4-BE49-F238E27FC236}">
+                <a16:creationId xmlns:a16="http://schemas.microsoft.com/office/drawing/2014/main" id="{FCF72C8C-3FCC-34E5-DAA2-C90CA8BAB091}"/>
+              </a:ext>
+            </a:extLst>
+          </p:cNvPr>
+          <p:cNvSpPr/>
+          <p:nvPr/>
+        </p:nvSpPr>
+        <p:spPr>
+          <a:xfrm>
+            <a:off x="4370717" y="4132051"/>
+            <a:ext cx="4037272" cy="291381"/>
           </a:xfrm>
           <a:prstGeom prst="rect">
             <a:avLst/>
           </a:prstGeom>
           <a:noFill/>
+          <a:ln w="57150">
+            <a:solidFill>
+              <a:srgbClr val="C00000"/>
+            </a:solidFill>
+          </a:ln>
         </p:spPr>
-        <p:txBody>
-          <a:bodyPr wrap="none" rtlCol="0">
-            <a:spAutoFit/>
-          </a:bodyPr>
+        <p:style>
+          <a:lnRef idx="2">
+            <a:schemeClr val="accent1">
+              <a:shade val="50000"/>
+            </a:schemeClr>
+          </a:lnRef>
+          <a:fillRef idx="1">
+            <a:schemeClr val="accent1"/>
+          </a:fillRef>
+          <a:effectRef idx="0">
+            <a:schemeClr val="accent1"/>
+          </a:effectRef>
+          <a:fontRef idx="minor">
+            <a:schemeClr val="lt1"/>
+          </a:fontRef>
+        </p:style>
+        <p:txBody>
+          <a:bodyPr rtlCol="0" anchor="ctr"/>
           <a:lstStyle/>
           <a:p>
-            <a:r>
-              <a:rPr lang="en-US" dirty="0"/>
-              <a:t>b10v14</a:t>
-            </a:r>
-          </a:p>
-        </p:txBody>
-      </p:sp>
-      <p:pic>
-        <p:nvPicPr>
-          <p:cNvPr id="2052" name="Picture 4">
-            <a:extLst>
-              <a:ext uri="{FF2B5EF4-FFF2-40B4-BE49-F238E27FC236}">
-                <a16:creationId xmlns:a16="http://schemas.microsoft.com/office/drawing/2014/main" id="{C6F87D58-5C69-75A0-3A29-E3D7C1DFA922}"/>
-              </a:ext>
-            </a:extLst>
-          </p:cNvPr>
-          <p:cNvPicPr>
-            <a:picLocks noChangeAspect="1" noChangeArrowheads="1"/>
-          </p:cNvPicPr>
-          <p:nvPr/>
-        </p:nvPicPr>
-        <p:blipFill>
-          <a:blip r:embed="rId2">
-            <a:extLst>
-              <a:ext uri="{28A0092B-C50C-407E-A947-70E740481C1C}">
-                <a14:useLocalDpi xmlns:a14="http://schemas.microsoft.com/office/drawing/2010/main" val="0"/>
-              </a:ext>
-            </a:extLst>
-          </a:blip>
-          <a:srcRect/>
-          <a:stretch>
-            <a:fillRect/>
-          </a:stretch>
-        </p:blipFill>
-        <p:spPr bwMode="auto">
-          <a:xfrm>
-            <a:off x="495392" y="2717321"/>
-            <a:ext cx="3491725" cy="2788488"/>
-          </a:xfrm>
-          <a:prstGeom prst="rect">
-            <a:avLst/>
-          </a:prstGeom>
-          <a:noFill/>
-          <a:extLst>
-            <a:ext uri="{909E8E84-426E-40DD-AFC4-6F175D3DCCD1}">
-              <a14:hiddenFill xmlns:a14="http://schemas.microsoft.com/office/drawing/2010/main">
-                <a:solidFill>
-                  <a:srgbClr val="FFFFFF"/>
-                </a:solidFill>
-              </a14:hiddenFill>
-            </a:ext>
-          </a:extLst>
-        </p:spPr>
-      </p:pic>
-      <p:sp>
-        <p:nvSpPr>
-          <p:cNvPr id="5" name="TextBox 4">
-            <a:extLst>
-              <a:ext uri="{FF2B5EF4-FFF2-40B4-BE49-F238E27FC236}">
-                <a16:creationId xmlns:a16="http://schemas.microsoft.com/office/drawing/2014/main" id="{CE255B7B-083A-CF99-D476-5DCB80EFBA5B}"/>
-              </a:ext>
-            </a:extLst>
-          </p:cNvPr>
-          <p:cNvSpPr txBox="1"/>
-          <p:nvPr/>
-        </p:nvSpPr>
-        <p:spPr>
-          <a:xfrm>
-            <a:off x="5913487" y="2070340"/>
-            <a:ext cx="878767" cy="369332"/>
-          </a:xfrm>
-          <a:prstGeom prst="rect">
-            <a:avLst/>
-          </a:prstGeom>
-          <a:noFill/>
-        </p:spPr>
-        <p:txBody>
-          <a:bodyPr wrap="none" rtlCol="0">
-            <a:spAutoFit/>
-          </a:bodyPr>
-          <a:lstStyle/>
-          <a:p>
-            <a:r>
-              <a:rPr lang="en-US" dirty="0"/>
-              <a:t>b12v14</a:t>
-            </a:r>
-          </a:p>
-        </p:txBody>
-      </p:sp>
-      <p:pic>
-        <p:nvPicPr>
-          <p:cNvPr id="2054" name="Picture 6">
-            <a:extLst>
-              <a:ext uri="{FF2B5EF4-FFF2-40B4-BE49-F238E27FC236}">
-                <a16:creationId xmlns:a16="http://schemas.microsoft.com/office/drawing/2014/main" id="{75522D8F-6ACA-9D43-6BEE-436BB237C863}"/>
-              </a:ext>
-            </a:extLst>
-          </p:cNvPr>
-          <p:cNvPicPr>
-            <a:picLocks noChangeAspect="1" noChangeArrowheads="1"/>
-          </p:cNvPicPr>
-          <p:nvPr/>
-        </p:nvPicPr>
-        <p:blipFill>
-          <a:blip r:embed="rId3">
-            <a:extLst>
-              <a:ext uri="{28A0092B-C50C-407E-A947-70E740481C1C}">
-                <a14:useLocalDpi xmlns:a14="http://schemas.microsoft.com/office/drawing/2010/main" val="0"/>
-              </a:ext>
-            </a:extLst>
-          </a:blip>
-          <a:srcRect/>
-          <a:stretch>
-            <a:fillRect/>
-          </a:stretch>
-        </p:blipFill>
-        <p:spPr bwMode="auto">
-          <a:xfrm>
-            <a:off x="4532553" y="2639681"/>
-            <a:ext cx="3491726" cy="2788489"/>
-          </a:xfrm>
-          <a:prstGeom prst="rect">
-            <a:avLst/>
-          </a:prstGeom>
-          <a:noFill/>
-          <a:extLst>
-            <a:ext uri="{909E8E84-426E-40DD-AFC4-6F175D3DCCD1}">
-              <a14:hiddenFill xmlns:a14="http://schemas.microsoft.com/office/drawing/2010/main">
-                <a:solidFill>
-                  <a:srgbClr val="FFFFFF"/>
-                </a:solidFill>
-              </a14:hiddenFill>
-            </a:ext>
-          </a:extLst>
-        </p:spPr>
-      </p:pic>
-      <p:sp>
-        <p:nvSpPr>
-          <p:cNvPr id="6" name="TextBox 5">
-            <a:extLst>
-              <a:ext uri="{FF2B5EF4-FFF2-40B4-BE49-F238E27FC236}">
-                <a16:creationId xmlns:a16="http://schemas.microsoft.com/office/drawing/2014/main" id="{545BC216-7A35-D8ED-A4EC-B0B2509C7BF3}"/>
-              </a:ext>
-            </a:extLst>
-          </p:cNvPr>
-          <p:cNvSpPr txBox="1"/>
-          <p:nvPr/>
-        </p:nvSpPr>
-        <p:spPr>
-          <a:xfrm>
-            <a:off x="9844256" y="2070340"/>
-            <a:ext cx="878767" cy="369332"/>
-          </a:xfrm>
-          <a:prstGeom prst="rect">
-            <a:avLst/>
-          </a:prstGeom>
-          <a:noFill/>
-        </p:spPr>
-        <p:txBody>
-          <a:bodyPr wrap="none" rtlCol="0">
-            <a:spAutoFit/>
-          </a:bodyPr>
-          <a:lstStyle/>
-          <a:p>
-            <a:r>
-              <a:rPr lang="en-US" dirty="0"/>
-              <a:t>b14v14</a:t>
-            </a:r>
-          </a:p>
-        </p:txBody>
-      </p:sp>
-      <p:pic>
-        <p:nvPicPr>
-          <p:cNvPr id="2056" name="Picture 8">
-            <a:extLst>
-              <a:ext uri="{FF2B5EF4-FFF2-40B4-BE49-F238E27FC236}">
-                <a16:creationId xmlns:a16="http://schemas.microsoft.com/office/drawing/2014/main" id="{43C3CB1A-BF37-4BD9-88B0-6903B9E194FF}"/>
-              </a:ext>
-            </a:extLst>
-          </p:cNvPr>
-          <p:cNvPicPr>
-            <a:picLocks noChangeAspect="1" noChangeArrowheads="1"/>
-          </p:cNvPicPr>
-          <p:nvPr/>
-        </p:nvPicPr>
-        <p:blipFill>
-          <a:blip r:embed="rId4">
-            <a:extLst>
-              <a:ext uri="{28A0092B-C50C-407E-A947-70E740481C1C}">
-                <a14:useLocalDpi xmlns:a14="http://schemas.microsoft.com/office/drawing/2010/main" val="0"/>
-              </a:ext>
-            </a:extLst>
-          </a:blip>
-          <a:srcRect/>
-          <a:stretch>
-            <a:fillRect/>
-          </a:stretch>
-        </p:blipFill>
-        <p:spPr bwMode="auto">
-          <a:xfrm>
-            <a:off x="8537776" y="2658026"/>
-            <a:ext cx="3491725" cy="2751797"/>
-          </a:xfrm>
-          <a:prstGeom prst="rect">
-            <a:avLst/>
-          </a:prstGeom>
-          <a:noFill/>
-          <a:extLst>
-            <a:ext uri="{909E8E84-426E-40DD-AFC4-6F175D3DCCD1}">
-              <a14:hiddenFill xmlns:a14="http://schemas.microsoft.com/office/drawing/2010/main">
-                <a:solidFill>
-                  <a:srgbClr val="FFFFFF"/>
-                </a:solidFill>
-              </a14:hiddenFill>
-            </a:ext>
-          </a:extLst>
-        </p:spPr>
-      </p:pic>
-      <p:sp>
-        <p:nvSpPr>
-          <p:cNvPr id="3" name="TextBox 2">
-            <a:extLst>
-              <a:ext uri="{FF2B5EF4-FFF2-40B4-BE49-F238E27FC236}">
-                <a16:creationId xmlns:a16="http://schemas.microsoft.com/office/drawing/2014/main" id="{E3F38777-6E41-0B0D-2024-E3D2628A5313}"/>
-              </a:ext>
-            </a:extLst>
-          </p:cNvPr>
-          <p:cNvSpPr txBox="1"/>
-          <p:nvPr/>
-        </p:nvSpPr>
-        <p:spPr>
-          <a:xfrm>
-            <a:off x="5226423" y="1305254"/>
-            <a:ext cx="2402541" cy="369332"/>
-          </a:xfrm>
-          <a:prstGeom prst="rect">
-            <a:avLst/>
-          </a:prstGeom>
-          <a:noFill/>
-        </p:spPr>
-        <p:txBody>
-          <a:bodyPr wrap="square" rtlCol="0">
-            <a:spAutoFit/>
-          </a:bodyPr>
-          <a:lstStyle/>
-          <a:p>
             <a:pPr algn="ctr"/>
-            <a:r>
-              <a:rPr lang="en-US" dirty="0" err="1"/>
-              <a:t>Chimax</a:t>
-            </a:r>
-            <a:r>
-              <a:rPr lang="en-US" dirty="0"/>
-              <a:t> = 2.2</a:t>
-            </a:r>
+            <a:endParaRPr lang="en-US"/>
           </a:p>
         </p:txBody>
       </p:sp>
     </p:spTree>
     <p:extLst>
       <p:ext uri="{BB962C8B-B14F-4D97-AF65-F5344CB8AC3E}">
-        <p14:creationId xmlns:p14="http://schemas.microsoft.com/office/powerpoint/2010/main" val="1117542525"/>
+        <p14:creationId xmlns:p14="http://schemas.microsoft.com/office/powerpoint/2010/main" val="2293725623"/>
       </p:ext>
     </p:extLst>
   </p:cSld>
@@ -5792,350 +5609,10 @@
           <a:chExt cx="0" cy="0"/>
         </a:xfrm>
       </p:grpSpPr>
-      <p:pic>
-        <p:nvPicPr>
-          <p:cNvPr id="1026" name="Picture 2">
-            <a:extLst>
-              <a:ext uri="{FF2B5EF4-FFF2-40B4-BE49-F238E27FC236}">
-                <a16:creationId xmlns:a16="http://schemas.microsoft.com/office/drawing/2014/main" id="{AA4FF42C-05FC-B62B-883D-26DFB1529CF1}"/>
-              </a:ext>
-            </a:extLst>
-          </p:cNvPr>
-          <p:cNvPicPr>
-            <a:picLocks noChangeAspect="1" noChangeArrowheads="1"/>
-          </p:cNvPicPr>
-          <p:nvPr/>
-        </p:nvPicPr>
-        <p:blipFill>
-          <a:blip r:embed="rId2">
-            <a:extLst>
-              <a:ext uri="{28A0092B-C50C-407E-A947-70E740481C1C}">
-                <a14:useLocalDpi xmlns:a14="http://schemas.microsoft.com/office/drawing/2010/main" val="0"/>
-              </a:ext>
-            </a:extLst>
-          </a:blip>
-          <a:srcRect/>
-          <a:stretch>
-            <a:fillRect/>
-          </a:stretch>
-        </p:blipFill>
-        <p:spPr bwMode="auto">
-          <a:xfrm>
-            <a:off x="941618" y="708211"/>
-            <a:ext cx="3583194" cy="2823883"/>
-          </a:xfrm>
-          <a:prstGeom prst="rect">
-            <a:avLst/>
-          </a:prstGeom>
-          <a:noFill/>
-          <a:extLst>
-            <a:ext uri="{909E8E84-426E-40DD-AFC4-6F175D3DCCD1}">
-              <a14:hiddenFill xmlns:a14="http://schemas.microsoft.com/office/drawing/2010/main">
-                <a:solidFill>
-                  <a:srgbClr val="FFFFFF"/>
-                </a:solidFill>
-              </a14:hiddenFill>
-            </a:ext>
-          </a:extLst>
-        </p:spPr>
-      </p:pic>
-      <p:sp>
-        <p:nvSpPr>
-          <p:cNvPr id="2" name="TextBox 1">
-            <a:extLst>
-              <a:ext uri="{FF2B5EF4-FFF2-40B4-BE49-F238E27FC236}">
-                <a16:creationId xmlns:a16="http://schemas.microsoft.com/office/drawing/2014/main" id="{56688CDA-2217-A67C-DD35-2AD9F8E5C036}"/>
-              </a:ext>
-            </a:extLst>
-          </p:cNvPr>
-          <p:cNvSpPr txBox="1"/>
-          <p:nvPr/>
-        </p:nvSpPr>
-        <p:spPr>
-          <a:xfrm>
-            <a:off x="4894727" y="229158"/>
-            <a:ext cx="2402541" cy="369332"/>
-          </a:xfrm>
-          <a:prstGeom prst="rect">
-            <a:avLst/>
-          </a:prstGeom>
-          <a:noFill/>
-        </p:spPr>
-        <p:txBody>
-          <a:bodyPr wrap="square" rtlCol="0">
-            <a:spAutoFit/>
-          </a:bodyPr>
-          <a:lstStyle/>
-          <a:p>
-            <a:pPr algn="ctr"/>
-            <a:r>
-              <a:rPr lang="en-US" dirty="0" err="1"/>
-              <a:t>Chimax</a:t>
-            </a:r>
-            <a:r>
-              <a:rPr lang="en-US" dirty="0"/>
-              <a:t> = 3.0</a:t>
-            </a:r>
-          </a:p>
-        </p:txBody>
-      </p:sp>
-      <p:sp>
-        <p:nvSpPr>
-          <p:cNvPr id="3" name="TextBox 2">
-            <a:extLst>
-              <a:ext uri="{FF2B5EF4-FFF2-40B4-BE49-F238E27FC236}">
-                <a16:creationId xmlns:a16="http://schemas.microsoft.com/office/drawing/2014/main" id="{FA74725C-2CC2-7DCB-8848-99DB9B3B5694}"/>
-              </a:ext>
-            </a:extLst>
-          </p:cNvPr>
-          <p:cNvSpPr txBox="1"/>
-          <p:nvPr/>
-        </p:nvSpPr>
-        <p:spPr>
-          <a:xfrm>
-            <a:off x="1531945" y="229158"/>
-            <a:ext cx="2402541" cy="369332"/>
-          </a:xfrm>
-          <a:prstGeom prst="rect">
-            <a:avLst/>
-          </a:prstGeom>
-          <a:noFill/>
-        </p:spPr>
-        <p:txBody>
-          <a:bodyPr wrap="square" rtlCol="0">
-            <a:spAutoFit/>
-          </a:bodyPr>
-          <a:lstStyle/>
-          <a:p>
-            <a:pPr algn="ctr"/>
-            <a:r>
-              <a:rPr lang="en-US" dirty="0"/>
-              <a:t>Gibbs</a:t>
-            </a:r>
-          </a:p>
-        </p:txBody>
-      </p:sp>
-      <p:sp>
-        <p:nvSpPr>
-          <p:cNvPr id="4" name="TextBox 3">
-            <a:extLst>
-              <a:ext uri="{FF2B5EF4-FFF2-40B4-BE49-F238E27FC236}">
-                <a16:creationId xmlns:a16="http://schemas.microsoft.com/office/drawing/2014/main" id="{9CF704AA-A4C8-C1AA-9222-AECE29D82A1D}"/>
-              </a:ext>
-            </a:extLst>
-          </p:cNvPr>
-          <p:cNvSpPr txBox="1"/>
-          <p:nvPr/>
-        </p:nvSpPr>
-        <p:spPr>
-          <a:xfrm>
-            <a:off x="8606782" y="229158"/>
-            <a:ext cx="2402541" cy="369332"/>
-          </a:xfrm>
-          <a:prstGeom prst="rect">
-            <a:avLst/>
-          </a:prstGeom>
-          <a:noFill/>
-        </p:spPr>
-        <p:txBody>
-          <a:bodyPr wrap="square" rtlCol="0">
-            <a:spAutoFit/>
-          </a:bodyPr>
-          <a:lstStyle/>
-          <a:p>
-            <a:pPr algn="ctr"/>
-            <a:r>
-              <a:rPr lang="en-US" dirty="0"/>
-              <a:t>Phi thresh = 1e-04</a:t>
-            </a:r>
-          </a:p>
-        </p:txBody>
-      </p:sp>
-      <p:pic>
-        <p:nvPicPr>
-          <p:cNvPr id="1028" name="Picture 4">
-            <a:extLst>
-              <a:ext uri="{FF2B5EF4-FFF2-40B4-BE49-F238E27FC236}">
-                <a16:creationId xmlns:a16="http://schemas.microsoft.com/office/drawing/2014/main" id="{6C2E26D9-EDE4-4E22-94DA-59D36681FE98}"/>
-              </a:ext>
-            </a:extLst>
-          </p:cNvPr>
-          <p:cNvPicPr>
-            <a:picLocks noChangeAspect="1" noChangeArrowheads="1"/>
-          </p:cNvPicPr>
-          <p:nvPr/>
-        </p:nvPicPr>
-        <p:blipFill>
-          <a:blip r:embed="rId3">
-            <a:extLst>
-              <a:ext uri="{28A0092B-C50C-407E-A947-70E740481C1C}">
-                <a14:useLocalDpi xmlns:a14="http://schemas.microsoft.com/office/drawing/2010/main" val="0"/>
-              </a:ext>
-            </a:extLst>
-          </a:blip>
-          <a:srcRect/>
-          <a:stretch>
-            <a:fillRect/>
-          </a:stretch>
-        </p:blipFill>
-        <p:spPr bwMode="auto">
-          <a:xfrm>
-            <a:off x="7667186" y="794265"/>
-            <a:ext cx="3753823" cy="2958354"/>
-          </a:xfrm>
-          <a:prstGeom prst="rect">
-            <a:avLst/>
-          </a:prstGeom>
-          <a:noFill/>
-          <a:extLst>
-            <a:ext uri="{909E8E84-426E-40DD-AFC4-6F175D3DCCD1}">
-              <a14:hiddenFill xmlns:a14="http://schemas.microsoft.com/office/drawing/2010/main">
-                <a:solidFill>
-                  <a:srgbClr val="FFFFFF"/>
-                </a:solidFill>
-              </a14:hiddenFill>
-            </a:ext>
-          </a:extLst>
-        </p:spPr>
-      </p:pic>
-      <p:pic>
-        <p:nvPicPr>
-          <p:cNvPr id="5" name="Picture 2">
-            <a:extLst>
-              <a:ext uri="{FF2B5EF4-FFF2-40B4-BE49-F238E27FC236}">
-                <a16:creationId xmlns:a16="http://schemas.microsoft.com/office/drawing/2014/main" id="{BB786995-F953-C790-FE2A-D23D01DE42DE}"/>
-              </a:ext>
-            </a:extLst>
-          </p:cNvPr>
-          <p:cNvPicPr>
-            <a:picLocks noChangeAspect="1" noChangeArrowheads="1"/>
-          </p:cNvPicPr>
-          <p:nvPr/>
-        </p:nvPicPr>
-        <p:blipFill>
-          <a:blip r:embed="rId4">
-            <a:extLst>
-              <a:ext uri="{28A0092B-C50C-407E-A947-70E740481C1C}">
-                <a14:useLocalDpi xmlns:a14="http://schemas.microsoft.com/office/drawing/2010/main" val="0"/>
-              </a:ext>
-            </a:extLst>
-          </a:blip>
-          <a:srcRect/>
-          <a:stretch>
-            <a:fillRect/>
-          </a:stretch>
-        </p:blipFill>
-        <p:spPr bwMode="auto">
-          <a:xfrm>
-            <a:off x="7564447" y="3818678"/>
-            <a:ext cx="3856562" cy="3039322"/>
-          </a:xfrm>
-          <a:prstGeom prst="rect">
-            <a:avLst/>
-          </a:prstGeom>
-          <a:noFill/>
-          <a:extLst>
-            <a:ext uri="{909E8E84-426E-40DD-AFC4-6F175D3DCCD1}">
-              <a14:hiddenFill xmlns:a14="http://schemas.microsoft.com/office/drawing/2010/main">
-                <a:solidFill>
-                  <a:srgbClr val="FFFFFF"/>
-                </a:solidFill>
-              </a14:hiddenFill>
-            </a:ext>
-          </a:extLst>
-        </p:spPr>
-      </p:pic>
-      <p:sp>
-        <p:nvSpPr>
-          <p:cNvPr id="6" name="TextBox 5">
-            <a:extLst>
-              <a:ext uri="{FF2B5EF4-FFF2-40B4-BE49-F238E27FC236}">
-                <a16:creationId xmlns:a16="http://schemas.microsoft.com/office/drawing/2014/main" id="{3C2BBE33-8983-0D05-3D6D-F8CBD5CE8EC0}"/>
-              </a:ext>
-            </a:extLst>
-          </p:cNvPr>
-          <p:cNvSpPr txBox="1"/>
-          <p:nvPr/>
-        </p:nvSpPr>
-        <p:spPr>
-          <a:xfrm>
-            <a:off x="5274203" y="4969007"/>
-            <a:ext cx="1643591" cy="369332"/>
-          </a:xfrm>
-          <a:prstGeom prst="rect">
-            <a:avLst/>
-          </a:prstGeom>
-          <a:noFill/>
-        </p:spPr>
-        <p:txBody>
-          <a:bodyPr wrap="none" rtlCol="0">
-            <a:spAutoFit/>
-          </a:bodyPr>
-          <a:lstStyle/>
-          <a:p>
-            <a:r>
-              <a:rPr lang="en-US" dirty="0"/>
-              <a:t>Minimum </a:t>
-            </a:r>
-            <a:r>
-              <a:rPr lang="en-US" dirty="0" err="1"/>
-              <a:t>freeE</a:t>
-            </a:r>
-            <a:endParaRPr lang="en-US" dirty="0"/>
-          </a:p>
-        </p:txBody>
-      </p:sp>
-      <p:pic>
-        <p:nvPicPr>
-          <p:cNvPr id="7" name="Picture 4">
-            <a:extLst>
-              <a:ext uri="{FF2B5EF4-FFF2-40B4-BE49-F238E27FC236}">
-                <a16:creationId xmlns:a16="http://schemas.microsoft.com/office/drawing/2014/main" id="{01171936-D1AE-1743-907F-5E5FB1091EC1}"/>
-              </a:ext>
-            </a:extLst>
-          </p:cNvPr>
-          <p:cNvPicPr>
-            <a:picLocks noChangeAspect="1" noChangeArrowheads="1"/>
-          </p:cNvPicPr>
-          <p:nvPr/>
-        </p:nvPicPr>
-        <p:blipFill>
-          <a:blip r:embed="rId5">
-            <a:extLst>
-              <a:ext uri="{28A0092B-C50C-407E-A947-70E740481C1C}">
-                <a14:useLocalDpi xmlns:a14="http://schemas.microsoft.com/office/drawing/2010/main" val="0"/>
-              </a:ext>
-            </a:extLst>
-          </a:blip>
-          <a:srcRect/>
-          <a:stretch>
-            <a:fillRect/>
-          </a:stretch>
-        </p:blipFill>
-        <p:spPr bwMode="auto">
-          <a:xfrm>
-            <a:off x="941618" y="3820170"/>
-            <a:ext cx="3583194" cy="2823883"/>
-          </a:xfrm>
-          <a:prstGeom prst="rect">
-            <a:avLst/>
-          </a:prstGeom>
-          <a:noFill/>
-          <a:extLst>
-            <a:ext uri="{909E8E84-426E-40DD-AFC4-6F175D3DCCD1}">
-              <a14:hiddenFill xmlns:a14="http://schemas.microsoft.com/office/drawing/2010/main">
-                <a:solidFill>
-                  <a:srgbClr val="FFFFFF"/>
-                </a:solidFill>
-              </a14:hiddenFill>
-            </a:ext>
-          </a:extLst>
-        </p:spPr>
-      </p:pic>
     </p:spTree>
     <p:extLst>
       <p:ext uri="{BB962C8B-B14F-4D97-AF65-F5344CB8AC3E}">
-        <p14:creationId xmlns:p14="http://schemas.microsoft.com/office/powerpoint/2010/main" val="3346254354"/>
+        <p14:creationId xmlns:p14="http://schemas.microsoft.com/office/powerpoint/2010/main" val="967946439"/>
       </p:ext>
     </p:extLst>
   </p:cSld>
@@ -6162,351 +5639,180 @@
           <a:chExt cx="0" cy="0"/>
         </a:xfrm>
       </p:grpSpPr>
+      <p:sp>
+        <p:nvSpPr>
+          <p:cNvPr id="2" name="Title 1">
+            <a:extLst>
+              <a:ext uri="{FF2B5EF4-FFF2-40B4-BE49-F238E27FC236}">
+                <a16:creationId xmlns:a16="http://schemas.microsoft.com/office/drawing/2014/main" id="{5BF38505-AE92-A12D-A9BD-9AC30E6BCC71}"/>
+              </a:ext>
+            </a:extLst>
+          </p:cNvPr>
+          <p:cNvSpPr>
+            <a:spLocks noGrp="1"/>
+          </p:cNvSpPr>
+          <p:nvPr>
+            <p:ph type="ctrTitle"/>
+          </p:nvPr>
+        </p:nvSpPr>
+        <p:spPr/>
+        <p:txBody>
+          <a:bodyPr/>
+          <a:lstStyle/>
+          <a:p>
+            <a:r>
+              <a:rPr lang="en-US" dirty="0"/>
+              <a:t>B = 1.0</a:t>
+            </a:r>
+          </a:p>
+        </p:txBody>
+      </p:sp>
       <p:pic>
         <p:nvPicPr>
-          <p:cNvPr id="2050" name="Picture 2">
-            <a:extLst>
-              <a:ext uri="{FF2B5EF4-FFF2-40B4-BE49-F238E27FC236}">
-                <a16:creationId xmlns:a16="http://schemas.microsoft.com/office/drawing/2014/main" id="{4F1AE46C-B210-F407-CB16-1DC8E66F6642}"/>
+          <p:cNvPr id="4" name="Picture 3">
+            <a:extLst>
+              <a:ext uri="{FF2B5EF4-FFF2-40B4-BE49-F238E27FC236}">
+                <a16:creationId xmlns:a16="http://schemas.microsoft.com/office/drawing/2014/main" id="{49335B0C-3CD5-90BA-11EA-4931E6E9F2E3}"/>
               </a:ext>
             </a:extLst>
           </p:cNvPr>
           <p:cNvPicPr>
-            <a:picLocks noChangeAspect="1" noChangeArrowheads="1"/>
+            <a:picLocks noChangeAspect="1"/>
           </p:cNvPicPr>
           <p:nvPr/>
         </p:nvPicPr>
-        <p:blipFill rotWithShape="1">
-          <a:blip r:embed="rId3">
-            <a:extLst>
-              <a:ext uri="{28A0092B-C50C-407E-A947-70E740481C1C}">
-                <a14:useLocalDpi xmlns:a14="http://schemas.microsoft.com/office/drawing/2010/main" val="0"/>
-              </a:ext>
-            </a:extLst>
-          </a:blip>
-          <a:srcRect r="50000"/>
-          <a:stretch/>
+        <p:blipFill>
+          <a:blip r:embed="rId2"/>
+          <a:stretch>
+            <a:fillRect/>
+          </a:stretch>
         </p:blipFill>
-        <p:spPr bwMode="auto">
+        <p:spPr>
           <a:xfrm>
-            <a:off x="554547" y="71718"/>
-            <a:ext cx="4198228" cy="3428999"/>
+            <a:off x="4382270" y="3760443"/>
+            <a:ext cx="4037272" cy="1656631"/>
+          </a:xfrm>
+          <a:prstGeom prst="rect">
+            <a:avLst/>
+          </a:prstGeom>
+        </p:spPr>
+      </p:pic>
+      <p:pic>
+        <p:nvPicPr>
+          <p:cNvPr id="5" name="Picture 4">
+            <a:extLst>
+              <a:ext uri="{FF2B5EF4-FFF2-40B4-BE49-F238E27FC236}">
+                <a16:creationId xmlns:a16="http://schemas.microsoft.com/office/drawing/2014/main" id="{A09E908E-99B8-AE50-0388-ADDEE479736E}"/>
+              </a:ext>
+            </a:extLst>
+          </p:cNvPr>
+          <p:cNvPicPr>
+            <a:picLocks noChangeAspect="1"/>
+          </p:cNvPicPr>
+          <p:nvPr/>
+        </p:nvPicPr>
+        <p:blipFill>
+          <a:blip r:embed="rId3"/>
+          <a:stretch>
+            <a:fillRect/>
+          </a:stretch>
+        </p:blipFill>
+        <p:spPr>
+          <a:xfrm>
+            <a:off x="5512806" y="5555412"/>
+            <a:ext cx="1776199" cy="860346"/>
+          </a:xfrm>
+          <a:prstGeom prst="rect">
+            <a:avLst/>
+          </a:prstGeom>
+        </p:spPr>
+      </p:pic>
+      <p:sp>
+        <p:nvSpPr>
+          <p:cNvPr id="6" name="Rectangle 5">
+            <a:extLst>
+              <a:ext uri="{FF2B5EF4-FFF2-40B4-BE49-F238E27FC236}">
+                <a16:creationId xmlns:a16="http://schemas.microsoft.com/office/drawing/2014/main" id="{D04FACE8-945A-0284-E900-A693243FFD7F}"/>
+              </a:ext>
+            </a:extLst>
+          </p:cNvPr>
+          <p:cNvSpPr/>
+          <p:nvPr/>
+        </p:nvSpPr>
+        <p:spPr>
+          <a:xfrm>
+            <a:off x="4382269" y="4340508"/>
+            <a:ext cx="4037272" cy="291381"/>
           </a:xfrm>
           <a:prstGeom prst="rect">
             <a:avLst/>
           </a:prstGeom>
           <a:noFill/>
-          <a:extLst>
-            <a:ext uri="{909E8E84-426E-40DD-AFC4-6F175D3DCCD1}">
-              <a14:hiddenFill xmlns:a14="http://schemas.microsoft.com/office/drawing/2010/main">
-                <a:solidFill>
-                  <a:srgbClr val="FFFFFF"/>
-                </a:solidFill>
-              </a14:hiddenFill>
-            </a:ext>
-          </a:extLst>
-        </p:spPr>
-      </p:pic>
-      <p:sp>
-        <p:nvSpPr>
-          <p:cNvPr id="2" name="TextBox 1">
-            <a:extLst>
-              <a:ext uri="{FF2B5EF4-FFF2-40B4-BE49-F238E27FC236}">
-                <a16:creationId xmlns:a16="http://schemas.microsoft.com/office/drawing/2014/main" id="{62803436-4FB5-4FF4-6DA3-C8BFE7E7E85F}"/>
-              </a:ext>
-            </a:extLst>
-          </p:cNvPr>
-          <p:cNvSpPr txBox="1"/>
-          <p:nvPr/>
-        </p:nvSpPr>
-        <p:spPr>
-          <a:xfrm>
-            <a:off x="4752775" y="1303367"/>
-            <a:ext cx="3431124" cy="369332"/>
-          </a:xfrm>
-          <a:prstGeom prst="rect">
-            <a:avLst/>
-          </a:prstGeom>
-          <a:noFill/>
-        </p:spPr>
-        <p:txBody>
-          <a:bodyPr wrap="square" rtlCol="0">
-            <a:spAutoFit/>
-          </a:bodyPr>
-          <a:lstStyle/>
-          <a:p>
-            <a:pPr algn="ctr"/>
-            <a:r>
-              <a:rPr lang="en-US" dirty="0"/>
-              <a:t>Block 4 highlighted—</a:t>
-            </a:r>
-            <a:r>
-              <a:rPr lang="en-US" dirty="0" err="1"/>
-              <a:t>KsP</a:t>
-            </a:r>
-            <a:r>
-              <a:rPr lang="en-US" dirty="0"/>
-              <a:t> repeats</a:t>
-            </a:r>
-          </a:p>
-        </p:txBody>
-      </p:sp>
-      <p:grpSp>
-        <p:nvGrpSpPr>
-          <p:cNvPr id="5" name="Group 4">
-            <a:extLst>
-              <a:ext uri="{FF2B5EF4-FFF2-40B4-BE49-F238E27FC236}">
-                <a16:creationId xmlns:a16="http://schemas.microsoft.com/office/drawing/2014/main" id="{C73B413C-EBE9-C800-BE5F-741F26298480}"/>
-              </a:ext>
-            </a:extLst>
-          </p:cNvPr>
-          <p:cNvGrpSpPr/>
-          <p:nvPr/>
-        </p:nvGrpSpPr>
-        <p:grpSpPr>
-          <a:xfrm>
-            <a:off x="554547" y="3429000"/>
-            <a:ext cx="4198228" cy="3429000"/>
-            <a:chOff x="554547" y="3500717"/>
-            <a:chExt cx="4198228" cy="3429000"/>
-          </a:xfrm>
-        </p:grpSpPr>
-        <p:pic>
-          <p:nvPicPr>
-            <p:cNvPr id="2052" name="Picture 4">
-              <a:extLst>
-                <a:ext uri="{FF2B5EF4-FFF2-40B4-BE49-F238E27FC236}">
-                  <a16:creationId xmlns:a16="http://schemas.microsoft.com/office/drawing/2014/main" id="{72A870F9-3E31-6A6E-8A20-F9027DD4F4E2}"/>
-                </a:ext>
-              </a:extLst>
-            </p:cNvPr>
-            <p:cNvPicPr>
-              <a:picLocks noChangeAspect="1" noChangeArrowheads="1"/>
-            </p:cNvPicPr>
-            <p:nvPr/>
-          </p:nvPicPr>
-          <p:blipFill rotWithShape="1">
-            <a:blip r:embed="rId4">
-              <a:extLst>
-                <a:ext uri="{28A0092B-C50C-407E-A947-70E740481C1C}">
-                  <a14:useLocalDpi xmlns:a14="http://schemas.microsoft.com/office/drawing/2010/main" val="0"/>
-                </a:ext>
-              </a:extLst>
-            </a:blip>
-            <a:srcRect r="50000"/>
-            <a:stretch/>
-          </p:blipFill>
-          <p:spPr bwMode="auto">
-            <a:xfrm>
-              <a:off x="554547" y="3500717"/>
-              <a:ext cx="4198228" cy="3429000"/>
-            </a:xfrm>
-            <a:prstGeom prst="rect">
-              <a:avLst/>
-            </a:prstGeom>
-            <a:noFill/>
-            <a:extLst>
-              <a:ext uri="{909E8E84-426E-40DD-AFC4-6F175D3DCCD1}">
-                <a14:hiddenFill xmlns:a14="http://schemas.microsoft.com/office/drawing/2010/main">
-                  <a:solidFill>
-                    <a:srgbClr val="FFFFFF"/>
-                  </a:solidFill>
-                </a14:hiddenFill>
-              </a:ext>
-            </a:extLst>
-          </p:spPr>
-        </p:pic>
-        <p:pic>
-          <p:nvPicPr>
-            <p:cNvPr id="4" name="Picture 3">
-              <a:extLst>
-                <a:ext uri="{FF2B5EF4-FFF2-40B4-BE49-F238E27FC236}">
-                  <a16:creationId xmlns:a16="http://schemas.microsoft.com/office/drawing/2014/main" id="{4DDEB75A-0883-3D80-761A-EB4511D9B4CD}"/>
-                </a:ext>
-              </a:extLst>
-            </p:cNvPr>
-            <p:cNvPicPr>
-              <a:picLocks noChangeAspect="1"/>
-            </p:cNvPicPr>
-            <p:nvPr/>
-          </p:nvPicPr>
-          <p:blipFill>
-            <a:blip r:embed="rId5"/>
-            <a:stretch>
-              <a:fillRect/>
-            </a:stretch>
-          </p:blipFill>
-          <p:spPr>
-            <a:xfrm>
-              <a:off x="3717210" y="3661864"/>
-              <a:ext cx="798500" cy="1439054"/>
-            </a:xfrm>
-            <a:prstGeom prst="rect">
-              <a:avLst/>
-            </a:prstGeom>
-          </p:spPr>
-        </p:pic>
-      </p:grpSp>
-      <p:sp>
-        <p:nvSpPr>
-          <p:cNvPr id="6" name="TextBox 5">
-            <a:extLst>
-              <a:ext uri="{FF2B5EF4-FFF2-40B4-BE49-F238E27FC236}">
-                <a16:creationId xmlns:a16="http://schemas.microsoft.com/office/drawing/2014/main" id="{44FD5A9D-4A0F-1446-3932-1D49D53FBE10}"/>
-              </a:ext>
-            </a:extLst>
-          </p:cNvPr>
-          <p:cNvSpPr txBox="1"/>
-          <p:nvPr/>
-        </p:nvSpPr>
-        <p:spPr>
-          <a:xfrm>
-            <a:off x="5110292" y="4885444"/>
-            <a:ext cx="3431124" cy="369332"/>
-          </a:xfrm>
-          <a:prstGeom prst="rect">
-            <a:avLst/>
-          </a:prstGeom>
-          <a:noFill/>
-        </p:spPr>
-        <p:txBody>
-          <a:bodyPr wrap="square" rtlCol="0">
-            <a:spAutoFit/>
-          </a:bodyPr>
-          <a:lstStyle/>
-          <a:p>
-            <a:r>
-              <a:rPr lang="en-US" dirty="0"/>
-              <a:t>End block highlighted</a:t>
-            </a:r>
-          </a:p>
-        </p:txBody>
-      </p:sp>
-      <p:cxnSp>
-        <p:nvCxnSpPr>
-          <p:cNvPr id="9" name="Straight Arrow Connector 8">
-            <a:extLst>
-              <a:ext uri="{FF2B5EF4-FFF2-40B4-BE49-F238E27FC236}">
-                <a16:creationId xmlns:a16="http://schemas.microsoft.com/office/drawing/2014/main" id="{B7BAFD44-B607-179C-5AA2-D35A164792EF}"/>
-              </a:ext>
-            </a:extLst>
-          </p:cNvPr>
-          <p:cNvCxnSpPr/>
-          <p:nvPr/>
-        </p:nvCxnSpPr>
-        <p:spPr>
-          <a:xfrm flipH="1">
-            <a:off x="2528047" y="788894"/>
-            <a:ext cx="1189163" cy="1039906"/>
-          </a:xfrm>
-          <a:prstGeom prst="straightConnector1">
-            <a:avLst/>
-          </a:prstGeom>
-          <a:ln w="28575">
-            <a:tailEnd type="triangle"/>
+          <a:ln w="57150">
+            <a:solidFill>
+              <a:srgbClr val="C00000"/>
+            </a:solidFill>
           </a:ln>
         </p:spPr>
         <p:style>
-          <a:lnRef idx="1">
-            <a:schemeClr val="accent1"/>
+          <a:lnRef idx="2">
+            <a:schemeClr val="accent1">
+              <a:shade val="50000"/>
+            </a:schemeClr>
           </a:lnRef>
-          <a:fillRef idx="0">
+          <a:fillRef idx="1">
             <a:schemeClr val="accent1"/>
           </a:fillRef>
           <a:effectRef idx="0">
             <a:schemeClr val="accent1"/>
           </a:effectRef>
           <a:fontRef idx="minor">
-            <a:schemeClr val="tx1"/>
+            <a:schemeClr val="lt1"/>
           </a:fontRef>
         </p:style>
-      </p:cxnSp>
-      <p:cxnSp>
-        <p:nvCxnSpPr>
-          <p:cNvPr id="11" name="Straight Arrow Connector 10">
-            <a:extLst>
-              <a:ext uri="{FF2B5EF4-FFF2-40B4-BE49-F238E27FC236}">
-                <a16:creationId xmlns:a16="http://schemas.microsoft.com/office/drawing/2014/main" id="{FBE7EF37-FF8B-3043-13C9-A2AA05C518EA}"/>
-              </a:ext>
-            </a:extLst>
-          </p:cNvPr>
-          <p:cNvCxnSpPr>
-            <a:cxnSpLocks/>
-          </p:cNvCxnSpPr>
-          <p:nvPr/>
-        </p:nvCxnSpPr>
-        <p:spPr>
-          <a:xfrm flipH="1">
-            <a:off x="2743200" y="4916252"/>
-            <a:ext cx="379428" cy="0"/>
-          </a:xfrm>
-          <a:prstGeom prst="straightConnector1">
-            <a:avLst/>
-          </a:prstGeom>
-          <a:ln w="28575">
-            <a:tailEnd type="triangle"/>
-          </a:ln>
-        </p:spPr>
-        <p:style>
-          <a:lnRef idx="1">
-            <a:schemeClr val="accent1"/>
-          </a:lnRef>
-          <a:fillRef idx="0">
-            <a:schemeClr val="accent1"/>
-          </a:fillRef>
-          <a:effectRef idx="0">
-            <a:schemeClr val="accent1"/>
-          </a:effectRef>
-          <a:fontRef idx="minor">
-            <a:schemeClr val="tx1"/>
-          </a:fontRef>
-        </p:style>
-      </p:cxnSp>
-      <p:cxnSp>
-        <p:nvCxnSpPr>
-          <p:cNvPr id="13" name="Straight Arrow Connector 12">
-            <a:extLst>
-              <a:ext uri="{FF2B5EF4-FFF2-40B4-BE49-F238E27FC236}">
-                <a16:creationId xmlns:a16="http://schemas.microsoft.com/office/drawing/2014/main" id="{A4C1F5B2-A01A-52F9-526B-8FEEF0A937C1}"/>
-              </a:ext>
-            </a:extLst>
-          </p:cNvPr>
-          <p:cNvCxnSpPr>
-            <a:cxnSpLocks/>
-          </p:cNvCxnSpPr>
-          <p:nvPr/>
-        </p:nvCxnSpPr>
-        <p:spPr>
-          <a:xfrm>
-            <a:off x="2647499" y="4518212"/>
-            <a:ext cx="376518" cy="0"/>
-          </a:xfrm>
-          <a:prstGeom prst="straightConnector1">
-            <a:avLst/>
-          </a:prstGeom>
-          <a:ln w="28575">
-            <a:tailEnd type="triangle"/>
-          </a:ln>
-        </p:spPr>
-        <p:style>
-          <a:lnRef idx="1">
-            <a:schemeClr val="accent1"/>
-          </a:lnRef>
-          <a:fillRef idx="0">
-            <a:schemeClr val="accent1"/>
-          </a:fillRef>
-          <a:effectRef idx="0">
-            <a:schemeClr val="accent1"/>
-          </a:effectRef>
-          <a:fontRef idx="minor">
-            <a:schemeClr val="tx1"/>
-          </a:fontRef>
-        </p:style>
-      </p:cxnSp>
+        <p:txBody>
+          <a:bodyPr rtlCol="0" anchor="ctr"/>
+          <a:lstStyle/>
+          <a:p>
+            <a:pPr algn="ctr"/>
+            <a:endParaRPr lang="en-US"/>
+          </a:p>
+        </p:txBody>
+      </p:sp>
     </p:spTree>
     <p:extLst>
       <p:ext uri="{BB962C8B-B14F-4D97-AF65-F5344CB8AC3E}">
-        <p14:creationId xmlns:p14="http://schemas.microsoft.com/office/powerpoint/2010/main" val="185519905"/>
+        <p14:creationId xmlns:p14="http://schemas.microsoft.com/office/powerpoint/2010/main" val="60572968"/>
+      </p:ext>
+    </p:extLst>
+  </p:cSld>
+  <p:clrMapOvr>
+    <a:masterClrMapping/>
+  </p:clrMapOvr>
+</p:sld>
+</file>
+
+<file path=ppt/slides/slide7.xml><?xml version="1.0" encoding="utf-8"?>
+<p:sld xmlns:a="http://schemas.openxmlformats.org/drawingml/2006/main" xmlns:r="http://schemas.openxmlformats.org/officeDocument/2006/relationships" xmlns:p="http://schemas.openxmlformats.org/presentationml/2006/main">
+  <p:cSld>
+    <p:spTree>
+      <p:nvGrpSpPr>
+        <p:cNvPr id="1" name=""/>
+        <p:cNvGrpSpPr/>
+        <p:nvPr/>
+      </p:nvGrpSpPr>
+      <p:grpSpPr>
+        <a:xfrm>
+          <a:off x="0" y="0"/>
+          <a:ext cx="0" cy="0"/>
+          <a:chOff x="0" y="0"/>
+          <a:chExt cx="0" cy="0"/>
+        </a:xfrm>
+      </p:grpSpPr>
+    </p:spTree>
+    <p:extLst>
+      <p:ext uri="{BB962C8B-B14F-4D97-AF65-F5344CB8AC3E}">
+        <p14:creationId xmlns:p14="http://schemas.microsoft.com/office/powerpoint/2010/main" val="4121766432"/>
       </p:ext>
     </p:extLst>
   </p:cSld>

--- a/NLH.pptx
+++ b/NLH.pptx
@@ -5,16 +5,17 @@
     <p:sldMasterId id="2147483648" r:id="rId1"/>
   </p:sldMasterIdLst>
   <p:notesMasterIdLst>
-    <p:notesMasterId r:id="rId9"/>
+    <p:notesMasterId r:id="rId10"/>
   </p:notesMasterIdLst>
   <p:sldIdLst>
     <p:sldId id="260" r:id="rId2"/>
     <p:sldId id="258" r:id="rId3"/>
     <p:sldId id="259" r:id="rId4"/>
-    <p:sldId id="264" r:id="rId5"/>
-    <p:sldId id="262" r:id="rId6"/>
-    <p:sldId id="265" r:id="rId7"/>
-    <p:sldId id="263" r:id="rId8"/>
+    <p:sldId id="266" r:id="rId5"/>
+    <p:sldId id="264" r:id="rId6"/>
+    <p:sldId id="262" r:id="rId7"/>
+    <p:sldId id="265" r:id="rId8"/>
+    <p:sldId id="263" r:id="rId9"/>
   </p:sldIdLst>
   <p:sldSz cx="12192000" cy="6858000"/>
   <p:notesSz cx="6858000" cy="9144000"/>
@@ -5444,15 +5445,15 @@
           <p:cNvPr id="2" name="Title 1">
             <a:extLst>
               <a:ext uri="{FF2B5EF4-FFF2-40B4-BE49-F238E27FC236}">
-                <a16:creationId xmlns:a16="http://schemas.microsoft.com/office/drawing/2014/main" id="{A7B13F05-FA5B-88F9-BCBF-A886D892BAF7}"/>
-              </a:ext>
-            </a:extLst>
-          </p:cNvPr>
-          <p:cNvSpPr>
-            <a:spLocks noGrp="1"/>
-          </p:cNvSpPr>
-          <p:nvPr>
-            <p:ph type="ctrTitle"/>
+                <a16:creationId xmlns:a16="http://schemas.microsoft.com/office/drawing/2014/main" id="{952B7FE5-4BAB-E554-F8AB-780FC1D97376}"/>
+              </a:ext>
+            </a:extLst>
+          </p:cNvPr>
+          <p:cNvSpPr>
+            <a:spLocks noGrp="1"/>
+          </p:cNvSpPr>
+          <p:nvPr>
+            <p:ph type="title"/>
           </p:nvPr>
         </p:nvSpPr>
         <p:spPr/>
@@ -5462,17 +5463,108 @@
           <a:p>
             <a:r>
               <a:rPr lang="en-US" dirty="0"/>
-              <a:t>B = 0.75</a:t>
-            </a:r>
-          </a:p>
-        </p:txBody>
-      </p:sp>
+              <a:t>Approach</a:t>
+            </a:r>
+          </a:p>
+        </p:txBody>
+      </p:sp>
+      <p:sp>
+        <p:nvSpPr>
+          <p:cNvPr id="3" name="Content Placeholder 2">
+            <a:extLst>
+              <a:ext uri="{FF2B5EF4-FFF2-40B4-BE49-F238E27FC236}">
+                <a16:creationId xmlns:a16="http://schemas.microsoft.com/office/drawing/2014/main" id="{2F82E0F2-EA6E-609B-6454-1114CEC567DF}"/>
+              </a:ext>
+            </a:extLst>
+          </p:cNvPr>
+          <p:cNvSpPr>
+            <a:spLocks noGrp="1"/>
+          </p:cNvSpPr>
+          <p:nvPr>
+            <p:ph idx="1"/>
+          </p:nvPr>
+        </p:nvSpPr>
+        <p:spPr/>
+        <p:txBody>
+          <a:bodyPr/>
+          <a:lstStyle/>
+          <a:p>
+            <a:r>
+              <a:rPr lang="en-US" dirty="0"/>
+              <a:t>B, and v will be different for L and H</a:t>
+            </a:r>
+          </a:p>
+          <a:p>
+            <a:pPr lvl="1"/>
+            <a:r>
+              <a:rPr lang="en-US" dirty="0"/>
+              <a:t>Chi should be same</a:t>
+            </a:r>
+          </a:p>
+          <a:p>
+            <a:r>
+              <a:rPr lang="en-US" dirty="0"/>
+              <a:t>Match pure L and H first, then mix</a:t>
+            </a:r>
+          </a:p>
+          <a:p>
+            <a:r>
+              <a:rPr lang="en-US" dirty="0"/>
+              <a:t>SCFT Purpose: </a:t>
+            </a:r>
+          </a:p>
+          <a:p>
+            <a:pPr lvl="1"/>
+            <a:r>
+              <a:rPr lang="en-US" dirty="0"/>
+              <a:t>Additional information of underlying protein organization</a:t>
+            </a:r>
+          </a:p>
+          <a:p>
+            <a:pPr lvl="2"/>
+            <a:r>
+              <a:rPr lang="en-US" dirty="0"/>
+              <a:t>Possible underlying conformational change driven by Cs</a:t>
+            </a:r>
+          </a:p>
+        </p:txBody>
+      </p:sp>
+    </p:spTree>
+    <p:extLst>
+      <p:ext uri="{BB962C8B-B14F-4D97-AF65-F5344CB8AC3E}">
+        <p14:creationId xmlns:p14="http://schemas.microsoft.com/office/powerpoint/2010/main" val="2886373113"/>
+      </p:ext>
+    </p:extLst>
+  </p:cSld>
+  <p:clrMapOvr>
+    <a:masterClrMapping/>
+  </p:clrMapOvr>
+</p:sld>
+</file>
+
+<file path=ppt/slides/slide5.xml><?xml version="1.0" encoding="utf-8"?>
+<p:sld xmlns:a="http://schemas.openxmlformats.org/drawingml/2006/main" xmlns:r="http://schemas.openxmlformats.org/officeDocument/2006/relationships" xmlns:p="http://schemas.openxmlformats.org/presentationml/2006/main">
+  <p:cSld>
+    <p:spTree>
+      <p:nvGrpSpPr>
+        <p:cNvPr id="1" name=""/>
+        <p:cNvGrpSpPr/>
+        <p:nvPr/>
+      </p:nvGrpSpPr>
+      <p:grpSpPr>
+        <a:xfrm>
+          <a:off x="0" y="0"/>
+          <a:ext cx="0" cy="0"/>
+          <a:chOff x="0" y="0"/>
+          <a:chExt cx="0" cy="0"/>
+        </a:xfrm>
+      </p:grpSpPr>
       <p:pic>
         <p:nvPicPr>
-          <p:cNvPr id="4" name="Picture 3">
-            <a:extLst>
-              <a:ext uri="{FF2B5EF4-FFF2-40B4-BE49-F238E27FC236}">
-                <a16:creationId xmlns:a16="http://schemas.microsoft.com/office/drawing/2014/main" id="{125DB0A5-1182-12FA-7E43-5D0D740A43E5}"/>
+          <p:cNvPr id="8" name="Picture 7">
+            <a:extLst>
+              <a:ext uri="{FF2B5EF4-FFF2-40B4-BE49-F238E27FC236}">
+                <a16:creationId xmlns:a16="http://schemas.microsoft.com/office/drawing/2014/main" id="{4FB1F5BA-492E-D103-5D04-B8F0532D46F0}"/>
               </a:ext>
             </a:extLst>
           </p:cNvPr>
@@ -5489,14 +5581,42 @@
         </p:blipFill>
         <p:spPr>
           <a:xfrm>
-            <a:off x="4382270" y="3760443"/>
-            <a:ext cx="4037272" cy="1656631"/>
+            <a:off x="4300349" y="3738741"/>
+            <a:ext cx="4178008" cy="1642223"/>
           </a:xfrm>
           <a:prstGeom prst="rect">
             <a:avLst/>
           </a:prstGeom>
         </p:spPr>
       </p:pic>
+      <p:sp>
+        <p:nvSpPr>
+          <p:cNvPr id="2" name="Title 1">
+            <a:extLst>
+              <a:ext uri="{FF2B5EF4-FFF2-40B4-BE49-F238E27FC236}">
+                <a16:creationId xmlns:a16="http://schemas.microsoft.com/office/drawing/2014/main" id="{A7B13F05-FA5B-88F9-BCBF-A886D892BAF7}"/>
+              </a:ext>
+            </a:extLst>
+          </p:cNvPr>
+          <p:cNvSpPr>
+            <a:spLocks noGrp="1"/>
+          </p:cNvSpPr>
+          <p:nvPr>
+            <p:ph type="ctrTitle"/>
+          </p:nvPr>
+        </p:nvSpPr>
+        <p:spPr/>
+        <p:txBody>
+          <a:bodyPr/>
+          <a:lstStyle/>
+          <a:p>
+            <a:r>
+              <a:rPr lang="en-US" dirty="0"/>
+              <a:t>B = 0.75</a:t>
+            </a:r>
+          </a:p>
+        </p:txBody>
+      </p:sp>
       <p:pic>
         <p:nvPicPr>
           <p:cNvPr id="5" name="Picture 4">
@@ -5592,7 +5712,7 @@
 </p:sld>
 </file>
 
-<file path=ppt/slides/slide5.xml><?xml version="1.0" encoding="utf-8"?>
+<file path=ppt/slides/slide6.xml><?xml version="1.0" encoding="utf-8"?>
 <p:sld xmlns:a="http://schemas.openxmlformats.org/drawingml/2006/main" xmlns:r="http://schemas.openxmlformats.org/officeDocument/2006/relationships" xmlns:p="http://schemas.openxmlformats.org/presentationml/2006/main">
   <p:cSld>
     <p:spTree>
@@ -5622,7 +5742,7 @@
 </p:sld>
 </file>
 
-<file path=ppt/slides/slide6.xml><?xml version="1.0" encoding="utf-8"?>
+<file path=ppt/slides/slide7.xml><?xml version="1.0" encoding="utf-8"?>
 <p:sld xmlns:a="http://schemas.openxmlformats.org/drawingml/2006/main" xmlns:r="http://schemas.openxmlformats.org/officeDocument/2006/relationships" xmlns:p="http://schemas.openxmlformats.org/presentationml/2006/main">
   <p:cSld>
     <p:spTree>
@@ -5639,40 +5759,12 @@
           <a:chExt cx="0" cy="0"/>
         </a:xfrm>
       </p:grpSpPr>
-      <p:sp>
-        <p:nvSpPr>
-          <p:cNvPr id="2" name="Title 1">
-            <a:extLst>
-              <a:ext uri="{FF2B5EF4-FFF2-40B4-BE49-F238E27FC236}">
-                <a16:creationId xmlns:a16="http://schemas.microsoft.com/office/drawing/2014/main" id="{5BF38505-AE92-A12D-A9BD-9AC30E6BCC71}"/>
-              </a:ext>
-            </a:extLst>
-          </p:cNvPr>
-          <p:cNvSpPr>
-            <a:spLocks noGrp="1"/>
-          </p:cNvSpPr>
-          <p:nvPr>
-            <p:ph type="ctrTitle"/>
-          </p:nvPr>
-        </p:nvSpPr>
-        <p:spPr/>
-        <p:txBody>
-          <a:bodyPr/>
-          <a:lstStyle/>
-          <a:p>
-            <a:r>
-              <a:rPr lang="en-US" dirty="0"/>
-              <a:t>B = 1.0</a:t>
-            </a:r>
-          </a:p>
-        </p:txBody>
-      </p:sp>
       <p:pic>
         <p:nvPicPr>
-          <p:cNvPr id="4" name="Picture 3">
-            <a:extLst>
-              <a:ext uri="{FF2B5EF4-FFF2-40B4-BE49-F238E27FC236}">
-                <a16:creationId xmlns:a16="http://schemas.microsoft.com/office/drawing/2014/main" id="{49335B0C-3CD5-90BA-11EA-4931E6E9F2E3}"/>
+          <p:cNvPr id="7" name="Picture 6">
+            <a:extLst>
+              <a:ext uri="{FF2B5EF4-FFF2-40B4-BE49-F238E27FC236}">
+                <a16:creationId xmlns:a16="http://schemas.microsoft.com/office/drawing/2014/main" id="{9C5C8019-A0D9-9D81-DE6C-F0B0709171A8}"/>
               </a:ext>
             </a:extLst>
           </p:cNvPr>
@@ -5689,14 +5781,42 @@
         </p:blipFill>
         <p:spPr>
           <a:xfrm>
-            <a:off x="4382270" y="3760443"/>
-            <a:ext cx="4037272" cy="1656631"/>
+            <a:off x="4300349" y="3738741"/>
+            <a:ext cx="4178008" cy="1642223"/>
           </a:xfrm>
           <a:prstGeom prst="rect">
             <a:avLst/>
           </a:prstGeom>
         </p:spPr>
       </p:pic>
+      <p:sp>
+        <p:nvSpPr>
+          <p:cNvPr id="2" name="Title 1">
+            <a:extLst>
+              <a:ext uri="{FF2B5EF4-FFF2-40B4-BE49-F238E27FC236}">
+                <a16:creationId xmlns:a16="http://schemas.microsoft.com/office/drawing/2014/main" id="{5BF38505-AE92-A12D-A9BD-9AC30E6BCC71}"/>
+              </a:ext>
+            </a:extLst>
+          </p:cNvPr>
+          <p:cNvSpPr>
+            <a:spLocks noGrp="1"/>
+          </p:cNvSpPr>
+          <p:nvPr>
+            <p:ph type="ctrTitle"/>
+          </p:nvPr>
+        </p:nvSpPr>
+        <p:spPr/>
+        <p:txBody>
+          <a:bodyPr/>
+          <a:lstStyle/>
+          <a:p>
+            <a:r>
+              <a:rPr lang="en-US" dirty="0"/>
+              <a:t>B = 1.0</a:t>
+            </a:r>
+          </a:p>
+        </p:txBody>
+      </p:sp>
       <p:pic>
         <p:nvPicPr>
           <p:cNvPr id="5" name="Picture 4">
@@ -5792,7 +5912,7 @@
 </p:sld>
 </file>
 
-<file path=ppt/slides/slide7.xml><?xml version="1.0" encoding="utf-8"?>
+<file path=ppt/slides/slide8.xml><?xml version="1.0" encoding="utf-8"?>
 <p:sld xmlns:a="http://schemas.openxmlformats.org/drawingml/2006/main" xmlns:r="http://schemas.openxmlformats.org/officeDocument/2006/relationships" xmlns:p="http://schemas.openxmlformats.org/presentationml/2006/main">
   <p:cSld>
     <p:spTree>

--- a/NLH.pptx
+++ b/NLH.pptx
@@ -204,7 +204,7 @@
           <a:p>
             <a:fld id="{CD589C0A-3A09-49C7-BF5E-A18753F65EB4}" type="datetimeFigureOut">
               <a:rPr lang="en-US" smtClean="0"/>
-              <a:t>10/24/2022</a:t>
+              <a:t>10/25/2022</a:t>
             </a:fld>
             <a:endParaRPr lang="en-US"/>
           </a:p>
@@ -618,7 +618,7 @@
           <a:p>
             <a:fld id="{BCCF18D8-6DFB-4CDA-AE1C-8F66D1E20DFB}" type="datetimeFigureOut">
               <a:rPr lang="en-US" smtClean="0"/>
-              <a:t>10/24/2022</a:t>
+              <a:t>10/25/2022</a:t>
             </a:fld>
             <a:endParaRPr lang="en-US"/>
           </a:p>
@@ -816,7 +816,7 @@
           <a:p>
             <a:fld id="{BCCF18D8-6DFB-4CDA-AE1C-8F66D1E20DFB}" type="datetimeFigureOut">
               <a:rPr lang="en-US" smtClean="0"/>
-              <a:t>10/24/2022</a:t>
+              <a:t>10/25/2022</a:t>
             </a:fld>
             <a:endParaRPr lang="en-US"/>
           </a:p>
@@ -1024,7 +1024,7 @@
           <a:p>
             <a:fld id="{BCCF18D8-6DFB-4CDA-AE1C-8F66D1E20DFB}" type="datetimeFigureOut">
               <a:rPr lang="en-US" smtClean="0"/>
-              <a:t>10/24/2022</a:t>
+              <a:t>10/25/2022</a:t>
             </a:fld>
             <a:endParaRPr lang="en-US"/>
           </a:p>
@@ -1222,7 +1222,7 @@
           <a:p>
             <a:fld id="{BCCF18D8-6DFB-4CDA-AE1C-8F66D1E20DFB}" type="datetimeFigureOut">
               <a:rPr lang="en-US" smtClean="0"/>
-              <a:t>10/24/2022</a:t>
+              <a:t>10/25/2022</a:t>
             </a:fld>
             <a:endParaRPr lang="en-US"/>
           </a:p>
@@ -1497,7 +1497,7 @@
           <a:p>
             <a:fld id="{BCCF18D8-6DFB-4CDA-AE1C-8F66D1E20DFB}" type="datetimeFigureOut">
               <a:rPr lang="en-US" smtClean="0"/>
-              <a:t>10/24/2022</a:t>
+              <a:t>10/25/2022</a:t>
             </a:fld>
             <a:endParaRPr lang="en-US"/>
           </a:p>
@@ -1762,7 +1762,7 @@
           <a:p>
             <a:fld id="{BCCF18D8-6DFB-4CDA-AE1C-8F66D1E20DFB}" type="datetimeFigureOut">
               <a:rPr lang="en-US" smtClean="0"/>
-              <a:t>10/24/2022</a:t>
+              <a:t>10/25/2022</a:t>
             </a:fld>
             <a:endParaRPr lang="en-US"/>
           </a:p>
@@ -2174,7 +2174,7 @@
           <a:p>
             <a:fld id="{BCCF18D8-6DFB-4CDA-AE1C-8F66D1E20DFB}" type="datetimeFigureOut">
               <a:rPr lang="en-US" smtClean="0"/>
-              <a:t>10/24/2022</a:t>
+              <a:t>10/25/2022</a:t>
             </a:fld>
             <a:endParaRPr lang="en-US"/>
           </a:p>
@@ -2315,7 +2315,7 @@
           <a:p>
             <a:fld id="{BCCF18D8-6DFB-4CDA-AE1C-8F66D1E20DFB}" type="datetimeFigureOut">
               <a:rPr lang="en-US" smtClean="0"/>
-              <a:t>10/24/2022</a:t>
+              <a:t>10/25/2022</a:t>
             </a:fld>
             <a:endParaRPr lang="en-US"/>
           </a:p>
@@ -2428,7 +2428,7 @@
           <a:p>
             <a:fld id="{BCCF18D8-6DFB-4CDA-AE1C-8F66D1E20DFB}" type="datetimeFigureOut">
               <a:rPr lang="en-US" smtClean="0"/>
-              <a:t>10/24/2022</a:t>
+              <a:t>10/25/2022</a:t>
             </a:fld>
             <a:endParaRPr lang="en-US"/>
           </a:p>
@@ -2739,7 +2739,7 @@
           <a:p>
             <a:fld id="{BCCF18D8-6DFB-4CDA-AE1C-8F66D1E20DFB}" type="datetimeFigureOut">
               <a:rPr lang="en-US" smtClean="0"/>
-              <a:t>10/24/2022</a:t>
+              <a:t>10/25/2022</a:t>
             </a:fld>
             <a:endParaRPr lang="en-US"/>
           </a:p>
@@ -3027,7 +3027,7 @@
           <a:p>
             <a:fld id="{BCCF18D8-6DFB-4CDA-AE1C-8F66D1E20DFB}" type="datetimeFigureOut">
               <a:rPr lang="en-US" smtClean="0"/>
-              <a:t>10/24/2022</a:t>
+              <a:t>10/25/2022</a:t>
             </a:fld>
             <a:endParaRPr lang="en-US"/>
           </a:p>
@@ -3268,7 +3268,7 @@
           <a:p>
             <a:fld id="{BCCF18D8-6DFB-4CDA-AE1C-8F66D1E20DFB}" type="datetimeFigureOut">
               <a:rPr lang="en-US" smtClean="0"/>
-              <a:t>10/24/2022</a:t>
+              <a:t>10/25/2022</a:t>
             </a:fld>
             <a:endParaRPr lang="en-US"/>
           </a:p>
@@ -5929,6 +5929,194 @@
           <a:chExt cx="0" cy="0"/>
         </a:xfrm>
       </p:grpSpPr>
+      <p:pic>
+        <p:nvPicPr>
+          <p:cNvPr id="1032" name="Picture 8">
+            <a:extLst>
+              <a:ext uri="{FF2B5EF4-FFF2-40B4-BE49-F238E27FC236}">
+                <a16:creationId xmlns:a16="http://schemas.microsoft.com/office/drawing/2014/main" id="{D1421537-A12F-316F-64C9-29D110325289}"/>
+              </a:ext>
+            </a:extLst>
+          </p:cNvPr>
+          <p:cNvPicPr>
+            <a:picLocks noChangeAspect="1" noChangeArrowheads="1"/>
+          </p:cNvPicPr>
+          <p:nvPr/>
+        </p:nvPicPr>
+        <p:blipFill>
+          <a:blip r:embed="rId2">
+            <a:extLst>
+              <a:ext uri="{28A0092B-C50C-407E-A947-70E740481C1C}">
+                <a14:useLocalDpi xmlns:a14="http://schemas.microsoft.com/office/drawing/2010/main" val="0"/>
+              </a:ext>
+            </a:extLst>
+          </a:blip>
+          <a:srcRect/>
+          <a:stretch>
+            <a:fillRect/>
+          </a:stretch>
+        </p:blipFill>
+        <p:spPr bwMode="auto">
+          <a:xfrm>
+            <a:off x="8763340" y="702425"/>
+            <a:ext cx="3250431" cy="5453149"/>
+          </a:xfrm>
+          <a:prstGeom prst="rect">
+            <a:avLst/>
+          </a:prstGeom>
+          <a:noFill/>
+          <a:extLst>
+            <a:ext uri="{909E8E84-426E-40DD-AFC4-6F175D3DCCD1}">
+              <a14:hiddenFill xmlns:a14="http://schemas.microsoft.com/office/drawing/2010/main">
+                <a:solidFill>
+                  <a:srgbClr val="FFFFFF"/>
+                </a:solidFill>
+              </a14:hiddenFill>
+            </a:ext>
+          </a:extLst>
+        </p:spPr>
+      </p:pic>
+      <p:pic>
+        <p:nvPicPr>
+          <p:cNvPr id="1030" name="Picture 6">
+            <a:extLst>
+              <a:ext uri="{FF2B5EF4-FFF2-40B4-BE49-F238E27FC236}">
+                <a16:creationId xmlns:a16="http://schemas.microsoft.com/office/drawing/2014/main" id="{8DAB1041-273C-B53C-457C-4BA0D9D86A34}"/>
+              </a:ext>
+            </a:extLst>
+          </p:cNvPr>
+          <p:cNvPicPr>
+            <a:picLocks noChangeAspect="1" noChangeArrowheads="1"/>
+          </p:cNvPicPr>
+          <p:nvPr/>
+        </p:nvPicPr>
+        <p:blipFill>
+          <a:blip r:embed="rId3">
+            <a:extLst>
+              <a:ext uri="{28A0092B-C50C-407E-A947-70E740481C1C}">
+                <a14:useLocalDpi xmlns:a14="http://schemas.microsoft.com/office/drawing/2010/main" val="0"/>
+              </a:ext>
+            </a:extLst>
+          </a:blip>
+          <a:srcRect/>
+          <a:stretch>
+            <a:fillRect/>
+          </a:stretch>
+        </p:blipFill>
+        <p:spPr bwMode="auto">
+          <a:xfrm>
+            <a:off x="5875487" y="702425"/>
+            <a:ext cx="3250431" cy="5453149"/>
+          </a:xfrm>
+          <a:prstGeom prst="rect">
+            <a:avLst/>
+          </a:prstGeom>
+          <a:noFill/>
+          <a:extLst>
+            <a:ext uri="{909E8E84-426E-40DD-AFC4-6F175D3DCCD1}">
+              <a14:hiddenFill xmlns:a14="http://schemas.microsoft.com/office/drawing/2010/main">
+                <a:solidFill>
+                  <a:srgbClr val="FFFFFF"/>
+                </a:solidFill>
+              </a14:hiddenFill>
+            </a:ext>
+          </a:extLst>
+        </p:spPr>
+      </p:pic>
+      <p:pic>
+        <p:nvPicPr>
+          <p:cNvPr id="1028" name="Picture 4">
+            <a:extLst>
+              <a:ext uri="{FF2B5EF4-FFF2-40B4-BE49-F238E27FC236}">
+                <a16:creationId xmlns:a16="http://schemas.microsoft.com/office/drawing/2014/main" id="{7B676318-8BFE-FD37-2914-D6B5E2492D9F}"/>
+              </a:ext>
+            </a:extLst>
+          </p:cNvPr>
+          <p:cNvPicPr>
+            <a:picLocks noChangeAspect="1" noChangeArrowheads="1"/>
+          </p:cNvPicPr>
+          <p:nvPr/>
+        </p:nvPicPr>
+        <p:blipFill>
+          <a:blip r:embed="rId4">
+            <a:extLst>
+              <a:ext uri="{28A0092B-C50C-407E-A947-70E740481C1C}">
+                <a14:useLocalDpi xmlns:a14="http://schemas.microsoft.com/office/drawing/2010/main" val="0"/>
+              </a:ext>
+            </a:extLst>
+          </a:blip>
+          <a:srcRect/>
+          <a:stretch>
+            <a:fillRect/>
+          </a:stretch>
+        </p:blipFill>
+        <p:spPr bwMode="auto">
+          <a:xfrm>
+            <a:off x="2988596" y="702425"/>
+            <a:ext cx="3250431" cy="5453149"/>
+          </a:xfrm>
+          <a:prstGeom prst="rect">
+            <a:avLst/>
+          </a:prstGeom>
+          <a:noFill/>
+          <a:extLst>
+            <a:ext uri="{909E8E84-426E-40DD-AFC4-6F175D3DCCD1}">
+              <a14:hiddenFill xmlns:a14="http://schemas.microsoft.com/office/drawing/2010/main">
+                <a:solidFill>
+                  <a:srgbClr val="FFFFFF"/>
+                </a:solidFill>
+              </a14:hiddenFill>
+            </a:ext>
+          </a:extLst>
+        </p:spPr>
+      </p:pic>
+      <p:pic>
+        <p:nvPicPr>
+          <p:cNvPr id="1026" name="Picture 2">
+            <a:extLst>
+              <a:ext uri="{FF2B5EF4-FFF2-40B4-BE49-F238E27FC236}">
+                <a16:creationId xmlns:a16="http://schemas.microsoft.com/office/drawing/2014/main" id="{8830B994-03BD-3AAB-B428-3BF32D0A9B05}"/>
+              </a:ext>
+            </a:extLst>
+          </p:cNvPr>
+          <p:cNvPicPr>
+            <a:picLocks noChangeAspect="1" noChangeArrowheads="1"/>
+          </p:cNvPicPr>
+          <p:nvPr/>
+        </p:nvPicPr>
+        <p:blipFill>
+          <a:blip r:embed="rId5">
+            <a:extLst>
+              <a:ext uri="{28A0092B-C50C-407E-A947-70E740481C1C}">
+                <a14:useLocalDpi xmlns:a14="http://schemas.microsoft.com/office/drawing/2010/main" val="0"/>
+              </a:ext>
+            </a:extLst>
+          </a:blip>
+          <a:srcRect/>
+          <a:stretch>
+            <a:fillRect/>
+          </a:stretch>
+        </p:blipFill>
+        <p:spPr bwMode="auto">
+          <a:xfrm>
+            <a:off x="83125" y="702425"/>
+            <a:ext cx="3250431" cy="5453149"/>
+          </a:xfrm>
+          <a:prstGeom prst="rect">
+            <a:avLst/>
+          </a:prstGeom>
+          <a:noFill/>
+          <a:extLst>
+            <a:ext uri="{909E8E84-426E-40DD-AFC4-6F175D3DCCD1}">
+              <a14:hiddenFill xmlns:a14="http://schemas.microsoft.com/office/drawing/2010/main">
+                <a:solidFill>
+                  <a:srgbClr val="FFFFFF"/>
+                </a:solidFill>
+              </a14:hiddenFill>
+            </a:ext>
+          </a:extLst>
+        </p:spPr>
+      </p:pic>
     </p:spTree>
     <p:extLst>
       <p:ext uri="{BB962C8B-B14F-4D97-AF65-F5344CB8AC3E}">

--- a/NLH.pptx
+++ b/NLH.pptx
@@ -5729,6 +5729,194 @@
           <a:chExt cx="0" cy="0"/>
         </a:xfrm>
       </p:grpSpPr>
+      <p:pic>
+        <p:nvPicPr>
+          <p:cNvPr id="4" name="Picture 20">
+            <a:extLst>
+              <a:ext uri="{FF2B5EF4-FFF2-40B4-BE49-F238E27FC236}">
+                <a16:creationId xmlns:a16="http://schemas.microsoft.com/office/drawing/2014/main" id="{95F820CC-6BED-5B45-6DEB-760605A49410}"/>
+              </a:ext>
+            </a:extLst>
+          </p:cNvPr>
+          <p:cNvPicPr>
+            <a:picLocks noChangeAspect="1" noChangeArrowheads="1"/>
+          </p:cNvPicPr>
+          <p:nvPr/>
+        </p:nvPicPr>
+        <p:blipFill>
+          <a:blip r:embed="rId2">
+            <a:extLst>
+              <a:ext uri="{28A0092B-C50C-407E-A947-70E740481C1C}">
+                <a14:useLocalDpi xmlns:a14="http://schemas.microsoft.com/office/drawing/2010/main" val="0"/>
+              </a:ext>
+            </a:extLst>
+          </a:blip>
+          <a:srcRect/>
+          <a:stretch>
+            <a:fillRect/>
+          </a:stretch>
+        </p:blipFill>
+        <p:spPr bwMode="auto">
+          <a:xfrm>
+            <a:off x="160839" y="367456"/>
+            <a:ext cx="3607235" cy="6123087"/>
+          </a:xfrm>
+          <a:prstGeom prst="rect">
+            <a:avLst/>
+          </a:prstGeom>
+          <a:noFill/>
+          <a:extLst>
+            <a:ext uri="{909E8E84-426E-40DD-AFC4-6F175D3DCCD1}">
+              <a14:hiddenFill xmlns:a14="http://schemas.microsoft.com/office/drawing/2010/main">
+                <a:solidFill>
+                  <a:srgbClr val="FFFFFF"/>
+                </a:solidFill>
+              </a14:hiddenFill>
+            </a:ext>
+          </a:extLst>
+        </p:spPr>
+      </p:pic>
+      <p:pic>
+        <p:nvPicPr>
+          <p:cNvPr id="2056" name="Picture 8">
+            <a:extLst>
+              <a:ext uri="{FF2B5EF4-FFF2-40B4-BE49-F238E27FC236}">
+                <a16:creationId xmlns:a16="http://schemas.microsoft.com/office/drawing/2014/main" id="{08FB11CB-0012-74CC-D2C8-79563ADCCEC3}"/>
+              </a:ext>
+            </a:extLst>
+          </p:cNvPr>
+          <p:cNvPicPr>
+            <a:picLocks noChangeAspect="1" noChangeArrowheads="1"/>
+          </p:cNvPicPr>
+          <p:nvPr/>
+        </p:nvPicPr>
+        <p:blipFill>
+          <a:blip r:embed="rId3">
+            <a:extLst>
+              <a:ext uri="{28A0092B-C50C-407E-A947-70E740481C1C}">
+                <a14:useLocalDpi xmlns:a14="http://schemas.microsoft.com/office/drawing/2010/main" val="0"/>
+              </a:ext>
+            </a:extLst>
+          </a:blip>
+          <a:srcRect/>
+          <a:stretch>
+            <a:fillRect/>
+          </a:stretch>
+        </p:blipFill>
+        <p:spPr bwMode="auto">
+          <a:xfrm>
+            <a:off x="2929505" y="367456"/>
+            <a:ext cx="3607235" cy="6123087"/>
+          </a:xfrm>
+          <a:prstGeom prst="rect">
+            <a:avLst/>
+          </a:prstGeom>
+          <a:noFill/>
+          <a:extLst>
+            <a:ext uri="{909E8E84-426E-40DD-AFC4-6F175D3DCCD1}">
+              <a14:hiddenFill xmlns:a14="http://schemas.microsoft.com/office/drawing/2010/main">
+                <a:solidFill>
+                  <a:srgbClr val="FFFFFF"/>
+                </a:solidFill>
+              </a14:hiddenFill>
+            </a:ext>
+          </a:extLst>
+        </p:spPr>
+      </p:pic>
+      <p:pic>
+        <p:nvPicPr>
+          <p:cNvPr id="2058" name="Picture 10">
+            <a:extLst>
+              <a:ext uri="{FF2B5EF4-FFF2-40B4-BE49-F238E27FC236}">
+                <a16:creationId xmlns:a16="http://schemas.microsoft.com/office/drawing/2014/main" id="{ACA75BF3-DBED-9D76-F72C-B33B36459623}"/>
+              </a:ext>
+            </a:extLst>
+          </p:cNvPr>
+          <p:cNvPicPr>
+            <a:picLocks noChangeAspect="1" noChangeArrowheads="1"/>
+          </p:cNvPicPr>
+          <p:nvPr/>
+        </p:nvPicPr>
+        <p:blipFill>
+          <a:blip r:embed="rId4">
+            <a:extLst>
+              <a:ext uri="{28A0092B-C50C-407E-A947-70E740481C1C}">
+                <a14:useLocalDpi xmlns:a14="http://schemas.microsoft.com/office/drawing/2010/main" val="0"/>
+              </a:ext>
+            </a:extLst>
+          </a:blip>
+          <a:srcRect/>
+          <a:stretch>
+            <a:fillRect/>
+          </a:stretch>
+        </p:blipFill>
+        <p:spPr bwMode="auto">
+          <a:xfrm>
+            <a:off x="5698171" y="367456"/>
+            <a:ext cx="3607235" cy="6123087"/>
+          </a:xfrm>
+          <a:prstGeom prst="rect">
+            <a:avLst/>
+          </a:prstGeom>
+          <a:noFill/>
+          <a:extLst>
+            <a:ext uri="{909E8E84-426E-40DD-AFC4-6F175D3DCCD1}">
+              <a14:hiddenFill xmlns:a14="http://schemas.microsoft.com/office/drawing/2010/main">
+                <a:solidFill>
+                  <a:srgbClr val="FFFFFF"/>
+                </a:solidFill>
+              </a14:hiddenFill>
+            </a:ext>
+          </a:extLst>
+        </p:spPr>
+      </p:pic>
+      <p:pic>
+        <p:nvPicPr>
+          <p:cNvPr id="2060" name="Picture 12">
+            <a:extLst>
+              <a:ext uri="{FF2B5EF4-FFF2-40B4-BE49-F238E27FC236}">
+                <a16:creationId xmlns:a16="http://schemas.microsoft.com/office/drawing/2014/main" id="{D07640F7-6A36-7A17-7163-06779128D3F3}"/>
+              </a:ext>
+            </a:extLst>
+          </p:cNvPr>
+          <p:cNvPicPr>
+            <a:picLocks noChangeAspect="1" noChangeArrowheads="1"/>
+          </p:cNvPicPr>
+          <p:nvPr/>
+        </p:nvPicPr>
+        <p:blipFill>
+          <a:blip r:embed="rId5">
+            <a:extLst>
+              <a:ext uri="{28A0092B-C50C-407E-A947-70E740481C1C}">
+                <a14:useLocalDpi xmlns:a14="http://schemas.microsoft.com/office/drawing/2010/main" val="0"/>
+              </a:ext>
+            </a:extLst>
+          </a:blip>
+          <a:srcRect/>
+          <a:stretch>
+            <a:fillRect/>
+          </a:stretch>
+        </p:blipFill>
+        <p:spPr bwMode="auto">
+          <a:xfrm>
+            <a:off x="8466837" y="367456"/>
+            <a:ext cx="3607235" cy="6123087"/>
+          </a:xfrm>
+          <a:prstGeom prst="rect">
+            <a:avLst/>
+          </a:prstGeom>
+          <a:noFill/>
+          <a:extLst>
+            <a:ext uri="{909E8E84-426E-40DD-AFC4-6F175D3DCCD1}">
+              <a14:hiddenFill xmlns:a14="http://schemas.microsoft.com/office/drawing/2010/main">
+                <a:solidFill>
+                  <a:srgbClr val="FFFFFF"/>
+                </a:solidFill>
+              </a14:hiddenFill>
+            </a:ext>
+          </a:extLst>
+        </p:spPr>
+      </p:pic>
     </p:spTree>
     <p:extLst>
       <p:ext uri="{BB962C8B-B14F-4D97-AF65-F5344CB8AC3E}">
@@ -5931,10 +6119,10 @@
       </p:grpSpPr>
       <p:pic>
         <p:nvPicPr>
-          <p:cNvPr id="1032" name="Picture 8">
-            <a:extLst>
-              <a:ext uri="{FF2B5EF4-FFF2-40B4-BE49-F238E27FC236}">
-                <a16:creationId xmlns:a16="http://schemas.microsoft.com/office/drawing/2014/main" id="{D1421537-A12F-316F-64C9-29D110325289}"/>
+          <p:cNvPr id="1042" name="Picture 18">
+            <a:extLst>
+              <a:ext uri="{FF2B5EF4-FFF2-40B4-BE49-F238E27FC236}">
+                <a16:creationId xmlns:a16="http://schemas.microsoft.com/office/drawing/2014/main" id="{F24C9AAB-F24E-4179-A166-C75458BC983D}"/>
               </a:ext>
             </a:extLst>
           </p:cNvPr>
@@ -5958,8 +6146,8 @@
         </p:blipFill>
         <p:spPr bwMode="auto">
           <a:xfrm>
-            <a:off x="8763340" y="702425"/>
-            <a:ext cx="3250431" cy="5453149"/>
+            <a:off x="280034" y="367457"/>
+            <a:ext cx="3607234" cy="6123086"/>
           </a:xfrm>
           <a:prstGeom prst="rect">
             <a:avLst/>
@@ -5978,10 +6166,10 @@
       </p:pic>
       <p:pic>
         <p:nvPicPr>
-          <p:cNvPr id="1030" name="Picture 6">
-            <a:extLst>
-              <a:ext uri="{FF2B5EF4-FFF2-40B4-BE49-F238E27FC236}">
-                <a16:creationId xmlns:a16="http://schemas.microsoft.com/office/drawing/2014/main" id="{8DAB1041-273C-B53C-457C-4BA0D9D86A34}"/>
+          <p:cNvPr id="1040" name="Picture 16">
+            <a:extLst>
+              <a:ext uri="{FF2B5EF4-FFF2-40B4-BE49-F238E27FC236}">
+                <a16:creationId xmlns:a16="http://schemas.microsoft.com/office/drawing/2014/main" id="{88B21606-44D9-C047-5069-FB85CDC0B1BB}"/>
               </a:ext>
             </a:extLst>
           </p:cNvPr>
@@ -6005,8 +6193,8 @@
         </p:blipFill>
         <p:spPr bwMode="auto">
           <a:xfrm>
-            <a:off x="5875487" y="702425"/>
-            <a:ext cx="3250431" cy="5453149"/>
+            <a:off x="3048278" y="367457"/>
+            <a:ext cx="3607234" cy="6123086"/>
           </a:xfrm>
           <a:prstGeom prst="rect">
             <a:avLst/>
@@ -6025,10 +6213,10 @@
       </p:pic>
       <p:pic>
         <p:nvPicPr>
-          <p:cNvPr id="1028" name="Picture 4">
-            <a:extLst>
-              <a:ext uri="{FF2B5EF4-FFF2-40B4-BE49-F238E27FC236}">
-                <a16:creationId xmlns:a16="http://schemas.microsoft.com/office/drawing/2014/main" id="{7B676318-8BFE-FD37-2914-D6B5E2492D9F}"/>
+          <p:cNvPr id="1038" name="Picture 14">
+            <a:extLst>
+              <a:ext uri="{FF2B5EF4-FFF2-40B4-BE49-F238E27FC236}">
+                <a16:creationId xmlns:a16="http://schemas.microsoft.com/office/drawing/2014/main" id="{A4F775FF-E020-D213-DC98-1281C14C8ECE}"/>
               </a:ext>
             </a:extLst>
           </p:cNvPr>
@@ -6052,8 +6240,8 @@
         </p:blipFill>
         <p:spPr bwMode="auto">
           <a:xfrm>
-            <a:off x="2988596" y="702425"/>
-            <a:ext cx="3250431" cy="5453149"/>
+            <a:off x="5816522" y="367457"/>
+            <a:ext cx="3607234" cy="6123086"/>
           </a:xfrm>
           <a:prstGeom prst="rect">
             <a:avLst/>
@@ -6072,10 +6260,10 @@
       </p:pic>
       <p:pic>
         <p:nvPicPr>
-          <p:cNvPr id="1026" name="Picture 2">
-            <a:extLst>
-              <a:ext uri="{FF2B5EF4-FFF2-40B4-BE49-F238E27FC236}">
-                <a16:creationId xmlns:a16="http://schemas.microsoft.com/office/drawing/2014/main" id="{8830B994-03BD-3AAB-B428-3BF32D0A9B05}"/>
+          <p:cNvPr id="1036" name="Picture 12">
+            <a:extLst>
+              <a:ext uri="{FF2B5EF4-FFF2-40B4-BE49-F238E27FC236}">
+                <a16:creationId xmlns:a16="http://schemas.microsoft.com/office/drawing/2014/main" id="{E50C5747-54C3-CB4A-C920-B7DDF08063DA}"/>
               </a:ext>
             </a:extLst>
           </p:cNvPr>
@@ -6099,8 +6287,8 @@
         </p:blipFill>
         <p:spPr bwMode="auto">
           <a:xfrm>
-            <a:off x="83125" y="702425"/>
-            <a:ext cx="3250431" cy="5453149"/>
+            <a:off x="8584766" y="367457"/>
+            <a:ext cx="3607234" cy="6123086"/>
           </a:xfrm>
           <a:prstGeom prst="rect">
             <a:avLst/>

--- a/NLH.pptx
+++ b/NLH.pptx
@@ -5,7 +5,7 @@
     <p:sldMasterId id="2147483648" r:id="rId1"/>
   </p:sldMasterIdLst>
   <p:notesMasterIdLst>
-    <p:notesMasterId r:id="rId10"/>
+    <p:notesMasterId r:id="rId11"/>
   </p:notesMasterIdLst>
   <p:sldIdLst>
     <p:sldId id="260" r:id="rId2"/>
@@ -13,9 +13,10 @@
     <p:sldId id="259" r:id="rId4"/>
     <p:sldId id="266" r:id="rId5"/>
     <p:sldId id="264" r:id="rId6"/>
-    <p:sldId id="262" r:id="rId7"/>
+    <p:sldId id="263" r:id="rId7"/>
     <p:sldId id="265" r:id="rId8"/>
-    <p:sldId id="263" r:id="rId9"/>
+    <p:sldId id="262" r:id="rId9"/>
+    <p:sldId id="267" r:id="rId10"/>
   </p:sldIdLst>
   <p:sldSz cx="12192000" cy="6858000"/>
   <p:notesSz cx="6858000" cy="9144000"/>
@@ -5731,10 +5732,10 @@
       </p:grpSpPr>
       <p:pic>
         <p:nvPicPr>
-          <p:cNvPr id="4" name="Picture 20">
-            <a:extLst>
-              <a:ext uri="{FF2B5EF4-FFF2-40B4-BE49-F238E27FC236}">
-                <a16:creationId xmlns:a16="http://schemas.microsoft.com/office/drawing/2014/main" id="{95F820CC-6BED-5B45-6DEB-760605A49410}"/>
+          <p:cNvPr id="1042" name="Picture 18">
+            <a:extLst>
+              <a:ext uri="{FF2B5EF4-FFF2-40B4-BE49-F238E27FC236}">
+                <a16:creationId xmlns:a16="http://schemas.microsoft.com/office/drawing/2014/main" id="{F24C9AAB-F24E-4179-A166-C75458BC983D}"/>
               </a:ext>
             </a:extLst>
           </p:cNvPr>
@@ -5758,8 +5759,8 @@
         </p:blipFill>
         <p:spPr bwMode="auto">
           <a:xfrm>
-            <a:off x="160839" y="367456"/>
-            <a:ext cx="3607235" cy="6123087"/>
+            <a:off x="280034" y="367457"/>
+            <a:ext cx="3607234" cy="6123086"/>
           </a:xfrm>
           <a:prstGeom prst="rect">
             <a:avLst/>
@@ -5778,10 +5779,10 @@
       </p:pic>
       <p:pic>
         <p:nvPicPr>
-          <p:cNvPr id="2056" name="Picture 8">
-            <a:extLst>
-              <a:ext uri="{FF2B5EF4-FFF2-40B4-BE49-F238E27FC236}">
-                <a16:creationId xmlns:a16="http://schemas.microsoft.com/office/drawing/2014/main" id="{08FB11CB-0012-74CC-D2C8-79563ADCCEC3}"/>
+          <p:cNvPr id="1040" name="Picture 16">
+            <a:extLst>
+              <a:ext uri="{FF2B5EF4-FFF2-40B4-BE49-F238E27FC236}">
+                <a16:creationId xmlns:a16="http://schemas.microsoft.com/office/drawing/2014/main" id="{88B21606-44D9-C047-5069-FB85CDC0B1BB}"/>
               </a:ext>
             </a:extLst>
           </p:cNvPr>
@@ -5805,8 +5806,8 @@
         </p:blipFill>
         <p:spPr bwMode="auto">
           <a:xfrm>
-            <a:off x="2929505" y="367456"/>
-            <a:ext cx="3607235" cy="6123087"/>
+            <a:off x="3048278" y="367457"/>
+            <a:ext cx="3607234" cy="6123086"/>
           </a:xfrm>
           <a:prstGeom prst="rect">
             <a:avLst/>
@@ -5825,10 +5826,10 @@
       </p:pic>
       <p:pic>
         <p:nvPicPr>
-          <p:cNvPr id="2058" name="Picture 10">
-            <a:extLst>
-              <a:ext uri="{FF2B5EF4-FFF2-40B4-BE49-F238E27FC236}">
-                <a16:creationId xmlns:a16="http://schemas.microsoft.com/office/drawing/2014/main" id="{ACA75BF3-DBED-9D76-F72C-B33B36459623}"/>
+          <p:cNvPr id="1038" name="Picture 14">
+            <a:extLst>
+              <a:ext uri="{FF2B5EF4-FFF2-40B4-BE49-F238E27FC236}">
+                <a16:creationId xmlns:a16="http://schemas.microsoft.com/office/drawing/2014/main" id="{A4F775FF-E020-D213-DC98-1281C14C8ECE}"/>
               </a:ext>
             </a:extLst>
           </p:cNvPr>
@@ -5852,8 +5853,8 @@
         </p:blipFill>
         <p:spPr bwMode="auto">
           <a:xfrm>
-            <a:off x="5698171" y="367456"/>
-            <a:ext cx="3607235" cy="6123087"/>
+            <a:off x="5816522" y="367457"/>
+            <a:ext cx="3607234" cy="6123086"/>
           </a:xfrm>
           <a:prstGeom prst="rect">
             <a:avLst/>
@@ -5872,10 +5873,10 @@
       </p:pic>
       <p:pic>
         <p:nvPicPr>
-          <p:cNvPr id="2060" name="Picture 12">
-            <a:extLst>
-              <a:ext uri="{FF2B5EF4-FFF2-40B4-BE49-F238E27FC236}">
-                <a16:creationId xmlns:a16="http://schemas.microsoft.com/office/drawing/2014/main" id="{D07640F7-6A36-7A17-7163-06779128D3F3}"/>
+          <p:cNvPr id="1036" name="Picture 12">
+            <a:extLst>
+              <a:ext uri="{FF2B5EF4-FFF2-40B4-BE49-F238E27FC236}">
+                <a16:creationId xmlns:a16="http://schemas.microsoft.com/office/drawing/2014/main" id="{E50C5747-54C3-CB4A-C920-B7DDF08063DA}"/>
               </a:ext>
             </a:extLst>
           </p:cNvPr>
@@ -5899,8 +5900,8 @@
         </p:blipFill>
         <p:spPr bwMode="auto">
           <a:xfrm>
-            <a:off x="8466837" y="367456"/>
-            <a:ext cx="3607235" cy="6123087"/>
+            <a:off x="8584766" y="367457"/>
+            <a:ext cx="3607234" cy="6123086"/>
           </a:xfrm>
           <a:prstGeom prst="rect">
             <a:avLst/>
@@ -5917,10 +5918,270 @@
           </a:extLst>
         </p:spPr>
       </p:pic>
+      <p:sp>
+        <p:nvSpPr>
+          <p:cNvPr id="2" name="Rectangle 1">
+            <a:extLst>
+              <a:ext uri="{FF2B5EF4-FFF2-40B4-BE49-F238E27FC236}">
+                <a16:creationId xmlns:a16="http://schemas.microsoft.com/office/drawing/2014/main" id="{CAD73EA3-6B63-7C05-9536-91EF4CBFAE02}"/>
+              </a:ext>
+            </a:extLst>
+          </p:cNvPr>
+          <p:cNvSpPr/>
+          <p:nvPr/>
+        </p:nvSpPr>
+        <p:spPr>
+          <a:xfrm>
+            <a:off x="8819798" y="1973825"/>
+            <a:ext cx="2915002" cy="291381"/>
+          </a:xfrm>
+          <a:prstGeom prst="rect">
+            <a:avLst/>
+          </a:prstGeom>
+          <a:noFill/>
+          <a:ln w="57150">
+            <a:solidFill>
+              <a:srgbClr val="C00000"/>
+            </a:solidFill>
+          </a:ln>
+        </p:spPr>
+        <p:style>
+          <a:lnRef idx="2">
+            <a:schemeClr val="accent1">
+              <a:shade val="50000"/>
+            </a:schemeClr>
+          </a:lnRef>
+          <a:fillRef idx="1">
+            <a:schemeClr val="accent1"/>
+          </a:fillRef>
+          <a:effectRef idx="0">
+            <a:schemeClr val="accent1"/>
+          </a:effectRef>
+          <a:fontRef idx="minor">
+            <a:schemeClr val="lt1"/>
+          </a:fontRef>
+        </p:style>
+        <p:txBody>
+          <a:bodyPr rtlCol="0" anchor="ctr"/>
+          <a:lstStyle/>
+          <a:p>
+            <a:pPr algn="ctr"/>
+            <a:endParaRPr lang="en-US"/>
+          </a:p>
+        </p:txBody>
+      </p:sp>
+      <p:sp>
+        <p:nvSpPr>
+          <p:cNvPr id="3" name="Rectangle 2">
+            <a:extLst>
+              <a:ext uri="{FF2B5EF4-FFF2-40B4-BE49-F238E27FC236}">
+                <a16:creationId xmlns:a16="http://schemas.microsoft.com/office/drawing/2014/main" id="{51B905F1-8780-A8C2-96E2-C1DBB31E6F76}"/>
+              </a:ext>
+            </a:extLst>
+          </p:cNvPr>
+          <p:cNvSpPr/>
+          <p:nvPr/>
+        </p:nvSpPr>
+        <p:spPr>
+          <a:xfrm>
+            <a:off x="8819798" y="5604531"/>
+            <a:ext cx="2915002" cy="291381"/>
+          </a:xfrm>
+          <a:prstGeom prst="rect">
+            <a:avLst/>
+          </a:prstGeom>
+          <a:noFill/>
+          <a:ln w="57150">
+            <a:solidFill>
+              <a:srgbClr val="C00000"/>
+            </a:solidFill>
+          </a:ln>
+        </p:spPr>
+        <p:style>
+          <a:lnRef idx="2">
+            <a:schemeClr val="accent1">
+              <a:shade val="50000"/>
+            </a:schemeClr>
+          </a:lnRef>
+          <a:fillRef idx="1">
+            <a:schemeClr val="accent1"/>
+          </a:fillRef>
+          <a:effectRef idx="0">
+            <a:schemeClr val="accent1"/>
+          </a:effectRef>
+          <a:fontRef idx="minor">
+            <a:schemeClr val="lt1"/>
+          </a:fontRef>
+        </p:style>
+        <p:txBody>
+          <a:bodyPr rtlCol="0" anchor="ctr"/>
+          <a:lstStyle/>
+          <a:p>
+            <a:pPr algn="ctr"/>
+            <a:endParaRPr lang="en-US"/>
+          </a:p>
+        </p:txBody>
+      </p:sp>
+      <p:sp>
+        <p:nvSpPr>
+          <p:cNvPr id="4" name="Rectangle 3">
+            <a:extLst>
+              <a:ext uri="{FF2B5EF4-FFF2-40B4-BE49-F238E27FC236}">
+                <a16:creationId xmlns:a16="http://schemas.microsoft.com/office/drawing/2014/main" id="{BBFA2830-1B98-33AE-AB50-2D19E633E354}"/>
+              </a:ext>
+            </a:extLst>
+          </p:cNvPr>
+          <p:cNvSpPr/>
+          <p:nvPr/>
+        </p:nvSpPr>
+        <p:spPr>
+          <a:xfrm>
+            <a:off x="5904796" y="5609856"/>
+            <a:ext cx="2915002" cy="291381"/>
+          </a:xfrm>
+          <a:prstGeom prst="rect">
+            <a:avLst/>
+          </a:prstGeom>
+          <a:noFill/>
+          <a:ln w="57150">
+            <a:solidFill>
+              <a:srgbClr val="C00000"/>
+            </a:solidFill>
+          </a:ln>
+        </p:spPr>
+        <p:style>
+          <a:lnRef idx="2">
+            <a:schemeClr val="accent1">
+              <a:shade val="50000"/>
+            </a:schemeClr>
+          </a:lnRef>
+          <a:fillRef idx="1">
+            <a:schemeClr val="accent1"/>
+          </a:fillRef>
+          <a:effectRef idx="0">
+            <a:schemeClr val="accent1"/>
+          </a:effectRef>
+          <a:fontRef idx="minor">
+            <a:schemeClr val="lt1"/>
+          </a:fontRef>
+        </p:style>
+        <p:txBody>
+          <a:bodyPr rtlCol="0" anchor="ctr"/>
+          <a:lstStyle/>
+          <a:p>
+            <a:pPr algn="ctr"/>
+            <a:endParaRPr lang="en-US"/>
+          </a:p>
+        </p:txBody>
+      </p:sp>
+      <p:sp>
+        <p:nvSpPr>
+          <p:cNvPr id="5" name="Rectangle 4">
+            <a:extLst>
+              <a:ext uri="{FF2B5EF4-FFF2-40B4-BE49-F238E27FC236}">
+                <a16:creationId xmlns:a16="http://schemas.microsoft.com/office/drawing/2014/main" id="{B744EB84-EE38-B760-2F72-09EA67A0B5DF}"/>
+              </a:ext>
+            </a:extLst>
+          </p:cNvPr>
+          <p:cNvSpPr/>
+          <p:nvPr/>
+        </p:nvSpPr>
+        <p:spPr>
+          <a:xfrm>
+            <a:off x="2945657" y="5609856"/>
+            <a:ext cx="2915002" cy="291381"/>
+          </a:xfrm>
+          <a:prstGeom prst="rect">
+            <a:avLst/>
+          </a:prstGeom>
+          <a:noFill/>
+          <a:ln w="57150">
+            <a:solidFill>
+              <a:srgbClr val="C00000"/>
+            </a:solidFill>
+          </a:ln>
+        </p:spPr>
+        <p:style>
+          <a:lnRef idx="2">
+            <a:schemeClr val="accent1">
+              <a:shade val="50000"/>
+            </a:schemeClr>
+          </a:lnRef>
+          <a:fillRef idx="1">
+            <a:schemeClr val="accent1"/>
+          </a:fillRef>
+          <a:effectRef idx="0">
+            <a:schemeClr val="accent1"/>
+          </a:effectRef>
+          <a:fontRef idx="minor">
+            <a:schemeClr val="lt1"/>
+          </a:fontRef>
+        </p:style>
+        <p:txBody>
+          <a:bodyPr rtlCol="0" anchor="ctr"/>
+          <a:lstStyle/>
+          <a:p>
+            <a:pPr algn="ctr"/>
+            <a:endParaRPr lang="en-US"/>
+          </a:p>
+        </p:txBody>
+      </p:sp>
+      <p:sp>
+        <p:nvSpPr>
+          <p:cNvPr id="6" name="Rectangle 5">
+            <a:extLst>
+              <a:ext uri="{FF2B5EF4-FFF2-40B4-BE49-F238E27FC236}">
+                <a16:creationId xmlns:a16="http://schemas.microsoft.com/office/drawing/2014/main" id="{52590798-00CE-1FDD-87B3-DA9DCF707438}"/>
+              </a:ext>
+            </a:extLst>
+          </p:cNvPr>
+          <p:cNvSpPr/>
+          <p:nvPr/>
+        </p:nvSpPr>
+        <p:spPr>
+          <a:xfrm>
+            <a:off x="5860659" y="1973825"/>
+            <a:ext cx="2915002" cy="291381"/>
+          </a:xfrm>
+          <a:prstGeom prst="rect">
+            <a:avLst/>
+          </a:prstGeom>
+          <a:noFill/>
+          <a:ln w="57150">
+            <a:solidFill>
+              <a:srgbClr val="C00000"/>
+            </a:solidFill>
+          </a:ln>
+        </p:spPr>
+        <p:style>
+          <a:lnRef idx="2">
+            <a:schemeClr val="accent1">
+              <a:shade val="50000"/>
+            </a:schemeClr>
+          </a:lnRef>
+          <a:fillRef idx="1">
+            <a:schemeClr val="accent1"/>
+          </a:fillRef>
+          <a:effectRef idx="0">
+            <a:schemeClr val="accent1"/>
+          </a:effectRef>
+          <a:fontRef idx="minor">
+            <a:schemeClr val="lt1"/>
+          </a:fontRef>
+        </p:style>
+        <p:txBody>
+          <a:bodyPr rtlCol="0" anchor="ctr"/>
+          <a:lstStyle/>
+          <a:p>
+            <a:pPr algn="ctr"/>
+            <a:endParaRPr lang="en-US"/>
+          </a:p>
+        </p:txBody>
+      </p:sp>
     </p:spTree>
     <p:extLst>
       <p:ext uri="{BB962C8B-B14F-4D97-AF65-F5344CB8AC3E}">
-        <p14:creationId xmlns:p14="http://schemas.microsoft.com/office/powerpoint/2010/main" val="967946439"/>
+        <p14:creationId xmlns:p14="http://schemas.microsoft.com/office/powerpoint/2010/main" val="4121766432"/>
       </p:ext>
     </p:extLst>
   </p:cSld>
@@ -6119,10 +6380,10 @@
       </p:grpSpPr>
       <p:pic>
         <p:nvPicPr>
-          <p:cNvPr id="1042" name="Picture 18">
-            <a:extLst>
-              <a:ext uri="{FF2B5EF4-FFF2-40B4-BE49-F238E27FC236}">
-                <a16:creationId xmlns:a16="http://schemas.microsoft.com/office/drawing/2014/main" id="{F24C9AAB-F24E-4179-A166-C75458BC983D}"/>
+          <p:cNvPr id="4" name="Picture 20">
+            <a:extLst>
+              <a:ext uri="{FF2B5EF4-FFF2-40B4-BE49-F238E27FC236}">
+                <a16:creationId xmlns:a16="http://schemas.microsoft.com/office/drawing/2014/main" id="{95F820CC-6BED-5B45-6DEB-760605A49410}"/>
               </a:ext>
             </a:extLst>
           </p:cNvPr>
@@ -6146,8 +6407,8 @@
         </p:blipFill>
         <p:spPr bwMode="auto">
           <a:xfrm>
-            <a:off x="280034" y="367457"/>
-            <a:ext cx="3607234" cy="6123086"/>
+            <a:off x="160839" y="367456"/>
+            <a:ext cx="3607235" cy="6123087"/>
           </a:xfrm>
           <a:prstGeom prst="rect">
             <a:avLst/>
@@ -6166,10 +6427,10 @@
       </p:pic>
       <p:pic>
         <p:nvPicPr>
-          <p:cNvPr id="1040" name="Picture 16">
-            <a:extLst>
-              <a:ext uri="{FF2B5EF4-FFF2-40B4-BE49-F238E27FC236}">
-                <a16:creationId xmlns:a16="http://schemas.microsoft.com/office/drawing/2014/main" id="{88B21606-44D9-C047-5069-FB85CDC0B1BB}"/>
+          <p:cNvPr id="2056" name="Picture 8">
+            <a:extLst>
+              <a:ext uri="{FF2B5EF4-FFF2-40B4-BE49-F238E27FC236}">
+                <a16:creationId xmlns:a16="http://schemas.microsoft.com/office/drawing/2014/main" id="{08FB11CB-0012-74CC-D2C8-79563ADCCEC3}"/>
               </a:ext>
             </a:extLst>
           </p:cNvPr>
@@ -6193,8 +6454,8 @@
         </p:blipFill>
         <p:spPr bwMode="auto">
           <a:xfrm>
-            <a:off x="3048278" y="367457"/>
-            <a:ext cx="3607234" cy="6123086"/>
+            <a:off x="2929505" y="367456"/>
+            <a:ext cx="3607235" cy="6123087"/>
           </a:xfrm>
           <a:prstGeom prst="rect">
             <a:avLst/>
@@ -6213,10 +6474,10 @@
       </p:pic>
       <p:pic>
         <p:nvPicPr>
-          <p:cNvPr id="1038" name="Picture 14">
-            <a:extLst>
-              <a:ext uri="{FF2B5EF4-FFF2-40B4-BE49-F238E27FC236}">
-                <a16:creationId xmlns:a16="http://schemas.microsoft.com/office/drawing/2014/main" id="{A4F775FF-E020-D213-DC98-1281C14C8ECE}"/>
+          <p:cNvPr id="2058" name="Picture 10">
+            <a:extLst>
+              <a:ext uri="{FF2B5EF4-FFF2-40B4-BE49-F238E27FC236}">
+                <a16:creationId xmlns:a16="http://schemas.microsoft.com/office/drawing/2014/main" id="{ACA75BF3-DBED-9D76-F72C-B33B36459623}"/>
               </a:ext>
             </a:extLst>
           </p:cNvPr>
@@ -6240,8 +6501,8 @@
         </p:blipFill>
         <p:spPr bwMode="auto">
           <a:xfrm>
-            <a:off x="5816522" y="367457"/>
-            <a:ext cx="3607234" cy="6123086"/>
+            <a:off x="5698171" y="367456"/>
+            <a:ext cx="3607235" cy="6123087"/>
           </a:xfrm>
           <a:prstGeom prst="rect">
             <a:avLst/>
@@ -6260,10 +6521,10 @@
       </p:pic>
       <p:pic>
         <p:nvPicPr>
-          <p:cNvPr id="1036" name="Picture 12">
-            <a:extLst>
-              <a:ext uri="{FF2B5EF4-FFF2-40B4-BE49-F238E27FC236}">
-                <a16:creationId xmlns:a16="http://schemas.microsoft.com/office/drawing/2014/main" id="{E50C5747-54C3-CB4A-C920-B7DDF08063DA}"/>
+          <p:cNvPr id="2060" name="Picture 12">
+            <a:extLst>
+              <a:ext uri="{FF2B5EF4-FFF2-40B4-BE49-F238E27FC236}">
+                <a16:creationId xmlns:a16="http://schemas.microsoft.com/office/drawing/2014/main" id="{D07640F7-6A36-7A17-7163-06779128D3F3}"/>
               </a:ext>
             </a:extLst>
           </p:cNvPr>
@@ -6287,8 +6548,8 @@
         </p:blipFill>
         <p:spPr bwMode="auto">
           <a:xfrm>
-            <a:off x="8584766" y="367457"/>
-            <a:ext cx="3607234" cy="6123086"/>
+            <a:off x="8466837" y="367456"/>
+            <a:ext cx="3607235" cy="6123087"/>
           </a:xfrm>
           <a:prstGeom prst="rect">
             <a:avLst/>
@@ -6305,10 +6566,336 @@
           </a:extLst>
         </p:spPr>
       </p:pic>
+      <p:sp>
+        <p:nvSpPr>
+          <p:cNvPr id="5" name="Rectangle 4">
+            <a:extLst>
+              <a:ext uri="{FF2B5EF4-FFF2-40B4-BE49-F238E27FC236}">
+                <a16:creationId xmlns:a16="http://schemas.microsoft.com/office/drawing/2014/main" id="{72096D08-68DB-5F08-5C8C-57686296D786}"/>
+              </a:ext>
+            </a:extLst>
+          </p:cNvPr>
+          <p:cNvSpPr/>
+          <p:nvPr/>
+        </p:nvSpPr>
+        <p:spPr>
+          <a:xfrm>
+            <a:off x="8631539" y="5613495"/>
+            <a:ext cx="2915002" cy="291381"/>
+          </a:xfrm>
+          <a:prstGeom prst="rect">
+            <a:avLst/>
+          </a:prstGeom>
+          <a:noFill/>
+          <a:ln w="57150">
+            <a:solidFill>
+              <a:srgbClr val="C00000"/>
+            </a:solidFill>
+          </a:ln>
+        </p:spPr>
+        <p:style>
+          <a:lnRef idx="2">
+            <a:schemeClr val="accent1">
+              <a:shade val="50000"/>
+            </a:schemeClr>
+          </a:lnRef>
+          <a:fillRef idx="1">
+            <a:schemeClr val="accent1"/>
+          </a:fillRef>
+          <a:effectRef idx="0">
+            <a:schemeClr val="accent1"/>
+          </a:effectRef>
+          <a:fontRef idx="minor">
+            <a:schemeClr val="lt1"/>
+          </a:fontRef>
+        </p:style>
+        <p:txBody>
+          <a:bodyPr rtlCol="0" anchor="ctr"/>
+          <a:lstStyle/>
+          <a:p>
+            <a:pPr algn="ctr"/>
+            <a:endParaRPr lang="en-US"/>
+          </a:p>
+        </p:txBody>
+      </p:sp>
+      <p:sp>
+        <p:nvSpPr>
+          <p:cNvPr id="6" name="Rectangle 5">
+            <a:extLst>
+              <a:ext uri="{FF2B5EF4-FFF2-40B4-BE49-F238E27FC236}">
+                <a16:creationId xmlns:a16="http://schemas.microsoft.com/office/drawing/2014/main" id="{6EFCA4FF-0D86-D907-302A-6C3228CCDDCC}"/>
+              </a:ext>
+            </a:extLst>
+          </p:cNvPr>
+          <p:cNvSpPr/>
+          <p:nvPr/>
+        </p:nvSpPr>
+        <p:spPr>
+          <a:xfrm>
+            <a:off x="5634186" y="5568673"/>
+            <a:ext cx="2915002" cy="291381"/>
+          </a:xfrm>
+          <a:prstGeom prst="rect">
+            <a:avLst/>
+          </a:prstGeom>
+          <a:noFill/>
+          <a:ln w="57150">
+            <a:solidFill>
+              <a:srgbClr val="C00000"/>
+            </a:solidFill>
+          </a:ln>
+        </p:spPr>
+        <p:style>
+          <a:lnRef idx="2">
+            <a:schemeClr val="accent1">
+              <a:shade val="50000"/>
+            </a:schemeClr>
+          </a:lnRef>
+          <a:fillRef idx="1">
+            <a:schemeClr val="accent1"/>
+          </a:fillRef>
+          <a:effectRef idx="0">
+            <a:schemeClr val="accent1"/>
+          </a:effectRef>
+          <a:fontRef idx="minor">
+            <a:schemeClr val="lt1"/>
+          </a:fontRef>
+        </p:style>
+        <p:txBody>
+          <a:bodyPr rtlCol="0" anchor="ctr"/>
+          <a:lstStyle/>
+          <a:p>
+            <a:pPr algn="ctr"/>
+            <a:endParaRPr lang="en-US"/>
+          </a:p>
+        </p:txBody>
+      </p:sp>
+      <p:sp>
+        <p:nvSpPr>
+          <p:cNvPr id="7" name="Rectangle 6">
+            <a:extLst>
+              <a:ext uri="{FF2B5EF4-FFF2-40B4-BE49-F238E27FC236}">
+                <a16:creationId xmlns:a16="http://schemas.microsoft.com/office/drawing/2014/main" id="{06EE0733-C80E-BC13-5CE5-881186C3621D}"/>
+              </a:ext>
+            </a:extLst>
+          </p:cNvPr>
+          <p:cNvSpPr/>
+          <p:nvPr/>
+        </p:nvSpPr>
+        <p:spPr>
+          <a:xfrm>
+            <a:off x="8819798" y="1837765"/>
+            <a:ext cx="2915002" cy="427441"/>
+          </a:xfrm>
+          <a:prstGeom prst="rect">
+            <a:avLst/>
+          </a:prstGeom>
+          <a:noFill/>
+          <a:ln w="57150">
+            <a:solidFill>
+              <a:srgbClr val="C00000"/>
+            </a:solidFill>
+          </a:ln>
+        </p:spPr>
+        <p:style>
+          <a:lnRef idx="2">
+            <a:schemeClr val="accent1">
+              <a:shade val="50000"/>
+            </a:schemeClr>
+          </a:lnRef>
+          <a:fillRef idx="1">
+            <a:schemeClr val="accent1"/>
+          </a:fillRef>
+          <a:effectRef idx="0">
+            <a:schemeClr val="accent1"/>
+          </a:effectRef>
+          <a:fontRef idx="minor">
+            <a:schemeClr val="lt1"/>
+          </a:fontRef>
+        </p:style>
+        <p:txBody>
+          <a:bodyPr rtlCol="0" anchor="ctr"/>
+          <a:lstStyle/>
+          <a:p>
+            <a:pPr algn="ctr"/>
+            <a:endParaRPr lang="en-US"/>
+          </a:p>
+        </p:txBody>
+      </p:sp>
     </p:spTree>
     <p:extLst>
       <p:ext uri="{BB962C8B-B14F-4D97-AF65-F5344CB8AC3E}">
-        <p14:creationId xmlns:p14="http://schemas.microsoft.com/office/powerpoint/2010/main" val="4121766432"/>
+        <p14:creationId xmlns:p14="http://schemas.microsoft.com/office/powerpoint/2010/main" val="967946439"/>
+      </p:ext>
+    </p:extLst>
+  </p:cSld>
+  <p:clrMapOvr>
+    <a:masterClrMapping/>
+  </p:clrMapOvr>
+</p:sld>
+</file>
+
+<file path=ppt/slides/slide9.xml><?xml version="1.0" encoding="utf-8"?>
+<p:sld xmlns:a="http://schemas.openxmlformats.org/drawingml/2006/main" xmlns:r="http://schemas.openxmlformats.org/officeDocument/2006/relationships" xmlns:p="http://schemas.openxmlformats.org/presentationml/2006/main">
+  <p:cSld>
+    <p:spTree>
+      <p:nvGrpSpPr>
+        <p:cNvPr id="1" name=""/>
+        <p:cNvGrpSpPr/>
+        <p:nvPr/>
+      </p:nvGrpSpPr>
+      <p:grpSpPr>
+        <a:xfrm>
+          <a:off x="0" y="0"/>
+          <a:ext cx="0" cy="0"/>
+          <a:chOff x="0" y="0"/>
+          <a:chExt cx="0" cy="0"/>
+        </a:xfrm>
+      </p:grpSpPr>
+      <p:pic>
+        <p:nvPicPr>
+          <p:cNvPr id="7" name="Picture 6">
+            <a:extLst>
+              <a:ext uri="{FF2B5EF4-FFF2-40B4-BE49-F238E27FC236}">
+                <a16:creationId xmlns:a16="http://schemas.microsoft.com/office/drawing/2014/main" id="{9C5C8019-A0D9-9D81-DE6C-F0B0709171A8}"/>
+              </a:ext>
+            </a:extLst>
+          </p:cNvPr>
+          <p:cNvPicPr>
+            <a:picLocks noChangeAspect="1"/>
+          </p:cNvPicPr>
+          <p:nvPr/>
+        </p:nvPicPr>
+        <p:blipFill>
+          <a:blip r:embed="rId2"/>
+          <a:stretch>
+            <a:fillRect/>
+          </a:stretch>
+        </p:blipFill>
+        <p:spPr>
+          <a:xfrm>
+            <a:off x="4300349" y="3738741"/>
+            <a:ext cx="4178008" cy="1642223"/>
+          </a:xfrm>
+          <a:prstGeom prst="rect">
+            <a:avLst/>
+          </a:prstGeom>
+        </p:spPr>
+      </p:pic>
+      <p:sp>
+        <p:nvSpPr>
+          <p:cNvPr id="2" name="Title 1">
+            <a:extLst>
+              <a:ext uri="{FF2B5EF4-FFF2-40B4-BE49-F238E27FC236}">
+                <a16:creationId xmlns:a16="http://schemas.microsoft.com/office/drawing/2014/main" id="{5BF38505-AE92-A12D-A9BD-9AC30E6BCC71}"/>
+              </a:ext>
+            </a:extLst>
+          </p:cNvPr>
+          <p:cNvSpPr>
+            <a:spLocks noGrp="1"/>
+          </p:cNvSpPr>
+          <p:nvPr>
+            <p:ph type="ctrTitle"/>
+          </p:nvPr>
+        </p:nvSpPr>
+        <p:spPr/>
+        <p:txBody>
+          <a:bodyPr/>
+          <a:lstStyle/>
+          <a:p>
+            <a:r>
+              <a:rPr lang="en-US" dirty="0"/>
+              <a:t>B = 1.25</a:t>
+            </a:r>
+          </a:p>
+        </p:txBody>
+      </p:sp>
+      <p:pic>
+        <p:nvPicPr>
+          <p:cNvPr id="5" name="Picture 4">
+            <a:extLst>
+              <a:ext uri="{FF2B5EF4-FFF2-40B4-BE49-F238E27FC236}">
+                <a16:creationId xmlns:a16="http://schemas.microsoft.com/office/drawing/2014/main" id="{A09E908E-99B8-AE50-0388-ADDEE479736E}"/>
+              </a:ext>
+            </a:extLst>
+          </p:cNvPr>
+          <p:cNvPicPr>
+            <a:picLocks noChangeAspect="1"/>
+          </p:cNvPicPr>
+          <p:nvPr/>
+        </p:nvPicPr>
+        <p:blipFill>
+          <a:blip r:embed="rId3"/>
+          <a:stretch>
+            <a:fillRect/>
+          </a:stretch>
+        </p:blipFill>
+        <p:spPr>
+          <a:xfrm>
+            <a:off x="5512806" y="5555412"/>
+            <a:ext cx="1776199" cy="860346"/>
+          </a:xfrm>
+          <a:prstGeom prst="rect">
+            <a:avLst/>
+          </a:prstGeom>
+        </p:spPr>
+      </p:pic>
+      <p:sp>
+        <p:nvSpPr>
+          <p:cNvPr id="6" name="Rectangle 5">
+            <a:extLst>
+              <a:ext uri="{FF2B5EF4-FFF2-40B4-BE49-F238E27FC236}">
+                <a16:creationId xmlns:a16="http://schemas.microsoft.com/office/drawing/2014/main" id="{D04FACE8-945A-0284-E900-A693243FFD7F}"/>
+              </a:ext>
+            </a:extLst>
+          </p:cNvPr>
+          <p:cNvSpPr/>
+          <p:nvPr/>
+        </p:nvSpPr>
+        <p:spPr>
+          <a:xfrm>
+            <a:off x="4382269" y="4519801"/>
+            <a:ext cx="4037272" cy="291381"/>
+          </a:xfrm>
+          <a:prstGeom prst="rect">
+            <a:avLst/>
+          </a:prstGeom>
+          <a:noFill/>
+          <a:ln w="57150">
+            <a:solidFill>
+              <a:srgbClr val="C00000"/>
+            </a:solidFill>
+          </a:ln>
+        </p:spPr>
+        <p:style>
+          <a:lnRef idx="2">
+            <a:schemeClr val="accent1">
+              <a:shade val="50000"/>
+            </a:schemeClr>
+          </a:lnRef>
+          <a:fillRef idx="1">
+            <a:schemeClr val="accent1"/>
+          </a:fillRef>
+          <a:effectRef idx="0">
+            <a:schemeClr val="accent1"/>
+          </a:effectRef>
+          <a:fontRef idx="minor">
+            <a:schemeClr val="lt1"/>
+          </a:fontRef>
+        </p:style>
+        <p:txBody>
+          <a:bodyPr rtlCol="0" anchor="ctr"/>
+          <a:lstStyle/>
+          <a:p>
+            <a:pPr algn="ctr"/>
+            <a:endParaRPr lang="en-US"/>
+          </a:p>
+        </p:txBody>
+      </p:sp>
+    </p:spTree>
+    <p:extLst>
+      <p:ext uri="{BB962C8B-B14F-4D97-AF65-F5344CB8AC3E}">
+        <p14:creationId xmlns:p14="http://schemas.microsoft.com/office/powerpoint/2010/main" val="2691039901"/>
       </p:ext>
     </p:extLst>
   </p:cSld>

--- a/NLH.pptx
+++ b/NLH.pptx
@@ -5,7 +5,7 @@
     <p:sldMasterId id="2147483648" r:id="rId1"/>
   </p:sldMasterIdLst>
   <p:notesMasterIdLst>
-    <p:notesMasterId r:id="rId11"/>
+    <p:notesMasterId r:id="rId12"/>
   </p:notesMasterIdLst>
   <p:sldIdLst>
     <p:sldId id="260" r:id="rId2"/>
@@ -17,6 +17,7 @@
     <p:sldId id="265" r:id="rId8"/>
     <p:sldId id="262" r:id="rId9"/>
     <p:sldId id="267" r:id="rId10"/>
+    <p:sldId id="268" r:id="rId11"/>
   </p:sldIdLst>
   <p:sldSz cx="12192000" cy="6858000"/>
   <p:notesSz cx="6858000" cy="9144000"/>
@@ -3813,6 +3814,36 @@
     <p:extLst>
       <p:ext uri="{BB962C8B-B14F-4D97-AF65-F5344CB8AC3E}">
         <p14:creationId xmlns:p14="http://schemas.microsoft.com/office/powerpoint/2010/main" val="720383836"/>
+      </p:ext>
+    </p:extLst>
+  </p:cSld>
+  <p:clrMapOvr>
+    <a:masterClrMapping/>
+  </p:clrMapOvr>
+</p:sld>
+</file>
+
+<file path=ppt/slides/slide10.xml><?xml version="1.0" encoding="utf-8"?>
+<p:sld xmlns:a="http://schemas.openxmlformats.org/drawingml/2006/main" xmlns:r="http://schemas.openxmlformats.org/officeDocument/2006/relationships" xmlns:p="http://schemas.openxmlformats.org/presentationml/2006/main">
+  <p:cSld>
+    <p:spTree>
+      <p:nvGrpSpPr>
+        <p:cNvPr id="1" name=""/>
+        <p:cNvGrpSpPr/>
+        <p:nvPr/>
+      </p:nvGrpSpPr>
+      <p:grpSpPr>
+        <a:xfrm>
+          <a:off x="0" y="0"/>
+          <a:ext cx="0" cy="0"/>
+          <a:chOff x="0" y="0"/>
+          <a:chExt cx="0" cy="0"/>
+        </a:xfrm>
+      </p:grpSpPr>
+    </p:spTree>
+    <p:extLst>
+      <p:ext uri="{BB962C8B-B14F-4D97-AF65-F5344CB8AC3E}">
+        <p14:creationId xmlns:p14="http://schemas.microsoft.com/office/powerpoint/2010/main" val="3350900950"/>
       </p:ext>
     </p:extLst>
   </p:cSld>

--- a/NLH.pptx
+++ b/NLH.pptx
@@ -5,7 +5,7 @@
     <p:sldMasterId id="2147483648" r:id="rId1"/>
   </p:sldMasterIdLst>
   <p:notesMasterIdLst>
-    <p:notesMasterId r:id="rId12"/>
+    <p:notesMasterId r:id="rId13"/>
   </p:notesMasterIdLst>
   <p:sldIdLst>
     <p:sldId id="260" r:id="rId2"/>
@@ -18,6 +18,7 @@
     <p:sldId id="262" r:id="rId9"/>
     <p:sldId id="267" r:id="rId10"/>
     <p:sldId id="268" r:id="rId11"/>
+    <p:sldId id="269" r:id="rId12"/>
   </p:sldIdLst>
   <p:sldSz cx="12192000" cy="6858000"/>
   <p:notesSz cx="6858000" cy="9144000"/>
@@ -206,7 +207,7 @@
           <a:p>
             <a:fld id="{CD589C0A-3A09-49C7-BF5E-A18753F65EB4}" type="datetimeFigureOut">
               <a:rPr lang="en-US" smtClean="0"/>
-              <a:t>10/25/2022</a:t>
+              <a:t>10/27/2022</a:t>
             </a:fld>
             <a:endParaRPr lang="en-US"/>
           </a:p>
@@ -620,7 +621,7 @@
           <a:p>
             <a:fld id="{BCCF18D8-6DFB-4CDA-AE1C-8F66D1E20DFB}" type="datetimeFigureOut">
               <a:rPr lang="en-US" smtClean="0"/>
-              <a:t>10/25/2022</a:t>
+              <a:t>10/27/2022</a:t>
             </a:fld>
             <a:endParaRPr lang="en-US"/>
           </a:p>
@@ -818,7 +819,7 @@
           <a:p>
             <a:fld id="{BCCF18D8-6DFB-4CDA-AE1C-8F66D1E20DFB}" type="datetimeFigureOut">
               <a:rPr lang="en-US" smtClean="0"/>
-              <a:t>10/25/2022</a:t>
+              <a:t>10/27/2022</a:t>
             </a:fld>
             <a:endParaRPr lang="en-US"/>
           </a:p>
@@ -1026,7 +1027,7 @@
           <a:p>
             <a:fld id="{BCCF18D8-6DFB-4CDA-AE1C-8F66D1E20DFB}" type="datetimeFigureOut">
               <a:rPr lang="en-US" smtClean="0"/>
-              <a:t>10/25/2022</a:t>
+              <a:t>10/27/2022</a:t>
             </a:fld>
             <a:endParaRPr lang="en-US"/>
           </a:p>
@@ -1224,7 +1225,7 @@
           <a:p>
             <a:fld id="{BCCF18D8-6DFB-4CDA-AE1C-8F66D1E20DFB}" type="datetimeFigureOut">
               <a:rPr lang="en-US" smtClean="0"/>
-              <a:t>10/25/2022</a:t>
+              <a:t>10/27/2022</a:t>
             </a:fld>
             <a:endParaRPr lang="en-US"/>
           </a:p>
@@ -1499,7 +1500,7 @@
           <a:p>
             <a:fld id="{BCCF18D8-6DFB-4CDA-AE1C-8F66D1E20DFB}" type="datetimeFigureOut">
               <a:rPr lang="en-US" smtClean="0"/>
-              <a:t>10/25/2022</a:t>
+              <a:t>10/27/2022</a:t>
             </a:fld>
             <a:endParaRPr lang="en-US"/>
           </a:p>
@@ -1764,7 +1765,7 @@
           <a:p>
             <a:fld id="{BCCF18D8-6DFB-4CDA-AE1C-8F66D1E20DFB}" type="datetimeFigureOut">
               <a:rPr lang="en-US" smtClean="0"/>
-              <a:t>10/25/2022</a:t>
+              <a:t>10/27/2022</a:t>
             </a:fld>
             <a:endParaRPr lang="en-US"/>
           </a:p>
@@ -2176,7 +2177,7 @@
           <a:p>
             <a:fld id="{BCCF18D8-6DFB-4CDA-AE1C-8F66D1E20DFB}" type="datetimeFigureOut">
               <a:rPr lang="en-US" smtClean="0"/>
-              <a:t>10/25/2022</a:t>
+              <a:t>10/27/2022</a:t>
             </a:fld>
             <a:endParaRPr lang="en-US"/>
           </a:p>
@@ -2317,7 +2318,7 @@
           <a:p>
             <a:fld id="{BCCF18D8-6DFB-4CDA-AE1C-8F66D1E20DFB}" type="datetimeFigureOut">
               <a:rPr lang="en-US" smtClean="0"/>
-              <a:t>10/25/2022</a:t>
+              <a:t>10/27/2022</a:t>
             </a:fld>
             <a:endParaRPr lang="en-US"/>
           </a:p>
@@ -2430,7 +2431,7 @@
           <a:p>
             <a:fld id="{BCCF18D8-6DFB-4CDA-AE1C-8F66D1E20DFB}" type="datetimeFigureOut">
               <a:rPr lang="en-US" smtClean="0"/>
-              <a:t>10/25/2022</a:t>
+              <a:t>10/27/2022</a:t>
             </a:fld>
             <a:endParaRPr lang="en-US"/>
           </a:p>
@@ -2741,7 +2742,7 @@
           <a:p>
             <a:fld id="{BCCF18D8-6DFB-4CDA-AE1C-8F66D1E20DFB}" type="datetimeFigureOut">
               <a:rPr lang="en-US" smtClean="0"/>
-              <a:t>10/25/2022</a:t>
+              <a:t>10/27/2022</a:t>
             </a:fld>
             <a:endParaRPr lang="en-US"/>
           </a:p>
@@ -3029,7 +3030,7 @@
           <a:p>
             <a:fld id="{BCCF18D8-6DFB-4CDA-AE1C-8F66D1E20DFB}" type="datetimeFigureOut">
               <a:rPr lang="en-US" smtClean="0"/>
-              <a:t>10/25/2022</a:t>
+              <a:t>10/27/2022</a:t>
             </a:fld>
             <a:endParaRPr lang="en-US"/>
           </a:p>
@@ -3270,7 +3271,7 @@
           <a:p>
             <a:fld id="{BCCF18D8-6DFB-4CDA-AE1C-8F66D1E20DFB}" type="datetimeFigureOut">
               <a:rPr lang="en-US" smtClean="0"/>
-              <a:t>10/25/2022</a:t>
+              <a:t>10/27/2022</a:t>
             </a:fld>
             <a:endParaRPr lang="en-US"/>
           </a:p>
@@ -3840,10 +3841,571 @@
           <a:chExt cx="0" cy="0"/>
         </a:xfrm>
       </p:grpSpPr>
+      <p:pic>
+        <p:nvPicPr>
+          <p:cNvPr id="3076" name="Picture 4">
+            <a:extLst>
+              <a:ext uri="{FF2B5EF4-FFF2-40B4-BE49-F238E27FC236}">
+                <a16:creationId xmlns:a16="http://schemas.microsoft.com/office/drawing/2014/main" id="{829D61DD-3DF9-AFD2-63C4-476E8E9FBFC2}"/>
+              </a:ext>
+            </a:extLst>
+          </p:cNvPr>
+          <p:cNvPicPr>
+            <a:picLocks noChangeAspect="1" noChangeArrowheads="1"/>
+          </p:cNvPicPr>
+          <p:nvPr/>
+        </p:nvPicPr>
+        <p:blipFill>
+          <a:blip r:embed="rId2">
+            <a:extLst>
+              <a:ext uri="{28A0092B-C50C-407E-A947-70E740481C1C}">
+                <a14:useLocalDpi xmlns:a14="http://schemas.microsoft.com/office/drawing/2010/main" val="0"/>
+              </a:ext>
+            </a:extLst>
+          </a:blip>
+          <a:srcRect/>
+          <a:stretch>
+            <a:fillRect/>
+          </a:stretch>
+        </p:blipFill>
+        <p:spPr bwMode="auto">
+          <a:xfrm>
+            <a:off x="167348" y="445094"/>
+            <a:ext cx="3607236" cy="6123089"/>
+          </a:xfrm>
+          <a:prstGeom prst="rect">
+            <a:avLst/>
+          </a:prstGeom>
+          <a:noFill/>
+          <a:extLst>
+            <a:ext uri="{909E8E84-426E-40DD-AFC4-6F175D3DCCD1}">
+              <a14:hiddenFill xmlns:a14="http://schemas.microsoft.com/office/drawing/2010/main">
+                <a:solidFill>
+                  <a:srgbClr val="FFFFFF"/>
+                </a:solidFill>
+              </a14:hiddenFill>
+            </a:ext>
+          </a:extLst>
+        </p:spPr>
+      </p:pic>
+      <p:pic>
+        <p:nvPicPr>
+          <p:cNvPr id="3078" name="Picture 6">
+            <a:extLst>
+              <a:ext uri="{FF2B5EF4-FFF2-40B4-BE49-F238E27FC236}">
+                <a16:creationId xmlns:a16="http://schemas.microsoft.com/office/drawing/2014/main" id="{FFAAAE1E-4FAF-33DC-212F-016474A923E0}"/>
+              </a:ext>
+            </a:extLst>
+          </p:cNvPr>
+          <p:cNvPicPr>
+            <a:picLocks noChangeAspect="1" noChangeArrowheads="1"/>
+          </p:cNvPicPr>
+          <p:nvPr/>
+        </p:nvPicPr>
+        <p:blipFill>
+          <a:blip r:embed="rId3">
+            <a:extLst>
+              <a:ext uri="{28A0092B-C50C-407E-A947-70E740481C1C}">
+                <a14:useLocalDpi xmlns:a14="http://schemas.microsoft.com/office/drawing/2010/main" val="0"/>
+              </a:ext>
+            </a:extLst>
+          </a:blip>
+          <a:srcRect/>
+          <a:stretch>
+            <a:fillRect/>
+          </a:stretch>
+        </p:blipFill>
+        <p:spPr bwMode="auto">
+          <a:xfrm>
+            <a:off x="2910547" y="445093"/>
+            <a:ext cx="3607237" cy="6123090"/>
+          </a:xfrm>
+          <a:prstGeom prst="rect">
+            <a:avLst/>
+          </a:prstGeom>
+          <a:noFill/>
+          <a:extLst>
+            <a:ext uri="{909E8E84-426E-40DD-AFC4-6F175D3DCCD1}">
+              <a14:hiddenFill xmlns:a14="http://schemas.microsoft.com/office/drawing/2010/main">
+                <a:solidFill>
+                  <a:srgbClr val="FFFFFF"/>
+                </a:solidFill>
+              </a14:hiddenFill>
+            </a:ext>
+          </a:extLst>
+        </p:spPr>
+      </p:pic>
+      <p:pic>
+        <p:nvPicPr>
+          <p:cNvPr id="3082" name="Picture 10">
+            <a:extLst>
+              <a:ext uri="{FF2B5EF4-FFF2-40B4-BE49-F238E27FC236}">
+                <a16:creationId xmlns:a16="http://schemas.microsoft.com/office/drawing/2014/main" id="{6B05DE91-A809-D9F9-C12C-5FFBADA65AB7}"/>
+              </a:ext>
+            </a:extLst>
+          </p:cNvPr>
+          <p:cNvPicPr>
+            <a:picLocks noChangeAspect="1" noChangeArrowheads="1"/>
+          </p:cNvPicPr>
+          <p:nvPr/>
+        </p:nvPicPr>
+        <p:blipFill>
+          <a:blip r:embed="rId4">
+            <a:extLst>
+              <a:ext uri="{28A0092B-C50C-407E-A947-70E740481C1C}">
+                <a14:useLocalDpi xmlns:a14="http://schemas.microsoft.com/office/drawing/2010/main" val="0"/>
+              </a:ext>
+            </a:extLst>
+          </a:blip>
+          <a:srcRect/>
+          <a:stretch>
+            <a:fillRect/>
+          </a:stretch>
+        </p:blipFill>
+        <p:spPr bwMode="auto">
+          <a:xfrm>
+            <a:off x="5653746" y="445092"/>
+            <a:ext cx="3607237" cy="6123090"/>
+          </a:xfrm>
+          <a:prstGeom prst="rect">
+            <a:avLst/>
+          </a:prstGeom>
+          <a:noFill/>
+          <a:extLst>
+            <a:ext uri="{909E8E84-426E-40DD-AFC4-6F175D3DCCD1}">
+              <a14:hiddenFill xmlns:a14="http://schemas.microsoft.com/office/drawing/2010/main">
+                <a:solidFill>
+                  <a:srgbClr val="FFFFFF"/>
+                </a:solidFill>
+              </a14:hiddenFill>
+            </a:ext>
+          </a:extLst>
+        </p:spPr>
+      </p:pic>
     </p:spTree>
     <p:extLst>
       <p:ext uri="{BB962C8B-B14F-4D97-AF65-F5344CB8AC3E}">
         <p14:creationId xmlns:p14="http://schemas.microsoft.com/office/powerpoint/2010/main" val="3350900950"/>
+      </p:ext>
+    </p:extLst>
+  </p:cSld>
+  <p:clrMapOvr>
+    <a:masterClrMapping/>
+  </p:clrMapOvr>
+</p:sld>
+</file>
+
+<file path=ppt/slides/slide11.xml><?xml version="1.0" encoding="utf-8"?>
+<p:sld xmlns:a="http://schemas.openxmlformats.org/drawingml/2006/main" xmlns:r="http://schemas.openxmlformats.org/officeDocument/2006/relationships" xmlns:p="http://schemas.openxmlformats.org/presentationml/2006/main">
+  <p:cSld>
+    <p:spTree>
+      <p:nvGrpSpPr>
+        <p:cNvPr id="1" name=""/>
+        <p:cNvGrpSpPr/>
+        <p:nvPr/>
+      </p:nvGrpSpPr>
+      <p:grpSpPr>
+        <a:xfrm>
+          <a:off x="0" y="0"/>
+          <a:ext cx="0" cy="0"/>
+          <a:chOff x="0" y="0"/>
+          <a:chExt cx="0" cy="0"/>
+        </a:xfrm>
+      </p:grpSpPr>
+      <p:pic>
+        <p:nvPicPr>
+          <p:cNvPr id="4098" name="Picture 2">
+            <a:extLst>
+              <a:ext uri="{FF2B5EF4-FFF2-40B4-BE49-F238E27FC236}">
+                <a16:creationId xmlns:a16="http://schemas.microsoft.com/office/drawing/2014/main" id="{66BC16A0-7B4C-37AF-4ABF-4675BF14B09F}"/>
+              </a:ext>
+            </a:extLst>
+          </p:cNvPr>
+          <p:cNvPicPr>
+            <a:picLocks noChangeAspect="1" noChangeArrowheads="1"/>
+          </p:cNvPicPr>
+          <p:nvPr/>
+        </p:nvPicPr>
+        <p:blipFill>
+          <a:blip r:embed="rId2">
+            <a:extLst>
+              <a:ext uri="{28A0092B-C50C-407E-A947-70E740481C1C}">
+                <a14:useLocalDpi xmlns:a14="http://schemas.microsoft.com/office/drawing/2010/main" val="0"/>
+              </a:ext>
+            </a:extLst>
+          </a:blip>
+          <a:srcRect/>
+          <a:stretch>
+            <a:fillRect/>
+          </a:stretch>
+        </p:blipFill>
+        <p:spPr bwMode="auto">
+          <a:xfrm>
+            <a:off x="145750" y="1103366"/>
+            <a:ext cx="2923767" cy="2148792"/>
+          </a:xfrm>
+          <a:prstGeom prst="rect">
+            <a:avLst/>
+          </a:prstGeom>
+          <a:noFill/>
+          <a:extLst>
+            <a:ext uri="{909E8E84-426E-40DD-AFC4-6F175D3DCCD1}">
+              <a14:hiddenFill xmlns:a14="http://schemas.microsoft.com/office/drawing/2010/main">
+                <a:solidFill>
+                  <a:srgbClr val="FFFFFF"/>
+                </a:solidFill>
+              </a14:hiddenFill>
+            </a:ext>
+          </a:extLst>
+        </p:spPr>
+      </p:pic>
+      <p:pic>
+        <p:nvPicPr>
+          <p:cNvPr id="4100" name="Picture 4">
+            <a:extLst>
+              <a:ext uri="{FF2B5EF4-FFF2-40B4-BE49-F238E27FC236}">
+                <a16:creationId xmlns:a16="http://schemas.microsoft.com/office/drawing/2014/main" id="{32CC42E3-89A9-1B28-0F94-F91E1ED27FD1}"/>
+              </a:ext>
+            </a:extLst>
+          </p:cNvPr>
+          <p:cNvPicPr>
+            <a:picLocks noChangeAspect="1" noChangeArrowheads="1"/>
+          </p:cNvPicPr>
+          <p:nvPr/>
+        </p:nvPicPr>
+        <p:blipFill>
+          <a:blip r:embed="rId3">
+            <a:extLst>
+              <a:ext uri="{28A0092B-C50C-407E-A947-70E740481C1C}">
+                <a14:useLocalDpi xmlns:a14="http://schemas.microsoft.com/office/drawing/2010/main" val="0"/>
+              </a:ext>
+            </a:extLst>
+          </a:blip>
+          <a:srcRect/>
+          <a:stretch>
+            <a:fillRect/>
+          </a:stretch>
+        </p:blipFill>
+        <p:spPr bwMode="auto">
+          <a:xfrm>
+            <a:off x="145750" y="3217244"/>
+            <a:ext cx="2923767" cy="2148793"/>
+          </a:xfrm>
+          <a:prstGeom prst="rect">
+            <a:avLst/>
+          </a:prstGeom>
+          <a:noFill/>
+          <a:extLst>
+            <a:ext uri="{909E8E84-426E-40DD-AFC4-6F175D3DCCD1}">
+              <a14:hiddenFill xmlns:a14="http://schemas.microsoft.com/office/drawing/2010/main">
+                <a:solidFill>
+                  <a:srgbClr val="FFFFFF"/>
+                </a:solidFill>
+              </a14:hiddenFill>
+            </a:ext>
+          </a:extLst>
+        </p:spPr>
+      </p:pic>
+      <p:pic>
+        <p:nvPicPr>
+          <p:cNvPr id="4102" name="Picture 6">
+            <a:extLst>
+              <a:ext uri="{FF2B5EF4-FFF2-40B4-BE49-F238E27FC236}">
+                <a16:creationId xmlns:a16="http://schemas.microsoft.com/office/drawing/2014/main" id="{CFE20D59-F43C-ADFA-EA3A-7A8C3F708F5B}"/>
+              </a:ext>
+            </a:extLst>
+          </p:cNvPr>
+          <p:cNvPicPr>
+            <a:picLocks noChangeAspect="1" noChangeArrowheads="1"/>
+          </p:cNvPicPr>
+          <p:nvPr/>
+        </p:nvPicPr>
+        <p:blipFill>
+          <a:blip r:embed="rId4">
+            <a:extLst>
+              <a:ext uri="{28A0092B-C50C-407E-A947-70E740481C1C}">
+                <a14:useLocalDpi xmlns:a14="http://schemas.microsoft.com/office/drawing/2010/main" val="0"/>
+              </a:ext>
+            </a:extLst>
+          </a:blip>
+          <a:srcRect/>
+          <a:stretch>
+            <a:fillRect/>
+          </a:stretch>
+        </p:blipFill>
+        <p:spPr bwMode="auto">
+          <a:xfrm>
+            <a:off x="3069517" y="1103366"/>
+            <a:ext cx="2923767" cy="2184990"/>
+          </a:xfrm>
+          <a:prstGeom prst="rect">
+            <a:avLst/>
+          </a:prstGeom>
+          <a:noFill/>
+          <a:extLst>
+            <a:ext uri="{909E8E84-426E-40DD-AFC4-6F175D3DCCD1}">
+              <a14:hiddenFill xmlns:a14="http://schemas.microsoft.com/office/drawing/2010/main">
+                <a:solidFill>
+                  <a:srgbClr val="FFFFFF"/>
+                </a:solidFill>
+              </a14:hiddenFill>
+            </a:ext>
+          </a:extLst>
+        </p:spPr>
+      </p:pic>
+      <p:pic>
+        <p:nvPicPr>
+          <p:cNvPr id="4104" name="Picture 8">
+            <a:extLst>
+              <a:ext uri="{FF2B5EF4-FFF2-40B4-BE49-F238E27FC236}">
+                <a16:creationId xmlns:a16="http://schemas.microsoft.com/office/drawing/2014/main" id="{32D2A3C3-5EC5-E9EF-FE46-E2E32C21F588}"/>
+              </a:ext>
+            </a:extLst>
+          </p:cNvPr>
+          <p:cNvPicPr>
+            <a:picLocks noChangeAspect="1" noChangeArrowheads="1"/>
+          </p:cNvPicPr>
+          <p:nvPr/>
+        </p:nvPicPr>
+        <p:blipFill>
+          <a:blip r:embed="rId5">
+            <a:extLst>
+              <a:ext uri="{28A0092B-C50C-407E-A947-70E740481C1C}">
+                <a14:useLocalDpi xmlns:a14="http://schemas.microsoft.com/office/drawing/2010/main" val="0"/>
+              </a:ext>
+            </a:extLst>
+          </a:blip>
+          <a:srcRect/>
+          <a:stretch>
+            <a:fillRect/>
+          </a:stretch>
+        </p:blipFill>
+        <p:spPr bwMode="auto">
+          <a:xfrm>
+            <a:off x="3069516" y="3252158"/>
+            <a:ext cx="2923768" cy="2184990"/>
+          </a:xfrm>
+          <a:prstGeom prst="rect">
+            <a:avLst/>
+          </a:prstGeom>
+          <a:noFill/>
+          <a:extLst>
+            <a:ext uri="{909E8E84-426E-40DD-AFC4-6F175D3DCCD1}">
+              <a14:hiddenFill xmlns:a14="http://schemas.microsoft.com/office/drawing/2010/main">
+                <a:solidFill>
+                  <a:srgbClr val="FFFFFF"/>
+                </a:solidFill>
+              </a14:hiddenFill>
+            </a:ext>
+          </a:extLst>
+        </p:spPr>
+      </p:pic>
+      <p:pic>
+        <p:nvPicPr>
+          <p:cNvPr id="4106" name="Picture 10">
+            <a:extLst>
+              <a:ext uri="{FF2B5EF4-FFF2-40B4-BE49-F238E27FC236}">
+                <a16:creationId xmlns:a16="http://schemas.microsoft.com/office/drawing/2014/main" id="{5B3D9121-F159-0ED0-446A-B3561C5BD2E2}"/>
+              </a:ext>
+            </a:extLst>
+          </p:cNvPr>
+          <p:cNvPicPr>
+            <a:picLocks noChangeAspect="1" noChangeArrowheads="1"/>
+          </p:cNvPicPr>
+          <p:nvPr/>
+        </p:nvPicPr>
+        <p:blipFill>
+          <a:blip r:embed="rId6">
+            <a:extLst>
+              <a:ext uri="{28A0092B-C50C-407E-A947-70E740481C1C}">
+                <a14:useLocalDpi xmlns:a14="http://schemas.microsoft.com/office/drawing/2010/main" val="0"/>
+              </a:ext>
+            </a:extLst>
+          </a:blip>
+          <a:srcRect/>
+          <a:stretch>
+            <a:fillRect/>
+          </a:stretch>
+        </p:blipFill>
+        <p:spPr bwMode="auto">
+          <a:xfrm>
+            <a:off x="5993284" y="1103366"/>
+            <a:ext cx="2923768" cy="2184990"/>
+          </a:xfrm>
+          <a:prstGeom prst="rect">
+            <a:avLst/>
+          </a:prstGeom>
+          <a:noFill/>
+          <a:extLst>
+            <a:ext uri="{909E8E84-426E-40DD-AFC4-6F175D3DCCD1}">
+              <a14:hiddenFill xmlns:a14="http://schemas.microsoft.com/office/drawing/2010/main">
+                <a:solidFill>
+                  <a:srgbClr val="FFFFFF"/>
+                </a:solidFill>
+              </a14:hiddenFill>
+            </a:ext>
+          </a:extLst>
+        </p:spPr>
+      </p:pic>
+      <p:pic>
+        <p:nvPicPr>
+          <p:cNvPr id="4108" name="Picture 12">
+            <a:extLst>
+              <a:ext uri="{FF2B5EF4-FFF2-40B4-BE49-F238E27FC236}">
+                <a16:creationId xmlns:a16="http://schemas.microsoft.com/office/drawing/2014/main" id="{F54F1E16-04F0-87CD-2C6B-A911D834C299}"/>
+              </a:ext>
+            </a:extLst>
+          </p:cNvPr>
+          <p:cNvPicPr>
+            <a:picLocks noChangeAspect="1" noChangeArrowheads="1"/>
+          </p:cNvPicPr>
+          <p:nvPr/>
+        </p:nvPicPr>
+        <p:blipFill>
+          <a:blip r:embed="rId7">
+            <a:extLst>
+              <a:ext uri="{28A0092B-C50C-407E-A947-70E740481C1C}">
+                <a14:useLocalDpi xmlns:a14="http://schemas.microsoft.com/office/drawing/2010/main" val="0"/>
+              </a:ext>
+            </a:extLst>
+          </a:blip>
+          <a:srcRect/>
+          <a:stretch>
+            <a:fillRect/>
+          </a:stretch>
+        </p:blipFill>
+        <p:spPr bwMode="auto">
+          <a:xfrm>
+            <a:off x="5993284" y="3252158"/>
+            <a:ext cx="2923768" cy="2184990"/>
+          </a:xfrm>
+          <a:prstGeom prst="rect">
+            <a:avLst/>
+          </a:prstGeom>
+          <a:noFill/>
+          <a:extLst>
+            <a:ext uri="{909E8E84-426E-40DD-AFC4-6F175D3DCCD1}">
+              <a14:hiddenFill xmlns:a14="http://schemas.microsoft.com/office/drawing/2010/main">
+                <a:solidFill>
+                  <a:srgbClr val="FFFFFF"/>
+                </a:solidFill>
+              </a14:hiddenFill>
+            </a:ext>
+          </a:extLst>
+        </p:spPr>
+      </p:pic>
+      <p:sp>
+        <p:nvSpPr>
+          <p:cNvPr id="2" name="TextBox 1">
+            <a:extLst>
+              <a:ext uri="{FF2B5EF4-FFF2-40B4-BE49-F238E27FC236}">
+                <a16:creationId xmlns:a16="http://schemas.microsoft.com/office/drawing/2014/main" id="{C00E7D99-C87D-5636-9F02-5CC78C540C53}"/>
+              </a:ext>
+            </a:extLst>
+          </p:cNvPr>
+          <p:cNvSpPr txBox="1"/>
+          <p:nvPr/>
+        </p:nvSpPr>
+        <p:spPr>
+          <a:xfrm>
+            <a:off x="1333258" y="662923"/>
+            <a:ext cx="761748" cy="369332"/>
+          </a:xfrm>
+          <a:prstGeom prst="rect">
+            <a:avLst/>
+          </a:prstGeom>
+          <a:noFill/>
+        </p:spPr>
+        <p:txBody>
+          <a:bodyPr wrap="none" rtlCol="0">
+            <a:spAutoFit/>
+          </a:bodyPr>
+          <a:lstStyle/>
+          <a:p>
+            <a:pPr algn="ctr"/>
+            <a:r>
+              <a:rPr lang="en-US" dirty="0"/>
+              <a:t>b25v0</a:t>
+            </a:r>
+          </a:p>
+        </p:txBody>
+      </p:sp>
+      <p:sp>
+        <p:nvSpPr>
+          <p:cNvPr id="3" name="TextBox 2">
+            <a:extLst>
+              <a:ext uri="{FF2B5EF4-FFF2-40B4-BE49-F238E27FC236}">
+                <a16:creationId xmlns:a16="http://schemas.microsoft.com/office/drawing/2014/main" id="{C0D68793-8219-5D61-4907-E6352276E9EA}"/>
+              </a:ext>
+            </a:extLst>
+          </p:cNvPr>
+          <p:cNvSpPr txBox="1"/>
+          <p:nvPr/>
+        </p:nvSpPr>
+        <p:spPr>
+          <a:xfrm>
+            <a:off x="4392761" y="649766"/>
+            <a:ext cx="761747" cy="369332"/>
+          </a:xfrm>
+          <a:prstGeom prst="rect">
+            <a:avLst/>
+          </a:prstGeom>
+          <a:noFill/>
+        </p:spPr>
+        <p:txBody>
+          <a:bodyPr wrap="none" rtlCol="0">
+            <a:spAutoFit/>
+          </a:bodyPr>
+          <a:lstStyle/>
+          <a:p>
+            <a:pPr algn="ctr"/>
+            <a:r>
+              <a:rPr lang="en-US" dirty="0"/>
+              <a:t>b25v1</a:t>
+            </a:r>
+          </a:p>
+        </p:txBody>
+      </p:sp>
+      <p:sp>
+        <p:nvSpPr>
+          <p:cNvPr id="4" name="TextBox 3">
+            <a:extLst>
+              <a:ext uri="{FF2B5EF4-FFF2-40B4-BE49-F238E27FC236}">
+                <a16:creationId xmlns:a16="http://schemas.microsoft.com/office/drawing/2014/main" id="{1EE74327-0C43-7AEA-BBB3-A24DA7DB17C0}"/>
+              </a:ext>
+            </a:extLst>
+          </p:cNvPr>
+          <p:cNvSpPr txBox="1"/>
+          <p:nvPr/>
+        </p:nvSpPr>
+        <p:spPr>
+          <a:xfrm>
+            <a:off x="7351620" y="649766"/>
+            <a:ext cx="761748" cy="369332"/>
+          </a:xfrm>
+          <a:prstGeom prst="rect">
+            <a:avLst/>
+          </a:prstGeom>
+          <a:noFill/>
+        </p:spPr>
+        <p:txBody>
+          <a:bodyPr wrap="none" rtlCol="0">
+            <a:spAutoFit/>
+          </a:bodyPr>
+          <a:lstStyle/>
+          <a:p>
+            <a:pPr algn="ctr"/>
+            <a:r>
+              <a:rPr lang="en-US" dirty="0"/>
+              <a:t>b25v2</a:t>
+            </a:r>
+          </a:p>
+        </p:txBody>
+      </p:sp>
+    </p:spTree>
+    <p:extLst>
+      <p:ext uri="{BB962C8B-B14F-4D97-AF65-F5344CB8AC3E}">
+        <p14:creationId xmlns:p14="http://schemas.microsoft.com/office/powerpoint/2010/main" val="3922319670"/>
       </p:ext>
     </p:extLst>
   </p:cSld>
@@ -5644,7 +6206,7 @@
           <a:p>
             <a:r>
               <a:rPr lang="en-US" dirty="0"/>
-              <a:t>B = 0.75</a:t>
+              <a:t>b = 0.75</a:t>
             </a:r>
           </a:p>
         </p:txBody>
@@ -5763,10 +6325,10 @@
       </p:grpSpPr>
       <p:pic>
         <p:nvPicPr>
-          <p:cNvPr id="1042" name="Picture 18">
-            <a:extLst>
-              <a:ext uri="{FF2B5EF4-FFF2-40B4-BE49-F238E27FC236}">
-                <a16:creationId xmlns:a16="http://schemas.microsoft.com/office/drawing/2014/main" id="{F24C9AAB-F24E-4179-A166-C75458BC983D}"/>
+          <p:cNvPr id="1034" name="Picture 10">
+            <a:extLst>
+              <a:ext uri="{FF2B5EF4-FFF2-40B4-BE49-F238E27FC236}">
+                <a16:creationId xmlns:a16="http://schemas.microsoft.com/office/drawing/2014/main" id="{46E2B02E-8466-6123-7304-9DD8B69475DE}"/>
               </a:ext>
             </a:extLst>
           </p:cNvPr>
@@ -5790,7 +6352,7 @@
         </p:blipFill>
         <p:spPr bwMode="auto">
           <a:xfrm>
-            <a:off x="280034" y="367457"/>
+            <a:off x="145143" y="486845"/>
             <a:ext cx="3607234" cy="6123086"/>
           </a:xfrm>
           <a:prstGeom prst="rect">
@@ -5810,10 +6372,10 @@
       </p:pic>
       <p:pic>
         <p:nvPicPr>
-          <p:cNvPr id="1040" name="Picture 16">
-            <a:extLst>
-              <a:ext uri="{FF2B5EF4-FFF2-40B4-BE49-F238E27FC236}">
-                <a16:creationId xmlns:a16="http://schemas.microsoft.com/office/drawing/2014/main" id="{88B21606-44D9-C047-5069-FB85CDC0B1BB}"/>
+          <p:cNvPr id="11" name="Picture 12">
+            <a:extLst>
+              <a:ext uri="{FF2B5EF4-FFF2-40B4-BE49-F238E27FC236}">
+                <a16:creationId xmlns:a16="http://schemas.microsoft.com/office/drawing/2014/main" id="{69578E70-0BDA-D419-6A88-26D6DE537E21}"/>
               </a:ext>
             </a:extLst>
           </p:cNvPr>
@@ -5837,7 +6399,7 @@
         </p:blipFill>
         <p:spPr bwMode="auto">
           <a:xfrm>
-            <a:off x="3048278" y="367457"/>
+            <a:off x="2891789" y="486845"/>
             <a:ext cx="3607234" cy="6123086"/>
           </a:xfrm>
           <a:prstGeom prst="rect">
@@ -5857,10 +6419,10 @@
       </p:pic>
       <p:pic>
         <p:nvPicPr>
-          <p:cNvPr id="1038" name="Picture 14">
-            <a:extLst>
-              <a:ext uri="{FF2B5EF4-FFF2-40B4-BE49-F238E27FC236}">
-                <a16:creationId xmlns:a16="http://schemas.microsoft.com/office/drawing/2014/main" id="{A4F775FF-E020-D213-DC98-1281C14C8ECE}"/>
+          <p:cNvPr id="12" name="Picture 14">
+            <a:extLst>
+              <a:ext uri="{FF2B5EF4-FFF2-40B4-BE49-F238E27FC236}">
+                <a16:creationId xmlns:a16="http://schemas.microsoft.com/office/drawing/2014/main" id="{A7459870-3D6F-4C91-5711-90EEA6AF33C6}"/>
               </a:ext>
             </a:extLst>
           </p:cNvPr>
@@ -5884,7 +6446,7 @@
         </p:blipFill>
         <p:spPr bwMode="auto">
           <a:xfrm>
-            <a:off x="5816522" y="367457"/>
+            <a:off x="5664315" y="486845"/>
             <a:ext cx="3607234" cy="6123086"/>
           </a:xfrm>
           <a:prstGeom prst="rect">
@@ -5904,10 +6466,10 @@
       </p:pic>
       <p:pic>
         <p:nvPicPr>
-          <p:cNvPr id="1036" name="Picture 12">
-            <a:extLst>
-              <a:ext uri="{FF2B5EF4-FFF2-40B4-BE49-F238E27FC236}">
-                <a16:creationId xmlns:a16="http://schemas.microsoft.com/office/drawing/2014/main" id="{E50C5747-54C3-CB4A-C920-B7DDF08063DA}"/>
+          <p:cNvPr id="13" name="Picture 16">
+            <a:extLst>
+              <a:ext uri="{FF2B5EF4-FFF2-40B4-BE49-F238E27FC236}">
+                <a16:creationId xmlns:a16="http://schemas.microsoft.com/office/drawing/2014/main" id="{3D450364-9690-EF11-1198-DA8FD613A18A}"/>
               </a:ext>
             </a:extLst>
           </p:cNvPr>
@@ -5931,8 +6493,8 @@
         </p:blipFill>
         <p:spPr bwMode="auto">
           <a:xfrm>
-            <a:off x="8584766" y="367457"/>
-            <a:ext cx="3607234" cy="6123086"/>
+            <a:off x="8420099" y="486845"/>
+            <a:ext cx="3607235" cy="6123087"/>
           </a:xfrm>
           <a:prstGeom prst="rect">
             <a:avLst/>
@@ -5951,10 +6513,10 @@
       </p:pic>
       <p:sp>
         <p:nvSpPr>
-          <p:cNvPr id="2" name="Rectangle 1">
-            <a:extLst>
-              <a:ext uri="{FF2B5EF4-FFF2-40B4-BE49-F238E27FC236}">
-                <a16:creationId xmlns:a16="http://schemas.microsoft.com/office/drawing/2014/main" id="{CAD73EA3-6B63-7C05-9536-91EF4CBFAE02}"/>
+          <p:cNvPr id="8" name="Rectangle 7">
+            <a:extLst>
+              <a:ext uri="{FF2B5EF4-FFF2-40B4-BE49-F238E27FC236}">
+                <a16:creationId xmlns:a16="http://schemas.microsoft.com/office/drawing/2014/main" id="{01818BC3-A198-43AB-A966-3A40380D12F9}"/>
               </a:ext>
             </a:extLst>
           </p:cNvPr>
@@ -5963,8 +6525,8 @@
         </p:nvSpPr>
         <p:spPr>
           <a:xfrm>
-            <a:off x="8819798" y="1973825"/>
-            <a:ext cx="2915002" cy="291381"/>
+            <a:off x="8814669" y="5748249"/>
+            <a:ext cx="2377956" cy="291381"/>
           </a:xfrm>
           <a:prstGeom prst="rect">
             <a:avLst/>
@@ -6003,10 +6565,10 @@
       </p:sp>
       <p:sp>
         <p:nvSpPr>
-          <p:cNvPr id="3" name="Rectangle 2">
-            <a:extLst>
-              <a:ext uri="{FF2B5EF4-FFF2-40B4-BE49-F238E27FC236}">
-                <a16:creationId xmlns:a16="http://schemas.microsoft.com/office/drawing/2014/main" id="{51B905F1-8780-A8C2-96E2-C1DBB31E6F76}"/>
+          <p:cNvPr id="14" name="Rectangle 13">
+            <a:extLst>
+              <a:ext uri="{FF2B5EF4-FFF2-40B4-BE49-F238E27FC236}">
+                <a16:creationId xmlns:a16="http://schemas.microsoft.com/office/drawing/2014/main" id="{FE8870EB-C376-CDAE-2BFC-5F3A3087E3FD}"/>
               </a:ext>
             </a:extLst>
           </p:cNvPr>
@@ -6015,8 +6577,8 @@
         </p:nvSpPr>
         <p:spPr>
           <a:xfrm>
-            <a:off x="8819798" y="5604531"/>
-            <a:ext cx="2915002" cy="291381"/>
+            <a:off x="6033005" y="5748248"/>
+            <a:ext cx="2377956" cy="291381"/>
           </a:xfrm>
           <a:prstGeom prst="rect">
             <a:avLst/>
@@ -6055,10 +6617,10 @@
       </p:sp>
       <p:sp>
         <p:nvSpPr>
-          <p:cNvPr id="4" name="Rectangle 3">
-            <a:extLst>
-              <a:ext uri="{FF2B5EF4-FFF2-40B4-BE49-F238E27FC236}">
-                <a16:creationId xmlns:a16="http://schemas.microsoft.com/office/drawing/2014/main" id="{BBFA2830-1B98-33AE-AB50-2D19E633E354}"/>
+          <p:cNvPr id="15" name="Rectangle 14">
+            <a:extLst>
+              <a:ext uri="{FF2B5EF4-FFF2-40B4-BE49-F238E27FC236}">
+                <a16:creationId xmlns:a16="http://schemas.microsoft.com/office/drawing/2014/main" id="{66770781-E4FB-551F-D095-4744E0E9BB57}"/>
               </a:ext>
             </a:extLst>
           </p:cNvPr>
@@ -6067,8 +6629,8 @@
         </p:nvSpPr>
         <p:spPr>
           <a:xfrm>
-            <a:off x="5904796" y="5609856"/>
-            <a:ext cx="2915002" cy="291381"/>
+            <a:off x="3195997" y="5748248"/>
+            <a:ext cx="2377956" cy="291381"/>
           </a:xfrm>
           <a:prstGeom prst="rect">
             <a:avLst/>
@@ -6107,10 +6669,10 @@
       </p:sp>
       <p:sp>
         <p:nvSpPr>
-          <p:cNvPr id="5" name="Rectangle 4">
-            <a:extLst>
-              <a:ext uri="{FF2B5EF4-FFF2-40B4-BE49-F238E27FC236}">
-                <a16:creationId xmlns:a16="http://schemas.microsoft.com/office/drawing/2014/main" id="{B744EB84-EE38-B760-2F72-09EA67A0B5DF}"/>
+          <p:cNvPr id="16" name="Rectangle 15">
+            <a:extLst>
+              <a:ext uri="{FF2B5EF4-FFF2-40B4-BE49-F238E27FC236}">
+                <a16:creationId xmlns:a16="http://schemas.microsoft.com/office/drawing/2014/main" id="{9FE9D1E3-0234-4CFD-5CA6-7990F49AAFDF}"/>
               </a:ext>
             </a:extLst>
           </p:cNvPr>
@@ -6119,8 +6681,8 @@
         </p:nvSpPr>
         <p:spPr>
           <a:xfrm>
-            <a:off x="2945657" y="5609856"/>
-            <a:ext cx="2915002" cy="291381"/>
+            <a:off x="8814669" y="2122279"/>
+            <a:ext cx="2377956" cy="291381"/>
           </a:xfrm>
           <a:prstGeom prst="rect">
             <a:avLst/>
@@ -6159,10 +6721,10 @@
       </p:sp>
       <p:sp>
         <p:nvSpPr>
-          <p:cNvPr id="6" name="Rectangle 5">
-            <a:extLst>
-              <a:ext uri="{FF2B5EF4-FFF2-40B4-BE49-F238E27FC236}">
-                <a16:creationId xmlns:a16="http://schemas.microsoft.com/office/drawing/2014/main" id="{52590798-00CE-1FDD-87B3-DA9DCF707438}"/>
+          <p:cNvPr id="17" name="Rectangle 16">
+            <a:extLst>
+              <a:ext uri="{FF2B5EF4-FFF2-40B4-BE49-F238E27FC236}">
+                <a16:creationId xmlns:a16="http://schemas.microsoft.com/office/drawing/2014/main" id="{E69E7E15-62AB-2A94-54EF-11BD173137BE}"/>
               </a:ext>
             </a:extLst>
           </p:cNvPr>
@@ -6171,8 +6733,8 @@
         </p:nvSpPr>
         <p:spPr>
           <a:xfrm>
-            <a:off x="5860659" y="1973825"/>
-            <a:ext cx="2915002" cy="291381"/>
+            <a:off x="6058884" y="2122278"/>
+            <a:ext cx="2377956" cy="291381"/>
           </a:xfrm>
           <a:prstGeom prst="rect">
             <a:avLst/>
@@ -6292,7 +6854,7 @@
           <a:p>
             <a:r>
               <a:rPr lang="en-US" dirty="0"/>
-              <a:t>B = 1.0</a:t>
+              <a:t>b = 1.0</a:t>
             </a:r>
           </a:p>
         </p:txBody>
@@ -6411,10 +6973,10 @@
       </p:grpSpPr>
       <p:pic>
         <p:nvPicPr>
-          <p:cNvPr id="4" name="Picture 20">
-            <a:extLst>
-              <a:ext uri="{FF2B5EF4-FFF2-40B4-BE49-F238E27FC236}">
-                <a16:creationId xmlns:a16="http://schemas.microsoft.com/office/drawing/2014/main" id="{95F820CC-6BED-5B45-6DEB-760605A49410}"/>
+          <p:cNvPr id="2050" name="Picture 2">
+            <a:extLst>
+              <a:ext uri="{FF2B5EF4-FFF2-40B4-BE49-F238E27FC236}">
+                <a16:creationId xmlns:a16="http://schemas.microsoft.com/office/drawing/2014/main" id="{EAA56864-1312-D458-3A5A-CBBF3E084AC9}"/>
               </a:ext>
             </a:extLst>
           </p:cNvPr>
@@ -6438,8 +7000,8 @@
         </p:blipFill>
         <p:spPr bwMode="auto">
           <a:xfrm>
-            <a:off x="160839" y="367456"/>
-            <a:ext cx="3607235" cy="6123087"/>
+            <a:off x="142875" y="367457"/>
+            <a:ext cx="3607236" cy="6123089"/>
           </a:xfrm>
           <a:prstGeom prst="rect">
             <a:avLst/>
@@ -6458,10 +7020,10 @@
       </p:pic>
       <p:pic>
         <p:nvPicPr>
-          <p:cNvPr id="2056" name="Picture 8">
-            <a:extLst>
-              <a:ext uri="{FF2B5EF4-FFF2-40B4-BE49-F238E27FC236}">
-                <a16:creationId xmlns:a16="http://schemas.microsoft.com/office/drawing/2014/main" id="{08FB11CB-0012-74CC-D2C8-79563ADCCEC3}"/>
+          <p:cNvPr id="2052" name="Picture 4">
+            <a:extLst>
+              <a:ext uri="{FF2B5EF4-FFF2-40B4-BE49-F238E27FC236}">
+                <a16:creationId xmlns:a16="http://schemas.microsoft.com/office/drawing/2014/main" id="{429AE6FD-50A6-5A15-4C63-00F504779CE2}"/>
               </a:ext>
             </a:extLst>
           </p:cNvPr>
@@ -6485,8 +7047,8 @@
         </p:blipFill>
         <p:spPr bwMode="auto">
           <a:xfrm>
-            <a:off x="2929505" y="367456"/>
-            <a:ext cx="3607235" cy="6123087"/>
+            <a:off x="2863641" y="367456"/>
+            <a:ext cx="3607236" cy="6123090"/>
           </a:xfrm>
           <a:prstGeom prst="rect">
             <a:avLst/>
@@ -6505,10 +7067,10 @@
       </p:pic>
       <p:pic>
         <p:nvPicPr>
-          <p:cNvPr id="2058" name="Picture 10">
-            <a:extLst>
-              <a:ext uri="{FF2B5EF4-FFF2-40B4-BE49-F238E27FC236}">
-                <a16:creationId xmlns:a16="http://schemas.microsoft.com/office/drawing/2014/main" id="{ACA75BF3-DBED-9D76-F72C-B33B36459623}"/>
+          <p:cNvPr id="2054" name="Picture 6">
+            <a:extLst>
+              <a:ext uri="{FF2B5EF4-FFF2-40B4-BE49-F238E27FC236}">
+                <a16:creationId xmlns:a16="http://schemas.microsoft.com/office/drawing/2014/main" id="{94D00349-C801-C374-7F46-EBF6235ECF3F}"/>
               </a:ext>
             </a:extLst>
           </p:cNvPr>
@@ -6532,8 +7094,8 @@
         </p:blipFill>
         <p:spPr bwMode="auto">
           <a:xfrm>
-            <a:off x="5698171" y="367456"/>
-            <a:ext cx="3607235" cy="6123087"/>
+            <a:off x="5584406" y="367455"/>
+            <a:ext cx="3607237" cy="6123091"/>
           </a:xfrm>
           <a:prstGeom prst="rect">
             <a:avLst/>
@@ -6552,10 +7114,10 @@
       </p:pic>
       <p:pic>
         <p:nvPicPr>
-          <p:cNvPr id="2060" name="Picture 12">
-            <a:extLst>
-              <a:ext uri="{FF2B5EF4-FFF2-40B4-BE49-F238E27FC236}">
-                <a16:creationId xmlns:a16="http://schemas.microsoft.com/office/drawing/2014/main" id="{D07640F7-6A36-7A17-7163-06779128D3F3}"/>
+          <p:cNvPr id="2" name="Picture 8">
+            <a:extLst>
+              <a:ext uri="{FF2B5EF4-FFF2-40B4-BE49-F238E27FC236}">
+                <a16:creationId xmlns:a16="http://schemas.microsoft.com/office/drawing/2014/main" id="{54E2CAE5-BF1B-8DDB-34FE-981E1EE9A56F}"/>
               </a:ext>
             </a:extLst>
           </p:cNvPr>
@@ -6579,8 +7141,8 @@
         </p:blipFill>
         <p:spPr bwMode="auto">
           <a:xfrm>
-            <a:off x="8466837" y="367456"/>
-            <a:ext cx="3607235" cy="6123087"/>
+            <a:off x="8305172" y="367454"/>
+            <a:ext cx="3607238" cy="6123092"/>
           </a:xfrm>
           <a:prstGeom prst="rect">
             <a:avLst/>
@@ -6599,10 +7161,10 @@
       </p:pic>
       <p:sp>
         <p:nvSpPr>
-          <p:cNvPr id="5" name="Rectangle 4">
-            <a:extLst>
-              <a:ext uri="{FF2B5EF4-FFF2-40B4-BE49-F238E27FC236}">
-                <a16:creationId xmlns:a16="http://schemas.microsoft.com/office/drawing/2014/main" id="{72096D08-68DB-5F08-5C8C-57686296D786}"/>
+          <p:cNvPr id="3" name="Rectangle 2">
+            <a:extLst>
+              <a:ext uri="{FF2B5EF4-FFF2-40B4-BE49-F238E27FC236}">
+                <a16:creationId xmlns:a16="http://schemas.microsoft.com/office/drawing/2014/main" id="{98D13198-04AC-1B8A-5828-C97D0D1A94DC}"/>
               </a:ext>
             </a:extLst>
           </p:cNvPr>
@@ -6611,112 +7173,8 @@
         </p:nvSpPr>
         <p:spPr>
           <a:xfrm>
-            <a:off x="8631539" y="5613495"/>
-            <a:ext cx="2915002" cy="291381"/>
-          </a:xfrm>
-          <a:prstGeom prst="rect">
-            <a:avLst/>
-          </a:prstGeom>
-          <a:noFill/>
-          <a:ln w="57150">
-            <a:solidFill>
-              <a:srgbClr val="C00000"/>
-            </a:solidFill>
-          </a:ln>
-        </p:spPr>
-        <p:style>
-          <a:lnRef idx="2">
-            <a:schemeClr val="accent1">
-              <a:shade val="50000"/>
-            </a:schemeClr>
-          </a:lnRef>
-          <a:fillRef idx="1">
-            <a:schemeClr val="accent1"/>
-          </a:fillRef>
-          <a:effectRef idx="0">
-            <a:schemeClr val="accent1"/>
-          </a:effectRef>
-          <a:fontRef idx="minor">
-            <a:schemeClr val="lt1"/>
-          </a:fontRef>
-        </p:style>
-        <p:txBody>
-          <a:bodyPr rtlCol="0" anchor="ctr"/>
-          <a:lstStyle/>
-          <a:p>
-            <a:pPr algn="ctr"/>
-            <a:endParaRPr lang="en-US"/>
-          </a:p>
-        </p:txBody>
-      </p:sp>
-      <p:sp>
-        <p:nvSpPr>
-          <p:cNvPr id="6" name="Rectangle 5">
-            <a:extLst>
-              <a:ext uri="{FF2B5EF4-FFF2-40B4-BE49-F238E27FC236}">
-                <a16:creationId xmlns:a16="http://schemas.microsoft.com/office/drawing/2014/main" id="{6EFCA4FF-0D86-D907-302A-6C3228CCDDCC}"/>
-              </a:ext>
-            </a:extLst>
-          </p:cNvPr>
-          <p:cNvSpPr/>
-          <p:nvPr/>
-        </p:nvSpPr>
-        <p:spPr>
-          <a:xfrm>
-            <a:off x="5634186" y="5568673"/>
-            <a:ext cx="2915002" cy="291381"/>
-          </a:xfrm>
-          <a:prstGeom prst="rect">
-            <a:avLst/>
-          </a:prstGeom>
-          <a:noFill/>
-          <a:ln w="57150">
-            <a:solidFill>
-              <a:srgbClr val="C00000"/>
-            </a:solidFill>
-          </a:ln>
-        </p:spPr>
-        <p:style>
-          <a:lnRef idx="2">
-            <a:schemeClr val="accent1">
-              <a:shade val="50000"/>
-            </a:schemeClr>
-          </a:lnRef>
-          <a:fillRef idx="1">
-            <a:schemeClr val="accent1"/>
-          </a:fillRef>
-          <a:effectRef idx="0">
-            <a:schemeClr val="accent1"/>
-          </a:effectRef>
-          <a:fontRef idx="minor">
-            <a:schemeClr val="lt1"/>
-          </a:fontRef>
-        </p:style>
-        <p:txBody>
-          <a:bodyPr rtlCol="0" anchor="ctr"/>
-          <a:lstStyle/>
-          <a:p>
-            <a:pPr algn="ctr"/>
-            <a:endParaRPr lang="en-US"/>
-          </a:p>
-        </p:txBody>
-      </p:sp>
-      <p:sp>
-        <p:nvSpPr>
-          <p:cNvPr id="7" name="Rectangle 6">
-            <a:extLst>
-              <a:ext uri="{FF2B5EF4-FFF2-40B4-BE49-F238E27FC236}">
-                <a16:creationId xmlns:a16="http://schemas.microsoft.com/office/drawing/2014/main" id="{06EE0733-C80E-BC13-5CE5-881186C3621D}"/>
-              </a:ext>
-            </a:extLst>
-          </p:cNvPr>
-          <p:cNvSpPr/>
-          <p:nvPr/>
-        </p:nvSpPr>
-        <p:spPr>
-          <a:xfrm>
-            <a:off x="8819798" y="1837765"/>
-            <a:ext cx="2915002" cy="427441"/>
+            <a:off x="8657898" y="5653357"/>
+            <a:ext cx="2377956" cy="291381"/>
           </a:xfrm>
           <a:prstGeom prst="rect">
             <a:avLst/>
@@ -6836,7 +7294,7 @@
           <a:p>
             <a:r>
               <a:rPr lang="en-US" dirty="0"/>
-              <a:t>B = 1.25</a:t>
+              <a:t>b = 1.25</a:t>
             </a:r>
           </a:p>
         </p:txBody>

--- a/NLH.pptx
+++ b/NLH.pptx
@@ -3982,6 +3982,53 @@
           </a:extLst>
         </p:spPr>
       </p:pic>
+      <p:pic>
+        <p:nvPicPr>
+          <p:cNvPr id="3084" name="Picture 12">
+            <a:extLst>
+              <a:ext uri="{FF2B5EF4-FFF2-40B4-BE49-F238E27FC236}">
+                <a16:creationId xmlns:a16="http://schemas.microsoft.com/office/drawing/2014/main" id="{AF1672BC-3475-52EF-56E8-35A883E125C5}"/>
+              </a:ext>
+            </a:extLst>
+          </p:cNvPr>
+          <p:cNvPicPr>
+            <a:picLocks noChangeAspect="1" noChangeArrowheads="1"/>
+          </p:cNvPicPr>
+          <p:nvPr/>
+        </p:nvPicPr>
+        <p:blipFill>
+          <a:blip r:embed="rId5">
+            <a:extLst>
+              <a:ext uri="{28A0092B-C50C-407E-A947-70E740481C1C}">
+                <a14:useLocalDpi xmlns:a14="http://schemas.microsoft.com/office/drawing/2010/main" val="0"/>
+              </a:ext>
+            </a:extLst>
+          </a:blip>
+          <a:srcRect/>
+          <a:stretch>
+            <a:fillRect/>
+          </a:stretch>
+        </p:blipFill>
+        <p:spPr bwMode="auto">
+          <a:xfrm>
+            <a:off x="8396946" y="445095"/>
+            <a:ext cx="3607235" cy="6123087"/>
+          </a:xfrm>
+          <a:prstGeom prst="rect">
+            <a:avLst/>
+          </a:prstGeom>
+          <a:noFill/>
+          <a:extLst>
+            <a:ext uri="{909E8E84-426E-40DD-AFC4-6F175D3DCCD1}">
+              <a14:hiddenFill xmlns:a14="http://schemas.microsoft.com/office/drawing/2010/main">
+                <a:solidFill>
+                  <a:srgbClr val="FFFFFF"/>
+                </a:solidFill>
+              </a14:hiddenFill>
+            </a:ext>
+          </a:extLst>
+        </p:spPr>
+      </p:pic>
     </p:spTree>
     <p:extLst>
       <p:ext uri="{BB962C8B-B14F-4D97-AF65-F5344CB8AC3E}">
@@ -4402,6 +4449,136 @@
           </a:p>
         </p:txBody>
       </p:sp>
+      <p:pic>
+        <p:nvPicPr>
+          <p:cNvPr id="4110" name="Picture 14">
+            <a:extLst>
+              <a:ext uri="{FF2B5EF4-FFF2-40B4-BE49-F238E27FC236}">
+                <a16:creationId xmlns:a16="http://schemas.microsoft.com/office/drawing/2014/main" id="{A02CBDDB-844F-7BA4-9271-03093D579E36}"/>
+              </a:ext>
+            </a:extLst>
+          </p:cNvPr>
+          <p:cNvPicPr>
+            <a:picLocks noChangeAspect="1" noChangeArrowheads="1"/>
+          </p:cNvPicPr>
+          <p:nvPr/>
+        </p:nvPicPr>
+        <p:blipFill>
+          <a:blip r:embed="rId8">
+            <a:extLst>
+              <a:ext uri="{28A0092B-C50C-407E-A947-70E740481C1C}">
+                <a14:useLocalDpi xmlns:a14="http://schemas.microsoft.com/office/drawing/2010/main" val="0"/>
+              </a:ext>
+            </a:extLst>
+          </a:blip>
+          <a:srcRect/>
+          <a:stretch>
+            <a:fillRect/>
+          </a:stretch>
+        </p:blipFill>
+        <p:spPr bwMode="auto">
+          <a:xfrm>
+            <a:off x="8917052" y="1103366"/>
+            <a:ext cx="2923767" cy="2184990"/>
+          </a:xfrm>
+          <a:prstGeom prst="rect">
+            <a:avLst/>
+          </a:prstGeom>
+          <a:noFill/>
+          <a:extLst>
+            <a:ext uri="{909E8E84-426E-40DD-AFC4-6F175D3DCCD1}">
+              <a14:hiddenFill xmlns:a14="http://schemas.microsoft.com/office/drawing/2010/main">
+                <a:solidFill>
+                  <a:srgbClr val="FFFFFF"/>
+                </a:solidFill>
+              </a14:hiddenFill>
+            </a:ext>
+          </a:extLst>
+        </p:spPr>
+      </p:pic>
+      <p:sp>
+        <p:nvSpPr>
+          <p:cNvPr id="5" name="TextBox 4">
+            <a:extLst>
+              <a:ext uri="{FF2B5EF4-FFF2-40B4-BE49-F238E27FC236}">
+                <a16:creationId xmlns:a16="http://schemas.microsoft.com/office/drawing/2014/main" id="{3AB23C25-83D3-6331-30BF-BFDDDCEE0F09}"/>
+              </a:ext>
+            </a:extLst>
+          </p:cNvPr>
+          <p:cNvSpPr txBox="1"/>
+          <p:nvPr/>
+        </p:nvSpPr>
+        <p:spPr>
+          <a:xfrm>
+            <a:off x="10186835" y="649766"/>
+            <a:ext cx="761748" cy="369332"/>
+          </a:xfrm>
+          <a:prstGeom prst="rect">
+            <a:avLst/>
+          </a:prstGeom>
+          <a:noFill/>
+        </p:spPr>
+        <p:txBody>
+          <a:bodyPr wrap="none" rtlCol="0">
+            <a:spAutoFit/>
+          </a:bodyPr>
+          <a:lstStyle/>
+          <a:p>
+            <a:pPr algn="ctr"/>
+            <a:r>
+              <a:rPr lang="en-US" dirty="0"/>
+              <a:t>b25v3</a:t>
+            </a:r>
+          </a:p>
+        </p:txBody>
+      </p:sp>
+      <p:pic>
+        <p:nvPicPr>
+          <p:cNvPr id="4112" name="Picture 16">
+            <a:extLst>
+              <a:ext uri="{FF2B5EF4-FFF2-40B4-BE49-F238E27FC236}">
+                <a16:creationId xmlns:a16="http://schemas.microsoft.com/office/drawing/2014/main" id="{CE1236B5-C48D-67DD-44B0-CC197D0B6EA2}"/>
+              </a:ext>
+            </a:extLst>
+          </p:cNvPr>
+          <p:cNvPicPr>
+            <a:picLocks noChangeAspect="1" noChangeArrowheads="1"/>
+          </p:cNvPicPr>
+          <p:nvPr/>
+        </p:nvPicPr>
+        <p:blipFill>
+          <a:blip r:embed="rId9">
+            <a:extLst>
+              <a:ext uri="{28A0092B-C50C-407E-A947-70E740481C1C}">
+                <a14:useLocalDpi xmlns:a14="http://schemas.microsoft.com/office/drawing/2010/main" val="0"/>
+              </a:ext>
+            </a:extLst>
+          </a:blip>
+          <a:srcRect/>
+          <a:stretch>
+            <a:fillRect/>
+          </a:stretch>
+        </p:blipFill>
+        <p:spPr bwMode="auto">
+          <a:xfrm>
+            <a:off x="8917051" y="3252158"/>
+            <a:ext cx="2923768" cy="2184990"/>
+          </a:xfrm>
+          <a:prstGeom prst="rect">
+            <a:avLst/>
+          </a:prstGeom>
+          <a:noFill/>
+          <a:extLst>
+            <a:ext uri="{909E8E84-426E-40DD-AFC4-6F175D3DCCD1}">
+              <a14:hiddenFill xmlns:a14="http://schemas.microsoft.com/office/drawing/2010/main">
+                <a:solidFill>
+                  <a:srgbClr val="FFFFFF"/>
+                </a:solidFill>
+              </a14:hiddenFill>
+            </a:ext>
+          </a:extLst>
+        </p:spPr>
+      </p:pic>
     </p:spTree>
     <p:extLst>
       <p:ext uri="{BB962C8B-B14F-4D97-AF65-F5344CB8AC3E}">

--- a/NLH.pptx
+++ b/NLH.pptx
@@ -5,7 +5,7 @@
     <p:sldMasterId id="2147483648" r:id="rId1"/>
   </p:sldMasterIdLst>
   <p:notesMasterIdLst>
-    <p:notesMasterId r:id="rId13"/>
+    <p:notesMasterId r:id="rId15"/>
   </p:notesMasterIdLst>
   <p:sldIdLst>
     <p:sldId id="260" r:id="rId2"/>
@@ -19,6 +19,8 @@
     <p:sldId id="267" r:id="rId10"/>
     <p:sldId id="268" r:id="rId11"/>
     <p:sldId id="269" r:id="rId12"/>
+    <p:sldId id="270" r:id="rId13"/>
+    <p:sldId id="271" r:id="rId14"/>
   </p:sldIdLst>
   <p:sldSz cx="12192000" cy="6858000"/>
   <p:notesSz cx="6858000" cy="9144000"/>
@@ -4583,6 +4585,346 @@
     <p:extLst>
       <p:ext uri="{BB962C8B-B14F-4D97-AF65-F5344CB8AC3E}">
         <p14:creationId xmlns:p14="http://schemas.microsoft.com/office/powerpoint/2010/main" val="3922319670"/>
+      </p:ext>
+    </p:extLst>
+  </p:cSld>
+  <p:clrMapOvr>
+    <a:masterClrMapping/>
+  </p:clrMapOvr>
+</p:sld>
+</file>
+
+<file path=ppt/slides/slide12.xml><?xml version="1.0" encoding="utf-8"?>
+<p:sld xmlns:a="http://schemas.openxmlformats.org/drawingml/2006/main" xmlns:r="http://schemas.openxmlformats.org/officeDocument/2006/relationships" xmlns:p="http://schemas.openxmlformats.org/presentationml/2006/main">
+  <p:cSld>
+    <p:spTree>
+      <p:nvGrpSpPr>
+        <p:cNvPr id="1" name=""/>
+        <p:cNvGrpSpPr/>
+        <p:nvPr/>
+      </p:nvGrpSpPr>
+      <p:grpSpPr>
+        <a:xfrm>
+          <a:off x="0" y="0"/>
+          <a:ext cx="0" cy="0"/>
+          <a:chOff x="0" y="0"/>
+          <a:chExt cx="0" cy="0"/>
+        </a:xfrm>
+      </p:grpSpPr>
+      <p:pic>
+        <p:nvPicPr>
+          <p:cNvPr id="7" name="Picture 6">
+            <a:extLst>
+              <a:ext uri="{FF2B5EF4-FFF2-40B4-BE49-F238E27FC236}">
+                <a16:creationId xmlns:a16="http://schemas.microsoft.com/office/drawing/2014/main" id="{9C5C8019-A0D9-9D81-DE6C-F0B0709171A8}"/>
+              </a:ext>
+            </a:extLst>
+          </p:cNvPr>
+          <p:cNvPicPr>
+            <a:picLocks noChangeAspect="1"/>
+          </p:cNvPicPr>
+          <p:nvPr/>
+        </p:nvPicPr>
+        <p:blipFill>
+          <a:blip r:embed="rId2"/>
+          <a:stretch>
+            <a:fillRect/>
+          </a:stretch>
+        </p:blipFill>
+        <p:spPr>
+          <a:xfrm>
+            <a:off x="4300349" y="3738741"/>
+            <a:ext cx="4178008" cy="1642223"/>
+          </a:xfrm>
+          <a:prstGeom prst="rect">
+            <a:avLst/>
+          </a:prstGeom>
+        </p:spPr>
+      </p:pic>
+      <p:sp>
+        <p:nvSpPr>
+          <p:cNvPr id="2" name="Title 1">
+            <a:extLst>
+              <a:ext uri="{FF2B5EF4-FFF2-40B4-BE49-F238E27FC236}">
+                <a16:creationId xmlns:a16="http://schemas.microsoft.com/office/drawing/2014/main" id="{5BF38505-AE92-A12D-A9BD-9AC30E6BCC71}"/>
+              </a:ext>
+            </a:extLst>
+          </p:cNvPr>
+          <p:cNvSpPr>
+            <a:spLocks noGrp="1"/>
+          </p:cNvSpPr>
+          <p:nvPr>
+            <p:ph type="ctrTitle"/>
+          </p:nvPr>
+        </p:nvSpPr>
+        <p:spPr/>
+        <p:txBody>
+          <a:bodyPr/>
+          <a:lstStyle/>
+          <a:p>
+            <a:r>
+              <a:rPr lang="en-US" dirty="0"/>
+              <a:t>b = 1.50</a:t>
+            </a:r>
+          </a:p>
+        </p:txBody>
+      </p:sp>
+      <p:pic>
+        <p:nvPicPr>
+          <p:cNvPr id="5" name="Picture 4">
+            <a:extLst>
+              <a:ext uri="{FF2B5EF4-FFF2-40B4-BE49-F238E27FC236}">
+                <a16:creationId xmlns:a16="http://schemas.microsoft.com/office/drawing/2014/main" id="{A09E908E-99B8-AE50-0388-ADDEE479736E}"/>
+              </a:ext>
+            </a:extLst>
+          </p:cNvPr>
+          <p:cNvPicPr>
+            <a:picLocks noChangeAspect="1"/>
+          </p:cNvPicPr>
+          <p:nvPr/>
+        </p:nvPicPr>
+        <p:blipFill>
+          <a:blip r:embed="rId3"/>
+          <a:stretch>
+            <a:fillRect/>
+          </a:stretch>
+        </p:blipFill>
+        <p:spPr>
+          <a:xfrm>
+            <a:off x="5512806" y="5555412"/>
+            <a:ext cx="1776199" cy="860346"/>
+          </a:xfrm>
+          <a:prstGeom prst="rect">
+            <a:avLst/>
+          </a:prstGeom>
+        </p:spPr>
+      </p:pic>
+      <p:sp>
+        <p:nvSpPr>
+          <p:cNvPr id="6" name="Rectangle 5">
+            <a:extLst>
+              <a:ext uri="{FF2B5EF4-FFF2-40B4-BE49-F238E27FC236}">
+                <a16:creationId xmlns:a16="http://schemas.microsoft.com/office/drawing/2014/main" id="{D04FACE8-945A-0284-E900-A693243FFD7F}"/>
+              </a:ext>
+            </a:extLst>
+          </p:cNvPr>
+          <p:cNvSpPr/>
+          <p:nvPr/>
+        </p:nvSpPr>
+        <p:spPr>
+          <a:xfrm>
+            <a:off x="4382269" y="4709582"/>
+            <a:ext cx="4037272" cy="291381"/>
+          </a:xfrm>
+          <a:prstGeom prst="rect">
+            <a:avLst/>
+          </a:prstGeom>
+          <a:noFill/>
+          <a:ln w="57150">
+            <a:solidFill>
+              <a:srgbClr val="C00000"/>
+            </a:solidFill>
+          </a:ln>
+        </p:spPr>
+        <p:style>
+          <a:lnRef idx="2">
+            <a:schemeClr val="accent1">
+              <a:shade val="50000"/>
+            </a:schemeClr>
+          </a:lnRef>
+          <a:fillRef idx="1">
+            <a:schemeClr val="accent1"/>
+          </a:fillRef>
+          <a:effectRef idx="0">
+            <a:schemeClr val="accent1"/>
+          </a:effectRef>
+          <a:fontRef idx="minor">
+            <a:schemeClr val="lt1"/>
+          </a:fontRef>
+        </p:style>
+        <p:txBody>
+          <a:bodyPr rtlCol="0" anchor="ctr"/>
+          <a:lstStyle/>
+          <a:p>
+            <a:pPr algn="ctr"/>
+            <a:endParaRPr lang="en-US"/>
+          </a:p>
+        </p:txBody>
+      </p:sp>
+    </p:spTree>
+    <p:extLst>
+      <p:ext uri="{BB962C8B-B14F-4D97-AF65-F5344CB8AC3E}">
+        <p14:creationId xmlns:p14="http://schemas.microsoft.com/office/powerpoint/2010/main" val="449757759"/>
+      </p:ext>
+    </p:extLst>
+  </p:cSld>
+  <p:clrMapOvr>
+    <a:masterClrMapping/>
+  </p:clrMapOvr>
+</p:sld>
+</file>
+
+<file path=ppt/slides/slide13.xml><?xml version="1.0" encoding="utf-8"?>
+<p:sld xmlns:a="http://schemas.openxmlformats.org/drawingml/2006/main" xmlns:r="http://schemas.openxmlformats.org/officeDocument/2006/relationships" xmlns:p="http://schemas.openxmlformats.org/presentationml/2006/main">
+  <p:cSld>
+    <p:spTree>
+      <p:nvGrpSpPr>
+        <p:cNvPr id="1" name=""/>
+        <p:cNvGrpSpPr/>
+        <p:nvPr/>
+      </p:nvGrpSpPr>
+      <p:grpSpPr>
+        <a:xfrm>
+          <a:off x="0" y="0"/>
+          <a:ext cx="0" cy="0"/>
+          <a:chOff x="0" y="0"/>
+          <a:chExt cx="0" cy="0"/>
+        </a:xfrm>
+      </p:grpSpPr>
+      <p:pic>
+        <p:nvPicPr>
+          <p:cNvPr id="7" name="Picture 6">
+            <a:extLst>
+              <a:ext uri="{FF2B5EF4-FFF2-40B4-BE49-F238E27FC236}">
+                <a16:creationId xmlns:a16="http://schemas.microsoft.com/office/drawing/2014/main" id="{9C5C8019-A0D9-9D81-DE6C-F0B0709171A8}"/>
+              </a:ext>
+            </a:extLst>
+          </p:cNvPr>
+          <p:cNvPicPr>
+            <a:picLocks noChangeAspect="1"/>
+          </p:cNvPicPr>
+          <p:nvPr/>
+        </p:nvPicPr>
+        <p:blipFill>
+          <a:blip r:embed="rId2"/>
+          <a:stretch>
+            <a:fillRect/>
+          </a:stretch>
+        </p:blipFill>
+        <p:spPr>
+          <a:xfrm>
+            <a:off x="4300349" y="3738741"/>
+            <a:ext cx="4178008" cy="1642223"/>
+          </a:xfrm>
+          <a:prstGeom prst="rect">
+            <a:avLst/>
+          </a:prstGeom>
+        </p:spPr>
+      </p:pic>
+      <p:sp>
+        <p:nvSpPr>
+          <p:cNvPr id="2" name="Title 1">
+            <a:extLst>
+              <a:ext uri="{FF2B5EF4-FFF2-40B4-BE49-F238E27FC236}">
+                <a16:creationId xmlns:a16="http://schemas.microsoft.com/office/drawing/2014/main" id="{5BF38505-AE92-A12D-A9BD-9AC30E6BCC71}"/>
+              </a:ext>
+            </a:extLst>
+          </p:cNvPr>
+          <p:cNvSpPr>
+            <a:spLocks noGrp="1"/>
+          </p:cNvSpPr>
+          <p:nvPr>
+            <p:ph type="ctrTitle"/>
+          </p:nvPr>
+        </p:nvSpPr>
+        <p:spPr/>
+        <p:txBody>
+          <a:bodyPr/>
+          <a:lstStyle/>
+          <a:p>
+            <a:r>
+              <a:rPr lang="en-US" dirty="0"/>
+              <a:t>b = 1.75</a:t>
+            </a:r>
+          </a:p>
+        </p:txBody>
+      </p:sp>
+      <p:pic>
+        <p:nvPicPr>
+          <p:cNvPr id="5" name="Picture 4">
+            <a:extLst>
+              <a:ext uri="{FF2B5EF4-FFF2-40B4-BE49-F238E27FC236}">
+                <a16:creationId xmlns:a16="http://schemas.microsoft.com/office/drawing/2014/main" id="{A09E908E-99B8-AE50-0388-ADDEE479736E}"/>
+              </a:ext>
+            </a:extLst>
+          </p:cNvPr>
+          <p:cNvPicPr>
+            <a:picLocks noChangeAspect="1"/>
+          </p:cNvPicPr>
+          <p:nvPr/>
+        </p:nvPicPr>
+        <p:blipFill>
+          <a:blip r:embed="rId3"/>
+          <a:stretch>
+            <a:fillRect/>
+          </a:stretch>
+        </p:blipFill>
+        <p:spPr>
+          <a:xfrm>
+            <a:off x="5512806" y="5555412"/>
+            <a:ext cx="1776199" cy="860346"/>
+          </a:xfrm>
+          <a:prstGeom prst="rect">
+            <a:avLst/>
+          </a:prstGeom>
+        </p:spPr>
+      </p:pic>
+      <p:sp>
+        <p:nvSpPr>
+          <p:cNvPr id="6" name="Rectangle 5">
+            <a:extLst>
+              <a:ext uri="{FF2B5EF4-FFF2-40B4-BE49-F238E27FC236}">
+                <a16:creationId xmlns:a16="http://schemas.microsoft.com/office/drawing/2014/main" id="{D04FACE8-945A-0284-E900-A693243FFD7F}"/>
+              </a:ext>
+            </a:extLst>
+          </p:cNvPr>
+          <p:cNvSpPr/>
+          <p:nvPr/>
+        </p:nvSpPr>
+        <p:spPr>
+          <a:xfrm>
+            <a:off x="4370717" y="4916616"/>
+            <a:ext cx="4037272" cy="291381"/>
+          </a:xfrm>
+          <a:prstGeom prst="rect">
+            <a:avLst/>
+          </a:prstGeom>
+          <a:noFill/>
+          <a:ln w="57150">
+            <a:solidFill>
+              <a:srgbClr val="C00000"/>
+            </a:solidFill>
+          </a:ln>
+        </p:spPr>
+        <p:style>
+          <a:lnRef idx="2">
+            <a:schemeClr val="accent1">
+              <a:shade val="50000"/>
+            </a:schemeClr>
+          </a:lnRef>
+          <a:fillRef idx="1">
+            <a:schemeClr val="accent1"/>
+          </a:fillRef>
+          <a:effectRef idx="0">
+            <a:schemeClr val="accent1"/>
+          </a:effectRef>
+          <a:fontRef idx="minor">
+            <a:schemeClr val="lt1"/>
+          </a:fontRef>
+        </p:style>
+        <p:txBody>
+          <a:bodyPr rtlCol="0" anchor="ctr"/>
+          <a:lstStyle/>
+          <a:p>
+            <a:pPr algn="ctr"/>
+            <a:endParaRPr lang="en-US"/>
+          </a:p>
+        </p:txBody>
+      </p:sp>
+    </p:spTree>
+    <p:extLst>
+      <p:ext uri="{BB962C8B-B14F-4D97-AF65-F5344CB8AC3E}">
+        <p14:creationId xmlns:p14="http://schemas.microsoft.com/office/powerpoint/2010/main" val="1406047797"/>
       </p:ext>
     </p:extLst>
   </p:cSld>

--- a/NLH.pptx
+++ b/NLH.pptx
@@ -5,7 +5,7 @@
     <p:sldMasterId id="2147483648" r:id="rId1"/>
   </p:sldMasterIdLst>
   <p:notesMasterIdLst>
-    <p:notesMasterId r:id="rId15"/>
+    <p:notesMasterId r:id="rId14"/>
   </p:notesMasterIdLst>
   <p:sldIdLst>
     <p:sldId id="260" r:id="rId2"/>
@@ -20,7 +20,6 @@
     <p:sldId id="268" r:id="rId11"/>
     <p:sldId id="269" r:id="rId12"/>
     <p:sldId id="270" r:id="rId13"/>
-    <p:sldId id="271" r:id="rId14"/>
   </p:sldIdLst>
   <p:sldSz cx="12192000" cy="6858000"/>
   <p:notesSz cx="6858000" cy="9144000"/>
@@ -4755,176 +4754,6 @@
     <p:extLst>
       <p:ext uri="{BB962C8B-B14F-4D97-AF65-F5344CB8AC3E}">
         <p14:creationId xmlns:p14="http://schemas.microsoft.com/office/powerpoint/2010/main" val="449757759"/>
-      </p:ext>
-    </p:extLst>
-  </p:cSld>
-  <p:clrMapOvr>
-    <a:masterClrMapping/>
-  </p:clrMapOvr>
-</p:sld>
-</file>
-
-<file path=ppt/slides/slide13.xml><?xml version="1.0" encoding="utf-8"?>
-<p:sld xmlns:a="http://schemas.openxmlformats.org/drawingml/2006/main" xmlns:r="http://schemas.openxmlformats.org/officeDocument/2006/relationships" xmlns:p="http://schemas.openxmlformats.org/presentationml/2006/main">
-  <p:cSld>
-    <p:spTree>
-      <p:nvGrpSpPr>
-        <p:cNvPr id="1" name=""/>
-        <p:cNvGrpSpPr/>
-        <p:nvPr/>
-      </p:nvGrpSpPr>
-      <p:grpSpPr>
-        <a:xfrm>
-          <a:off x="0" y="0"/>
-          <a:ext cx="0" cy="0"/>
-          <a:chOff x="0" y="0"/>
-          <a:chExt cx="0" cy="0"/>
-        </a:xfrm>
-      </p:grpSpPr>
-      <p:pic>
-        <p:nvPicPr>
-          <p:cNvPr id="7" name="Picture 6">
-            <a:extLst>
-              <a:ext uri="{FF2B5EF4-FFF2-40B4-BE49-F238E27FC236}">
-                <a16:creationId xmlns:a16="http://schemas.microsoft.com/office/drawing/2014/main" id="{9C5C8019-A0D9-9D81-DE6C-F0B0709171A8}"/>
-              </a:ext>
-            </a:extLst>
-          </p:cNvPr>
-          <p:cNvPicPr>
-            <a:picLocks noChangeAspect="1"/>
-          </p:cNvPicPr>
-          <p:nvPr/>
-        </p:nvPicPr>
-        <p:blipFill>
-          <a:blip r:embed="rId2"/>
-          <a:stretch>
-            <a:fillRect/>
-          </a:stretch>
-        </p:blipFill>
-        <p:spPr>
-          <a:xfrm>
-            <a:off x="4300349" y="3738741"/>
-            <a:ext cx="4178008" cy="1642223"/>
-          </a:xfrm>
-          <a:prstGeom prst="rect">
-            <a:avLst/>
-          </a:prstGeom>
-        </p:spPr>
-      </p:pic>
-      <p:sp>
-        <p:nvSpPr>
-          <p:cNvPr id="2" name="Title 1">
-            <a:extLst>
-              <a:ext uri="{FF2B5EF4-FFF2-40B4-BE49-F238E27FC236}">
-                <a16:creationId xmlns:a16="http://schemas.microsoft.com/office/drawing/2014/main" id="{5BF38505-AE92-A12D-A9BD-9AC30E6BCC71}"/>
-              </a:ext>
-            </a:extLst>
-          </p:cNvPr>
-          <p:cNvSpPr>
-            <a:spLocks noGrp="1"/>
-          </p:cNvSpPr>
-          <p:nvPr>
-            <p:ph type="ctrTitle"/>
-          </p:nvPr>
-        </p:nvSpPr>
-        <p:spPr/>
-        <p:txBody>
-          <a:bodyPr/>
-          <a:lstStyle/>
-          <a:p>
-            <a:r>
-              <a:rPr lang="en-US" dirty="0"/>
-              <a:t>b = 1.75</a:t>
-            </a:r>
-          </a:p>
-        </p:txBody>
-      </p:sp>
-      <p:pic>
-        <p:nvPicPr>
-          <p:cNvPr id="5" name="Picture 4">
-            <a:extLst>
-              <a:ext uri="{FF2B5EF4-FFF2-40B4-BE49-F238E27FC236}">
-                <a16:creationId xmlns:a16="http://schemas.microsoft.com/office/drawing/2014/main" id="{A09E908E-99B8-AE50-0388-ADDEE479736E}"/>
-              </a:ext>
-            </a:extLst>
-          </p:cNvPr>
-          <p:cNvPicPr>
-            <a:picLocks noChangeAspect="1"/>
-          </p:cNvPicPr>
-          <p:nvPr/>
-        </p:nvPicPr>
-        <p:blipFill>
-          <a:blip r:embed="rId3"/>
-          <a:stretch>
-            <a:fillRect/>
-          </a:stretch>
-        </p:blipFill>
-        <p:spPr>
-          <a:xfrm>
-            <a:off x="5512806" y="5555412"/>
-            <a:ext cx="1776199" cy="860346"/>
-          </a:xfrm>
-          <a:prstGeom prst="rect">
-            <a:avLst/>
-          </a:prstGeom>
-        </p:spPr>
-      </p:pic>
-      <p:sp>
-        <p:nvSpPr>
-          <p:cNvPr id="6" name="Rectangle 5">
-            <a:extLst>
-              <a:ext uri="{FF2B5EF4-FFF2-40B4-BE49-F238E27FC236}">
-                <a16:creationId xmlns:a16="http://schemas.microsoft.com/office/drawing/2014/main" id="{D04FACE8-945A-0284-E900-A693243FFD7F}"/>
-              </a:ext>
-            </a:extLst>
-          </p:cNvPr>
-          <p:cNvSpPr/>
-          <p:nvPr/>
-        </p:nvSpPr>
-        <p:spPr>
-          <a:xfrm>
-            <a:off x="4370717" y="4916616"/>
-            <a:ext cx="4037272" cy="291381"/>
-          </a:xfrm>
-          <a:prstGeom prst="rect">
-            <a:avLst/>
-          </a:prstGeom>
-          <a:noFill/>
-          <a:ln w="57150">
-            <a:solidFill>
-              <a:srgbClr val="C00000"/>
-            </a:solidFill>
-          </a:ln>
-        </p:spPr>
-        <p:style>
-          <a:lnRef idx="2">
-            <a:schemeClr val="accent1">
-              <a:shade val="50000"/>
-            </a:schemeClr>
-          </a:lnRef>
-          <a:fillRef idx="1">
-            <a:schemeClr val="accent1"/>
-          </a:fillRef>
-          <a:effectRef idx="0">
-            <a:schemeClr val="accent1"/>
-          </a:effectRef>
-          <a:fontRef idx="minor">
-            <a:schemeClr val="lt1"/>
-          </a:fontRef>
-        </p:style>
-        <p:txBody>
-          <a:bodyPr rtlCol="0" anchor="ctr"/>
-          <a:lstStyle/>
-          <a:p>
-            <a:pPr algn="ctr"/>
-            <a:endParaRPr lang="en-US"/>
-          </a:p>
-        </p:txBody>
-      </p:sp>
-    </p:spTree>
-    <p:extLst>
-      <p:ext uri="{BB962C8B-B14F-4D97-AF65-F5344CB8AC3E}">
-        <p14:creationId xmlns:p14="http://schemas.microsoft.com/office/powerpoint/2010/main" val="1406047797"/>
       </p:ext>
     </p:extLst>
   </p:cSld>

--- a/NLH.pptx
+++ b/NLH.pptx
@@ -208,7 +208,7 @@
           <a:p>
             <a:fld id="{CD589C0A-3A09-49C7-BF5E-A18753F65EB4}" type="datetimeFigureOut">
               <a:rPr lang="en-US" smtClean="0"/>
-              <a:t>10/27/2022</a:t>
+              <a:t>10/28/2022</a:t>
             </a:fld>
             <a:endParaRPr lang="en-US"/>
           </a:p>
@@ -622,7 +622,7 @@
           <a:p>
             <a:fld id="{BCCF18D8-6DFB-4CDA-AE1C-8F66D1E20DFB}" type="datetimeFigureOut">
               <a:rPr lang="en-US" smtClean="0"/>
-              <a:t>10/27/2022</a:t>
+              <a:t>10/28/2022</a:t>
             </a:fld>
             <a:endParaRPr lang="en-US"/>
           </a:p>
@@ -820,7 +820,7 @@
           <a:p>
             <a:fld id="{BCCF18D8-6DFB-4CDA-AE1C-8F66D1E20DFB}" type="datetimeFigureOut">
               <a:rPr lang="en-US" smtClean="0"/>
-              <a:t>10/27/2022</a:t>
+              <a:t>10/28/2022</a:t>
             </a:fld>
             <a:endParaRPr lang="en-US"/>
           </a:p>
@@ -1028,7 +1028,7 @@
           <a:p>
             <a:fld id="{BCCF18D8-6DFB-4CDA-AE1C-8F66D1E20DFB}" type="datetimeFigureOut">
               <a:rPr lang="en-US" smtClean="0"/>
-              <a:t>10/27/2022</a:t>
+              <a:t>10/28/2022</a:t>
             </a:fld>
             <a:endParaRPr lang="en-US"/>
           </a:p>
@@ -1226,7 +1226,7 @@
           <a:p>
             <a:fld id="{BCCF18D8-6DFB-4CDA-AE1C-8F66D1E20DFB}" type="datetimeFigureOut">
               <a:rPr lang="en-US" smtClean="0"/>
-              <a:t>10/27/2022</a:t>
+              <a:t>10/28/2022</a:t>
             </a:fld>
             <a:endParaRPr lang="en-US"/>
           </a:p>
@@ -1501,7 +1501,7 @@
           <a:p>
             <a:fld id="{BCCF18D8-6DFB-4CDA-AE1C-8F66D1E20DFB}" type="datetimeFigureOut">
               <a:rPr lang="en-US" smtClean="0"/>
-              <a:t>10/27/2022</a:t>
+              <a:t>10/28/2022</a:t>
             </a:fld>
             <a:endParaRPr lang="en-US"/>
           </a:p>
@@ -1766,7 +1766,7 @@
           <a:p>
             <a:fld id="{BCCF18D8-6DFB-4CDA-AE1C-8F66D1E20DFB}" type="datetimeFigureOut">
               <a:rPr lang="en-US" smtClean="0"/>
-              <a:t>10/27/2022</a:t>
+              <a:t>10/28/2022</a:t>
             </a:fld>
             <a:endParaRPr lang="en-US"/>
           </a:p>
@@ -2178,7 +2178,7 @@
           <a:p>
             <a:fld id="{BCCF18D8-6DFB-4CDA-AE1C-8F66D1E20DFB}" type="datetimeFigureOut">
               <a:rPr lang="en-US" smtClean="0"/>
-              <a:t>10/27/2022</a:t>
+              <a:t>10/28/2022</a:t>
             </a:fld>
             <a:endParaRPr lang="en-US"/>
           </a:p>
@@ -2319,7 +2319,7 @@
           <a:p>
             <a:fld id="{BCCF18D8-6DFB-4CDA-AE1C-8F66D1E20DFB}" type="datetimeFigureOut">
               <a:rPr lang="en-US" smtClean="0"/>
-              <a:t>10/27/2022</a:t>
+              <a:t>10/28/2022</a:t>
             </a:fld>
             <a:endParaRPr lang="en-US"/>
           </a:p>
@@ -2432,7 +2432,7 @@
           <a:p>
             <a:fld id="{BCCF18D8-6DFB-4CDA-AE1C-8F66D1E20DFB}" type="datetimeFigureOut">
               <a:rPr lang="en-US" smtClean="0"/>
-              <a:t>10/27/2022</a:t>
+              <a:t>10/28/2022</a:t>
             </a:fld>
             <a:endParaRPr lang="en-US"/>
           </a:p>
@@ -2743,7 +2743,7 @@
           <a:p>
             <a:fld id="{BCCF18D8-6DFB-4CDA-AE1C-8F66D1E20DFB}" type="datetimeFigureOut">
               <a:rPr lang="en-US" smtClean="0"/>
-              <a:t>10/27/2022</a:t>
+              <a:t>10/28/2022</a:t>
             </a:fld>
             <a:endParaRPr lang="en-US"/>
           </a:p>
@@ -3031,7 +3031,7 @@
           <a:p>
             <a:fld id="{BCCF18D8-6DFB-4CDA-AE1C-8F66D1E20DFB}" type="datetimeFigureOut">
               <a:rPr lang="en-US" smtClean="0"/>
-              <a:t>10/27/2022</a:t>
+              <a:t>10/28/2022</a:t>
             </a:fld>
             <a:endParaRPr lang="en-US"/>
           </a:p>
@@ -3272,7 +3272,7 @@
           <a:p>
             <a:fld id="{BCCF18D8-6DFB-4CDA-AE1C-8F66D1E20DFB}" type="datetimeFigureOut">
               <a:rPr lang="en-US" smtClean="0"/>
-              <a:t>10/27/2022</a:t>
+              <a:t>10/28/2022</a:t>
             </a:fld>
             <a:endParaRPr lang="en-US"/>
           </a:p>

--- a/NLH.pptx
+++ b/NLH.pptx
@@ -5,7 +5,7 @@
     <p:sldMasterId id="2147483648" r:id="rId1"/>
   </p:sldMasterIdLst>
   <p:notesMasterIdLst>
-    <p:notesMasterId r:id="rId14"/>
+    <p:notesMasterId r:id="rId19"/>
   </p:notesMasterIdLst>
   <p:sldIdLst>
     <p:sldId id="260" r:id="rId2"/>
@@ -19,7 +19,12 @@
     <p:sldId id="267" r:id="rId10"/>
     <p:sldId id="268" r:id="rId11"/>
     <p:sldId id="269" r:id="rId12"/>
-    <p:sldId id="270" r:id="rId13"/>
+    <p:sldId id="271" r:id="rId13"/>
+    <p:sldId id="272" r:id="rId14"/>
+    <p:sldId id="270" r:id="rId15"/>
+    <p:sldId id="273" r:id="rId16"/>
+    <p:sldId id="274" r:id="rId17"/>
+    <p:sldId id="275" r:id="rId18"/>
   </p:sldIdLst>
   <p:sldSz cx="12192000" cy="6858000"/>
   <p:notesSz cx="6858000" cy="9144000"/>
@@ -208,7 +213,7 @@
           <a:p>
             <a:fld id="{CD589C0A-3A09-49C7-BF5E-A18753F65EB4}" type="datetimeFigureOut">
               <a:rPr lang="en-US" smtClean="0"/>
-              <a:t>10/28/2022</a:t>
+              <a:t>10/31/2022</a:t>
             </a:fld>
             <a:endParaRPr lang="en-US"/>
           </a:p>
@@ -622,7 +627,7 @@
           <a:p>
             <a:fld id="{BCCF18D8-6DFB-4CDA-AE1C-8F66D1E20DFB}" type="datetimeFigureOut">
               <a:rPr lang="en-US" smtClean="0"/>
-              <a:t>10/28/2022</a:t>
+              <a:t>10/31/2022</a:t>
             </a:fld>
             <a:endParaRPr lang="en-US"/>
           </a:p>
@@ -820,7 +825,7 @@
           <a:p>
             <a:fld id="{BCCF18D8-6DFB-4CDA-AE1C-8F66D1E20DFB}" type="datetimeFigureOut">
               <a:rPr lang="en-US" smtClean="0"/>
-              <a:t>10/28/2022</a:t>
+              <a:t>10/31/2022</a:t>
             </a:fld>
             <a:endParaRPr lang="en-US"/>
           </a:p>
@@ -1028,7 +1033,7 @@
           <a:p>
             <a:fld id="{BCCF18D8-6DFB-4CDA-AE1C-8F66D1E20DFB}" type="datetimeFigureOut">
               <a:rPr lang="en-US" smtClean="0"/>
-              <a:t>10/28/2022</a:t>
+              <a:t>10/31/2022</a:t>
             </a:fld>
             <a:endParaRPr lang="en-US"/>
           </a:p>
@@ -1226,7 +1231,7 @@
           <a:p>
             <a:fld id="{BCCF18D8-6DFB-4CDA-AE1C-8F66D1E20DFB}" type="datetimeFigureOut">
               <a:rPr lang="en-US" smtClean="0"/>
-              <a:t>10/28/2022</a:t>
+              <a:t>10/31/2022</a:t>
             </a:fld>
             <a:endParaRPr lang="en-US"/>
           </a:p>
@@ -1501,7 +1506,7 @@
           <a:p>
             <a:fld id="{BCCF18D8-6DFB-4CDA-AE1C-8F66D1E20DFB}" type="datetimeFigureOut">
               <a:rPr lang="en-US" smtClean="0"/>
-              <a:t>10/28/2022</a:t>
+              <a:t>10/31/2022</a:t>
             </a:fld>
             <a:endParaRPr lang="en-US"/>
           </a:p>
@@ -1766,7 +1771,7 @@
           <a:p>
             <a:fld id="{BCCF18D8-6DFB-4CDA-AE1C-8F66D1E20DFB}" type="datetimeFigureOut">
               <a:rPr lang="en-US" smtClean="0"/>
-              <a:t>10/28/2022</a:t>
+              <a:t>10/31/2022</a:t>
             </a:fld>
             <a:endParaRPr lang="en-US"/>
           </a:p>
@@ -2178,7 +2183,7 @@
           <a:p>
             <a:fld id="{BCCF18D8-6DFB-4CDA-AE1C-8F66D1E20DFB}" type="datetimeFigureOut">
               <a:rPr lang="en-US" smtClean="0"/>
-              <a:t>10/28/2022</a:t>
+              <a:t>10/31/2022</a:t>
             </a:fld>
             <a:endParaRPr lang="en-US"/>
           </a:p>
@@ -2319,7 +2324,7 @@
           <a:p>
             <a:fld id="{BCCF18D8-6DFB-4CDA-AE1C-8F66D1E20DFB}" type="datetimeFigureOut">
               <a:rPr lang="en-US" smtClean="0"/>
-              <a:t>10/28/2022</a:t>
+              <a:t>10/31/2022</a:t>
             </a:fld>
             <a:endParaRPr lang="en-US"/>
           </a:p>
@@ -2432,7 +2437,7 @@
           <a:p>
             <a:fld id="{BCCF18D8-6DFB-4CDA-AE1C-8F66D1E20DFB}" type="datetimeFigureOut">
               <a:rPr lang="en-US" smtClean="0"/>
-              <a:t>10/28/2022</a:t>
+              <a:t>10/31/2022</a:t>
             </a:fld>
             <a:endParaRPr lang="en-US"/>
           </a:p>
@@ -2743,7 +2748,7 @@
           <a:p>
             <a:fld id="{BCCF18D8-6DFB-4CDA-AE1C-8F66D1E20DFB}" type="datetimeFigureOut">
               <a:rPr lang="en-US" smtClean="0"/>
-              <a:t>10/28/2022</a:t>
+              <a:t>10/31/2022</a:t>
             </a:fld>
             <a:endParaRPr lang="en-US"/>
           </a:p>
@@ -3031,7 +3036,7 @@
           <a:p>
             <a:fld id="{BCCF18D8-6DFB-4CDA-AE1C-8F66D1E20DFB}" type="datetimeFigureOut">
               <a:rPr lang="en-US" smtClean="0"/>
-              <a:t>10/28/2022</a:t>
+              <a:t>10/31/2022</a:t>
             </a:fld>
             <a:endParaRPr lang="en-US"/>
           </a:p>
@@ -3272,7 +3277,7 @@
           <a:p>
             <a:fld id="{BCCF18D8-6DFB-4CDA-AE1C-8F66D1E20DFB}" type="datetimeFigureOut">
               <a:rPr lang="en-US" smtClean="0"/>
-              <a:t>10/28/2022</a:t>
+              <a:t>10/31/2022</a:t>
             </a:fld>
             <a:endParaRPr lang="en-US"/>
           </a:p>
@@ -4030,6 +4035,55 @@
           </a:extLst>
         </p:spPr>
       </p:pic>
+      <p:sp>
+        <p:nvSpPr>
+          <p:cNvPr id="2" name="Rectangle 1">
+            <a:extLst>
+              <a:ext uri="{FF2B5EF4-FFF2-40B4-BE49-F238E27FC236}">
+                <a16:creationId xmlns:a16="http://schemas.microsoft.com/office/drawing/2014/main" id="{C7D9695A-A501-0DBE-71EE-D405E70AB751}"/>
+              </a:ext>
+            </a:extLst>
+          </p:cNvPr>
+          <p:cNvSpPr/>
+          <p:nvPr/>
+        </p:nvSpPr>
+        <p:spPr>
+          <a:xfrm>
+            <a:off x="10868024" y="85725"/>
+            <a:ext cx="1323975" cy="359367"/>
+          </a:xfrm>
+          <a:prstGeom prst="rect">
+            <a:avLst/>
+          </a:prstGeom>
+        </p:spPr>
+        <p:style>
+          <a:lnRef idx="2">
+            <a:schemeClr val="accent1">
+              <a:shade val="50000"/>
+            </a:schemeClr>
+          </a:lnRef>
+          <a:fillRef idx="1">
+            <a:schemeClr val="accent1"/>
+          </a:fillRef>
+          <a:effectRef idx="0">
+            <a:schemeClr val="accent1"/>
+          </a:effectRef>
+          <a:fontRef idx="minor">
+            <a:schemeClr val="lt1"/>
+          </a:fontRef>
+        </p:style>
+        <p:txBody>
+          <a:bodyPr rtlCol="0" anchor="ctr"/>
+          <a:lstStyle/>
+          <a:p>
+            <a:pPr algn="ctr"/>
+            <a:r>
+              <a:rPr lang="en-US" dirty="0"/>
+              <a:t>Chi 2.6</a:t>
+            </a:r>
+          </a:p>
+        </p:txBody>
+      </p:sp>
     </p:spTree>
     <p:extLst>
       <p:ext uri="{BB962C8B-B14F-4D97-AF65-F5344CB8AC3E}">
@@ -4612,98 +4666,151 @@
       </p:grpSpPr>
       <p:pic>
         <p:nvPicPr>
-          <p:cNvPr id="7" name="Picture 6">
-            <a:extLst>
-              <a:ext uri="{FF2B5EF4-FFF2-40B4-BE49-F238E27FC236}">
-                <a16:creationId xmlns:a16="http://schemas.microsoft.com/office/drawing/2014/main" id="{9C5C8019-A0D9-9D81-DE6C-F0B0709171A8}"/>
+          <p:cNvPr id="6150" name="Picture 6">
+            <a:extLst>
+              <a:ext uri="{FF2B5EF4-FFF2-40B4-BE49-F238E27FC236}">
+                <a16:creationId xmlns:a16="http://schemas.microsoft.com/office/drawing/2014/main" id="{95D9F524-C3FD-ADC6-E237-0E4F141F26C8}"/>
               </a:ext>
             </a:extLst>
           </p:cNvPr>
           <p:cNvPicPr>
-            <a:picLocks noChangeAspect="1"/>
+            <a:picLocks noChangeAspect="1" noChangeArrowheads="1"/>
           </p:cNvPicPr>
           <p:nvPr/>
         </p:nvPicPr>
         <p:blipFill>
-          <a:blip r:embed="rId2"/>
+          <a:blip r:embed="rId2">
+            <a:extLst>
+              <a:ext uri="{28A0092B-C50C-407E-A947-70E740481C1C}">
+                <a14:useLocalDpi xmlns:a14="http://schemas.microsoft.com/office/drawing/2010/main" val="0"/>
+              </a:ext>
+            </a:extLst>
+          </a:blip>
+          <a:srcRect/>
           <a:stretch>
             <a:fillRect/>
           </a:stretch>
         </p:blipFill>
-        <p:spPr>
-          <a:xfrm>
-            <a:off x="4300349" y="3738741"/>
-            <a:ext cx="4178008" cy="1642223"/>
+        <p:spPr bwMode="auto">
+          <a:xfrm>
+            <a:off x="2042601" y="445092"/>
+            <a:ext cx="3607237" cy="6123090"/>
           </a:xfrm>
           <a:prstGeom prst="rect">
             <a:avLst/>
           </a:prstGeom>
+          <a:noFill/>
+          <a:extLst>
+            <a:ext uri="{909E8E84-426E-40DD-AFC4-6F175D3DCCD1}">
+              <a14:hiddenFill xmlns:a14="http://schemas.microsoft.com/office/drawing/2010/main">
+                <a:solidFill>
+                  <a:srgbClr val="FFFFFF"/>
+                </a:solidFill>
+              </a14:hiddenFill>
+            </a:ext>
+          </a:extLst>
         </p:spPr>
       </p:pic>
-      <p:sp>
-        <p:nvSpPr>
-          <p:cNvPr id="2" name="Title 1">
-            <a:extLst>
-              <a:ext uri="{FF2B5EF4-FFF2-40B4-BE49-F238E27FC236}">
-                <a16:creationId xmlns:a16="http://schemas.microsoft.com/office/drawing/2014/main" id="{5BF38505-AE92-A12D-A9BD-9AC30E6BCC71}"/>
-              </a:ext>
-            </a:extLst>
-          </p:cNvPr>
-          <p:cNvSpPr>
-            <a:spLocks noGrp="1"/>
-          </p:cNvSpPr>
-          <p:nvPr>
-            <p:ph type="ctrTitle"/>
-          </p:nvPr>
-        </p:nvSpPr>
-        <p:spPr/>
-        <p:txBody>
-          <a:bodyPr/>
-          <a:lstStyle/>
-          <a:p>
-            <a:r>
-              <a:rPr lang="en-US" dirty="0"/>
-              <a:t>b = 1.50</a:t>
-            </a:r>
-          </a:p>
-        </p:txBody>
-      </p:sp>
       <p:pic>
         <p:nvPicPr>
-          <p:cNvPr id="5" name="Picture 4">
-            <a:extLst>
-              <a:ext uri="{FF2B5EF4-FFF2-40B4-BE49-F238E27FC236}">
-                <a16:creationId xmlns:a16="http://schemas.microsoft.com/office/drawing/2014/main" id="{A09E908E-99B8-AE50-0388-ADDEE479736E}"/>
+          <p:cNvPr id="6148" name="Picture 4">
+            <a:extLst>
+              <a:ext uri="{FF2B5EF4-FFF2-40B4-BE49-F238E27FC236}">
+                <a16:creationId xmlns:a16="http://schemas.microsoft.com/office/drawing/2014/main" id="{9C7CD196-36BF-5958-6F65-427CF282145E}"/>
               </a:ext>
             </a:extLst>
           </p:cNvPr>
           <p:cNvPicPr>
-            <a:picLocks noChangeAspect="1"/>
+            <a:picLocks noChangeAspect="1" noChangeArrowheads="1"/>
           </p:cNvPicPr>
           <p:nvPr/>
         </p:nvPicPr>
         <p:blipFill>
-          <a:blip r:embed="rId3"/>
+          <a:blip r:embed="rId3">
+            <a:extLst>
+              <a:ext uri="{28A0092B-C50C-407E-A947-70E740481C1C}">
+                <a14:useLocalDpi xmlns:a14="http://schemas.microsoft.com/office/drawing/2010/main" val="0"/>
+              </a:ext>
+            </a:extLst>
+          </a:blip>
+          <a:srcRect/>
           <a:stretch>
             <a:fillRect/>
           </a:stretch>
         </p:blipFill>
-        <p:spPr>
-          <a:xfrm>
-            <a:off x="5512806" y="5555412"/>
-            <a:ext cx="1776199" cy="860346"/>
+        <p:spPr bwMode="auto">
+          <a:xfrm>
+            <a:off x="4814376" y="445092"/>
+            <a:ext cx="3607237" cy="6123090"/>
           </a:xfrm>
           <a:prstGeom prst="rect">
             <a:avLst/>
           </a:prstGeom>
+          <a:noFill/>
+          <a:extLst>
+            <a:ext uri="{909E8E84-426E-40DD-AFC4-6F175D3DCCD1}">
+              <a14:hiddenFill xmlns:a14="http://schemas.microsoft.com/office/drawing/2010/main">
+                <a:solidFill>
+                  <a:srgbClr val="FFFFFF"/>
+                </a:solidFill>
+              </a14:hiddenFill>
+            </a:ext>
+          </a:extLst>
+        </p:spPr>
+      </p:pic>
+      <p:pic>
+        <p:nvPicPr>
+          <p:cNvPr id="3" name="Picture 2">
+            <a:extLst>
+              <a:ext uri="{FF2B5EF4-FFF2-40B4-BE49-F238E27FC236}">
+                <a16:creationId xmlns:a16="http://schemas.microsoft.com/office/drawing/2014/main" id="{5B5893A8-A111-7CEC-E0CA-E6FB3B38792B}"/>
+              </a:ext>
+            </a:extLst>
+          </p:cNvPr>
+          <p:cNvPicPr>
+            <a:picLocks noChangeAspect="1" noChangeArrowheads="1"/>
+          </p:cNvPicPr>
+          <p:nvPr/>
+        </p:nvPicPr>
+        <p:blipFill>
+          <a:blip r:embed="rId4">
+            <a:extLst>
+              <a:ext uri="{28A0092B-C50C-407E-A947-70E740481C1C}">
+                <a14:useLocalDpi xmlns:a14="http://schemas.microsoft.com/office/drawing/2010/main" val="0"/>
+              </a:ext>
+            </a:extLst>
+          </a:blip>
+          <a:srcRect/>
+          <a:stretch>
+            <a:fillRect/>
+          </a:stretch>
+        </p:blipFill>
+        <p:spPr bwMode="auto">
+          <a:xfrm>
+            <a:off x="7586151" y="445092"/>
+            <a:ext cx="3607237" cy="6123090"/>
+          </a:xfrm>
+          <a:prstGeom prst="rect">
+            <a:avLst/>
+          </a:prstGeom>
+          <a:noFill/>
+          <a:extLst>
+            <a:ext uri="{909E8E84-426E-40DD-AFC4-6F175D3DCCD1}">
+              <a14:hiddenFill xmlns:a14="http://schemas.microsoft.com/office/drawing/2010/main">
+                <a:solidFill>
+                  <a:srgbClr val="FFFFFF"/>
+                </a:solidFill>
+              </a14:hiddenFill>
+            </a:ext>
+          </a:extLst>
         </p:spPr>
       </p:pic>
       <p:sp>
         <p:nvSpPr>
-          <p:cNvPr id="6" name="Rectangle 5">
-            <a:extLst>
-              <a:ext uri="{FF2B5EF4-FFF2-40B4-BE49-F238E27FC236}">
-                <a16:creationId xmlns:a16="http://schemas.microsoft.com/office/drawing/2014/main" id="{D04FACE8-945A-0284-E900-A693243FFD7F}"/>
+          <p:cNvPr id="2" name="Rectangle 1">
+            <a:extLst>
+              <a:ext uri="{FF2B5EF4-FFF2-40B4-BE49-F238E27FC236}">
+                <a16:creationId xmlns:a16="http://schemas.microsoft.com/office/drawing/2014/main" id="{B2E7A85B-FA5A-C71B-2662-C527D510C344}"/>
               </a:ext>
             </a:extLst>
           </p:cNvPr>
@@ -4712,18 +4819,12 @@
         </p:nvSpPr>
         <p:spPr>
           <a:xfrm>
-            <a:off x="4382269" y="4709582"/>
-            <a:ext cx="4037272" cy="291381"/>
+            <a:off x="10868024" y="85725"/>
+            <a:ext cx="1323975" cy="359367"/>
           </a:xfrm>
           <a:prstGeom prst="rect">
             <a:avLst/>
           </a:prstGeom>
-          <a:noFill/>
-          <a:ln w="57150">
-            <a:solidFill>
-              <a:srgbClr val="C00000"/>
-            </a:solidFill>
-          </a:ln>
         </p:spPr>
         <p:style>
           <a:lnRef idx="2">
@@ -4746,6 +4847,350 @@
           <a:lstStyle/>
           <a:p>
             <a:pPr algn="ctr"/>
+            <a:r>
+              <a:rPr lang="en-US" dirty="0"/>
+              <a:t>Chi 2.8</a:t>
+            </a:r>
+          </a:p>
+        </p:txBody>
+      </p:sp>
+    </p:spTree>
+    <p:extLst>
+      <p:ext uri="{BB962C8B-B14F-4D97-AF65-F5344CB8AC3E}">
+        <p14:creationId xmlns:p14="http://schemas.microsoft.com/office/powerpoint/2010/main" val="1510246008"/>
+      </p:ext>
+    </p:extLst>
+  </p:cSld>
+  <p:clrMapOvr>
+    <a:masterClrMapping/>
+  </p:clrMapOvr>
+</p:sld>
+</file>
+
+<file path=ppt/slides/slide13.xml><?xml version="1.0" encoding="utf-8"?>
+<p:sld xmlns:a="http://schemas.openxmlformats.org/drawingml/2006/main" xmlns:r="http://schemas.openxmlformats.org/officeDocument/2006/relationships" xmlns:p="http://schemas.openxmlformats.org/presentationml/2006/main">
+  <p:cSld>
+    <p:spTree>
+      <p:nvGrpSpPr>
+        <p:cNvPr id="1" name=""/>
+        <p:cNvGrpSpPr/>
+        <p:nvPr/>
+      </p:nvGrpSpPr>
+      <p:grpSpPr>
+        <a:xfrm>
+          <a:off x="0" y="0"/>
+          <a:ext cx="0" cy="0"/>
+          <a:chOff x="0" y="0"/>
+          <a:chExt cx="0" cy="0"/>
+        </a:xfrm>
+      </p:grpSpPr>
+      <p:pic>
+        <p:nvPicPr>
+          <p:cNvPr id="7170" name="Picture 2">
+            <a:extLst>
+              <a:ext uri="{FF2B5EF4-FFF2-40B4-BE49-F238E27FC236}">
+                <a16:creationId xmlns:a16="http://schemas.microsoft.com/office/drawing/2014/main" id="{A8456F66-E1FA-872A-50C3-03B3C3267C28}"/>
+              </a:ext>
+            </a:extLst>
+          </p:cNvPr>
+          <p:cNvPicPr>
+            <a:picLocks noChangeAspect="1" noChangeArrowheads="1"/>
+          </p:cNvPicPr>
+          <p:nvPr/>
+        </p:nvPicPr>
+        <p:blipFill>
+          <a:blip r:embed="rId2">
+            <a:extLst>
+              <a:ext uri="{28A0092B-C50C-407E-A947-70E740481C1C}">
+                <a14:useLocalDpi xmlns:a14="http://schemas.microsoft.com/office/drawing/2010/main" val="0"/>
+              </a:ext>
+            </a:extLst>
+          </a:blip>
+          <a:srcRect/>
+          <a:stretch>
+            <a:fillRect/>
+          </a:stretch>
+        </p:blipFill>
+        <p:spPr bwMode="auto">
+          <a:xfrm>
+            <a:off x="8021057" y="2348475"/>
+            <a:ext cx="4003972" cy="2992248"/>
+          </a:xfrm>
+          <a:prstGeom prst="rect">
+            <a:avLst/>
+          </a:prstGeom>
+          <a:noFill/>
+          <a:extLst>
+            <a:ext uri="{909E8E84-426E-40DD-AFC4-6F175D3DCCD1}">
+              <a14:hiddenFill xmlns:a14="http://schemas.microsoft.com/office/drawing/2010/main">
+                <a:solidFill>
+                  <a:srgbClr val="FFFFFF"/>
+                </a:solidFill>
+              </a14:hiddenFill>
+            </a:ext>
+          </a:extLst>
+        </p:spPr>
+      </p:pic>
+      <p:pic>
+        <p:nvPicPr>
+          <p:cNvPr id="7172" name="Picture 4">
+            <a:extLst>
+              <a:ext uri="{FF2B5EF4-FFF2-40B4-BE49-F238E27FC236}">
+                <a16:creationId xmlns:a16="http://schemas.microsoft.com/office/drawing/2014/main" id="{273269AE-C65D-1EF6-28FE-C5546F403C21}"/>
+              </a:ext>
+            </a:extLst>
+          </p:cNvPr>
+          <p:cNvPicPr>
+            <a:picLocks noChangeAspect="1" noChangeArrowheads="1"/>
+          </p:cNvPicPr>
+          <p:nvPr/>
+        </p:nvPicPr>
+        <p:blipFill>
+          <a:blip r:embed="rId3">
+            <a:extLst>
+              <a:ext uri="{28A0092B-C50C-407E-A947-70E740481C1C}">
+                <a14:useLocalDpi xmlns:a14="http://schemas.microsoft.com/office/drawing/2010/main" val="0"/>
+              </a:ext>
+            </a:extLst>
+          </a:blip>
+          <a:srcRect/>
+          <a:stretch>
+            <a:fillRect/>
+          </a:stretch>
+        </p:blipFill>
+        <p:spPr bwMode="auto">
+          <a:xfrm>
+            <a:off x="0" y="2348474"/>
+            <a:ext cx="4003973" cy="2992249"/>
+          </a:xfrm>
+          <a:prstGeom prst="rect">
+            <a:avLst/>
+          </a:prstGeom>
+          <a:noFill/>
+          <a:extLst>
+            <a:ext uri="{909E8E84-426E-40DD-AFC4-6F175D3DCCD1}">
+              <a14:hiddenFill xmlns:a14="http://schemas.microsoft.com/office/drawing/2010/main">
+                <a:solidFill>
+                  <a:srgbClr val="FFFFFF"/>
+                </a:solidFill>
+              </a14:hiddenFill>
+            </a:ext>
+          </a:extLst>
+        </p:spPr>
+      </p:pic>
+      <p:pic>
+        <p:nvPicPr>
+          <p:cNvPr id="7174" name="Picture 6">
+            <a:extLst>
+              <a:ext uri="{FF2B5EF4-FFF2-40B4-BE49-F238E27FC236}">
+                <a16:creationId xmlns:a16="http://schemas.microsoft.com/office/drawing/2014/main" id="{E1B3939F-AE73-04A9-12C6-2CAE16DDEE43}"/>
+              </a:ext>
+            </a:extLst>
+          </p:cNvPr>
+          <p:cNvPicPr>
+            <a:picLocks noChangeAspect="1" noChangeArrowheads="1"/>
+          </p:cNvPicPr>
+          <p:nvPr/>
+        </p:nvPicPr>
+        <p:blipFill>
+          <a:blip r:embed="rId4">
+            <a:extLst>
+              <a:ext uri="{28A0092B-C50C-407E-A947-70E740481C1C}">
+                <a14:useLocalDpi xmlns:a14="http://schemas.microsoft.com/office/drawing/2010/main" val="0"/>
+              </a:ext>
+            </a:extLst>
+          </a:blip>
+          <a:srcRect/>
+          <a:stretch>
+            <a:fillRect/>
+          </a:stretch>
+        </p:blipFill>
+        <p:spPr bwMode="auto">
+          <a:xfrm>
+            <a:off x="4010528" y="2348474"/>
+            <a:ext cx="4003974" cy="2992250"/>
+          </a:xfrm>
+          <a:prstGeom prst="rect">
+            <a:avLst/>
+          </a:prstGeom>
+          <a:noFill/>
+          <a:extLst>
+            <a:ext uri="{909E8E84-426E-40DD-AFC4-6F175D3DCCD1}">
+              <a14:hiddenFill xmlns:a14="http://schemas.microsoft.com/office/drawing/2010/main">
+                <a:solidFill>
+                  <a:srgbClr val="FFFFFF"/>
+                </a:solidFill>
+              </a14:hiddenFill>
+            </a:ext>
+          </a:extLst>
+        </p:spPr>
+      </p:pic>
+    </p:spTree>
+    <p:extLst>
+      <p:ext uri="{BB962C8B-B14F-4D97-AF65-F5344CB8AC3E}">
+        <p14:creationId xmlns:p14="http://schemas.microsoft.com/office/powerpoint/2010/main" val="1602516263"/>
+      </p:ext>
+    </p:extLst>
+  </p:cSld>
+  <p:clrMapOvr>
+    <a:masterClrMapping/>
+  </p:clrMapOvr>
+</p:sld>
+</file>
+
+<file path=ppt/slides/slide14.xml><?xml version="1.0" encoding="utf-8"?>
+<p:sld xmlns:a="http://schemas.openxmlformats.org/drawingml/2006/main" xmlns:r="http://schemas.openxmlformats.org/officeDocument/2006/relationships" xmlns:p="http://schemas.openxmlformats.org/presentationml/2006/main">
+  <p:cSld>
+    <p:spTree>
+      <p:nvGrpSpPr>
+        <p:cNvPr id="1" name=""/>
+        <p:cNvGrpSpPr/>
+        <p:nvPr/>
+      </p:nvGrpSpPr>
+      <p:grpSpPr>
+        <a:xfrm>
+          <a:off x="0" y="0"/>
+          <a:ext cx="0" cy="0"/>
+          <a:chOff x="0" y="0"/>
+          <a:chExt cx="0" cy="0"/>
+        </a:xfrm>
+      </p:grpSpPr>
+      <p:pic>
+        <p:nvPicPr>
+          <p:cNvPr id="7" name="Picture 6">
+            <a:extLst>
+              <a:ext uri="{FF2B5EF4-FFF2-40B4-BE49-F238E27FC236}">
+                <a16:creationId xmlns:a16="http://schemas.microsoft.com/office/drawing/2014/main" id="{9C5C8019-A0D9-9D81-DE6C-F0B0709171A8}"/>
+              </a:ext>
+            </a:extLst>
+          </p:cNvPr>
+          <p:cNvPicPr>
+            <a:picLocks noChangeAspect="1"/>
+          </p:cNvPicPr>
+          <p:nvPr/>
+        </p:nvPicPr>
+        <p:blipFill>
+          <a:blip r:embed="rId2"/>
+          <a:stretch>
+            <a:fillRect/>
+          </a:stretch>
+        </p:blipFill>
+        <p:spPr>
+          <a:xfrm>
+            <a:off x="4300349" y="3738741"/>
+            <a:ext cx="4178008" cy="1642223"/>
+          </a:xfrm>
+          <a:prstGeom prst="rect">
+            <a:avLst/>
+          </a:prstGeom>
+        </p:spPr>
+      </p:pic>
+      <p:sp>
+        <p:nvSpPr>
+          <p:cNvPr id="2" name="Title 1">
+            <a:extLst>
+              <a:ext uri="{FF2B5EF4-FFF2-40B4-BE49-F238E27FC236}">
+                <a16:creationId xmlns:a16="http://schemas.microsoft.com/office/drawing/2014/main" id="{5BF38505-AE92-A12D-A9BD-9AC30E6BCC71}"/>
+              </a:ext>
+            </a:extLst>
+          </p:cNvPr>
+          <p:cNvSpPr>
+            <a:spLocks noGrp="1"/>
+          </p:cNvSpPr>
+          <p:nvPr>
+            <p:ph type="ctrTitle"/>
+          </p:nvPr>
+        </p:nvSpPr>
+        <p:spPr/>
+        <p:txBody>
+          <a:bodyPr/>
+          <a:lstStyle/>
+          <a:p>
+            <a:r>
+              <a:rPr lang="en-US" dirty="0"/>
+              <a:t>b = 1.50</a:t>
+            </a:r>
+          </a:p>
+        </p:txBody>
+      </p:sp>
+      <p:pic>
+        <p:nvPicPr>
+          <p:cNvPr id="5" name="Picture 4">
+            <a:extLst>
+              <a:ext uri="{FF2B5EF4-FFF2-40B4-BE49-F238E27FC236}">
+                <a16:creationId xmlns:a16="http://schemas.microsoft.com/office/drawing/2014/main" id="{A09E908E-99B8-AE50-0388-ADDEE479736E}"/>
+              </a:ext>
+            </a:extLst>
+          </p:cNvPr>
+          <p:cNvPicPr>
+            <a:picLocks noChangeAspect="1"/>
+          </p:cNvPicPr>
+          <p:nvPr/>
+        </p:nvPicPr>
+        <p:blipFill>
+          <a:blip r:embed="rId3"/>
+          <a:stretch>
+            <a:fillRect/>
+          </a:stretch>
+        </p:blipFill>
+        <p:spPr>
+          <a:xfrm>
+            <a:off x="5512806" y="5555412"/>
+            <a:ext cx="1776199" cy="860346"/>
+          </a:xfrm>
+          <a:prstGeom prst="rect">
+            <a:avLst/>
+          </a:prstGeom>
+        </p:spPr>
+      </p:pic>
+      <p:sp>
+        <p:nvSpPr>
+          <p:cNvPr id="6" name="Rectangle 5">
+            <a:extLst>
+              <a:ext uri="{FF2B5EF4-FFF2-40B4-BE49-F238E27FC236}">
+                <a16:creationId xmlns:a16="http://schemas.microsoft.com/office/drawing/2014/main" id="{D04FACE8-945A-0284-E900-A693243FFD7F}"/>
+              </a:ext>
+            </a:extLst>
+          </p:cNvPr>
+          <p:cNvSpPr/>
+          <p:nvPr/>
+        </p:nvSpPr>
+        <p:spPr>
+          <a:xfrm>
+            <a:off x="4382269" y="4709582"/>
+            <a:ext cx="4037272" cy="291381"/>
+          </a:xfrm>
+          <a:prstGeom prst="rect">
+            <a:avLst/>
+          </a:prstGeom>
+          <a:noFill/>
+          <a:ln w="57150">
+            <a:solidFill>
+              <a:srgbClr val="C00000"/>
+            </a:solidFill>
+          </a:ln>
+        </p:spPr>
+        <p:style>
+          <a:lnRef idx="2">
+            <a:schemeClr val="accent1">
+              <a:shade val="50000"/>
+            </a:schemeClr>
+          </a:lnRef>
+          <a:fillRef idx="1">
+            <a:schemeClr val="accent1"/>
+          </a:fillRef>
+          <a:effectRef idx="0">
+            <a:schemeClr val="accent1"/>
+          </a:effectRef>
+          <a:fontRef idx="minor">
+            <a:schemeClr val="lt1"/>
+          </a:fontRef>
+        </p:style>
+        <p:txBody>
+          <a:bodyPr rtlCol="0" anchor="ctr"/>
+          <a:lstStyle/>
+          <a:p>
+            <a:pPr algn="ctr"/>
             <a:endParaRPr lang="en-US"/>
           </a:p>
         </p:txBody>
@@ -4754,6 +5199,1082 @@
     <p:extLst>
       <p:ext uri="{BB962C8B-B14F-4D97-AF65-F5344CB8AC3E}">
         <p14:creationId xmlns:p14="http://schemas.microsoft.com/office/powerpoint/2010/main" val="449757759"/>
+      </p:ext>
+    </p:extLst>
+  </p:cSld>
+  <p:clrMapOvr>
+    <a:masterClrMapping/>
+  </p:clrMapOvr>
+</p:sld>
+</file>
+
+<file path=ppt/slides/slide15.xml><?xml version="1.0" encoding="utf-8"?>
+<p:sld xmlns:a="http://schemas.openxmlformats.org/drawingml/2006/main" xmlns:r="http://schemas.openxmlformats.org/officeDocument/2006/relationships" xmlns:p="http://schemas.openxmlformats.org/presentationml/2006/main">
+  <p:cSld>
+    <p:spTree>
+      <p:nvGrpSpPr>
+        <p:cNvPr id="1" name=""/>
+        <p:cNvGrpSpPr/>
+        <p:nvPr/>
+      </p:nvGrpSpPr>
+      <p:grpSpPr>
+        <a:xfrm>
+          <a:off x="0" y="0"/>
+          <a:ext cx="0" cy="0"/>
+          <a:chOff x="0" y="0"/>
+          <a:chExt cx="0" cy="0"/>
+        </a:xfrm>
+      </p:grpSpPr>
+      <p:sp>
+        <p:nvSpPr>
+          <p:cNvPr id="2" name="Rectangle 1">
+            <a:extLst>
+              <a:ext uri="{FF2B5EF4-FFF2-40B4-BE49-F238E27FC236}">
+                <a16:creationId xmlns:a16="http://schemas.microsoft.com/office/drawing/2014/main" id="{4F449F44-388C-155B-BE93-47E3CC0AF1FE}"/>
+              </a:ext>
+            </a:extLst>
+          </p:cNvPr>
+          <p:cNvSpPr/>
+          <p:nvPr/>
+        </p:nvSpPr>
+        <p:spPr>
+          <a:xfrm>
+            <a:off x="10868024" y="85725"/>
+            <a:ext cx="1323975" cy="359367"/>
+          </a:xfrm>
+          <a:prstGeom prst="rect">
+            <a:avLst/>
+          </a:prstGeom>
+        </p:spPr>
+        <p:style>
+          <a:lnRef idx="2">
+            <a:schemeClr val="accent1">
+              <a:shade val="50000"/>
+            </a:schemeClr>
+          </a:lnRef>
+          <a:fillRef idx="1">
+            <a:schemeClr val="accent1"/>
+          </a:fillRef>
+          <a:effectRef idx="0">
+            <a:schemeClr val="accent1"/>
+          </a:effectRef>
+          <a:fontRef idx="minor">
+            <a:schemeClr val="lt1"/>
+          </a:fontRef>
+        </p:style>
+        <p:txBody>
+          <a:bodyPr rtlCol="0" anchor="ctr"/>
+          <a:lstStyle/>
+          <a:p>
+            <a:pPr algn="ctr"/>
+            <a:r>
+              <a:rPr lang="en-US" dirty="0"/>
+              <a:t>Chi 2.8</a:t>
+            </a:r>
+          </a:p>
+        </p:txBody>
+      </p:sp>
+      <p:pic>
+        <p:nvPicPr>
+          <p:cNvPr id="3" name="Picture 8">
+            <a:extLst>
+              <a:ext uri="{FF2B5EF4-FFF2-40B4-BE49-F238E27FC236}">
+                <a16:creationId xmlns:a16="http://schemas.microsoft.com/office/drawing/2014/main" id="{AB600E3C-63A3-C9FC-F26F-B6FD5C723A31}"/>
+              </a:ext>
+            </a:extLst>
+          </p:cNvPr>
+          <p:cNvPicPr>
+            <a:picLocks noChangeAspect="1" noChangeArrowheads="1"/>
+          </p:cNvPicPr>
+          <p:nvPr/>
+        </p:nvPicPr>
+        <p:blipFill>
+          <a:blip r:embed="rId2">
+            <a:extLst>
+              <a:ext uri="{28A0092B-C50C-407E-A947-70E740481C1C}">
+                <a14:useLocalDpi xmlns:a14="http://schemas.microsoft.com/office/drawing/2010/main" val="0"/>
+              </a:ext>
+            </a:extLst>
+          </a:blip>
+          <a:srcRect/>
+          <a:stretch>
+            <a:fillRect/>
+          </a:stretch>
+        </p:blipFill>
+        <p:spPr bwMode="auto">
+          <a:xfrm>
+            <a:off x="145143" y="445093"/>
+            <a:ext cx="3607237" cy="6123090"/>
+          </a:xfrm>
+          <a:prstGeom prst="rect">
+            <a:avLst/>
+          </a:prstGeom>
+          <a:noFill/>
+          <a:extLst>
+            <a:ext uri="{909E8E84-426E-40DD-AFC4-6F175D3DCCD1}">
+              <a14:hiddenFill xmlns:a14="http://schemas.microsoft.com/office/drawing/2010/main">
+                <a:solidFill>
+                  <a:srgbClr val="FFFFFF"/>
+                </a:solidFill>
+              </a14:hiddenFill>
+            </a:ext>
+          </a:extLst>
+        </p:spPr>
+      </p:pic>
+      <p:pic>
+        <p:nvPicPr>
+          <p:cNvPr id="8194" name="Picture 2">
+            <a:extLst>
+              <a:ext uri="{FF2B5EF4-FFF2-40B4-BE49-F238E27FC236}">
+                <a16:creationId xmlns:a16="http://schemas.microsoft.com/office/drawing/2014/main" id="{08433AB2-2ED0-309E-B1CD-3DBCAAB7909F}"/>
+              </a:ext>
+            </a:extLst>
+          </p:cNvPr>
+          <p:cNvPicPr>
+            <a:picLocks noChangeAspect="1" noChangeArrowheads="1"/>
+          </p:cNvPicPr>
+          <p:nvPr/>
+        </p:nvPicPr>
+        <p:blipFill>
+          <a:blip r:embed="rId3">
+            <a:extLst>
+              <a:ext uri="{28A0092B-C50C-407E-A947-70E740481C1C}">
+                <a14:useLocalDpi xmlns:a14="http://schemas.microsoft.com/office/drawing/2010/main" val="0"/>
+              </a:ext>
+            </a:extLst>
+          </a:blip>
+          <a:srcRect/>
+          <a:stretch>
+            <a:fillRect/>
+          </a:stretch>
+        </p:blipFill>
+        <p:spPr bwMode="auto">
+          <a:xfrm>
+            <a:off x="2915236" y="445093"/>
+            <a:ext cx="3607237" cy="6123090"/>
+          </a:xfrm>
+          <a:prstGeom prst="rect">
+            <a:avLst/>
+          </a:prstGeom>
+          <a:noFill/>
+          <a:extLst>
+            <a:ext uri="{909E8E84-426E-40DD-AFC4-6F175D3DCCD1}">
+              <a14:hiddenFill xmlns:a14="http://schemas.microsoft.com/office/drawing/2010/main">
+                <a:solidFill>
+                  <a:srgbClr val="FFFFFF"/>
+                </a:solidFill>
+              </a14:hiddenFill>
+            </a:ext>
+          </a:extLst>
+        </p:spPr>
+      </p:pic>
+      <p:pic>
+        <p:nvPicPr>
+          <p:cNvPr id="8196" name="Picture 4">
+            <a:extLst>
+              <a:ext uri="{FF2B5EF4-FFF2-40B4-BE49-F238E27FC236}">
+                <a16:creationId xmlns:a16="http://schemas.microsoft.com/office/drawing/2014/main" id="{F988C09F-DB9F-C7D0-94B5-5A3190E5B6B1}"/>
+              </a:ext>
+            </a:extLst>
+          </p:cNvPr>
+          <p:cNvPicPr>
+            <a:picLocks noChangeAspect="1" noChangeArrowheads="1"/>
+          </p:cNvPicPr>
+          <p:nvPr/>
+        </p:nvPicPr>
+        <p:blipFill>
+          <a:blip r:embed="rId4">
+            <a:extLst>
+              <a:ext uri="{28A0092B-C50C-407E-A947-70E740481C1C}">
+                <a14:useLocalDpi xmlns:a14="http://schemas.microsoft.com/office/drawing/2010/main" val="0"/>
+              </a:ext>
+            </a:extLst>
+          </a:blip>
+          <a:srcRect/>
+          <a:stretch>
+            <a:fillRect/>
+          </a:stretch>
+        </p:blipFill>
+        <p:spPr bwMode="auto">
+          <a:xfrm>
+            <a:off x="5685329" y="445093"/>
+            <a:ext cx="3607237" cy="6123091"/>
+          </a:xfrm>
+          <a:prstGeom prst="rect">
+            <a:avLst/>
+          </a:prstGeom>
+          <a:noFill/>
+          <a:extLst>
+            <a:ext uri="{909E8E84-426E-40DD-AFC4-6F175D3DCCD1}">
+              <a14:hiddenFill xmlns:a14="http://schemas.microsoft.com/office/drawing/2010/main">
+                <a:solidFill>
+                  <a:srgbClr val="FFFFFF"/>
+                </a:solidFill>
+              </a14:hiddenFill>
+            </a:ext>
+          </a:extLst>
+        </p:spPr>
+      </p:pic>
+      <p:pic>
+        <p:nvPicPr>
+          <p:cNvPr id="8198" name="Picture 6">
+            <a:extLst>
+              <a:ext uri="{FF2B5EF4-FFF2-40B4-BE49-F238E27FC236}">
+                <a16:creationId xmlns:a16="http://schemas.microsoft.com/office/drawing/2014/main" id="{1EFCEB3C-0E4E-2A75-E22D-97E0ADF70989}"/>
+              </a:ext>
+            </a:extLst>
+          </p:cNvPr>
+          <p:cNvPicPr>
+            <a:picLocks noChangeAspect="1" noChangeArrowheads="1"/>
+          </p:cNvPicPr>
+          <p:nvPr/>
+        </p:nvPicPr>
+        <p:blipFill>
+          <a:blip r:embed="rId5">
+            <a:extLst>
+              <a:ext uri="{28A0092B-C50C-407E-A947-70E740481C1C}">
+                <a14:useLocalDpi xmlns:a14="http://schemas.microsoft.com/office/drawing/2010/main" val="0"/>
+              </a:ext>
+            </a:extLst>
+          </a:blip>
+          <a:srcRect/>
+          <a:stretch>
+            <a:fillRect/>
+          </a:stretch>
+        </p:blipFill>
+        <p:spPr bwMode="auto">
+          <a:xfrm>
+            <a:off x="8455422" y="445092"/>
+            <a:ext cx="3607237" cy="6123091"/>
+          </a:xfrm>
+          <a:prstGeom prst="rect">
+            <a:avLst/>
+          </a:prstGeom>
+          <a:noFill/>
+          <a:extLst>
+            <a:ext uri="{909E8E84-426E-40DD-AFC4-6F175D3DCCD1}">
+              <a14:hiddenFill xmlns:a14="http://schemas.microsoft.com/office/drawing/2010/main">
+                <a:solidFill>
+                  <a:srgbClr val="FFFFFF"/>
+                </a:solidFill>
+              </a14:hiddenFill>
+            </a:ext>
+          </a:extLst>
+        </p:spPr>
+      </p:pic>
+      <p:sp>
+        <p:nvSpPr>
+          <p:cNvPr id="4" name="Rectangle 3">
+            <a:extLst>
+              <a:ext uri="{FF2B5EF4-FFF2-40B4-BE49-F238E27FC236}">
+                <a16:creationId xmlns:a16="http://schemas.microsoft.com/office/drawing/2014/main" id="{C1A0F4A4-0487-3D50-DB9C-6E440EEB0C14}"/>
+              </a:ext>
+            </a:extLst>
+          </p:cNvPr>
+          <p:cNvSpPr/>
+          <p:nvPr/>
+        </p:nvSpPr>
+        <p:spPr>
+          <a:xfrm>
+            <a:off x="6598024" y="409231"/>
+            <a:ext cx="4140660" cy="487238"/>
+          </a:xfrm>
+          <a:prstGeom prst="rect">
+            <a:avLst/>
+          </a:prstGeom>
+          <a:noFill/>
+          <a:ln w="57150">
+            <a:solidFill>
+              <a:srgbClr val="C00000"/>
+            </a:solidFill>
+          </a:ln>
+        </p:spPr>
+        <p:style>
+          <a:lnRef idx="2">
+            <a:schemeClr val="accent1">
+              <a:shade val="50000"/>
+            </a:schemeClr>
+          </a:lnRef>
+          <a:fillRef idx="1">
+            <a:schemeClr val="accent1"/>
+          </a:fillRef>
+          <a:effectRef idx="0">
+            <a:schemeClr val="accent1"/>
+          </a:effectRef>
+          <a:fontRef idx="minor">
+            <a:schemeClr val="lt1"/>
+          </a:fontRef>
+        </p:style>
+        <p:txBody>
+          <a:bodyPr rtlCol="0" anchor="ctr"/>
+          <a:lstStyle/>
+          <a:p>
+            <a:pPr algn="ctr"/>
+            <a:endParaRPr lang="en-US"/>
+          </a:p>
+        </p:txBody>
+      </p:sp>
+    </p:spTree>
+    <p:extLst>
+      <p:ext uri="{BB962C8B-B14F-4D97-AF65-F5344CB8AC3E}">
+        <p14:creationId xmlns:p14="http://schemas.microsoft.com/office/powerpoint/2010/main" val="3642719483"/>
+      </p:ext>
+    </p:extLst>
+  </p:cSld>
+  <p:clrMapOvr>
+    <a:masterClrMapping/>
+  </p:clrMapOvr>
+</p:sld>
+</file>
+
+<file path=ppt/slides/slide16.xml><?xml version="1.0" encoding="utf-8"?>
+<p:sld xmlns:a="http://schemas.openxmlformats.org/drawingml/2006/main" xmlns:r="http://schemas.openxmlformats.org/officeDocument/2006/relationships" xmlns:p="http://schemas.openxmlformats.org/presentationml/2006/main">
+  <p:cSld>
+    <p:spTree>
+      <p:nvGrpSpPr>
+        <p:cNvPr id="1" name=""/>
+        <p:cNvGrpSpPr/>
+        <p:nvPr/>
+      </p:nvGrpSpPr>
+      <p:grpSpPr>
+        <a:xfrm>
+          <a:off x="0" y="0"/>
+          <a:ext cx="0" cy="0"/>
+          <a:chOff x="0" y="0"/>
+          <a:chExt cx="0" cy="0"/>
+        </a:xfrm>
+      </p:grpSpPr>
+      <p:pic>
+        <p:nvPicPr>
+          <p:cNvPr id="9218" name="Picture 2">
+            <a:extLst>
+              <a:ext uri="{FF2B5EF4-FFF2-40B4-BE49-F238E27FC236}">
+                <a16:creationId xmlns:a16="http://schemas.microsoft.com/office/drawing/2014/main" id="{A465A957-91CF-98C7-EF14-6B3D618A3ADE}"/>
+              </a:ext>
+            </a:extLst>
+          </p:cNvPr>
+          <p:cNvPicPr>
+            <a:picLocks noChangeAspect="1" noChangeArrowheads="1"/>
+          </p:cNvPicPr>
+          <p:nvPr/>
+        </p:nvPicPr>
+        <p:blipFill>
+          <a:blip r:embed="rId2">
+            <a:extLst>
+              <a:ext uri="{28A0092B-C50C-407E-A947-70E740481C1C}">
+                <a14:useLocalDpi xmlns:a14="http://schemas.microsoft.com/office/drawing/2010/main" val="0"/>
+              </a:ext>
+            </a:extLst>
+          </a:blip>
+          <a:srcRect/>
+          <a:stretch>
+            <a:fillRect/>
+          </a:stretch>
+        </p:blipFill>
+        <p:spPr bwMode="auto">
+          <a:xfrm>
+            <a:off x="381000" y="2192616"/>
+            <a:ext cx="3799672" cy="2839571"/>
+          </a:xfrm>
+          <a:prstGeom prst="rect">
+            <a:avLst/>
+          </a:prstGeom>
+          <a:noFill/>
+          <a:extLst>
+            <a:ext uri="{909E8E84-426E-40DD-AFC4-6F175D3DCCD1}">
+              <a14:hiddenFill xmlns:a14="http://schemas.microsoft.com/office/drawing/2010/main">
+                <a:solidFill>
+                  <a:srgbClr val="FFFFFF"/>
+                </a:solidFill>
+              </a14:hiddenFill>
+            </a:ext>
+          </a:extLst>
+        </p:spPr>
+      </p:pic>
+      <p:pic>
+        <p:nvPicPr>
+          <p:cNvPr id="9220" name="Picture 4">
+            <a:extLst>
+              <a:ext uri="{FF2B5EF4-FFF2-40B4-BE49-F238E27FC236}">
+                <a16:creationId xmlns:a16="http://schemas.microsoft.com/office/drawing/2014/main" id="{3BF0C717-7C63-5106-78A9-5387E1BF8BC8}"/>
+              </a:ext>
+            </a:extLst>
+          </p:cNvPr>
+          <p:cNvPicPr>
+            <a:picLocks noChangeAspect="1" noChangeArrowheads="1"/>
+          </p:cNvPicPr>
+          <p:nvPr/>
+        </p:nvPicPr>
+        <p:blipFill>
+          <a:blip r:embed="rId3">
+            <a:extLst>
+              <a:ext uri="{28A0092B-C50C-407E-A947-70E740481C1C}">
+                <a14:useLocalDpi xmlns:a14="http://schemas.microsoft.com/office/drawing/2010/main" val="0"/>
+              </a:ext>
+            </a:extLst>
+          </a:blip>
+          <a:srcRect/>
+          <a:stretch>
+            <a:fillRect/>
+          </a:stretch>
+        </p:blipFill>
+        <p:spPr bwMode="auto">
+          <a:xfrm>
+            <a:off x="4272102" y="2192615"/>
+            <a:ext cx="3799673" cy="2839572"/>
+          </a:xfrm>
+          <a:prstGeom prst="rect">
+            <a:avLst/>
+          </a:prstGeom>
+          <a:noFill/>
+          <a:extLst>
+            <a:ext uri="{909E8E84-426E-40DD-AFC4-6F175D3DCCD1}">
+              <a14:hiddenFill xmlns:a14="http://schemas.microsoft.com/office/drawing/2010/main">
+                <a:solidFill>
+                  <a:srgbClr val="FFFFFF"/>
+                </a:solidFill>
+              </a14:hiddenFill>
+            </a:ext>
+          </a:extLst>
+        </p:spPr>
+      </p:pic>
+      <p:pic>
+        <p:nvPicPr>
+          <p:cNvPr id="9222" name="Picture 6">
+            <a:extLst>
+              <a:ext uri="{FF2B5EF4-FFF2-40B4-BE49-F238E27FC236}">
+                <a16:creationId xmlns:a16="http://schemas.microsoft.com/office/drawing/2014/main" id="{6C3E0AE0-E070-2F42-B869-4DC4B1CEF01C}"/>
+              </a:ext>
+            </a:extLst>
+          </p:cNvPr>
+          <p:cNvPicPr>
+            <a:picLocks noChangeAspect="1" noChangeArrowheads="1"/>
+          </p:cNvPicPr>
+          <p:nvPr/>
+        </p:nvPicPr>
+        <p:blipFill>
+          <a:blip r:embed="rId4">
+            <a:extLst>
+              <a:ext uri="{28A0092B-C50C-407E-A947-70E740481C1C}">
+                <a14:useLocalDpi xmlns:a14="http://schemas.microsoft.com/office/drawing/2010/main" val="0"/>
+              </a:ext>
+            </a:extLst>
+          </a:blip>
+          <a:srcRect/>
+          <a:stretch>
+            <a:fillRect/>
+          </a:stretch>
+        </p:blipFill>
+        <p:spPr bwMode="auto">
+          <a:xfrm>
+            <a:off x="8163206" y="2192615"/>
+            <a:ext cx="3799673" cy="2839572"/>
+          </a:xfrm>
+          <a:prstGeom prst="rect">
+            <a:avLst/>
+          </a:prstGeom>
+          <a:noFill/>
+          <a:extLst>
+            <a:ext uri="{909E8E84-426E-40DD-AFC4-6F175D3DCCD1}">
+              <a14:hiddenFill xmlns:a14="http://schemas.microsoft.com/office/drawing/2010/main">
+                <a:solidFill>
+                  <a:srgbClr val="FFFFFF"/>
+                </a:solidFill>
+              </a14:hiddenFill>
+            </a:ext>
+          </a:extLst>
+        </p:spPr>
+      </p:pic>
+    </p:spTree>
+    <p:extLst>
+      <p:ext uri="{BB962C8B-B14F-4D97-AF65-F5344CB8AC3E}">
+        <p14:creationId xmlns:p14="http://schemas.microsoft.com/office/powerpoint/2010/main" val="2296485291"/>
+      </p:ext>
+    </p:extLst>
+  </p:cSld>
+  <p:clrMapOvr>
+    <a:masterClrMapping/>
+  </p:clrMapOvr>
+</p:sld>
+</file>
+
+<file path=ppt/slides/slide17.xml><?xml version="1.0" encoding="utf-8"?>
+<p:sld xmlns:a="http://schemas.openxmlformats.org/drawingml/2006/main" xmlns:r="http://schemas.openxmlformats.org/officeDocument/2006/relationships" xmlns:p="http://schemas.openxmlformats.org/presentationml/2006/main">
+  <p:cSld>
+    <p:spTree>
+      <p:nvGrpSpPr>
+        <p:cNvPr id="1" name=""/>
+        <p:cNvGrpSpPr/>
+        <p:nvPr/>
+      </p:nvGrpSpPr>
+      <p:grpSpPr>
+        <a:xfrm>
+          <a:off x="0" y="0"/>
+          <a:ext cx="0" cy="0"/>
+          <a:chOff x="0" y="0"/>
+          <a:chExt cx="0" cy="0"/>
+        </a:xfrm>
+      </p:grpSpPr>
+      <p:pic>
+        <p:nvPicPr>
+          <p:cNvPr id="2" name="Picture 6">
+            <a:extLst>
+              <a:ext uri="{FF2B5EF4-FFF2-40B4-BE49-F238E27FC236}">
+                <a16:creationId xmlns:a16="http://schemas.microsoft.com/office/drawing/2014/main" id="{2A90FBB0-89F9-271F-98C1-5741AF3249CF}"/>
+              </a:ext>
+            </a:extLst>
+          </p:cNvPr>
+          <p:cNvPicPr>
+            <a:picLocks noChangeAspect="1" noChangeArrowheads="1"/>
+          </p:cNvPicPr>
+          <p:nvPr/>
+        </p:nvPicPr>
+        <p:blipFill rotWithShape="1">
+          <a:blip r:embed="rId2">
+            <a:extLst>
+              <a:ext uri="{28A0092B-C50C-407E-A947-70E740481C1C}">
+                <a14:useLocalDpi xmlns:a14="http://schemas.microsoft.com/office/drawing/2010/main" val="0"/>
+              </a:ext>
+            </a:extLst>
+          </a:blip>
+          <a:srcRect b="66714"/>
+          <a:stretch/>
+        </p:blipFill>
+        <p:spPr bwMode="auto">
+          <a:xfrm>
+            <a:off x="8312315" y="1508983"/>
+            <a:ext cx="3607237" cy="2038132"/>
+          </a:xfrm>
+          <a:prstGeom prst="rect">
+            <a:avLst/>
+          </a:prstGeom>
+          <a:noFill/>
+          <a:extLst>
+            <a:ext uri="{909E8E84-426E-40DD-AFC4-6F175D3DCCD1}">
+              <a14:hiddenFill xmlns:a14="http://schemas.microsoft.com/office/drawing/2010/main">
+                <a:solidFill>
+                  <a:srgbClr val="FFFFFF"/>
+                </a:solidFill>
+              </a14:hiddenFill>
+            </a:ext>
+          </a:extLst>
+        </p:spPr>
+      </p:pic>
+      <p:pic>
+        <p:nvPicPr>
+          <p:cNvPr id="3" name="Picture 2">
+            <a:extLst>
+              <a:ext uri="{FF2B5EF4-FFF2-40B4-BE49-F238E27FC236}">
+                <a16:creationId xmlns:a16="http://schemas.microsoft.com/office/drawing/2014/main" id="{DE1F1D8B-079F-AE3E-AFF5-67EF0474DB12}"/>
+              </a:ext>
+            </a:extLst>
+          </p:cNvPr>
+          <p:cNvPicPr>
+            <a:picLocks noChangeAspect="1" noChangeArrowheads="1"/>
+          </p:cNvPicPr>
+          <p:nvPr/>
+        </p:nvPicPr>
+        <p:blipFill rotWithShape="1">
+          <a:blip r:embed="rId3">
+            <a:extLst>
+              <a:ext uri="{28A0092B-C50C-407E-A947-70E740481C1C}">
+                <a14:useLocalDpi xmlns:a14="http://schemas.microsoft.com/office/drawing/2010/main" val="0"/>
+              </a:ext>
+            </a:extLst>
+          </a:blip>
+          <a:srcRect b="66714"/>
+          <a:stretch/>
+        </p:blipFill>
+        <p:spPr bwMode="auto">
+          <a:xfrm>
+            <a:off x="4705080" y="1508983"/>
+            <a:ext cx="3607237" cy="2038132"/>
+          </a:xfrm>
+          <a:prstGeom prst="rect">
+            <a:avLst/>
+          </a:prstGeom>
+          <a:noFill/>
+          <a:extLst>
+            <a:ext uri="{909E8E84-426E-40DD-AFC4-6F175D3DCCD1}">
+              <a14:hiddenFill xmlns:a14="http://schemas.microsoft.com/office/drawing/2010/main">
+                <a:solidFill>
+                  <a:srgbClr val="FFFFFF"/>
+                </a:solidFill>
+              </a14:hiddenFill>
+            </a:ext>
+          </a:extLst>
+        </p:spPr>
+      </p:pic>
+      <p:pic>
+        <p:nvPicPr>
+          <p:cNvPr id="4" name="Picture 12">
+            <a:extLst>
+              <a:ext uri="{FF2B5EF4-FFF2-40B4-BE49-F238E27FC236}">
+                <a16:creationId xmlns:a16="http://schemas.microsoft.com/office/drawing/2014/main" id="{26B17450-D751-34E1-140A-5ABDDCFD7377}"/>
+              </a:ext>
+            </a:extLst>
+          </p:cNvPr>
+          <p:cNvPicPr>
+            <a:picLocks noChangeAspect="1" noChangeArrowheads="1"/>
+          </p:cNvPicPr>
+          <p:nvPr/>
+        </p:nvPicPr>
+        <p:blipFill rotWithShape="1">
+          <a:blip r:embed="rId4">
+            <a:extLst>
+              <a:ext uri="{28A0092B-C50C-407E-A947-70E740481C1C}">
+                <a14:useLocalDpi xmlns:a14="http://schemas.microsoft.com/office/drawing/2010/main" val="0"/>
+              </a:ext>
+            </a:extLst>
+          </a:blip>
+          <a:srcRect b="66714"/>
+          <a:stretch/>
+        </p:blipFill>
+        <p:spPr bwMode="auto">
+          <a:xfrm>
+            <a:off x="1097845" y="1508983"/>
+            <a:ext cx="3607235" cy="2038132"/>
+          </a:xfrm>
+          <a:prstGeom prst="rect">
+            <a:avLst/>
+          </a:prstGeom>
+          <a:noFill/>
+          <a:extLst>
+            <a:ext uri="{909E8E84-426E-40DD-AFC4-6F175D3DCCD1}">
+              <a14:hiddenFill xmlns:a14="http://schemas.microsoft.com/office/drawing/2010/main">
+                <a:solidFill>
+                  <a:srgbClr val="FFFFFF"/>
+                </a:solidFill>
+              </a14:hiddenFill>
+            </a:ext>
+          </a:extLst>
+        </p:spPr>
+      </p:pic>
+      <p:sp>
+        <p:nvSpPr>
+          <p:cNvPr id="5" name="Freeform: Shape 4">
+            <a:extLst>
+              <a:ext uri="{FF2B5EF4-FFF2-40B4-BE49-F238E27FC236}">
+                <a16:creationId xmlns:a16="http://schemas.microsoft.com/office/drawing/2014/main" id="{63A62D1D-A5EF-07D5-498F-9071AC4FD4DD}"/>
+              </a:ext>
+            </a:extLst>
+          </p:cNvPr>
+          <p:cNvSpPr/>
+          <p:nvPr/>
+        </p:nvSpPr>
+        <p:spPr>
+          <a:xfrm>
+            <a:off x="1715764" y="2226257"/>
+            <a:ext cx="1798731" cy="574862"/>
+          </a:xfrm>
+          <a:custGeom>
+            <a:avLst/>
+            <a:gdLst>
+              <a:gd name="connsiteX0" fmla="*/ 0 w 1801906"/>
+              <a:gd name="connsiteY0" fmla="*/ 555812 h 555812"/>
+              <a:gd name="connsiteX1" fmla="*/ 726141 w 1801906"/>
+              <a:gd name="connsiteY1" fmla="*/ 179294 h 555812"/>
+              <a:gd name="connsiteX2" fmla="*/ 1801906 w 1801906"/>
+              <a:gd name="connsiteY2" fmla="*/ 0 h 555812"/>
+              <a:gd name="connsiteX0" fmla="*/ 0 w 1801906"/>
+              <a:gd name="connsiteY0" fmla="*/ 555812 h 555812"/>
+              <a:gd name="connsiteX1" fmla="*/ 726141 w 1801906"/>
+              <a:gd name="connsiteY1" fmla="*/ 179294 h 555812"/>
+              <a:gd name="connsiteX2" fmla="*/ 1801906 w 1801906"/>
+              <a:gd name="connsiteY2" fmla="*/ 0 h 555812"/>
+              <a:gd name="connsiteX0" fmla="*/ 0 w 1801906"/>
+              <a:gd name="connsiteY0" fmla="*/ 555812 h 555812"/>
+              <a:gd name="connsiteX1" fmla="*/ 745191 w 1801906"/>
+              <a:gd name="connsiteY1" fmla="*/ 185644 h 555812"/>
+              <a:gd name="connsiteX2" fmla="*/ 1801906 w 1801906"/>
+              <a:gd name="connsiteY2" fmla="*/ 0 h 555812"/>
+              <a:gd name="connsiteX0" fmla="*/ 0 w 1798731"/>
+              <a:gd name="connsiteY0" fmla="*/ 574862 h 574862"/>
+              <a:gd name="connsiteX1" fmla="*/ 742016 w 1798731"/>
+              <a:gd name="connsiteY1" fmla="*/ 185644 h 574862"/>
+              <a:gd name="connsiteX2" fmla="*/ 1798731 w 1798731"/>
+              <a:gd name="connsiteY2" fmla="*/ 0 h 574862"/>
+              <a:gd name="connsiteX0" fmla="*/ 0 w 1798731"/>
+              <a:gd name="connsiteY0" fmla="*/ 574862 h 574862"/>
+              <a:gd name="connsiteX1" fmla="*/ 742016 w 1798731"/>
+              <a:gd name="connsiteY1" fmla="*/ 185644 h 574862"/>
+              <a:gd name="connsiteX2" fmla="*/ 1798731 w 1798731"/>
+              <a:gd name="connsiteY2" fmla="*/ 0 h 574862"/>
+              <a:gd name="connsiteX0" fmla="*/ 0 w 1798731"/>
+              <a:gd name="connsiteY0" fmla="*/ 574862 h 574862"/>
+              <a:gd name="connsiteX1" fmla="*/ 767416 w 1798731"/>
+              <a:gd name="connsiteY1" fmla="*/ 182469 h 574862"/>
+              <a:gd name="connsiteX2" fmla="*/ 1798731 w 1798731"/>
+              <a:gd name="connsiteY2" fmla="*/ 0 h 574862"/>
+              <a:gd name="connsiteX0" fmla="*/ 0 w 1798731"/>
+              <a:gd name="connsiteY0" fmla="*/ 574862 h 574862"/>
+              <a:gd name="connsiteX1" fmla="*/ 773766 w 1798731"/>
+              <a:gd name="connsiteY1" fmla="*/ 172944 h 574862"/>
+              <a:gd name="connsiteX2" fmla="*/ 1798731 w 1798731"/>
+              <a:gd name="connsiteY2" fmla="*/ 0 h 574862"/>
+            </a:gdLst>
+            <a:ahLst/>
+            <a:cxnLst>
+              <a:cxn ang="0">
+                <a:pos x="connsiteX0" y="connsiteY0"/>
+              </a:cxn>
+              <a:cxn ang="0">
+                <a:pos x="connsiteX1" y="connsiteY1"/>
+              </a:cxn>
+              <a:cxn ang="0">
+                <a:pos x="connsiteX2" y="connsiteY2"/>
+              </a:cxn>
+            </a:cxnLst>
+            <a:rect l="l" t="t" r="r" b="b"/>
+            <a:pathLst>
+              <a:path w="1798731" h="574862">
+                <a:moveTo>
+                  <a:pt x="0" y="574862"/>
+                </a:moveTo>
+                <a:cubicBezTo>
+                  <a:pt x="212911" y="423395"/>
+                  <a:pt x="473448" y="265579"/>
+                  <a:pt x="773766" y="172944"/>
+                </a:cubicBezTo>
+                <a:cubicBezTo>
+                  <a:pt x="1074084" y="80309"/>
+                  <a:pt x="1538568" y="24466"/>
+                  <a:pt x="1798731" y="0"/>
+                </a:cubicBezTo>
+              </a:path>
+            </a:pathLst>
+          </a:custGeom>
+          <a:noFill/>
+          <a:ln w="28575">
+            <a:solidFill>
+              <a:srgbClr val="C00000"/>
+            </a:solidFill>
+          </a:ln>
+        </p:spPr>
+        <p:style>
+          <a:lnRef idx="2">
+            <a:schemeClr val="accent1">
+              <a:shade val="50000"/>
+            </a:schemeClr>
+          </a:lnRef>
+          <a:fillRef idx="1">
+            <a:schemeClr val="accent1"/>
+          </a:fillRef>
+          <a:effectRef idx="0">
+            <a:schemeClr val="accent1"/>
+          </a:effectRef>
+          <a:fontRef idx="minor">
+            <a:schemeClr val="lt1"/>
+          </a:fontRef>
+        </p:style>
+        <p:txBody>
+          <a:bodyPr rtlCol="0" anchor="ctr"/>
+          <a:lstStyle/>
+          <a:p>
+            <a:pPr algn="ctr"/>
+            <a:endParaRPr lang="en-US"/>
+          </a:p>
+        </p:txBody>
+      </p:sp>
+      <p:sp>
+        <p:nvSpPr>
+          <p:cNvPr id="6" name="Freeform: Shape 5">
+            <a:extLst>
+              <a:ext uri="{FF2B5EF4-FFF2-40B4-BE49-F238E27FC236}">
+                <a16:creationId xmlns:a16="http://schemas.microsoft.com/office/drawing/2014/main" id="{264494E7-EC9F-611F-B00E-BC7C405E2174}"/>
+              </a:ext>
+            </a:extLst>
+          </p:cNvPr>
+          <p:cNvSpPr/>
+          <p:nvPr/>
+        </p:nvSpPr>
+        <p:spPr>
+          <a:xfrm>
+            <a:off x="5344677" y="2240618"/>
+            <a:ext cx="1798731" cy="574862"/>
+          </a:xfrm>
+          <a:custGeom>
+            <a:avLst/>
+            <a:gdLst>
+              <a:gd name="connsiteX0" fmla="*/ 0 w 1801906"/>
+              <a:gd name="connsiteY0" fmla="*/ 555812 h 555812"/>
+              <a:gd name="connsiteX1" fmla="*/ 726141 w 1801906"/>
+              <a:gd name="connsiteY1" fmla="*/ 179294 h 555812"/>
+              <a:gd name="connsiteX2" fmla="*/ 1801906 w 1801906"/>
+              <a:gd name="connsiteY2" fmla="*/ 0 h 555812"/>
+              <a:gd name="connsiteX0" fmla="*/ 0 w 1801906"/>
+              <a:gd name="connsiteY0" fmla="*/ 555812 h 555812"/>
+              <a:gd name="connsiteX1" fmla="*/ 726141 w 1801906"/>
+              <a:gd name="connsiteY1" fmla="*/ 179294 h 555812"/>
+              <a:gd name="connsiteX2" fmla="*/ 1801906 w 1801906"/>
+              <a:gd name="connsiteY2" fmla="*/ 0 h 555812"/>
+              <a:gd name="connsiteX0" fmla="*/ 0 w 1801906"/>
+              <a:gd name="connsiteY0" fmla="*/ 555812 h 555812"/>
+              <a:gd name="connsiteX1" fmla="*/ 745191 w 1801906"/>
+              <a:gd name="connsiteY1" fmla="*/ 185644 h 555812"/>
+              <a:gd name="connsiteX2" fmla="*/ 1801906 w 1801906"/>
+              <a:gd name="connsiteY2" fmla="*/ 0 h 555812"/>
+              <a:gd name="connsiteX0" fmla="*/ 0 w 1798731"/>
+              <a:gd name="connsiteY0" fmla="*/ 574862 h 574862"/>
+              <a:gd name="connsiteX1" fmla="*/ 742016 w 1798731"/>
+              <a:gd name="connsiteY1" fmla="*/ 185644 h 574862"/>
+              <a:gd name="connsiteX2" fmla="*/ 1798731 w 1798731"/>
+              <a:gd name="connsiteY2" fmla="*/ 0 h 574862"/>
+              <a:gd name="connsiteX0" fmla="*/ 0 w 1798731"/>
+              <a:gd name="connsiteY0" fmla="*/ 574862 h 574862"/>
+              <a:gd name="connsiteX1" fmla="*/ 742016 w 1798731"/>
+              <a:gd name="connsiteY1" fmla="*/ 185644 h 574862"/>
+              <a:gd name="connsiteX2" fmla="*/ 1798731 w 1798731"/>
+              <a:gd name="connsiteY2" fmla="*/ 0 h 574862"/>
+              <a:gd name="connsiteX0" fmla="*/ 0 w 1798731"/>
+              <a:gd name="connsiteY0" fmla="*/ 574862 h 574862"/>
+              <a:gd name="connsiteX1" fmla="*/ 767416 w 1798731"/>
+              <a:gd name="connsiteY1" fmla="*/ 182469 h 574862"/>
+              <a:gd name="connsiteX2" fmla="*/ 1798731 w 1798731"/>
+              <a:gd name="connsiteY2" fmla="*/ 0 h 574862"/>
+              <a:gd name="connsiteX0" fmla="*/ 0 w 1798731"/>
+              <a:gd name="connsiteY0" fmla="*/ 574862 h 574862"/>
+              <a:gd name="connsiteX1" fmla="*/ 773766 w 1798731"/>
+              <a:gd name="connsiteY1" fmla="*/ 172944 h 574862"/>
+              <a:gd name="connsiteX2" fmla="*/ 1798731 w 1798731"/>
+              <a:gd name="connsiteY2" fmla="*/ 0 h 574862"/>
+            </a:gdLst>
+            <a:ahLst/>
+            <a:cxnLst>
+              <a:cxn ang="0">
+                <a:pos x="connsiteX0" y="connsiteY0"/>
+              </a:cxn>
+              <a:cxn ang="0">
+                <a:pos x="connsiteX1" y="connsiteY1"/>
+              </a:cxn>
+              <a:cxn ang="0">
+                <a:pos x="connsiteX2" y="connsiteY2"/>
+              </a:cxn>
+            </a:cxnLst>
+            <a:rect l="l" t="t" r="r" b="b"/>
+            <a:pathLst>
+              <a:path w="1798731" h="574862">
+                <a:moveTo>
+                  <a:pt x="0" y="574862"/>
+                </a:moveTo>
+                <a:cubicBezTo>
+                  <a:pt x="212911" y="423395"/>
+                  <a:pt x="473448" y="265579"/>
+                  <a:pt x="773766" y="172944"/>
+                </a:cubicBezTo>
+                <a:cubicBezTo>
+                  <a:pt x="1074084" y="80309"/>
+                  <a:pt x="1538568" y="24466"/>
+                  <a:pt x="1798731" y="0"/>
+                </a:cubicBezTo>
+              </a:path>
+            </a:pathLst>
+          </a:custGeom>
+          <a:noFill/>
+          <a:ln w="28575">
+            <a:solidFill>
+              <a:srgbClr val="C00000"/>
+            </a:solidFill>
+          </a:ln>
+        </p:spPr>
+        <p:style>
+          <a:lnRef idx="2">
+            <a:schemeClr val="accent1">
+              <a:shade val="50000"/>
+            </a:schemeClr>
+          </a:lnRef>
+          <a:fillRef idx="1">
+            <a:schemeClr val="accent1"/>
+          </a:fillRef>
+          <a:effectRef idx="0">
+            <a:schemeClr val="accent1"/>
+          </a:effectRef>
+          <a:fontRef idx="minor">
+            <a:schemeClr val="lt1"/>
+          </a:fontRef>
+        </p:style>
+        <p:txBody>
+          <a:bodyPr rtlCol="0" anchor="ctr"/>
+          <a:lstStyle/>
+          <a:p>
+            <a:pPr algn="ctr"/>
+            <a:endParaRPr lang="en-US"/>
+          </a:p>
+        </p:txBody>
+      </p:sp>
+      <p:sp>
+        <p:nvSpPr>
+          <p:cNvPr id="7" name="Freeform: Shape 6">
+            <a:extLst>
+              <a:ext uri="{FF2B5EF4-FFF2-40B4-BE49-F238E27FC236}">
+                <a16:creationId xmlns:a16="http://schemas.microsoft.com/office/drawing/2014/main" id="{20965A0E-2867-4F6A-FF96-0BF56CEB2264}"/>
+              </a:ext>
+            </a:extLst>
+          </p:cNvPr>
+          <p:cNvSpPr/>
+          <p:nvPr/>
+        </p:nvSpPr>
+        <p:spPr>
+          <a:xfrm>
+            <a:off x="8928067" y="2301019"/>
+            <a:ext cx="1798731" cy="574862"/>
+          </a:xfrm>
+          <a:custGeom>
+            <a:avLst/>
+            <a:gdLst>
+              <a:gd name="connsiteX0" fmla="*/ 0 w 1801906"/>
+              <a:gd name="connsiteY0" fmla="*/ 555812 h 555812"/>
+              <a:gd name="connsiteX1" fmla="*/ 726141 w 1801906"/>
+              <a:gd name="connsiteY1" fmla="*/ 179294 h 555812"/>
+              <a:gd name="connsiteX2" fmla="*/ 1801906 w 1801906"/>
+              <a:gd name="connsiteY2" fmla="*/ 0 h 555812"/>
+              <a:gd name="connsiteX0" fmla="*/ 0 w 1801906"/>
+              <a:gd name="connsiteY0" fmla="*/ 555812 h 555812"/>
+              <a:gd name="connsiteX1" fmla="*/ 726141 w 1801906"/>
+              <a:gd name="connsiteY1" fmla="*/ 179294 h 555812"/>
+              <a:gd name="connsiteX2" fmla="*/ 1801906 w 1801906"/>
+              <a:gd name="connsiteY2" fmla="*/ 0 h 555812"/>
+              <a:gd name="connsiteX0" fmla="*/ 0 w 1801906"/>
+              <a:gd name="connsiteY0" fmla="*/ 555812 h 555812"/>
+              <a:gd name="connsiteX1" fmla="*/ 745191 w 1801906"/>
+              <a:gd name="connsiteY1" fmla="*/ 185644 h 555812"/>
+              <a:gd name="connsiteX2" fmla="*/ 1801906 w 1801906"/>
+              <a:gd name="connsiteY2" fmla="*/ 0 h 555812"/>
+              <a:gd name="connsiteX0" fmla="*/ 0 w 1798731"/>
+              <a:gd name="connsiteY0" fmla="*/ 574862 h 574862"/>
+              <a:gd name="connsiteX1" fmla="*/ 742016 w 1798731"/>
+              <a:gd name="connsiteY1" fmla="*/ 185644 h 574862"/>
+              <a:gd name="connsiteX2" fmla="*/ 1798731 w 1798731"/>
+              <a:gd name="connsiteY2" fmla="*/ 0 h 574862"/>
+              <a:gd name="connsiteX0" fmla="*/ 0 w 1798731"/>
+              <a:gd name="connsiteY0" fmla="*/ 574862 h 574862"/>
+              <a:gd name="connsiteX1" fmla="*/ 742016 w 1798731"/>
+              <a:gd name="connsiteY1" fmla="*/ 185644 h 574862"/>
+              <a:gd name="connsiteX2" fmla="*/ 1798731 w 1798731"/>
+              <a:gd name="connsiteY2" fmla="*/ 0 h 574862"/>
+              <a:gd name="connsiteX0" fmla="*/ 0 w 1798731"/>
+              <a:gd name="connsiteY0" fmla="*/ 574862 h 574862"/>
+              <a:gd name="connsiteX1" fmla="*/ 767416 w 1798731"/>
+              <a:gd name="connsiteY1" fmla="*/ 182469 h 574862"/>
+              <a:gd name="connsiteX2" fmla="*/ 1798731 w 1798731"/>
+              <a:gd name="connsiteY2" fmla="*/ 0 h 574862"/>
+              <a:gd name="connsiteX0" fmla="*/ 0 w 1798731"/>
+              <a:gd name="connsiteY0" fmla="*/ 574862 h 574862"/>
+              <a:gd name="connsiteX1" fmla="*/ 773766 w 1798731"/>
+              <a:gd name="connsiteY1" fmla="*/ 172944 h 574862"/>
+              <a:gd name="connsiteX2" fmla="*/ 1798731 w 1798731"/>
+              <a:gd name="connsiteY2" fmla="*/ 0 h 574862"/>
+            </a:gdLst>
+            <a:ahLst/>
+            <a:cxnLst>
+              <a:cxn ang="0">
+                <a:pos x="connsiteX0" y="connsiteY0"/>
+              </a:cxn>
+              <a:cxn ang="0">
+                <a:pos x="connsiteX1" y="connsiteY1"/>
+              </a:cxn>
+              <a:cxn ang="0">
+                <a:pos x="connsiteX2" y="connsiteY2"/>
+              </a:cxn>
+            </a:cxnLst>
+            <a:rect l="l" t="t" r="r" b="b"/>
+            <a:pathLst>
+              <a:path w="1798731" h="574862">
+                <a:moveTo>
+                  <a:pt x="0" y="574862"/>
+                </a:moveTo>
+                <a:cubicBezTo>
+                  <a:pt x="212911" y="423395"/>
+                  <a:pt x="473448" y="265579"/>
+                  <a:pt x="773766" y="172944"/>
+                </a:cubicBezTo>
+                <a:cubicBezTo>
+                  <a:pt x="1074084" y="80309"/>
+                  <a:pt x="1538568" y="24466"/>
+                  <a:pt x="1798731" y="0"/>
+                </a:cubicBezTo>
+              </a:path>
+            </a:pathLst>
+          </a:custGeom>
+          <a:noFill/>
+          <a:ln w="28575">
+            <a:solidFill>
+              <a:srgbClr val="C00000"/>
+            </a:solidFill>
+          </a:ln>
+        </p:spPr>
+        <p:style>
+          <a:lnRef idx="2">
+            <a:schemeClr val="accent1">
+              <a:shade val="50000"/>
+            </a:schemeClr>
+          </a:lnRef>
+          <a:fillRef idx="1">
+            <a:schemeClr val="accent1"/>
+          </a:fillRef>
+          <a:effectRef idx="0">
+            <a:schemeClr val="accent1"/>
+          </a:effectRef>
+          <a:fontRef idx="minor">
+            <a:schemeClr val="lt1"/>
+          </a:fontRef>
+        </p:style>
+        <p:txBody>
+          <a:bodyPr rtlCol="0" anchor="ctr"/>
+          <a:lstStyle/>
+          <a:p>
+            <a:pPr algn="ctr"/>
+            <a:endParaRPr lang="en-US"/>
+          </a:p>
+        </p:txBody>
+      </p:sp>
+      <p:sp>
+        <p:nvSpPr>
+          <p:cNvPr id="8" name="TextBox 7">
+            <a:extLst>
+              <a:ext uri="{FF2B5EF4-FFF2-40B4-BE49-F238E27FC236}">
+                <a16:creationId xmlns:a16="http://schemas.microsoft.com/office/drawing/2014/main" id="{E94419A6-1539-36F5-5DF2-1E0C2591A504}"/>
+              </a:ext>
+            </a:extLst>
+          </p:cNvPr>
+          <p:cNvSpPr txBox="1"/>
+          <p:nvPr/>
+        </p:nvSpPr>
+        <p:spPr>
+          <a:xfrm>
+            <a:off x="3634740" y="4297680"/>
+            <a:ext cx="4930965" cy="369332"/>
+          </a:xfrm>
+          <a:prstGeom prst="rect">
+            <a:avLst/>
+          </a:prstGeom>
+          <a:noFill/>
+        </p:spPr>
+        <p:txBody>
+          <a:bodyPr wrap="none" rtlCol="0">
+            <a:spAutoFit/>
+          </a:bodyPr>
+          <a:lstStyle/>
+          <a:p>
+            <a:r>
+              <a:rPr lang="en-US" dirty="0">
+                <a:solidFill>
+                  <a:srgbClr val="FF0000"/>
+                </a:solidFill>
+              </a:rPr>
+              <a:t>Traced b25v3 </a:t>
+            </a:r>
+            <a:r>
+              <a:rPr lang="en-US" dirty="0"/>
+              <a:t>and applied onto v2. Nearly identical</a:t>
+            </a:r>
+          </a:p>
+        </p:txBody>
+      </p:sp>
+    </p:spTree>
+    <p:extLst>
+      <p:ext uri="{BB962C8B-B14F-4D97-AF65-F5344CB8AC3E}">
+        <p14:creationId xmlns:p14="http://schemas.microsoft.com/office/powerpoint/2010/main" val="2984301033"/>
       </p:ext>
     </p:extLst>
   </p:cSld>
@@ -7462,10 +8983,10 @@
       </p:pic>
       <p:pic>
         <p:nvPicPr>
-          <p:cNvPr id="2" name="Picture 8">
-            <a:extLst>
-              <a:ext uri="{FF2B5EF4-FFF2-40B4-BE49-F238E27FC236}">
-                <a16:creationId xmlns:a16="http://schemas.microsoft.com/office/drawing/2014/main" id="{54E2CAE5-BF1B-8DDB-34FE-981E1EE9A56F}"/>
+          <p:cNvPr id="1026" name="Picture 2">
+            <a:extLst>
+              <a:ext uri="{FF2B5EF4-FFF2-40B4-BE49-F238E27FC236}">
+                <a16:creationId xmlns:a16="http://schemas.microsoft.com/office/drawing/2014/main" id="{050380A6-5B54-8E43-1EC9-51DE75EA4E98}"/>
               </a:ext>
             </a:extLst>
           </p:cNvPr>
@@ -7490,7 +9011,7 @@
         <p:spPr bwMode="auto">
           <a:xfrm>
             <a:off x="8305172" y="367454"/>
-            <a:ext cx="3607238" cy="6123092"/>
+            <a:ext cx="3607237" cy="6123091"/>
           </a:xfrm>
           <a:prstGeom prst="rect">
             <a:avLst/>
@@ -7521,7 +9042,7 @@
         </p:nvSpPr>
         <p:spPr>
           <a:xfrm>
-            <a:off x="8657898" y="5653357"/>
+            <a:off x="8647982" y="5617499"/>
             <a:ext cx="2377956" cy="291381"/>
           </a:xfrm>
           <a:prstGeom prst="rect">

--- a/NLH.pptx
+++ b/NLH.pptx
@@ -213,7 +213,7 @@
           <a:p>
             <a:fld id="{CD589C0A-3A09-49C7-BF5E-A18753F65EB4}" type="datetimeFigureOut">
               <a:rPr lang="en-US" smtClean="0"/>
-              <a:t>10/31/2022</a:t>
+              <a:t>11/2/2022</a:t>
             </a:fld>
             <a:endParaRPr lang="en-US"/>
           </a:p>
@@ -627,7 +627,7 @@
           <a:p>
             <a:fld id="{BCCF18D8-6DFB-4CDA-AE1C-8F66D1E20DFB}" type="datetimeFigureOut">
               <a:rPr lang="en-US" smtClean="0"/>
-              <a:t>10/31/2022</a:t>
+              <a:t>11/2/2022</a:t>
             </a:fld>
             <a:endParaRPr lang="en-US"/>
           </a:p>
@@ -825,7 +825,7 @@
           <a:p>
             <a:fld id="{BCCF18D8-6DFB-4CDA-AE1C-8F66D1E20DFB}" type="datetimeFigureOut">
               <a:rPr lang="en-US" smtClean="0"/>
-              <a:t>10/31/2022</a:t>
+              <a:t>11/2/2022</a:t>
             </a:fld>
             <a:endParaRPr lang="en-US"/>
           </a:p>
@@ -1033,7 +1033,7 @@
           <a:p>
             <a:fld id="{BCCF18D8-6DFB-4CDA-AE1C-8F66D1E20DFB}" type="datetimeFigureOut">
               <a:rPr lang="en-US" smtClean="0"/>
-              <a:t>10/31/2022</a:t>
+              <a:t>11/2/2022</a:t>
             </a:fld>
             <a:endParaRPr lang="en-US"/>
           </a:p>
@@ -1231,7 +1231,7 @@
           <a:p>
             <a:fld id="{BCCF18D8-6DFB-4CDA-AE1C-8F66D1E20DFB}" type="datetimeFigureOut">
               <a:rPr lang="en-US" smtClean="0"/>
-              <a:t>10/31/2022</a:t>
+              <a:t>11/2/2022</a:t>
             </a:fld>
             <a:endParaRPr lang="en-US"/>
           </a:p>
@@ -1506,7 +1506,7 @@
           <a:p>
             <a:fld id="{BCCF18D8-6DFB-4CDA-AE1C-8F66D1E20DFB}" type="datetimeFigureOut">
               <a:rPr lang="en-US" smtClean="0"/>
-              <a:t>10/31/2022</a:t>
+              <a:t>11/2/2022</a:t>
             </a:fld>
             <a:endParaRPr lang="en-US"/>
           </a:p>
@@ -1771,7 +1771,7 @@
           <a:p>
             <a:fld id="{BCCF18D8-6DFB-4CDA-AE1C-8F66D1E20DFB}" type="datetimeFigureOut">
               <a:rPr lang="en-US" smtClean="0"/>
-              <a:t>10/31/2022</a:t>
+              <a:t>11/2/2022</a:t>
             </a:fld>
             <a:endParaRPr lang="en-US"/>
           </a:p>
@@ -2183,7 +2183,7 @@
           <a:p>
             <a:fld id="{BCCF18D8-6DFB-4CDA-AE1C-8F66D1E20DFB}" type="datetimeFigureOut">
               <a:rPr lang="en-US" smtClean="0"/>
-              <a:t>10/31/2022</a:t>
+              <a:t>11/2/2022</a:t>
             </a:fld>
             <a:endParaRPr lang="en-US"/>
           </a:p>
@@ -2324,7 +2324,7 @@
           <a:p>
             <a:fld id="{BCCF18D8-6DFB-4CDA-AE1C-8F66D1E20DFB}" type="datetimeFigureOut">
               <a:rPr lang="en-US" smtClean="0"/>
-              <a:t>10/31/2022</a:t>
+              <a:t>11/2/2022</a:t>
             </a:fld>
             <a:endParaRPr lang="en-US"/>
           </a:p>
@@ -2437,7 +2437,7 @@
           <a:p>
             <a:fld id="{BCCF18D8-6DFB-4CDA-AE1C-8F66D1E20DFB}" type="datetimeFigureOut">
               <a:rPr lang="en-US" smtClean="0"/>
-              <a:t>10/31/2022</a:t>
+              <a:t>11/2/2022</a:t>
             </a:fld>
             <a:endParaRPr lang="en-US"/>
           </a:p>
@@ -2748,7 +2748,7 @@
           <a:p>
             <a:fld id="{BCCF18D8-6DFB-4CDA-AE1C-8F66D1E20DFB}" type="datetimeFigureOut">
               <a:rPr lang="en-US" smtClean="0"/>
-              <a:t>10/31/2022</a:t>
+              <a:t>11/2/2022</a:t>
             </a:fld>
             <a:endParaRPr lang="en-US"/>
           </a:p>
@@ -3036,7 +3036,7 @@
           <a:p>
             <a:fld id="{BCCF18D8-6DFB-4CDA-AE1C-8F66D1E20DFB}" type="datetimeFigureOut">
               <a:rPr lang="en-US" smtClean="0"/>
-              <a:t>10/31/2022</a:t>
+              <a:t>11/2/2022</a:t>
             </a:fld>
             <a:endParaRPr lang="en-US"/>
           </a:p>
@@ -3277,7 +3277,7 @@
           <a:p>
             <a:fld id="{BCCF18D8-6DFB-4CDA-AE1C-8F66D1E20DFB}" type="datetimeFigureOut">
               <a:rPr lang="en-US" smtClean="0"/>
-              <a:t>10/31/2022</a:t>
+              <a:t>11/2/2022</a:t>
             </a:fld>
             <a:endParaRPr lang="en-US"/>
           </a:p>
@@ -4693,7 +4693,7 @@
         </p:blipFill>
         <p:spPr bwMode="auto">
           <a:xfrm>
-            <a:off x="2042601" y="445092"/>
+            <a:off x="136163" y="445092"/>
             <a:ext cx="3607237" cy="6123090"/>
           </a:xfrm>
           <a:prstGeom prst="rect">
@@ -4740,7 +4740,7 @@
         </p:blipFill>
         <p:spPr bwMode="auto">
           <a:xfrm>
-            <a:off x="4814376" y="445092"/>
+            <a:off x="2907938" y="445092"/>
             <a:ext cx="3607237" cy="6123090"/>
           </a:xfrm>
           <a:prstGeom prst="rect">
@@ -4787,7 +4787,7 @@
         </p:blipFill>
         <p:spPr bwMode="auto">
           <a:xfrm>
-            <a:off x="7586151" y="445092"/>
+            <a:off x="5679713" y="445092"/>
             <a:ext cx="3607237" cy="6123090"/>
           </a:xfrm>
           <a:prstGeom prst="rect">
@@ -4854,6 +4854,53 @@
           </a:p>
         </p:txBody>
       </p:sp>
+      <p:pic>
+        <p:nvPicPr>
+          <p:cNvPr id="1026" name="Picture 2">
+            <a:extLst>
+              <a:ext uri="{FF2B5EF4-FFF2-40B4-BE49-F238E27FC236}">
+                <a16:creationId xmlns:a16="http://schemas.microsoft.com/office/drawing/2014/main" id="{ACF23061-ABDD-ED16-84EE-D4ED5509304B}"/>
+              </a:ext>
+            </a:extLst>
+          </p:cNvPr>
+          <p:cNvPicPr>
+            <a:picLocks noChangeAspect="1" noChangeArrowheads="1"/>
+          </p:cNvPicPr>
+          <p:nvPr/>
+        </p:nvPicPr>
+        <p:blipFill>
+          <a:blip r:embed="rId5">
+            <a:extLst>
+              <a:ext uri="{28A0092B-C50C-407E-A947-70E740481C1C}">
+                <a14:useLocalDpi xmlns:a14="http://schemas.microsoft.com/office/drawing/2010/main" val="0"/>
+              </a:ext>
+            </a:extLst>
+          </a:blip>
+          <a:srcRect/>
+          <a:stretch>
+            <a:fillRect/>
+          </a:stretch>
+        </p:blipFill>
+        <p:spPr bwMode="auto">
+          <a:xfrm>
+            <a:off x="8451488" y="445092"/>
+            <a:ext cx="3607237" cy="6123090"/>
+          </a:xfrm>
+          <a:prstGeom prst="rect">
+            <a:avLst/>
+          </a:prstGeom>
+          <a:noFill/>
+          <a:extLst>
+            <a:ext uri="{909E8E84-426E-40DD-AFC4-6F175D3DCCD1}">
+              <a14:hiddenFill xmlns:a14="http://schemas.microsoft.com/office/drawing/2010/main">
+                <a:solidFill>
+                  <a:srgbClr val="FFFFFF"/>
+                </a:solidFill>
+              </a14:hiddenFill>
+            </a:ext>
+          </a:extLst>
+        </p:spPr>
+      </p:pic>
     </p:spTree>
     <p:extLst>
       <p:ext uri="{BB962C8B-B14F-4D97-AF65-F5344CB8AC3E}">
@@ -4886,10 +4933,10 @@
       </p:grpSpPr>
       <p:pic>
         <p:nvPicPr>
-          <p:cNvPr id="7170" name="Picture 2">
-            <a:extLst>
-              <a:ext uri="{FF2B5EF4-FFF2-40B4-BE49-F238E27FC236}">
-                <a16:creationId xmlns:a16="http://schemas.microsoft.com/office/drawing/2014/main" id="{A8456F66-E1FA-872A-50C3-03B3C3267C28}"/>
+          <p:cNvPr id="2052" name="Picture 4">
+            <a:extLst>
+              <a:ext uri="{FF2B5EF4-FFF2-40B4-BE49-F238E27FC236}">
+                <a16:creationId xmlns:a16="http://schemas.microsoft.com/office/drawing/2014/main" id="{95DDF7AE-6ED3-BCB8-7F34-99CEBD30A560}"/>
               </a:ext>
             </a:extLst>
           </p:cNvPr>
@@ -4913,8 +4960,8 @@
         </p:blipFill>
         <p:spPr bwMode="auto">
           <a:xfrm>
-            <a:off x="8021057" y="2348475"/>
-            <a:ext cx="4003972" cy="2992248"/>
+            <a:off x="8661470" y="2363032"/>
+            <a:ext cx="3392512" cy="2535292"/>
           </a:xfrm>
           <a:prstGeom prst="rect">
             <a:avLst/>
@@ -4933,10 +4980,10 @@
       </p:pic>
       <p:pic>
         <p:nvPicPr>
-          <p:cNvPr id="7172" name="Picture 4">
-            <a:extLst>
-              <a:ext uri="{FF2B5EF4-FFF2-40B4-BE49-F238E27FC236}">
-                <a16:creationId xmlns:a16="http://schemas.microsoft.com/office/drawing/2014/main" id="{273269AE-C65D-1EF6-28FE-C5546F403C21}"/>
+          <p:cNvPr id="7170" name="Picture 2">
+            <a:extLst>
+              <a:ext uri="{FF2B5EF4-FFF2-40B4-BE49-F238E27FC236}">
+                <a16:creationId xmlns:a16="http://schemas.microsoft.com/office/drawing/2014/main" id="{A8456F66-E1FA-872A-50C3-03B3C3267C28}"/>
               </a:ext>
             </a:extLst>
           </p:cNvPr>
@@ -4960,8 +5007,8 @@
         </p:blipFill>
         <p:spPr bwMode="auto">
           <a:xfrm>
-            <a:off x="0" y="2348474"/>
-            <a:ext cx="4003973" cy="2992249"/>
+            <a:off x="5776090" y="2363034"/>
+            <a:ext cx="3392509" cy="2535289"/>
           </a:xfrm>
           <a:prstGeom prst="rect">
             <a:avLst/>
@@ -5007,8 +5054,55 @@
         </p:blipFill>
         <p:spPr bwMode="auto">
           <a:xfrm>
-            <a:off x="4010528" y="2348474"/>
-            <a:ext cx="4003974" cy="2992250"/>
+            <a:off x="2888045" y="2363032"/>
+            <a:ext cx="3392511" cy="2535291"/>
+          </a:xfrm>
+          <a:prstGeom prst="rect">
+            <a:avLst/>
+          </a:prstGeom>
+          <a:noFill/>
+          <a:extLst>
+            <a:ext uri="{909E8E84-426E-40DD-AFC4-6F175D3DCCD1}">
+              <a14:hiddenFill xmlns:a14="http://schemas.microsoft.com/office/drawing/2010/main">
+                <a:solidFill>
+                  <a:srgbClr val="FFFFFF"/>
+                </a:solidFill>
+              </a14:hiddenFill>
+            </a:ext>
+          </a:extLst>
+        </p:spPr>
+      </p:pic>
+      <p:pic>
+        <p:nvPicPr>
+          <p:cNvPr id="7172" name="Picture 4">
+            <a:extLst>
+              <a:ext uri="{FF2B5EF4-FFF2-40B4-BE49-F238E27FC236}">
+                <a16:creationId xmlns:a16="http://schemas.microsoft.com/office/drawing/2014/main" id="{273269AE-C65D-1EF6-28FE-C5546F403C21}"/>
+              </a:ext>
+            </a:extLst>
+          </p:cNvPr>
+          <p:cNvPicPr>
+            <a:picLocks noChangeAspect="1" noChangeArrowheads="1"/>
+          </p:cNvPicPr>
+          <p:nvPr/>
+        </p:nvPicPr>
+        <p:blipFill>
+          <a:blip r:embed="rId5">
+            <a:extLst>
+              <a:ext uri="{28A0092B-C50C-407E-A947-70E740481C1C}">
+                <a14:useLocalDpi xmlns:a14="http://schemas.microsoft.com/office/drawing/2010/main" val="0"/>
+              </a:ext>
+            </a:extLst>
+          </a:blip>
+          <a:srcRect/>
+          <a:stretch>
+            <a:fillRect/>
+          </a:stretch>
+        </p:blipFill>
+        <p:spPr bwMode="auto">
+          <a:xfrm>
+            <a:off x="0" y="2368757"/>
+            <a:ext cx="3392510" cy="2535290"/>
           </a:xfrm>
           <a:prstGeom prst="rect">
             <a:avLst/>
@@ -5415,105 +5509,6 @@
           </a:extLst>
         </p:spPr>
       </p:pic>
-      <p:pic>
-        <p:nvPicPr>
-          <p:cNvPr id="8198" name="Picture 6">
-            <a:extLst>
-              <a:ext uri="{FF2B5EF4-FFF2-40B4-BE49-F238E27FC236}">
-                <a16:creationId xmlns:a16="http://schemas.microsoft.com/office/drawing/2014/main" id="{1EFCEB3C-0E4E-2A75-E22D-97E0ADF70989}"/>
-              </a:ext>
-            </a:extLst>
-          </p:cNvPr>
-          <p:cNvPicPr>
-            <a:picLocks noChangeAspect="1" noChangeArrowheads="1"/>
-          </p:cNvPicPr>
-          <p:nvPr/>
-        </p:nvPicPr>
-        <p:blipFill>
-          <a:blip r:embed="rId5">
-            <a:extLst>
-              <a:ext uri="{28A0092B-C50C-407E-A947-70E740481C1C}">
-                <a14:useLocalDpi xmlns:a14="http://schemas.microsoft.com/office/drawing/2010/main" val="0"/>
-              </a:ext>
-            </a:extLst>
-          </a:blip>
-          <a:srcRect/>
-          <a:stretch>
-            <a:fillRect/>
-          </a:stretch>
-        </p:blipFill>
-        <p:spPr bwMode="auto">
-          <a:xfrm>
-            <a:off x="8455422" y="445092"/>
-            <a:ext cx="3607237" cy="6123091"/>
-          </a:xfrm>
-          <a:prstGeom prst="rect">
-            <a:avLst/>
-          </a:prstGeom>
-          <a:noFill/>
-          <a:extLst>
-            <a:ext uri="{909E8E84-426E-40DD-AFC4-6F175D3DCCD1}">
-              <a14:hiddenFill xmlns:a14="http://schemas.microsoft.com/office/drawing/2010/main">
-                <a:solidFill>
-                  <a:srgbClr val="FFFFFF"/>
-                </a:solidFill>
-              </a14:hiddenFill>
-            </a:ext>
-          </a:extLst>
-        </p:spPr>
-      </p:pic>
-      <p:sp>
-        <p:nvSpPr>
-          <p:cNvPr id="4" name="Rectangle 3">
-            <a:extLst>
-              <a:ext uri="{FF2B5EF4-FFF2-40B4-BE49-F238E27FC236}">
-                <a16:creationId xmlns:a16="http://schemas.microsoft.com/office/drawing/2014/main" id="{C1A0F4A4-0487-3D50-DB9C-6E440EEB0C14}"/>
-              </a:ext>
-            </a:extLst>
-          </p:cNvPr>
-          <p:cNvSpPr/>
-          <p:nvPr/>
-        </p:nvSpPr>
-        <p:spPr>
-          <a:xfrm>
-            <a:off x="6598024" y="409231"/>
-            <a:ext cx="4140660" cy="487238"/>
-          </a:xfrm>
-          <a:prstGeom prst="rect">
-            <a:avLst/>
-          </a:prstGeom>
-          <a:noFill/>
-          <a:ln w="57150">
-            <a:solidFill>
-              <a:srgbClr val="C00000"/>
-            </a:solidFill>
-          </a:ln>
-        </p:spPr>
-        <p:style>
-          <a:lnRef idx="2">
-            <a:schemeClr val="accent1">
-              <a:shade val="50000"/>
-            </a:schemeClr>
-          </a:lnRef>
-          <a:fillRef idx="1">
-            <a:schemeClr val="accent1"/>
-          </a:fillRef>
-          <a:effectRef idx="0">
-            <a:schemeClr val="accent1"/>
-          </a:effectRef>
-          <a:fontRef idx="minor">
-            <a:schemeClr val="lt1"/>
-          </a:fontRef>
-        </p:style>
-        <p:txBody>
-          <a:bodyPr rtlCol="0" anchor="ctr"/>
-          <a:lstStyle/>
-          <a:p>
-            <a:pPr algn="ctr"/>
-            <a:endParaRPr lang="en-US"/>
-          </a:p>
-        </p:txBody>
-      </p:sp>
     </p:spTree>
     <p:extLst>
       <p:ext uri="{BB962C8B-B14F-4D97-AF65-F5344CB8AC3E}">
@@ -5546,10 +5541,10 @@
       </p:grpSpPr>
       <p:pic>
         <p:nvPicPr>
-          <p:cNvPr id="9218" name="Picture 2">
-            <a:extLst>
-              <a:ext uri="{FF2B5EF4-FFF2-40B4-BE49-F238E27FC236}">
-                <a16:creationId xmlns:a16="http://schemas.microsoft.com/office/drawing/2014/main" id="{A465A957-91CF-98C7-EF14-6B3D618A3ADE}"/>
+          <p:cNvPr id="3074" name="Picture 2">
+            <a:extLst>
+              <a:ext uri="{FF2B5EF4-FFF2-40B4-BE49-F238E27FC236}">
+                <a16:creationId xmlns:a16="http://schemas.microsoft.com/office/drawing/2014/main" id="{7D5B8E63-65AA-9ED5-7FF7-FF4887FACC64}"/>
               </a:ext>
             </a:extLst>
           </p:cNvPr>
@@ -5573,8 +5568,8 @@
         </p:blipFill>
         <p:spPr bwMode="auto">
           <a:xfrm>
-            <a:off x="381000" y="2192616"/>
-            <a:ext cx="3799672" cy="2839571"/>
+            <a:off x="8748956" y="2288754"/>
+            <a:ext cx="3440168" cy="2570906"/>
           </a:xfrm>
           <a:prstGeom prst="rect">
             <a:avLst/>
@@ -5593,10 +5588,10 @@
       </p:pic>
       <p:pic>
         <p:nvPicPr>
-          <p:cNvPr id="9220" name="Picture 4">
-            <a:extLst>
-              <a:ext uri="{FF2B5EF4-FFF2-40B4-BE49-F238E27FC236}">
-                <a16:creationId xmlns:a16="http://schemas.microsoft.com/office/drawing/2014/main" id="{3BF0C717-7C63-5106-78A9-5387E1BF8BC8}"/>
+          <p:cNvPr id="9222" name="Picture 6">
+            <a:extLst>
+              <a:ext uri="{FF2B5EF4-FFF2-40B4-BE49-F238E27FC236}">
+                <a16:creationId xmlns:a16="http://schemas.microsoft.com/office/drawing/2014/main" id="{6C3E0AE0-E070-2F42-B869-4DC4B1CEF01C}"/>
               </a:ext>
             </a:extLst>
           </p:cNvPr>
@@ -5620,8 +5615,8 @@
         </p:blipFill>
         <p:spPr bwMode="auto">
           <a:xfrm>
-            <a:off x="4272102" y="2192615"/>
-            <a:ext cx="3799673" cy="2839572"/>
+            <a:off x="5832637" y="2288754"/>
+            <a:ext cx="3440168" cy="2570906"/>
           </a:xfrm>
           <a:prstGeom prst="rect">
             <a:avLst/>
@@ -5640,10 +5635,10 @@
       </p:pic>
       <p:pic>
         <p:nvPicPr>
-          <p:cNvPr id="9222" name="Picture 6">
-            <a:extLst>
-              <a:ext uri="{FF2B5EF4-FFF2-40B4-BE49-F238E27FC236}">
-                <a16:creationId xmlns:a16="http://schemas.microsoft.com/office/drawing/2014/main" id="{6C3E0AE0-E070-2F42-B869-4DC4B1CEF01C}"/>
+          <p:cNvPr id="9220" name="Picture 4">
+            <a:extLst>
+              <a:ext uri="{FF2B5EF4-FFF2-40B4-BE49-F238E27FC236}">
+                <a16:creationId xmlns:a16="http://schemas.microsoft.com/office/drawing/2014/main" id="{3BF0C717-7C63-5106-78A9-5387E1BF8BC8}"/>
               </a:ext>
             </a:extLst>
           </p:cNvPr>
@@ -5667,8 +5662,55 @@
         </p:blipFill>
         <p:spPr bwMode="auto">
           <a:xfrm>
-            <a:off x="8163206" y="2192615"/>
-            <a:ext cx="3799673" cy="2839572"/>
+            <a:off x="2916318" y="2288754"/>
+            <a:ext cx="3440168" cy="2570906"/>
+          </a:xfrm>
+          <a:prstGeom prst="rect">
+            <a:avLst/>
+          </a:prstGeom>
+          <a:noFill/>
+          <a:extLst>
+            <a:ext uri="{909E8E84-426E-40DD-AFC4-6F175D3DCCD1}">
+              <a14:hiddenFill xmlns:a14="http://schemas.microsoft.com/office/drawing/2010/main">
+                <a:solidFill>
+                  <a:srgbClr val="FFFFFF"/>
+                </a:solidFill>
+              </a14:hiddenFill>
+            </a:ext>
+          </a:extLst>
+        </p:spPr>
+      </p:pic>
+      <p:pic>
+        <p:nvPicPr>
+          <p:cNvPr id="9218" name="Picture 2">
+            <a:extLst>
+              <a:ext uri="{FF2B5EF4-FFF2-40B4-BE49-F238E27FC236}">
+                <a16:creationId xmlns:a16="http://schemas.microsoft.com/office/drawing/2014/main" id="{A465A957-91CF-98C7-EF14-6B3D618A3ADE}"/>
+              </a:ext>
+            </a:extLst>
+          </p:cNvPr>
+          <p:cNvPicPr>
+            <a:picLocks noChangeAspect="1" noChangeArrowheads="1"/>
+          </p:cNvPicPr>
+          <p:nvPr/>
+        </p:nvPicPr>
+        <p:blipFill>
+          <a:blip r:embed="rId5">
+            <a:extLst>
+              <a:ext uri="{28A0092B-C50C-407E-A947-70E740481C1C}">
+                <a14:useLocalDpi xmlns:a14="http://schemas.microsoft.com/office/drawing/2010/main" val="0"/>
+              </a:ext>
+            </a:extLst>
+          </a:blip>
+          <a:srcRect/>
+          <a:stretch>
+            <a:fillRect/>
+          </a:stretch>
+        </p:blipFill>
+        <p:spPr bwMode="auto">
+          <a:xfrm>
+            <a:off x="0" y="2288754"/>
+            <a:ext cx="3440167" cy="2570905"/>
           </a:xfrm>
           <a:prstGeom prst="rect">
             <a:avLst/>

--- a/NLH.pptx
+++ b/NLH.pptx
@@ -5319,6 +5319,239 @@
           <a:chExt cx="0" cy="0"/>
         </a:xfrm>
       </p:grpSpPr>
+      <p:pic>
+        <p:nvPicPr>
+          <p:cNvPr id="3" name="Picture 8">
+            <a:extLst>
+              <a:ext uri="{FF2B5EF4-FFF2-40B4-BE49-F238E27FC236}">
+                <a16:creationId xmlns:a16="http://schemas.microsoft.com/office/drawing/2014/main" id="{AB600E3C-63A3-C9FC-F26F-B6FD5C723A31}"/>
+              </a:ext>
+            </a:extLst>
+          </p:cNvPr>
+          <p:cNvPicPr>
+            <a:picLocks noChangeAspect="1" noChangeArrowheads="1"/>
+          </p:cNvPicPr>
+          <p:nvPr/>
+        </p:nvPicPr>
+        <p:blipFill>
+          <a:blip r:embed="rId2">
+            <a:extLst>
+              <a:ext uri="{28A0092B-C50C-407E-A947-70E740481C1C}">
+                <a14:useLocalDpi xmlns:a14="http://schemas.microsoft.com/office/drawing/2010/main" val="0"/>
+              </a:ext>
+            </a:extLst>
+          </a:blip>
+          <a:srcRect/>
+          <a:stretch>
+            <a:fillRect/>
+          </a:stretch>
+        </p:blipFill>
+        <p:spPr bwMode="auto">
+          <a:xfrm>
+            <a:off x="145143" y="445093"/>
+            <a:ext cx="3607237" cy="6123090"/>
+          </a:xfrm>
+          <a:prstGeom prst="rect">
+            <a:avLst/>
+          </a:prstGeom>
+          <a:noFill/>
+          <a:extLst>
+            <a:ext uri="{909E8E84-426E-40DD-AFC4-6F175D3DCCD1}">
+              <a14:hiddenFill xmlns:a14="http://schemas.microsoft.com/office/drawing/2010/main">
+                <a:solidFill>
+                  <a:srgbClr val="FFFFFF"/>
+                </a:solidFill>
+              </a14:hiddenFill>
+            </a:ext>
+          </a:extLst>
+        </p:spPr>
+      </p:pic>
+      <p:pic>
+        <p:nvPicPr>
+          <p:cNvPr id="8194" name="Picture 2">
+            <a:extLst>
+              <a:ext uri="{FF2B5EF4-FFF2-40B4-BE49-F238E27FC236}">
+                <a16:creationId xmlns:a16="http://schemas.microsoft.com/office/drawing/2014/main" id="{08433AB2-2ED0-309E-B1CD-3DBCAAB7909F}"/>
+              </a:ext>
+            </a:extLst>
+          </p:cNvPr>
+          <p:cNvPicPr>
+            <a:picLocks noChangeAspect="1" noChangeArrowheads="1"/>
+          </p:cNvPicPr>
+          <p:nvPr/>
+        </p:nvPicPr>
+        <p:blipFill>
+          <a:blip r:embed="rId3">
+            <a:extLst>
+              <a:ext uri="{28A0092B-C50C-407E-A947-70E740481C1C}">
+                <a14:useLocalDpi xmlns:a14="http://schemas.microsoft.com/office/drawing/2010/main" val="0"/>
+              </a:ext>
+            </a:extLst>
+          </a:blip>
+          <a:srcRect/>
+          <a:stretch>
+            <a:fillRect/>
+          </a:stretch>
+        </p:blipFill>
+        <p:spPr bwMode="auto">
+          <a:xfrm>
+            <a:off x="2915236" y="445093"/>
+            <a:ext cx="3607237" cy="6123090"/>
+          </a:xfrm>
+          <a:prstGeom prst="rect">
+            <a:avLst/>
+          </a:prstGeom>
+          <a:noFill/>
+          <a:extLst>
+            <a:ext uri="{909E8E84-426E-40DD-AFC4-6F175D3DCCD1}">
+              <a14:hiddenFill xmlns:a14="http://schemas.microsoft.com/office/drawing/2010/main">
+                <a:solidFill>
+                  <a:srgbClr val="FFFFFF"/>
+                </a:solidFill>
+              </a14:hiddenFill>
+            </a:ext>
+          </a:extLst>
+        </p:spPr>
+      </p:pic>
+      <p:pic>
+        <p:nvPicPr>
+          <p:cNvPr id="8196" name="Picture 4">
+            <a:extLst>
+              <a:ext uri="{FF2B5EF4-FFF2-40B4-BE49-F238E27FC236}">
+                <a16:creationId xmlns:a16="http://schemas.microsoft.com/office/drawing/2014/main" id="{F988C09F-DB9F-C7D0-94B5-5A3190E5B6B1}"/>
+              </a:ext>
+            </a:extLst>
+          </p:cNvPr>
+          <p:cNvPicPr>
+            <a:picLocks noChangeAspect="1" noChangeArrowheads="1"/>
+          </p:cNvPicPr>
+          <p:nvPr/>
+        </p:nvPicPr>
+        <p:blipFill>
+          <a:blip r:embed="rId4">
+            <a:extLst>
+              <a:ext uri="{28A0092B-C50C-407E-A947-70E740481C1C}">
+                <a14:useLocalDpi xmlns:a14="http://schemas.microsoft.com/office/drawing/2010/main" val="0"/>
+              </a:ext>
+            </a:extLst>
+          </a:blip>
+          <a:srcRect/>
+          <a:stretch>
+            <a:fillRect/>
+          </a:stretch>
+        </p:blipFill>
+        <p:spPr bwMode="auto">
+          <a:xfrm>
+            <a:off x="5627614" y="445092"/>
+            <a:ext cx="3607237" cy="6123091"/>
+          </a:xfrm>
+          <a:prstGeom prst="rect">
+            <a:avLst/>
+          </a:prstGeom>
+          <a:noFill/>
+          <a:extLst>
+            <a:ext uri="{909E8E84-426E-40DD-AFC4-6F175D3DCCD1}">
+              <a14:hiddenFill xmlns:a14="http://schemas.microsoft.com/office/drawing/2010/main">
+                <a:solidFill>
+                  <a:srgbClr val="FFFFFF"/>
+                </a:solidFill>
+              </a14:hiddenFill>
+            </a:ext>
+          </a:extLst>
+        </p:spPr>
+      </p:pic>
+      <p:pic>
+        <p:nvPicPr>
+          <p:cNvPr id="4098" name="Picture 2">
+            <a:extLst>
+              <a:ext uri="{FF2B5EF4-FFF2-40B4-BE49-F238E27FC236}">
+                <a16:creationId xmlns:a16="http://schemas.microsoft.com/office/drawing/2014/main" id="{CF817409-8204-ECF4-EC22-49971CC54A11}"/>
+              </a:ext>
+            </a:extLst>
+          </p:cNvPr>
+          <p:cNvPicPr>
+            <a:picLocks noChangeAspect="1" noChangeArrowheads="1"/>
+          </p:cNvPicPr>
+          <p:nvPr/>
+        </p:nvPicPr>
+        <p:blipFill>
+          <a:blip r:embed="rId5">
+            <a:extLst>
+              <a:ext uri="{28A0092B-C50C-407E-A947-70E740481C1C}">
+                <a14:useLocalDpi xmlns:a14="http://schemas.microsoft.com/office/drawing/2010/main" val="0"/>
+              </a:ext>
+            </a:extLst>
+          </a:blip>
+          <a:srcRect/>
+          <a:stretch>
+            <a:fillRect/>
+          </a:stretch>
+        </p:blipFill>
+        <p:spPr bwMode="auto">
+          <a:xfrm>
+            <a:off x="8439620" y="445092"/>
+            <a:ext cx="3607237" cy="6123091"/>
+          </a:xfrm>
+          <a:prstGeom prst="rect">
+            <a:avLst/>
+          </a:prstGeom>
+          <a:noFill/>
+          <a:extLst>
+            <a:ext uri="{909E8E84-426E-40DD-AFC4-6F175D3DCCD1}">
+              <a14:hiddenFill xmlns:a14="http://schemas.microsoft.com/office/drawing/2010/main">
+                <a:solidFill>
+                  <a:srgbClr val="FFFFFF"/>
+                </a:solidFill>
+              </a14:hiddenFill>
+            </a:ext>
+          </a:extLst>
+        </p:spPr>
+      </p:pic>
+      <p:pic>
+        <p:nvPicPr>
+          <p:cNvPr id="4100" name="Picture 4">
+            <a:extLst>
+              <a:ext uri="{FF2B5EF4-FFF2-40B4-BE49-F238E27FC236}">
+                <a16:creationId xmlns:a16="http://schemas.microsoft.com/office/drawing/2014/main" id="{79F8C598-D7C8-8EF8-7A70-CD4A68FB8D77}"/>
+              </a:ext>
+            </a:extLst>
+          </p:cNvPr>
+          <p:cNvPicPr>
+            <a:picLocks noChangeAspect="1" noChangeArrowheads="1"/>
+          </p:cNvPicPr>
+          <p:nvPr/>
+        </p:nvPicPr>
+        <p:blipFill rotWithShape="1">
+          <a:blip r:embed="rId6">
+            <a:extLst>
+              <a:ext uri="{28A0092B-C50C-407E-A947-70E740481C1C}">
+                <a14:useLocalDpi xmlns:a14="http://schemas.microsoft.com/office/drawing/2010/main" val="0"/>
+              </a:ext>
+            </a:extLst>
+          </a:blip>
+          <a:srcRect b="66497"/>
+          <a:stretch/>
+        </p:blipFill>
+        <p:spPr bwMode="auto">
+          <a:xfrm>
+            <a:off x="8440837" y="2480925"/>
+            <a:ext cx="3607238" cy="2051424"/>
+          </a:xfrm>
+          <a:prstGeom prst="rect">
+            <a:avLst/>
+          </a:prstGeom>
+          <a:noFill/>
+          <a:extLst>
+            <a:ext uri="{909E8E84-426E-40DD-AFC4-6F175D3DCCD1}">
+              <a14:hiddenFill xmlns:a14="http://schemas.microsoft.com/office/drawing/2010/main">
+                <a:solidFill>
+                  <a:srgbClr val="FFFFFF"/>
+                </a:solidFill>
+              </a14:hiddenFill>
+            </a:ext>
+          </a:extLst>
+        </p:spPr>
+      </p:pic>
       <p:sp>
         <p:nvSpPr>
           <p:cNvPr id="2" name="Rectangle 1">
@@ -5368,147 +5601,6 @@
           </a:p>
         </p:txBody>
       </p:sp>
-      <p:pic>
-        <p:nvPicPr>
-          <p:cNvPr id="3" name="Picture 8">
-            <a:extLst>
-              <a:ext uri="{FF2B5EF4-FFF2-40B4-BE49-F238E27FC236}">
-                <a16:creationId xmlns:a16="http://schemas.microsoft.com/office/drawing/2014/main" id="{AB600E3C-63A3-C9FC-F26F-B6FD5C723A31}"/>
-              </a:ext>
-            </a:extLst>
-          </p:cNvPr>
-          <p:cNvPicPr>
-            <a:picLocks noChangeAspect="1" noChangeArrowheads="1"/>
-          </p:cNvPicPr>
-          <p:nvPr/>
-        </p:nvPicPr>
-        <p:blipFill>
-          <a:blip r:embed="rId2">
-            <a:extLst>
-              <a:ext uri="{28A0092B-C50C-407E-A947-70E740481C1C}">
-                <a14:useLocalDpi xmlns:a14="http://schemas.microsoft.com/office/drawing/2010/main" val="0"/>
-              </a:ext>
-            </a:extLst>
-          </a:blip>
-          <a:srcRect/>
-          <a:stretch>
-            <a:fillRect/>
-          </a:stretch>
-        </p:blipFill>
-        <p:spPr bwMode="auto">
-          <a:xfrm>
-            <a:off x="145143" y="445093"/>
-            <a:ext cx="3607237" cy="6123090"/>
-          </a:xfrm>
-          <a:prstGeom prst="rect">
-            <a:avLst/>
-          </a:prstGeom>
-          <a:noFill/>
-          <a:extLst>
-            <a:ext uri="{909E8E84-426E-40DD-AFC4-6F175D3DCCD1}">
-              <a14:hiddenFill xmlns:a14="http://schemas.microsoft.com/office/drawing/2010/main">
-                <a:solidFill>
-                  <a:srgbClr val="FFFFFF"/>
-                </a:solidFill>
-              </a14:hiddenFill>
-            </a:ext>
-          </a:extLst>
-        </p:spPr>
-      </p:pic>
-      <p:pic>
-        <p:nvPicPr>
-          <p:cNvPr id="8194" name="Picture 2">
-            <a:extLst>
-              <a:ext uri="{FF2B5EF4-FFF2-40B4-BE49-F238E27FC236}">
-                <a16:creationId xmlns:a16="http://schemas.microsoft.com/office/drawing/2014/main" id="{08433AB2-2ED0-309E-B1CD-3DBCAAB7909F}"/>
-              </a:ext>
-            </a:extLst>
-          </p:cNvPr>
-          <p:cNvPicPr>
-            <a:picLocks noChangeAspect="1" noChangeArrowheads="1"/>
-          </p:cNvPicPr>
-          <p:nvPr/>
-        </p:nvPicPr>
-        <p:blipFill>
-          <a:blip r:embed="rId3">
-            <a:extLst>
-              <a:ext uri="{28A0092B-C50C-407E-A947-70E740481C1C}">
-                <a14:useLocalDpi xmlns:a14="http://schemas.microsoft.com/office/drawing/2010/main" val="0"/>
-              </a:ext>
-            </a:extLst>
-          </a:blip>
-          <a:srcRect/>
-          <a:stretch>
-            <a:fillRect/>
-          </a:stretch>
-        </p:blipFill>
-        <p:spPr bwMode="auto">
-          <a:xfrm>
-            <a:off x="2915236" y="445093"/>
-            <a:ext cx="3607237" cy="6123090"/>
-          </a:xfrm>
-          <a:prstGeom prst="rect">
-            <a:avLst/>
-          </a:prstGeom>
-          <a:noFill/>
-          <a:extLst>
-            <a:ext uri="{909E8E84-426E-40DD-AFC4-6F175D3DCCD1}">
-              <a14:hiddenFill xmlns:a14="http://schemas.microsoft.com/office/drawing/2010/main">
-                <a:solidFill>
-                  <a:srgbClr val="FFFFFF"/>
-                </a:solidFill>
-              </a14:hiddenFill>
-            </a:ext>
-          </a:extLst>
-        </p:spPr>
-      </p:pic>
-      <p:pic>
-        <p:nvPicPr>
-          <p:cNvPr id="8196" name="Picture 4">
-            <a:extLst>
-              <a:ext uri="{FF2B5EF4-FFF2-40B4-BE49-F238E27FC236}">
-                <a16:creationId xmlns:a16="http://schemas.microsoft.com/office/drawing/2014/main" id="{F988C09F-DB9F-C7D0-94B5-5A3190E5B6B1}"/>
-              </a:ext>
-            </a:extLst>
-          </p:cNvPr>
-          <p:cNvPicPr>
-            <a:picLocks noChangeAspect="1" noChangeArrowheads="1"/>
-          </p:cNvPicPr>
-          <p:nvPr/>
-        </p:nvPicPr>
-        <p:blipFill>
-          <a:blip r:embed="rId4">
-            <a:extLst>
-              <a:ext uri="{28A0092B-C50C-407E-A947-70E740481C1C}">
-                <a14:useLocalDpi xmlns:a14="http://schemas.microsoft.com/office/drawing/2010/main" val="0"/>
-              </a:ext>
-            </a:extLst>
-          </a:blip>
-          <a:srcRect/>
-          <a:stretch>
-            <a:fillRect/>
-          </a:stretch>
-        </p:blipFill>
-        <p:spPr bwMode="auto">
-          <a:xfrm>
-            <a:off x="5685329" y="445093"/>
-            <a:ext cx="3607237" cy="6123091"/>
-          </a:xfrm>
-          <a:prstGeom prst="rect">
-            <a:avLst/>
-          </a:prstGeom>
-          <a:noFill/>
-          <a:extLst>
-            <a:ext uri="{909E8E84-426E-40DD-AFC4-6F175D3DCCD1}">
-              <a14:hiddenFill xmlns:a14="http://schemas.microsoft.com/office/drawing/2010/main">
-                <a:solidFill>
-                  <a:srgbClr val="FFFFFF"/>
-                </a:solidFill>
-              </a14:hiddenFill>
-            </a:ext>
-          </a:extLst>
-        </p:spPr>
-      </p:pic>
     </p:spTree>
     <p:extLst>
       <p:ext uri="{BB962C8B-B14F-4D97-AF65-F5344CB8AC3E}">

--- a/NLH.pptx
+++ b/NLH.pptx
@@ -5489,7 +5489,7 @@
         </p:blipFill>
         <p:spPr bwMode="auto">
           <a:xfrm>
-            <a:off x="8439620" y="445092"/>
+            <a:off x="8430994" y="445092"/>
             <a:ext cx="3607237" cy="6123091"/>
           </a:xfrm>
           <a:prstGeom prst="rect">
@@ -5598,6 +5598,110 @@
               <a:rPr lang="en-US" dirty="0"/>
               <a:t>Chi 2.8</a:t>
             </a:r>
+          </a:p>
+        </p:txBody>
+      </p:sp>
+      <p:sp>
+        <p:nvSpPr>
+          <p:cNvPr id="5" name="Rectangle 4">
+            <a:extLst>
+              <a:ext uri="{FF2B5EF4-FFF2-40B4-BE49-F238E27FC236}">
+                <a16:creationId xmlns:a16="http://schemas.microsoft.com/office/drawing/2014/main" id="{40082969-81DA-51ED-0CE3-73AECAD66881}"/>
+              </a:ext>
+            </a:extLst>
+          </p:cNvPr>
+          <p:cNvSpPr/>
+          <p:nvPr/>
+        </p:nvSpPr>
+        <p:spPr>
+          <a:xfrm>
+            <a:off x="9411419" y="638355"/>
+            <a:ext cx="1130060" cy="284672"/>
+          </a:xfrm>
+          <a:prstGeom prst="rect">
+            <a:avLst/>
+          </a:prstGeom>
+          <a:noFill/>
+          <a:ln w="57150">
+            <a:solidFill>
+              <a:srgbClr val="C00000"/>
+            </a:solidFill>
+          </a:ln>
+        </p:spPr>
+        <p:style>
+          <a:lnRef idx="2">
+            <a:schemeClr val="accent1">
+              <a:shade val="50000"/>
+            </a:schemeClr>
+          </a:lnRef>
+          <a:fillRef idx="1">
+            <a:schemeClr val="accent1"/>
+          </a:fillRef>
+          <a:effectRef idx="0">
+            <a:schemeClr val="accent1"/>
+          </a:effectRef>
+          <a:fontRef idx="minor">
+            <a:schemeClr val="lt1"/>
+          </a:fontRef>
+        </p:style>
+        <p:txBody>
+          <a:bodyPr rtlCol="0" anchor="ctr"/>
+          <a:lstStyle/>
+          <a:p>
+            <a:pPr algn="ctr"/>
+            <a:endParaRPr lang="en-US"/>
+          </a:p>
+        </p:txBody>
+      </p:sp>
+      <p:sp>
+        <p:nvSpPr>
+          <p:cNvPr id="6" name="Rectangle 5">
+            <a:extLst>
+              <a:ext uri="{FF2B5EF4-FFF2-40B4-BE49-F238E27FC236}">
+                <a16:creationId xmlns:a16="http://schemas.microsoft.com/office/drawing/2014/main" id="{08F3F8B3-2D70-6465-8D39-708ABDBAF55A}"/>
+              </a:ext>
+            </a:extLst>
+          </p:cNvPr>
+          <p:cNvSpPr/>
+          <p:nvPr/>
+        </p:nvSpPr>
+        <p:spPr>
+          <a:xfrm>
+            <a:off x="9486407" y="2674188"/>
+            <a:ext cx="1130060" cy="284672"/>
+          </a:xfrm>
+          <a:prstGeom prst="rect">
+            <a:avLst/>
+          </a:prstGeom>
+          <a:noFill/>
+          <a:ln w="57150">
+            <a:solidFill>
+              <a:srgbClr val="C00000"/>
+            </a:solidFill>
+          </a:ln>
+        </p:spPr>
+        <p:style>
+          <a:lnRef idx="2">
+            <a:schemeClr val="accent1">
+              <a:shade val="50000"/>
+            </a:schemeClr>
+          </a:lnRef>
+          <a:fillRef idx="1">
+            <a:schemeClr val="accent1"/>
+          </a:fillRef>
+          <a:effectRef idx="0">
+            <a:schemeClr val="accent1"/>
+          </a:effectRef>
+          <a:fontRef idx="minor">
+            <a:schemeClr val="lt1"/>
+          </a:fontRef>
+        </p:style>
+        <p:txBody>
+          <a:bodyPr rtlCol="0" anchor="ctr"/>
+          <a:lstStyle/>
+          <a:p>
+            <a:pPr algn="ctr"/>
+            <a:endParaRPr lang="en-US"/>
           </a:p>
         </p:txBody>
       </p:sp>

--- a/NLH.pptx
+++ b/NLH.pptx
@@ -5955,10 +5955,10 @@
       </p:grpSpPr>
       <p:pic>
         <p:nvPicPr>
-          <p:cNvPr id="2" name="Picture 6">
-            <a:extLst>
-              <a:ext uri="{FF2B5EF4-FFF2-40B4-BE49-F238E27FC236}">
-                <a16:creationId xmlns:a16="http://schemas.microsoft.com/office/drawing/2014/main" id="{2A90FBB0-89F9-271F-98C1-5741AF3249CF}"/>
+          <p:cNvPr id="4" name="Picture 12">
+            <a:extLst>
+              <a:ext uri="{FF2B5EF4-FFF2-40B4-BE49-F238E27FC236}">
+                <a16:creationId xmlns:a16="http://schemas.microsoft.com/office/drawing/2014/main" id="{26B17450-D751-34E1-140A-5ABDDCFD7377}"/>
               </a:ext>
             </a:extLst>
           </p:cNvPr>
@@ -5980,8 +5980,8 @@
         </p:blipFill>
         <p:spPr bwMode="auto">
           <a:xfrm>
-            <a:off x="8312315" y="1508983"/>
-            <a:ext cx="3607237" cy="2038132"/>
+            <a:off x="211673" y="1770143"/>
+            <a:ext cx="3607235" cy="2038132"/>
           </a:xfrm>
           <a:prstGeom prst="rect">
             <a:avLst/>
@@ -5998,96 +5998,6 @@
           </a:extLst>
         </p:spPr>
       </p:pic>
-      <p:pic>
-        <p:nvPicPr>
-          <p:cNvPr id="3" name="Picture 2">
-            <a:extLst>
-              <a:ext uri="{FF2B5EF4-FFF2-40B4-BE49-F238E27FC236}">
-                <a16:creationId xmlns:a16="http://schemas.microsoft.com/office/drawing/2014/main" id="{DE1F1D8B-079F-AE3E-AFF5-67EF0474DB12}"/>
-              </a:ext>
-            </a:extLst>
-          </p:cNvPr>
-          <p:cNvPicPr>
-            <a:picLocks noChangeAspect="1" noChangeArrowheads="1"/>
-          </p:cNvPicPr>
-          <p:nvPr/>
-        </p:nvPicPr>
-        <p:blipFill rotWithShape="1">
-          <a:blip r:embed="rId3">
-            <a:extLst>
-              <a:ext uri="{28A0092B-C50C-407E-A947-70E740481C1C}">
-                <a14:useLocalDpi xmlns:a14="http://schemas.microsoft.com/office/drawing/2010/main" val="0"/>
-              </a:ext>
-            </a:extLst>
-          </a:blip>
-          <a:srcRect b="66714"/>
-          <a:stretch/>
-        </p:blipFill>
-        <p:spPr bwMode="auto">
-          <a:xfrm>
-            <a:off x="4705080" y="1508983"/>
-            <a:ext cx="3607237" cy="2038132"/>
-          </a:xfrm>
-          <a:prstGeom prst="rect">
-            <a:avLst/>
-          </a:prstGeom>
-          <a:noFill/>
-          <a:extLst>
-            <a:ext uri="{909E8E84-426E-40DD-AFC4-6F175D3DCCD1}">
-              <a14:hiddenFill xmlns:a14="http://schemas.microsoft.com/office/drawing/2010/main">
-                <a:solidFill>
-                  <a:srgbClr val="FFFFFF"/>
-                </a:solidFill>
-              </a14:hiddenFill>
-            </a:ext>
-          </a:extLst>
-        </p:spPr>
-      </p:pic>
-      <p:pic>
-        <p:nvPicPr>
-          <p:cNvPr id="4" name="Picture 12">
-            <a:extLst>
-              <a:ext uri="{FF2B5EF4-FFF2-40B4-BE49-F238E27FC236}">
-                <a16:creationId xmlns:a16="http://schemas.microsoft.com/office/drawing/2014/main" id="{26B17450-D751-34E1-140A-5ABDDCFD7377}"/>
-              </a:ext>
-            </a:extLst>
-          </p:cNvPr>
-          <p:cNvPicPr>
-            <a:picLocks noChangeAspect="1" noChangeArrowheads="1"/>
-          </p:cNvPicPr>
-          <p:nvPr/>
-        </p:nvPicPr>
-        <p:blipFill rotWithShape="1">
-          <a:blip r:embed="rId4">
-            <a:extLst>
-              <a:ext uri="{28A0092B-C50C-407E-A947-70E740481C1C}">
-                <a14:useLocalDpi xmlns:a14="http://schemas.microsoft.com/office/drawing/2010/main" val="0"/>
-              </a:ext>
-            </a:extLst>
-          </a:blip>
-          <a:srcRect b="66714"/>
-          <a:stretch/>
-        </p:blipFill>
-        <p:spPr bwMode="auto">
-          <a:xfrm>
-            <a:off x="1097845" y="1508983"/>
-            <a:ext cx="3607235" cy="2038132"/>
-          </a:xfrm>
-          <a:prstGeom prst="rect">
-            <a:avLst/>
-          </a:prstGeom>
-          <a:noFill/>
-          <a:extLst>
-            <a:ext uri="{909E8E84-426E-40DD-AFC4-6F175D3DCCD1}">
-              <a14:hiddenFill xmlns:a14="http://schemas.microsoft.com/office/drawing/2010/main">
-                <a:solidFill>
-                  <a:srgbClr val="FFFFFF"/>
-                </a:solidFill>
-              </a14:hiddenFill>
-            </a:ext>
-          </a:extLst>
-        </p:spPr>
-      </p:pic>
       <p:sp>
         <p:nvSpPr>
           <p:cNvPr id="5" name="Freeform: Shape 4">
@@ -6102,7 +6012,7 @@
         </p:nvSpPr>
         <p:spPr>
           <a:xfrm>
-            <a:off x="1715764" y="2226257"/>
+            <a:off x="835637" y="2475519"/>
             <a:ext cx="1798731" cy="574862"/>
           </a:xfrm>
           <a:custGeom>
@@ -6185,7 +6095,7 @@
           <a:noFill/>
           <a:ln w="28575">
             <a:solidFill>
-              <a:srgbClr val="C00000"/>
+              <a:srgbClr val="FFC000"/>
             </a:solidFill>
           </a:ln>
         </p:spPr>
@@ -6216,6 +6126,94 @@
       </p:sp>
       <p:sp>
         <p:nvSpPr>
+          <p:cNvPr id="8" name="TextBox 7">
+            <a:extLst>
+              <a:ext uri="{FF2B5EF4-FFF2-40B4-BE49-F238E27FC236}">
+                <a16:creationId xmlns:a16="http://schemas.microsoft.com/office/drawing/2014/main" id="{E94419A6-1539-36F5-5DF2-1E0C2591A504}"/>
+              </a:ext>
+            </a:extLst>
+          </p:cNvPr>
+          <p:cNvSpPr txBox="1"/>
+          <p:nvPr/>
+        </p:nvSpPr>
+        <p:spPr>
+          <a:xfrm>
+            <a:off x="3634740" y="4297680"/>
+            <a:ext cx="3736792" cy="369332"/>
+          </a:xfrm>
+          <a:prstGeom prst="rect">
+            <a:avLst/>
+          </a:prstGeom>
+          <a:noFill/>
+        </p:spPr>
+        <p:txBody>
+          <a:bodyPr wrap="none" rtlCol="0">
+            <a:spAutoFit/>
+          </a:bodyPr>
+          <a:lstStyle/>
+          <a:p>
+            <a:r>
+              <a:rPr lang="en-US" dirty="0">
+                <a:solidFill>
+                  <a:srgbClr val="FF0000"/>
+                </a:solidFill>
+              </a:rPr>
+              <a:t>Traced b25v3 </a:t>
+            </a:r>
+            <a:r>
+              <a:rPr lang="en-US" dirty="0"/>
+              <a:t>and applied onto others</a:t>
+            </a:r>
+          </a:p>
+        </p:txBody>
+      </p:sp>
+      <p:pic>
+        <p:nvPicPr>
+          <p:cNvPr id="3" name="Picture 2">
+            <a:extLst>
+              <a:ext uri="{FF2B5EF4-FFF2-40B4-BE49-F238E27FC236}">
+                <a16:creationId xmlns:a16="http://schemas.microsoft.com/office/drawing/2014/main" id="{DE1F1D8B-079F-AE3E-AFF5-67EF0474DB12}"/>
+              </a:ext>
+            </a:extLst>
+          </p:cNvPr>
+          <p:cNvPicPr>
+            <a:picLocks noChangeAspect="1" noChangeArrowheads="1"/>
+          </p:cNvPicPr>
+          <p:nvPr/>
+        </p:nvPicPr>
+        <p:blipFill rotWithShape="1">
+          <a:blip r:embed="rId3">
+            <a:extLst>
+              <a:ext uri="{28A0092B-C50C-407E-A947-70E740481C1C}">
+                <a14:useLocalDpi xmlns:a14="http://schemas.microsoft.com/office/drawing/2010/main" val="0"/>
+              </a:ext>
+            </a:extLst>
+          </a:blip>
+          <a:srcRect b="66714"/>
+          <a:stretch/>
+        </p:blipFill>
+        <p:spPr bwMode="auto">
+          <a:xfrm>
+            <a:off x="2977712" y="1770143"/>
+            <a:ext cx="3607237" cy="2038132"/>
+          </a:xfrm>
+          <a:prstGeom prst="rect">
+            <a:avLst/>
+          </a:prstGeom>
+          <a:noFill/>
+          <a:extLst>
+            <a:ext uri="{909E8E84-426E-40DD-AFC4-6F175D3DCCD1}">
+              <a14:hiddenFill xmlns:a14="http://schemas.microsoft.com/office/drawing/2010/main">
+                <a:solidFill>
+                  <a:srgbClr val="FFFFFF"/>
+                </a:solidFill>
+              </a14:hiddenFill>
+            </a:ext>
+          </a:extLst>
+        </p:spPr>
+      </p:pic>
+      <p:sp>
+        <p:nvSpPr>
           <p:cNvPr id="6" name="Freeform: Shape 5">
             <a:extLst>
               <a:ext uri="{FF2B5EF4-FFF2-40B4-BE49-F238E27FC236}">
@@ -6228,7 +6226,7 @@
         </p:nvSpPr>
         <p:spPr>
           <a:xfrm>
-            <a:off x="5344677" y="2240618"/>
+            <a:off x="3600057" y="2501778"/>
             <a:ext cx="1798731" cy="574862"/>
           </a:xfrm>
           <a:custGeom>
@@ -6311,7 +6309,7 @@
           <a:noFill/>
           <a:ln w="28575">
             <a:solidFill>
-              <a:srgbClr val="C00000"/>
+              <a:srgbClr val="FFC000"/>
             </a:solidFill>
           </a:ln>
         </p:spPr>
@@ -6340,6 +6338,51 @@
           </a:p>
         </p:txBody>
       </p:sp>
+      <p:pic>
+        <p:nvPicPr>
+          <p:cNvPr id="2" name="Picture 6">
+            <a:extLst>
+              <a:ext uri="{FF2B5EF4-FFF2-40B4-BE49-F238E27FC236}">
+                <a16:creationId xmlns:a16="http://schemas.microsoft.com/office/drawing/2014/main" id="{2A90FBB0-89F9-271F-98C1-5741AF3249CF}"/>
+              </a:ext>
+            </a:extLst>
+          </p:cNvPr>
+          <p:cNvPicPr>
+            <a:picLocks noChangeAspect="1" noChangeArrowheads="1"/>
+          </p:cNvPicPr>
+          <p:nvPr/>
+        </p:nvPicPr>
+        <p:blipFill rotWithShape="1">
+          <a:blip r:embed="rId4">
+            <a:extLst>
+              <a:ext uri="{28A0092B-C50C-407E-A947-70E740481C1C}">
+                <a14:useLocalDpi xmlns:a14="http://schemas.microsoft.com/office/drawing/2010/main" val="0"/>
+              </a:ext>
+            </a:extLst>
+          </a:blip>
+          <a:srcRect b="66714"/>
+          <a:stretch/>
+        </p:blipFill>
+        <p:spPr bwMode="auto">
+          <a:xfrm>
+            <a:off x="5771709" y="1770143"/>
+            <a:ext cx="3607237" cy="2038132"/>
+          </a:xfrm>
+          <a:prstGeom prst="rect">
+            <a:avLst/>
+          </a:prstGeom>
+          <a:noFill/>
+          <a:extLst>
+            <a:ext uri="{909E8E84-426E-40DD-AFC4-6F175D3DCCD1}">
+              <a14:hiddenFill xmlns:a14="http://schemas.microsoft.com/office/drawing/2010/main">
+                <a:solidFill>
+                  <a:srgbClr val="FFFFFF"/>
+                </a:solidFill>
+              </a14:hiddenFill>
+            </a:ext>
+          </a:extLst>
+        </p:spPr>
+      </p:pic>
       <p:sp>
         <p:nvSpPr>
           <p:cNvPr id="7" name="Freeform: Shape 6">
@@ -6354,7 +6397,7 @@
         </p:nvSpPr>
         <p:spPr>
           <a:xfrm>
-            <a:off x="8928067" y="2301019"/>
+            <a:off x="6387461" y="2553553"/>
             <a:ext cx="1798731" cy="574862"/>
           </a:xfrm>
           <a:custGeom>
@@ -6437,7 +6480,7 @@
           <a:noFill/>
           <a:ln w="28575">
             <a:solidFill>
-              <a:srgbClr val="C00000"/>
+              <a:srgbClr val="FFC000"/>
             </a:solidFill>
           </a:ln>
         </p:spPr>
@@ -6466,12 +6509,183 @@
           </a:p>
         </p:txBody>
       </p:sp>
+      <p:pic>
+        <p:nvPicPr>
+          <p:cNvPr id="9" name="Picture 4">
+            <a:extLst>
+              <a:ext uri="{FF2B5EF4-FFF2-40B4-BE49-F238E27FC236}">
+                <a16:creationId xmlns:a16="http://schemas.microsoft.com/office/drawing/2014/main" id="{490295EA-E5B8-2A2C-5D84-EB711F808ED7}"/>
+              </a:ext>
+            </a:extLst>
+          </p:cNvPr>
+          <p:cNvPicPr>
+            <a:picLocks noChangeAspect="1" noChangeArrowheads="1"/>
+          </p:cNvPicPr>
+          <p:nvPr/>
+        </p:nvPicPr>
+        <p:blipFill rotWithShape="1">
+          <a:blip r:embed="rId5">
+            <a:extLst>
+              <a:ext uri="{28A0092B-C50C-407E-A947-70E740481C1C}">
+                <a14:useLocalDpi xmlns:a14="http://schemas.microsoft.com/office/drawing/2010/main" val="0"/>
+              </a:ext>
+            </a:extLst>
+          </a:blip>
+          <a:srcRect b="66497"/>
+          <a:stretch/>
+        </p:blipFill>
+        <p:spPr bwMode="auto">
+          <a:xfrm>
+            <a:off x="8565705" y="1763497"/>
+            <a:ext cx="3607238" cy="2051424"/>
+          </a:xfrm>
+          <a:prstGeom prst="rect">
+            <a:avLst/>
+          </a:prstGeom>
+          <a:noFill/>
+          <a:extLst>
+            <a:ext uri="{909E8E84-426E-40DD-AFC4-6F175D3DCCD1}">
+              <a14:hiddenFill xmlns:a14="http://schemas.microsoft.com/office/drawing/2010/main">
+                <a:solidFill>
+                  <a:srgbClr val="FFFFFF"/>
+                </a:solidFill>
+              </a14:hiddenFill>
+            </a:ext>
+          </a:extLst>
+        </p:spPr>
+      </p:pic>
       <p:sp>
         <p:nvSpPr>
-          <p:cNvPr id="8" name="TextBox 7">
-            <a:extLst>
-              <a:ext uri="{FF2B5EF4-FFF2-40B4-BE49-F238E27FC236}">
-                <a16:creationId xmlns:a16="http://schemas.microsoft.com/office/drawing/2014/main" id="{E94419A6-1539-36F5-5DF2-1E0C2591A504}"/>
+          <p:cNvPr id="10" name="Freeform: Shape 9">
+            <a:extLst>
+              <a:ext uri="{FF2B5EF4-FFF2-40B4-BE49-F238E27FC236}">
+                <a16:creationId xmlns:a16="http://schemas.microsoft.com/office/drawing/2014/main" id="{2C4116E4-1A1D-E853-1CC9-967343620925}"/>
+              </a:ext>
+            </a:extLst>
+          </p:cNvPr>
+          <p:cNvSpPr/>
+          <p:nvPr/>
+        </p:nvSpPr>
+        <p:spPr>
+          <a:xfrm>
+            <a:off x="9164981" y="2562177"/>
+            <a:ext cx="1798731" cy="574862"/>
+          </a:xfrm>
+          <a:custGeom>
+            <a:avLst/>
+            <a:gdLst>
+              <a:gd name="connsiteX0" fmla="*/ 0 w 1801906"/>
+              <a:gd name="connsiteY0" fmla="*/ 555812 h 555812"/>
+              <a:gd name="connsiteX1" fmla="*/ 726141 w 1801906"/>
+              <a:gd name="connsiteY1" fmla="*/ 179294 h 555812"/>
+              <a:gd name="connsiteX2" fmla="*/ 1801906 w 1801906"/>
+              <a:gd name="connsiteY2" fmla="*/ 0 h 555812"/>
+              <a:gd name="connsiteX0" fmla="*/ 0 w 1801906"/>
+              <a:gd name="connsiteY0" fmla="*/ 555812 h 555812"/>
+              <a:gd name="connsiteX1" fmla="*/ 726141 w 1801906"/>
+              <a:gd name="connsiteY1" fmla="*/ 179294 h 555812"/>
+              <a:gd name="connsiteX2" fmla="*/ 1801906 w 1801906"/>
+              <a:gd name="connsiteY2" fmla="*/ 0 h 555812"/>
+              <a:gd name="connsiteX0" fmla="*/ 0 w 1801906"/>
+              <a:gd name="connsiteY0" fmla="*/ 555812 h 555812"/>
+              <a:gd name="connsiteX1" fmla="*/ 745191 w 1801906"/>
+              <a:gd name="connsiteY1" fmla="*/ 185644 h 555812"/>
+              <a:gd name="connsiteX2" fmla="*/ 1801906 w 1801906"/>
+              <a:gd name="connsiteY2" fmla="*/ 0 h 555812"/>
+              <a:gd name="connsiteX0" fmla="*/ 0 w 1798731"/>
+              <a:gd name="connsiteY0" fmla="*/ 574862 h 574862"/>
+              <a:gd name="connsiteX1" fmla="*/ 742016 w 1798731"/>
+              <a:gd name="connsiteY1" fmla="*/ 185644 h 574862"/>
+              <a:gd name="connsiteX2" fmla="*/ 1798731 w 1798731"/>
+              <a:gd name="connsiteY2" fmla="*/ 0 h 574862"/>
+              <a:gd name="connsiteX0" fmla="*/ 0 w 1798731"/>
+              <a:gd name="connsiteY0" fmla="*/ 574862 h 574862"/>
+              <a:gd name="connsiteX1" fmla="*/ 742016 w 1798731"/>
+              <a:gd name="connsiteY1" fmla="*/ 185644 h 574862"/>
+              <a:gd name="connsiteX2" fmla="*/ 1798731 w 1798731"/>
+              <a:gd name="connsiteY2" fmla="*/ 0 h 574862"/>
+              <a:gd name="connsiteX0" fmla="*/ 0 w 1798731"/>
+              <a:gd name="connsiteY0" fmla="*/ 574862 h 574862"/>
+              <a:gd name="connsiteX1" fmla="*/ 767416 w 1798731"/>
+              <a:gd name="connsiteY1" fmla="*/ 182469 h 574862"/>
+              <a:gd name="connsiteX2" fmla="*/ 1798731 w 1798731"/>
+              <a:gd name="connsiteY2" fmla="*/ 0 h 574862"/>
+              <a:gd name="connsiteX0" fmla="*/ 0 w 1798731"/>
+              <a:gd name="connsiteY0" fmla="*/ 574862 h 574862"/>
+              <a:gd name="connsiteX1" fmla="*/ 773766 w 1798731"/>
+              <a:gd name="connsiteY1" fmla="*/ 172944 h 574862"/>
+              <a:gd name="connsiteX2" fmla="*/ 1798731 w 1798731"/>
+              <a:gd name="connsiteY2" fmla="*/ 0 h 574862"/>
+            </a:gdLst>
+            <a:ahLst/>
+            <a:cxnLst>
+              <a:cxn ang="0">
+                <a:pos x="connsiteX0" y="connsiteY0"/>
+              </a:cxn>
+              <a:cxn ang="0">
+                <a:pos x="connsiteX1" y="connsiteY1"/>
+              </a:cxn>
+              <a:cxn ang="0">
+                <a:pos x="connsiteX2" y="connsiteY2"/>
+              </a:cxn>
+            </a:cxnLst>
+            <a:rect l="l" t="t" r="r" b="b"/>
+            <a:pathLst>
+              <a:path w="1798731" h="574862">
+                <a:moveTo>
+                  <a:pt x="0" y="574862"/>
+                </a:moveTo>
+                <a:cubicBezTo>
+                  <a:pt x="212911" y="423395"/>
+                  <a:pt x="473448" y="265579"/>
+                  <a:pt x="773766" y="172944"/>
+                </a:cubicBezTo>
+                <a:cubicBezTo>
+                  <a:pt x="1074084" y="80309"/>
+                  <a:pt x="1538568" y="24466"/>
+                  <a:pt x="1798731" y="0"/>
+                </a:cubicBezTo>
+              </a:path>
+            </a:pathLst>
+          </a:custGeom>
+          <a:noFill/>
+          <a:ln w="28575">
+            <a:solidFill>
+              <a:srgbClr val="FFC000"/>
+            </a:solidFill>
+          </a:ln>
+        </p:spPr>
+        <p:style>
+          <a:lnRef idx="2">
+            <a:schemeClr val="accent1">
+              <a:shade val="50000"/>
+            </a:schemeClr>
+          </a:lnRef>
+          <a:fillRef idx="1">
+            <a:schemeClr val="accent1"/>
+          </a:fillRef>
+          <a:effectRef idx="0">
+            <a:schemeClr val="accent1"/>
+          </a:effectRef>
+          <a:fontRef idx="minor">
+            <a:schemeClr val="lt1"/>
+          </a:fontRef>
+        </p:style>
+        <p:txBody>
+          <a:bodyPr rtlCol="0" anchor="ctr"/>
+          <a:lstStyle/>
+          <a:p>
+            <a:pPr algn="ctr"/>
+            <a:endParaRPr lang="en-US"/>
+          </a:p>
+        </p:txBody>
+      </p:sp>
+      <p:sp>
+        <p:nvSpPr>
+          <p:cNvPr id="11" name="TextBox 10">
+            <a:extLst>
+              <a:ext uri="{FF2B5EF4-FFF2-40B4-BE49-F238E27FC236}">
+                <a16:creationId xmlns:a16="http://schemas.microsoft.com/office/drawing/2014/main" id="{ECA70833-27BD-177F-6C98-0A67F3FBF559}"/>
               </a:ext>
             </a:extLst>
           </p:cNvPr>
@@ -6480,8 +6694,8 @@
         </p:nvSpPr>
         <p:spPr>
           <a:xfrm>
-            <a:off x="3634740" y="4297680"/>
-            <a:ext cx="4930965" cy="369332"/>
+            <a:off x="2652124" y="4764667"/>
+            <a:ext cx="6584949" cy="646331"/>
           </a:xfrm>
           <a:prstGeom prst="rect">
             <a:avLst/>
@@ -6489,22 +6703,14 @@
           <a:noFill/>
         </p:spPr>
         <p:txBody>
-          <a:bodyPr wrap="none" rtlCol="0">
+          <a:bodyPr wrap="square" rtlCol="0">
             <a:spAutoFit/>
           </a:bodyPr>
           <a:lstStyle/>
           <a:p>
             <a:r>
-              <a:rPr lang="en-US" dirty="0">
-                <a:solidFill>
-                  <a:srgbClr val="FF0000"/>
-                </a:solidFill>
-              </a:rPr>
-              <a:t>Traced b25v3 </a:t>
-            </a:r>
-            <a:r>
               <a:rPr lang="en-US" dirty="0"/>
-              <a:t>and applied onto v2. Nearly identical</a:t>
+              <a:t>Decreasing v0 leads to better behavior at the cost of less realistic polymer density profiles. Need to increase b0 to compensate.</a:t>
             </a:r>
           </a:p>
         </p:txBody>

--- a/NLH.pptx
+++ b/NLH.pptx
@@ -5,7 +5,7 @@
     <p:sldMasterId id="2147483648" r:id="rId1"/>
   </p:sldMasterIdLst>
   <p:notesMasterIdLst>
-    <p:notesMasterId r:id="rId19"/>
+    <p:notesMasterId r:id="rId20"/>
   </p:notesMasterIdLst>
   <p:sldIdLst>
     <p:sldId id="260" r:id="rId2"/>
@@ -24,7 +24,8 @@
     <p:sldId id="270" r:id="rId15"/>
     <p:sldId id="273" r:id="rId16"/>
     <p:sldId id="274" r:id="rId17"/>
-    <p:sldId id="275" r:id="rId18"/>
+    <p:sldId id="276" r:id="rId18"/>
+    <p:sldId id="275" r:id="rId19"/>
   </p:sldIdLst>
   <p:sldSz cx="12192000" cy="6858000"/>
   <p:notesSz cx="6858000" cy="9144000"/>
@@ -5955,10 +5956,245 @@
       </p:grpSpPr>
       <p:pic>
         <p:nvPicPr>
-          <p:cNvPr id="4" name="Picture 12">
-            <a:extLst>
-              <a:ext uri="{FF2B5EF4-FFF2-40B4-BE49-F238E27FC236}">
-                <a16:creationId xmlns:a16="http://schemas.microsoft.com/office/drawing/2014/main" id="{26B17450-D751-34E1-140A-5ABDDCFD7377}"/>
+          <p:cNvPr id="7" name="Picture 6">
+            <a:extLst>
+              <a:ext uri="{FF2B5EF4-FFF2-40B4-BE49-F238E27FC236}">
+                <a16:creationId xmlns:a16="http://schemas.microsoft.com/office/drawing/2014/main" id="{9C5C8019-A0D9-9D81-DE6C-F0B0709171A8}"/>
+              </a:ext>
+            </a:extLst>
+          </p:cNvPr>
+          <p:cNvPicPr>
+            <a:picLocks noChangeAspect="1"/>
+          </p:cNvPicPr>
+          <p:nvPr/>
+        </p:nvPicPr>
+        <p:blipFill>
+          <a:blip r:embed="rId2"/>
+          <a:stretch>
+            <a:fillRect/>
+          </a:stretch>
+        </p:blipFill>
+        <p:spPr>
+          <a:xfrm>
+            <a:off x="4300349" y="3738741"/>
+            <a:ext cx="4178008" cy="1642223"/>
+          </a:xfrm>
+          <a:prstGeom prst="rect">
+            <a:avLst/>
+          </a:prstGeom>
+        </p:spPr>
+      </p:pic>
+      <p:sp>
+        <p:nvSpPr>
+          <p:cNvPr id="2" name="Title 1">
+            <a:extLst>
+              <a:ext uri="{FF2B5EF4-FFF2-40B4-BE49-F238E27FC236}">
+                <a16:creationId xmlns:a16="http://schemas.microsoft.com/office/drawing/2014/main" id="{5BF38505-AE92-A12D-A9BD-9AC30E6BCC71}"/>
+              </a:ext>
+            </a:extLst>
+          </p:cNvPr>
+          <p:cNvSpPr>
+            <a:spLocks noGrp="1"/>
+          </p:cNvSpPr>
+          <p:nvPr>
+            <p:ph type="ctrTitle"/>
+          </p:nvPr>
+        </p:nvSpPr>
+        <p:spPr/>
+        <p:txBody>
+          <a:bodyPr/>
+          <a:lstStyle/>
+          <a:p>
+            <a:r>
+              <a:rPr lang="en-US" dirty="0"/>
+              <a:t>b = 2.00</a:t>
+            </a:r>
+          </a:p>
+        </p:txBody>
+      </p:sp>
+      <p:pic>
+        <p:nvPicPr>
+          <p:cNvPr id="5" name="Picture 4">
+            <a:extLst>
+              <a:ext uri="{FF2B5EF4-FFF2-40B4-BE49-F238E27FC236}">
+                <a16:creationId xmlns:a16="http://schemas.microsoft.com/office/drawing/2014/main" id="{A09E908E-99B8-AE50-0388-ADDEE479736E}"/>
+              </a:ext>
+            </a:extLst>
+          </p:cNvPr>
+          <p:cNvPicPr>
+            <a:picLocks noChangeAspect="1"/>
+          </p:cNvPicPr>
+          <p:nvPr/>
+        </p:nvPicPr>
+        <p:blipFill>
+          <a:blip r:embed="rId3"/>
+          <a:stretch>
+            <a:fillRect/>
+          </a:stretch>
+        </p:blipFill>
+        <p:spPr>
+          <a:xfrm>
+            <a:off x="5512806" y="5555412"/>
+            <a:ext cx="1776199" cy="860346"/>
+          </a:xfrm>
+          <a:prstGeom prst="rect">
+            <a:avLst/>
+          </a:prstGeom>
+        </p:spPr>
+      </p:pic>
+      <p:pic>
+        <p:nvPicPr>
+          <p:cNvPr id="4" name="Picture 3">
+            <a:extLst>
+              <a:ext uri="{FF2B5EF4-FFF2-40B4-BE49-F238E27FC236}">
+                <a16:creationId xmlns:a16="http://schemas.microsoft.com/office/drawing/2014/main" id="{543543B8-8BAD-816B-9591-B77799AC40BF}"/>
+              </a:ext>
+            </a:extLst>
+          </p:cNvPr>
+          <p:cNvPicPr>
+            <a:picLocks noChangeAspect="1"/>
+          </p:cNvPicPr>
+          <p:nvPr/>
+        </p:nvPicPr>
+        <p:blipFill>
+          <a:blip r:embed="rId4"/>
+          <a:stretch>
+            <a:fillRect/>
+          </a:stretch>
+        </p:blipFill>
+        <p:spPr>
+          <a:xfrm>
+            <a:off x="8290145" y="3738741"/>
+            <a:ext cx="946032" cy="1640587"/>
+          </a:xfrm>
+          <a:prstGeom prst="rect">
+            <a:avLst/>
+          </a:prstGeom>
+        </p:spPr>
+      </p:pic>
+      <p:sp>
+        <p:nvSpPr>
+          <p:cNvPr id="6" name="Rectangle 5">
+            <a:extLst>
+              <a:ext uri="{FF2B5EF4-FFF2-40B4-BE49-F238E27FC236}">
+                <a16:creationId xmlns:a16="http://schemas.microsoft.com/office/drawing/2014/main" id="{D04FACE8-945A-0284-E900-A693243FFD7F}"/>
+              </a:ext>
+            </a:extLst>
+          </p:cNvPr>
+          <p:cNvSpPr/>
+          <p:nvPr/>
+        </p:nvSpPr>
+        <p:spPr>
+          <a:xfrm>
+            <a:off x="4382269" y="5089583"/>
+            <a:ext cx="4917006" cy="291381"/>
+          </a:xfrm>
+          <a:prstGeom prst="rect">
+            <a:avLst/>
+          </a:prstGeom>
+          <a:noFill/>
+          <a:ln w="57150">
+            <a:solidFill>
+              <a:srgbClr val="C00000"/>
+            </a:solidFill>
+          </a:ln>
+        </p:spPr>
+        <p:style>
+          <a:lnRef idx="2">
+            <a:schemeClr val="accent1">
+              <a:shade val="50000"/>
+            </a:schemeClr>
+          </a:lnRef>
+          <a:fillRef idx="1">
+            <a:schemeClr val="accent1"/>
+          </a:fillRef>
+          <a:effectRef idx="0">
+            <a:schemeClr val="accent1"/>
+          </a:effectRef>
+          <a:fontRef idx="minor">
+            <a:schemeClr val="lt1"/>
+          </a:fontRef>
+        </p:style>
+        <p:txBody>
+          <a:bodyPr rtlCol="0" anchor="ctr"/>
+          <a:lstStyle/>
+          <a:p>
+            <a:pPr algn="ctr"/>
+            <a:endParaRPr lang="en-US"/>
+          </a:p>
+        </p:txBody>
+      </p:sp>
+      <p:sp>
+        <p:nvSpPr>
+          <p:cNvPr id="8" name="TextBox 7">
+            <a:extLst>
+              <a:ext uri="{FF2B5EF4-FFF2-40B4-BE49-F238E27FC236}">
+                <a16:creationId xmlns:a16="http://schemas.microsoft.com/office/drawing/2014/main" id="{83FB05FB-CF17-9A9F-777C-AB54901911C8}"/>
+              </a:ext>
+            </a:extLst>
+          </p:cNvPr>
+          <p:cNvSpPr txBox="1"/>
+          <p:nvPr/>
+        </p:nvSpPr>
+        <p:spPr>
+          <a:xfrm>
+            <a:off x="5512806" y="6405540"/>
+            <a:ext cx="1505540" cy="369332"/>
+          </a:xfrm>
+          <a:prstGeom prst="rect">
+            <a:avLst/>
+          </a:prstGeom>
+          <a:noFill/>
+        </p:spPr>
+        <p:txBody>
+          <a:bodyPr wrap="none" rtlCol="0">
+            <a:spAutoFit/>
+          </a:bodyPr>
+          <a:lstStyle/>
+          <a:p>
+            <a:r>
+              <a:rPr lang="en-US" dirty="0"/>
+              <a:t>v4 = 0.25*b^3</a:t>
+            </a:r>
+          </a:p>
+        </p:txBody>
+      </p:sp>
+    </p:spTree>
+    <p:extLst>
+      <p:ext uri="{BB962C8B-B14F-4D97-AF65-F5344CB8AC3E}">
+        <p14:creationId xmlns:p14="http://schemas.microsoft.com/office/powerpoint/2010/main" val="1501618209"/>
+      </p:ext>
+    </p:extLst>
+  </p:cSld>
+  <p:clrMapOvr>
+    <a:masterClrMapping/>
+  </p:clrMapOvr>
+</p:sld>
+</file>
+
+<file path=ppt/slides/slide18.xml><?xml version="1.0" encoding="utf-8"?>
+<p:sld xmlns:a="http://schemas.openxmlformats.org/drawingml/2006/main" xmlns:r="http://schemas.openxmlformats.org/officeDocument/2006/relationships" xmlns:p="http://schemas.openxmlformats.org/presentationml/2006/main">
+  <p:cSld>
+    <p:spTree>
+      <p:nvGrpSpPr>
+        <p:cNvPr id="1" name=""/>
+        <p:cNvGrpSpPr/>
+        <p:nvPr/>
+      </p:nvGrpSpPr>
+      <p:grpSpPr>
+        <a:xfrm>
+          <a:off x="0" y="0"/>
+          <a:ext cx="0" cy="0"/>
+          <a:chOff x="0" y="0"/>
+          <a:chExt cx="0" cy="0"/>
+        </a:xfrm>
+      </p:grpSpPr>
+      <p:pic>
+        <p:nvPicPr>
+          <p:cNvPr id="16" name="Picture 10">
+            <a:extLst>
+              <a:ext uri="{FF2B5EF4-FFF2-40B4-BE49-F238E27FC236}">
+                <a16:creationId xmlns:a16="http://schemas.microsoft.com/office/drawing/2014/main" id="{7F3EAF3A-DAFE-F815-5348-733C52BE5BCC}"/>
               </a:ext>
             </a:extLst>
           </p:cNvPr>
@@ -5980,8 +6216,8 @@
         </p:blipFill>
         <p:spPr bwMode="auto">
           <a:xfrm>
-            <a:off x="211673" y="1770143"/>
-            <a:ext cx="3607235" cy="2038132"/>
+            <a:off x="1419912" y="514247"/>
+            <a:ext cx="3607237" cy="2038132"/>
           </a:xfrm>
           <a:prstGeom prst="rect">
             <a:avLst/>
@@ -5998,6 +6234,141 @@
           </a:extLst>
         </p:spPr>
       </p:pic>
+      <p:pic>
+        <p:nvPicPr>
+          <p:cNvPr id="15" name="Picture 14">
+            <a:extLst>
+              <a:ext uri="{FF2B5EF4-FFF2-40B4-BE49-F238E27FC236}">
+                <a16:creationId xmlns:a16="http://schemas.microsoft.com/office/drawing/2014/main" id="{59520540-465D-5105-6AD2-F09277509D6F}"/>
+              </a:ext>
+            </a:extLst>
+          </p:cNvPr>
+          <p:cNvPicPr>
+            <a:picLocks noChangeAspect="1" noChangeArrowheads="1"/>
+          </p:cNvPicPr>
+          <p:nvPr/>
+        </p:nvPicPr>
+        <p:blipFill rotWithShape="1">
+          <a:blip r:embed="rId3">
+            <a:extLst>
+              <a:ext uri="{28A0092B-C50C-407E-A947-70E740481C1C}">
+                <a14:useLocalDpi xmlns:a14="http://schemas.microsoft.com/office/drawing/2010/main" val="0"/>
+              </a:ext>
+            </a:extLst>
+          </a:blip>
+          <a:srcRect b="66714"/>
+          <a:stretch/>
+        </p:blipFill>
+        <p:spPr bwMode="auto">
+          <a:xfrm>
+            <a:off x="4180250" y="498434"/>
+            <a:ext cx="3607237" cy="2038132"/>
+          </a:xfrm>
+          <a:prstGeom prst="rect">
+            <a:avLst/>
+          </a:prstGeom>
+          <a:noFill/>
+          <a:extLst>
+            <a:ext uri="{909E8E84-426E-40DD-AFC4-6F175D3DCCD1}">
+              <a14:hiddenFill xmlns:a14="http://schemas.microsoft.com/office/drawing/2010/main">
+                <a:solidFill>
+                  <a:srgbClr val="FFFFFF"/>
+                </a:solidFill>
+              </a14:hiddenFill>
+            </a:ext>
+          </a:extLst>
+        </p:spPr>
+      </p:pic>
+      <p:pic>
+        <p:nvPicPr>
+          <p:cNvPr id="4" name="Picture 12">
+            <a:extLst>
+              <a:ext uri="{FF2B5EF4-FFF2-40B4-BE49-F238E27FC236}">
+                <a16:creationId xmlns:a16="http://schemas.microsoft.com/office/drawing/2014/main" id="{26B17450-D751-34E1-140A-5ABDDCFD7377}"/>
+              </a:ext>
+            </a:extLst>
+          </p:cNvPr>
+          <p:cNvPicPr>
+            <a:picLocks noChangeAspect="1" noChangeArrowheads="1"/>
+          </p:cNvPicPr>
+          <p:nvPr/>
+        </p:nvPicPr>
+        <p:blipFill rotWithShape="1">
+          <a:blip r:embed="rId4">
+            <a:extLst>
+              <a:ext uri="{28A0092B-C50C-407E-A947-70E740481C1C}">
+                <a14:useLocalDpi xmlns:a14="http://schemas.microsoft.com/office/drawing/2010/main" val="0"/>
+              </a:ext>
+            </a:extLst>
+          </a:blip>
+          <a:srcRect b="66714"/>
+          <a:stretch/>
+        </p:blipFill>
+        <p:spPr bwMode="auto">
+          <a:xfrm>
+            <a:off x="1418154" y="2640867"/>
+            <a:ext cx="3607235" cy="2038132"/>
+          </a:xfrm>
+          <a:prstGeom prst="rect">
+            <a:avLst/>
+          </a:prstGeom>
+          <a:noFill/>
+          <a:extLst>
+            <a:ext uri="{909E8E84-426E-40DD-AFC4-6F175D3DCCD1}">
+              <a14:hiddenFill xmlns:a14="http://schemas.microsoft.com/office/drawing/2010/main">
+                <a:solidFill>
+                  <a:srgbClr val="FFFFFF"/>
+                </a:solidFill>
+              </a14:hiddenFill>
+            </a:ext>
+          </a:extLst>
+        </p:spPr>
+      </p:pic>
+      <p:pic>
+        <p:nvPicPr>
+          <p:cNvPr id="13" name="Picture 2">
+            <a:extLst>
+              <a:ext uri="{FF2B5EF4-FFF2-40B4-BE49-F238E27FC236}">
+                <a16:creationId xmlns:a16="http://schemas.microsoft.com/office/drawing/2014/main" id="{42E175D4-D41C-3838-A5D9-41BEFE25FB13}"/>
+              </a:ext>
+            </a:extLst>
+          </p:cNvPr>
+          <p:cNvPicPr>
+            <a:picLocks noChangeAspect="1" noChangeArrowheads="1"/>
+          </p:cNvPicPr>
+          <p:nvPr/>
+        </p:nvPicPr>
+        <p:blipFill rotWithShape="1">
+          <a:blip r:embed="rId5">
+            <a:extLst>
+              <a:ext uri="{28A0092B-C50C-407E-A947-70E740481C1C}">
+                <a14:useLocalDpi xmlns:a14="http://schemas.microsoft.com/office/drawing/2010/main" val="0"/>
+              </a:ext>
+            </a:extLst>
+          </a:blip>
+          <a:srcRect b="66714"/>
+          <a:stretch/>
+        </p:blipFill>
+        <p:spPr bwMode="auto">
+          <a:xfrm>
+            <a:off x="4180251" y="2634221"/>
+            <a:ext cx="3607237" cy="2038132"/>
+          </a:xfrm>
+          <a:prstGeom prst="rect">
+            <a:avLst/>
+          </a:prstGeom>
+          <a:noFill/>
+          <a:extLst>
+            <a:ext uri="{909E8E84-426E-40DD-AFC4-6F175D3DCCD1}">
+              <a14:hiddenFill xmlns:a14="http://schemas.microsoft.com/office/drawing/2010/main">
+                <a:solidFill>
+                  <a:srgbClr val="FFFFFF"/>
+                </a:solidFill>
+              </a14:hiddenFill>
+            </a:ext>
+          </a:extLst>
+        </p:spPr>
+      </p:pic>
       <p:sp>
         <p:nvSpPr>
           <p:cNvPr id="5" name="Freeform: Shape 4">
@@ -6012,7 +6383,7 @@
         </p:nvSpPr>
         <p:spPr>
           <a:xfrm>
-            <a:off x="835637" y="2475519"/>
+            <a:off x="2019259" y="3348223"/>
             <a:ext cx="1798731" cy="574862"/>
           </a:xfrm>
           <a:custGeom>
@@ -6138,7 +6509,7 @@
         </p:nvSpPr>
         <p:spPr>
           <a:xfrm>
-            <a:off x="3634740" y="4297680"/>
+            <a:off x="3653797" y="4937471"/>
             <a:ext cx="3736792" cy="369332"/>
           </a:xfrm>
           <a:prstGeom prst="rect">
@@ -6167,51 +6538,6 @@
           </a:p>
         </p:txBody>
       </p:sp>
-      <p:pic>
-        <p:nvPicPr>
-          <p:cNvPr id="3" name="Picture 2">
-            <a:extLst>
-              <a:ext uri="{FF2B5EF4-FFF2-40B4-BE49-F238E27FC236}">
-                <a16:creationId xmlns:a16="http://schemas.microsoft.com/office/drawing/2014/main" id="{DE1F1D8B-079F-AE3E-AFF5-67EF0474DB12}"/>
-              </a:ext>
-            </a:extLst>
-          </p:cNvPr>
-          <p:cNvPicPr>
-            <a:picLocks noChangeAspect="1" noChangeArrowheads="1"/>
-          </p:cNvPicPr>
-          <p:nvPr/>
-        </p:nvPicPr>
-        <p:blipFill rotWithShape="1">
-          <a:blip r:embed="rId3">
-            <a:extLst>
-              <a:ext uri="{28A0092B-C50C-407E-A947-70E740481C1C}">
-                <a14:useLocalDpi xmlns:a14="http://schemas.microsoft.com/office/drawing/2010/main" val="0"/>
-              </a:ext>
-            </a:extLst>
-          </a:blip>
-          <a:srcRect b="66714"/>
-          <a:stretch/>
-        </p:blipFill>
-        <p:spPr bwMode="auto">
-          <a:xfrm>
-            <a:off x="2977712" y="1770143"/>
-            <a:ext cx="3607237" cy="2038132"/>
-          </a:xfrm>
-          <a:prstGeom prst="rect">
-            <a:avLst/>
-          </a:prstGeom>
-          <a:noFill/>
-          <a:extLst>
-            <a:ext uri="{909E8E84-426E-40DD-AFC4-6F175D3DCCD1}">
-              <a14:hiddenFill xmlns:a14="http://schemas.microsoft.com/office/drawing/2010/main">
-                <a:solidFill>
-                  <a:srgbClr val="FFFFFF"/>
-                </a:solidFill>
-              </a14:hiddenFill>
-            </a:ext>
-          </a:extLst>
-        </p:spPr>
-      </p:pic>
       <p:sp>
         <p:nvSpPr>
           <p:cNvPr id="6" name="Freeform: Shape 5">
@@ -6226,7 +6552,7 @@
         </p:nvSpPr>
         <p:spPr>
           <a:xfrm>
-            <a:off x="3600057" y="2501778"/>
+            <a:off x="4783679" y="3357230"/>
             <a:ext cx="1798731" cy="574862"/>
           </a:xfrm>
           <a:custGeom>
@@ -6353,7 +6679,7 @@
           <p:nvPr/>
         </p:nvPicPr>
         <p:blipFill rotWithShape="1">
-          <a:blip r:embed="rId4">
+          <a:blip r:embed="rId6">
             <a:extLst>
               <a:ext uri="{28A0092B-C50C-407E-A947-70E740481C1C}">
                 <a14:useLocalDpi xmlns:a14="http://schemas.microsoft.com/office/drawing/2010/main" val="0"/>
@@ -6365,7 +6691,7 @@
         </p:blipFill>
         <p:spPr bwMode="auto">
           <a:xfrm>
-            <a:off x="5771709" y="1770143"/>
+            <a:off x="6962956" y="432405"/>
             <a:ext cx="3607237" cy="2038132"/>
           </a:xfrm>
           <a:prstGeom prst="rect">
@@ -6397,7 +6723,7 @@
         </p:nvSpPr>
         <p:spPr>
           <a:xfrm>
-            <a:off x="6387461" y="2553553"/>
+            <a:off x="7578708" y="1215815"/>
             <a:ext cx="1798731" cy="574862"/>
           </a:xfrm>
           <a:custGeom>
@@ -6524,7 +6850,7 @@
           <p:nvPr/>
         </p:nvPicPr>
         <p:blipFill rotWithShape="1">
-          <a:blip r:embed="rId5">
+          <a:blip r:embed="rId7">
             <a:extLst>
               <a:ext uri="{28A0092B-C50C-407E-A947-70E740481C1C}">
                 <a14:useLocalDpi xmlns:a14="http://schemas.microsoft.com/office/drawing/2010/main" val="0"/>
@@ -6536,7 +6862,7 @@
         </p:blipFill>
         <p:spPr bwMode="auto">
           <a:xfrm>
-            <a:off x="8565705" y="1763497"/>
+            <a:off x="6982458" y="2634221"/>
             <a:ext cx="3607238" cy="2051424"/>
           </a:xfrm>
           <a:prstGeom prst="rect">
@@ -6568,7 +6894,7 @@
         </p:nvSpPr>
         <p:spPr>
           <a:xfrm>
-            <a:off x="9164981" y="2562177"/>
+            <a:off x="7581734" y="3432901"/>
             <a:ext cx="1798731" cy="574862"/>
           </a:xfrm>
           <a:custGeom>
@@ -6694,7 +7020,7 @@
         </p:nvSpPr>
         <p:spPr>
           <a:xfrm>
-            <a:off x="2652124" y="4764667"/>
+            <a:off x="2671181" y="5404458"/>
             <a:ext cx="6584949" cy="646331"/>
           </a:xfrm>
           <a:prstGeom prst="rect">
@@ -6712,6 +7038,258 @@
               <a:rPr lang="en-US" dirty="0"/>
               <a:t>Decreasing v0 leads to better behavior at the cost of less realistic polymer density profiles. Need to increase b0 to compensate.</a:t>
             </a:r>
+          </a:p>
+        </p:txBody>
+      </p:sp>
+      <p:sp>
+        <p:nvSpPr>
+          <p:cNvPr id="17" name="Freeform: Shape 16">
+            <a:extLst>
+              <a:ext uri="{FF2B5EF4-FFF2-40B4-BE49-F238E27FC236}">
+                <a16:creationId xmlns:a16="http://schemas.microsoft.com/office/drawing/2014/main" id="{843B7771-DCC8-16FA-081A-E385F135F8AD}"/>
+              </a:ext>
+            </a:extLst>
+          </p:cNvPr>
+          <p:cNvSpPr/>
+          <p:nvPr/>
+        </p:nvSpPr>
+        <p:spPr>
+          <a:xfrm>
+            <a:off x="2019258" y="1233067"/>
+            <a:ext cx="1798731" cy="574862"/>
+          </a:xfrm>
+          <a:custGeom>
+            <a:avLst/>
+            <a:gdLst>
+              <a:gd name="connsiteX0" fmla="*/ 0 w 1801906"/>
+              <a:gd name="connsiteY0" fmla="*/ 555812 h 555812"/>
+              <a:gd name="connsiteX1" fmla="*/ 726141 w 1801906"/>
+              <a:gd name="connsiteY1" fmla="*/ 179294 h 555812"/>
+              <a:gd name="connsiteX2" fmla="*/ 1801906 w 1801906"/>
+              <a:gd name="connsiteY2" fmla="*/ 0 h 555812"/>
+              <a:gd name="connsiteX0" fmla="*/ 0 w 1801906"/>
+              <a:gd name="connsiteY0" fmla="*/ 555812 h 555812"/>
+              <a:gd name="connsiteX1" fmla="*/ 726141 w 1801906"/>
+              <a:gd name="connsiteY1" fmla="*/ 179294 h 555812"/>
+              <a:gd name="connsiteX2" fmla="*/ 1801906 w 1801906"/>
+              <a:gd name="connsiteY2" fmla="*/ 0 h 555812"/>
+              <a:gd name="connsiteX0" fmla="*/ 0 w 1801906"/>
+              <a:gd name="connsiteY0" fmla="*/ 555812 h 555812"/>
+              <a:gd name="connsiteX1" fmla="*/ 745191 w 1801906"/>
+              <a:gd name="connsiteY1" fmla="*/ 185644 h 555812"/>
+              <a:gd name="connsiteX2" fmla="*/ 1801906 w 1801906"/>
+              <a:gd name="connsiteY2" fmla="*/ 0 h 555812"/>
+              <a:gd name="connsiteX0" fmla="*/ 0 w 1798731"/>
+              <a:gd name="connsiteY0" fmla="*/ 574862 h 574862"/>
+              <a:gd name="connsiteX1" fmla="*/ 742016 w 1798731"/>
+              <a:gd name="connsiteY1" fmla="*/ 185644 h 574862"/>
+              <a:gd name="connsiteX2" fmla="*/ 1798731 w 1798731"/>
+              <a:gd name="connsiteY2" fmla="*/ 0 h 574862"/>
+              <a:gd name="connsiteX0" fmla="*/ 0 w 1798731"/>
+              <a:gd name="connsiteY0" fmla="*/ 574862 h 574862"/>
+              <a:gd name="connsiteX1" fmla="*/ 742016 w 1798731"/>
+              <a:gd name="connsiteY1" fmla="*/ 185644 h 574862"/>
+              <a:gd name="connsiteX2" fmla="*/ 1798731 w 1798731"/>
+              <a:gd name="connsiteY2" fmla="*/ 0 h 574862"/>
+              <a:gd name="connsiteX0" fmla="*/ 0 w 1798731"/>
+              <a:gd name="connsiteY0" fmla="*/ 574862 h 574862"/>
+              <a:gd name="connsiteX1" fmla="*/ 767416 w 1798731"/>
+              <a:gd name="connsiteY1" fmla="*/ 182469 h 574862"/>
+              <a:gd name="connsiteX2" fmla="*/ 1798731 w 1798731"/>
+              <a:gd name="connsiteY2" fmla="*/ 0 h 574862"/>
+              <a:gd name="connsiteX0" fmla="*/ 0 w 1798731"/>
+              <a:gd name="connsiteY0" fmla="*/ 574862 h 574862"/>
+              <a:gd name="connsiteX1" fmla="*/ 773766 w 1798731"/>
+              <a:gd name="connsiteY1" fmla="*/ 172944 h 574862"/>
+              <a:gd name="connsiteX2" fmla="*/ 1798731 w 1798731"/>
+              <a:gd name="connsiteY2" fmla="*/ 0 h 574862"/>
+            </a:gdLst>
+            <a:ahLst/>
+            <a:cxnLst>
+              <a:cxn ang="0">
+                <a:pos x="connsiteX0" y="connsiteY0"/>
+              </a:cxn>
+              <a:cxn ang="0">
+                <a:pos x="connsiteX1" y="connsiteY1"/>
+              </a:cxn>
+              <a:cxn ang="0">
+                <a:pos x="connsiteX2" y="connsiteY2"/>
+              </a:cxn>
+            </a:cxnLst>
+            <a:rect l="l" t="t" r="r" b="b"/>
+            <a:pathLst>
+              <a:path w="1798731" h="574862">
+                <a:moveTo>
+                  <a:pt x="0" y="574862"/>
+                </a:moveTo>
+                <a:cubicBezTo>
+                  <a:pt x="212911" y="423395"/>
+                  <a:pt x="473448" y="265579"/>
+                  <a:pt x="773766" y="172944"/>
+                </a:cubicBezTo>
+                <a:cubicBezTo>
+                  <a:pt x="1074084" y="80309"/>
+                  <a:pt x="1538568" y="24466"/>
+                  <a:pt x="1798731" y="0"/>
+                </a:cubicBezTo>
+              </a:path>
+            </a:pathLst>
+          </a:custGeom>
+          <a:noFill/>
+          <a:ln w="28575">
+            <a:solidFill>
+              <a:srgbClr val="FFC000"/>
+            </a:solidFill>
+          </a:ln>
+        </p:spPr>
+        <p:style>
+          <a:lnRef idx="2">
+            <a:schemeClr val="accent1">
+              <a:shade val="50000"/>
+            </a:schemeClr>
+          </a:lnRef>
+          <a:fillRef idx="1">
+            <a:schemeClr val="accent1"/>
+          </a:fillRef>
+          <a:effectRef idx="0">
+            <a:schemeClr val="accent1"/>
+          </a:effectRef>
+          <a:fontRef idx="minor">
+            <a:schemeClr val="lt1"/>
+          </a:fontRef>
+        </p:style>
+        <p:txBody>
+          <a:bodyPr rtlCol="0" anchor="ctr"/>
+          <a:lstStyle/>
+          <a:p>
+            <a:pPr algn="ctr"/>
+            <a:endParaRPr lang="en-US"/>
+          </a:p>
+        </p:txBody>
+      </p:sp>
+      <p:sp>
+        <p:nvSpPr>
+          <p:cNvPr id="18" name="Freeform: Shape 17">
+            <a:extLst>
+              <a:ext uri="{FF2B5EF4-FFF2-40B4-BE49-F238E27FC236}">
+                <a16:creationId xmlns:a16="http://schemas.microsoft.com/office/drawing/2014/main" id="{89D828F2-58AB-16DC-4180-371EB6DB4A24}"/>
+              </a:ext>
+            </a:extLst>
+          </p:cNvPr>
+          <p:cNvSpPr/>
+          <p:nvPr/>
+        </p:nvSpPr>
+        <p:spPr>
+          <a:xfrm>
+            <a:off x="4793338" y="1237000"/>
+            <a:ext cx="1798731" cy="574862"/>
+          </a:xfrm>
+          <a:custGeom>
+            <a:avLst/>
+            <a:gdLst>
+              <a:gd name="connsiteX0" fmla="*/ 0 w 1801906"/>
+              <a:gd name="connsiteY0" fmla="*/ 555812 h 555812"/>
+              <a:gd name="connsiteX1" fmla="*/ 726141 w 1801906"/>
+              <a:gd name="connsiteY1" fmla="*/ 179294 h 555812"/>
+              <a:gd name="connsiteX2" fmla="*/ 1801906 w 1801906"/>
+              <a:gd name="connsiteY2" fmla="*/ 0 h 555812"/>
+              <a:gd name="connsiteX0" fmla="*/ 0 w 1801906"/>
+              <a:gd name="connsiteY0" fmla="*/ 555812 h 555812"/>
+              <a:gd name="connsiteX1" fmla="*/ 726141 w 1801906"/>
+              <a:gd name="connsiteY1" fmla="*/ 179294 h 555812"/>
+              <a:gd name="connsiteX2" fmla="*/ 1801906 w 1801906"/>
+              <a:gd name="connsiteY2" fmla="*/ 0 h 555812"/>
+              <a:gd name="connsiteX0" fmla="*/ 0 w 1801906"/>
+              <a:gd name="connsiteY0" fmla="*/ 555812 h 555812"/>
+              <a:gd name="connsiteX1" fmla="*/ 745191 w 1801906"/>
+              <a:gd name="connsiteY1" fmla="*/ 185644 h 555812"/>
+              <a:gd name="connsiteX2" fmla="*/ 1801906 w 1801906"/>
+              <a:gd name="connsiteY2" fmla="*/ 0 h 555812"/>
+              <a:gd name="connsiteX0" fmla="*/ 0 w 1798731"/>
+              <a:gd name="connsiteY0" fmla="*/ 574862 h 574862"/>
+              <a:gd name="connsiteX1" fmla="*/ 742016 w 1798731"/>
+              <a:gd name="connsiteY1" fmla="*/ 185644 h 574862"/>
+              <a:gd name="connsiteX2" fmla="*/ 1798731 w 1798731"/>
+              <a:gd name="connsiteY2" fmla="*/ 0 h 574862"/>
+              <a:gd name="connsiteX0" fmla="*/ 0 w 1798731"/>
+              <a:gd name="connsiteY0" fmla="*/ 574862 h 574862"/>
+              <a:gd name="connsiteX1" fmla="*/ 742016 w 1798731"/>
+              <a:gd name="connsiteY1" fmla="*/ 185644 h 574862"/>
+              <a:gd name="connsiteX2" fmla="*/ 1798731 w 1798731"/>
+              <a:gd name="connsiteY2" fmla="*/ 0 h 574862"/>
+              <a:gd name="connsiteX0" fmla="*/ 0 w 1798731"/>
+              <a:gd name="connsiteY0" fmla="*/ 574862 h 574862"/>
+              <a:gd name="connsiteX1" fmla="*/ 767416 w 1798731"/>
+              <a:gd name="connsiteY1" fmla="*/ 182469 h 574862"/>
+              <a:gd name="connsiteX2" fmla="*/ 1798731 w 1798731"/>
+              <a:gd name="connsiteY2" fmla="*/ 0 h 574862"/>
+              <a:gd name="connsiteX0" fmla="*/ 0 w 1798731"/>
+              <a:gd name="connsiteY0" fmla="*/ 574862 h 574862"/>
+              <a:gd name="connsiteX1" fmla="*/ 773766 w 1798731"/>
+              <a:gd name="connsiteY1" fmla="*/ 172944 h 574862"/>
+              <a:gd name="connsiteX2" fmla="*/ 1798731 w 1798731"/>
+              <a:gd name="connsiteY2" fmla="*/ 0 h 574862"/>
+            </a:gdLst>
+            <a:ahLst/>
+            <a:cxnLst>
+              <a:cxn ang="0">
+                <a:pos x="connsiteX0" y="connsiteY0"/>
+              </a:cxn>
+              <a:cxn ang="0">
+                <a:pos x="connsiteX1" y="connsiteY1"/>
+              </a:cxn>
+              <a:cxn ang="0">
+                <a:pos x="connsiteX2" y="connsiteY2"/>
+              </a:cxn>
+            </a:cxnLst>
+            <a:rect l="l" t="t" r="r" b="b"/>
+            <a:pathLst>
+              <a:path w="1798731" h="574862">
+                <a:moveTo>
+                  <a:pt x="0" y="574862"/>
+                </a:moveTo>
+                <a:cubicBezTo>
+                  <a:pt x="212911" y="423395"/>
+                  <a:pt x="473448" y="265579"/>
+                  <a:pt x="773766" y="172944"/>
+                </a:cubicBezTo>
+                <a:cubicBezTo>
+                  <a:pt x="1074084" y="80309"/>
+                  <a:pt x="1538568" y="24466"/>
+                  <a:pt x="1798731" y="0"/>
+                </a:cubicBezTo>
+              </a:path>
+            </a:pathLst>
+          </a:custGeom>
+          <a:noFill/>
+          <a:ln w="28575">
+            <a:solidFill>
+              <a:srgbClr val="FFC000"/>
+            </a:solidFill>
+          </a:ln>
+        </p:spPr>
+        <p:style>
+          <a:lnRef idx="2">
+            <a:schemeClr val="accent1">
+              <a:shade val="50000"/>
+            </a:schemeClr>
+          </a:lnRef>
+          <a:fillRef idx="1">
+            <a:schemeClr val="accent1"/>
+          </a:fillRef>
+          <a:effectRef idx="0">
+            <a:schemeClr val="accent1"/>
+          </a:effectRef>
+          <a:fontRef idx="minor">
+            <a:schemeClr val="lt1"/>
+          </a:fontRef>
+        </p:style>
+        <p:txBody>
+          <a:bodyPr rtlCol="0" anchor="ctr"/>
+          <a:lstStyle/>
+          <a:p>
+            <a:pPr algn="ctr"/>
+            <a:endParaRPr lang="en-US"/>
           </a:p>
         </p:txBody>
       </p:sp>

--- a/NLH.pptx
+++ b/NLH.pptx
@@ -5,7 +5,7 @@
     <p:sldMasterId id="2147483648" r:id="rId1"/>
   </p:sldMasterIdLst>
   <p:notesMasterIdLst>
-    <p:notesMasterId r:id="rId20"/>
+    <p:notesMasterId r:id="rId21"/>
   </p:notesMasterIdLst>
   <p:sldIdLst>
     <p:sldId id="260" r:id="rId2"/>
@@ -25,7 +25,8 @@
     <p:sldId id="273" r:id="rId16"/>
     <p:sldId id="274" r:id="rId17"/>
     <p:sldId id="276" r:id="rId18"/>
-    <p:sldId id="275" r:id="rId19"/>
+    <p:sldId id="277" r:id="rId19"/>
+    <p:sldId id="275" r:id="rId20"/>
   </p:sldIdLst>
   <p:sldSz cx="12192000" cy="6858000"/>
   <p:notesSz cx="6858000" cy="9144000"/>
@@ -6173,6 +6174,36 @@
 </file>
 
 <file path=ppt/slides/slide18.xml><?xml version="1.0" encoding="utf-8"?>
+<p:sld xmlns:a="http://schemas.openxmlformats.org/drawingml/2006/main" xmlns:r="http://schemas.openxmlformats.org/officeDocument/2006/relationships" xmlns:p="http://schemas.openxmlformats.org/presentationml/2006/main">
+  <p:cSld>
+    <p:spTree>
+      <p:nvGrpSpPr>
+        <p:cNvPr id="1" name=""/>
+        <p:cNvGrpSpPr/>
+        <p:nvPr/>
+      </p:nvGrpSpPr>
+      <p:grpSpPr>
+        <a:xfrm>
+          <a:off x="0" y="0"/>
+          <a:ext cx="0" cy="0"/>
+          <a:chOff x="0" y="0"/>
+          <a:chExt cx="0" cy="0"/>
+        </a:xfrm>
+      </p:grpSpPr>
+    </p:spTree>
+    <p:extLst>
+      <p:ext uri="{BB962C8B-B14F-4D97-AF65-F5344CB8AC3E}">
+        <p14:creationId xmlns:p14="http://schemas.microsoft.com/office/powerpoint/2010/main" val="2328876616"/>
+      </p:ext>
+    </p:extLst>
+  </p:cSld>
+  <p:clrMapOvr>
+    <a:masterClrMapping/>
+  </p:clrMapOvr>
+</p:sld>
+</file>
+
+<file path=ppt/slides/slide19.xml><?xml version="1.0" encoding="utf-8"?>
 <p:sld xmlns:a="http://schemas.openxmlformats.org/drawingml/2006/main" xmlns:r="http://schemas.openxmlformats.org/officeDocument/2006/relationships" xmlns:p="http://schemas.openxmlformats.org/presentationml/2006/main">
   <p:cSld>
     <p:spTree>

--- a/NLH.pptx
+++ b/NLH.pptx
@@ -5,7 +5,7 @@
     <p:sldMasterId id="2147483648" r:id="rId1"/>
   </p:sldMasterIdLst>
   <p:notesMasterIdLst>
-    <p:notesMasterId r:id="rId21"/>
+    <p:notesMasterId r:id="rId23"/>
   </p:notesMasterIdLst>
   <p:sldIdLst>
     <p:sldId id="260" r:id="rId2"/>
@@ -26,7 +26,9 @@
     <p:sldId id="274" r:id="rId17"/>
     <p:sldId id="276" r:id="rId18"/>
     <p:sldId id="277" r:id="rId19"/>
-    <p:sldId id="275" r:id="rId20"/>
+    <p:sldId id="278" r:id="rId20"/>
+    <p:sldId id="279" r:id="rId21"/>
+    <p:sldId id="275" r:id="rId22"/>
   </p:sldIdLst>
   <p:sldSz cx="12192000" cy="6858000"/>
   <p:notesSz cx="6858000" cy="9144000"/>
@@ -215,7 +217,7 @@
           <a:p>
             <a:fld id="{CD589C0A-3A09-49C7-BF5E-A18753F65EB4}" type="datetimeFigureOut">
               <a:rPr lang="en-US" smtClean="0"/>
-              <a:t>11/2/2022</a:t>
+              <a:t>11/3/2022</a:t>
             </a:fld>
             <a:endParaRPr lang="en-US"/>
           </a:p>
@@ -629,7 +631,7 @@
           <a:p>
             <a:fld id="{BCCF18D8-6DFB-4CDA-AE1C-8F66D1E20DFB}" type="datetimeFigureOut">
               <a:rPr lang="en-US" smtClean="0"/>
-              <a:t>11/2/2022</a:t>
+              <a:t>11/3/2022</a:t>
             </a:fld>
             <a:endParaRPr lang="en-US"/>
           </a:p>
@@ -827,7 +829,7 @@
           <a:p>
             <a:fld id="{BCCF18D8-6DFB-4CDA-AE1C-8F66D1E20DFB}" type="datetimeFigureOut">
               <a:rPr lang="en-US" smtClean="0"/>
-              <a:t>11/2/2022</a:t>
+              <a:t>11/3/2022</a:t>
             </a:fld>
             <a:endParaRPr lang="en-US"/>
           </a:p>
@@ -1035,7 +1037,7 @@
           <a:p>
             <a:fld id="{BCCF18D8-6DFB-4CDA-AE1C-8F66D1E20DFB}" type="datetimeFigureOut">
               <a:rPr lang="en-US" smtClean="0"/>
-              <a:t>11/2/2022</a:t>
+              <a:t>11/3/2022</a:t>
             </a:fld>
             <a:endParaRPr lang="en-US"/>
           </a:p>
@@ -1233,7 +1235,7 @@
           <a:p>
             <a:fld id="{BCCF18D8-6DFB-4CDA-AE1C-8F66D1E20DFB}" type="datetimeFigureOut">
               <a:rPr lang="en-US" smtClean="0"/>
-              <a:t>11/2/2022</a:t>
+              <a:t>11/3/2022</a:t>
             </a:fld>
             <a:endParaRPr lang="en-US"/>
           </a:p>
@@ -1508,7 +1510,7 @@
           <a:p>
             <a:fld id="{BCCF18D8-6DFB-4CDA-AE1C-8F66D1E20DFB}" type="datetimeFigureOut">
               <a:rPr lang="en-US" smtClean="0"/>
-              <a:t>11/2/2022</a:t>
+              <a:t>11/3/2022</a:t>
             </a:fld>
             <a:endParaRPr lang="en-US"/>
           </a:p>
@@ -1773,7 +1775,7 @@
           <a:p>
             <a:fld id="{BCCF18D8-6DFB-4CDA-AE1C-8F66D1E20DFB}" type="datetimeFigureOut">
               <a:rPr lang="en-US" smtClean="0"/>
-              <a:t>11/2/2022</a:t>
+              <a:t>11/3/2022</a:t>
             </a:fld>
             <a:endParaRPr lang="en-US"/>
           </a:p>
@@ -2185,7 +2187,7 @@
           <a:p>
             <a:fld id="{BCCF18D8-6DFB-4CDA-AE1C-8F66D1E20DFB}" type="datetimeFigureOut">
               <a:rPr lang="en-US" smtClean="0"/>
-              <a:t>11/2/2022</a:t>
+              <a:t>11/3/2022</a:t>
             </a:fld>
             <a:endParaRPr lang="en-US"/>
           </a:p>
@@ -2326,7 +2328,7 @@
           <a:p>
             <a:fld id="{BCCF18D8-6DFB-4CDA-AE1C-8F66D1E20DFB}" type="datetimeFigureOut">
               <a:rPr lang="en-US" smtClean="0"/>
-              <a:t>11/2/2022</a:t>
+              <a:t>11/3/2022</a:t>
             </a:fld>
             <a:endParaRPr lang="en-US"/>
           </a:p>
@@ -2439,7 +2441,7 @@
           <a:p>
             <a:fld id="{BCCF18D8-6DFB-4CDA-AE1C-8F66D1E20DFB}" type="datetimeFigureOut">
               <a:rPr lang="en-US" smtClean="0"/>
-              <a:t>11/2/2022</a:t>
+              <a:t>11/3/2022</a:t>
             </a:fld>
             <a:endParaRPr lang="en-US"/>
           </a:p>
@@ -2750,7 +2752,7 @@
           <a:p>
             <a:fld id="{BCCF18D8-6DFB-4CDA-AE1C-8F66D1E20DFB}" type="datetimeFigureOut">
               <a:rPr lang="en-US" smtClean="0"/>
-              <a:t>11/2/2022</a:t>
+              <a:t>11/3/2022</a:t>
             </a:fld>
             <a:endParaRPr lang="en-US"/>
           </a:p>
@@ -3038,7 +3040,7 @@
           <a:p>
             <a:fld id="{BCCF18D8-6DFB-4CDA-AE1C-8F66D1E20DFB}" type="datetimeFigureOut">
               <a:rPr lang="en-US" smtClean="0"/>
-              <a:t>11/2/2022</a:t>
+              <a:t>11/3/2022</a:t>
             </a:fld>
             <a:endParaRPr lang="en-US"/>
           </a:p>
@@ -3279,7 +3281,7 @@
           <a:p>
             <a:fld id="{BCCF18D8-6DFB-4CDA-AE1C-8F66D1E20DFB}" type="datetimeFigureOut">
               <a:rPr lang="en-US" smtClean="0"/>
-              <a:t>11/2/2022</a:t>
+              <a:t>11/3/2022</a:t>
             </a:fld>
             <a:endParaRPr lang="en-US"/>
           </a:p>
@@ -5509,51 +5511,6 @@
           </a:extLst>
         </p:spPr>
       </p:pic>
-      <p:pic>
-        <p:nvPicPr>
-          <p:cNvPr id="4100" name="Picture 4">
-            <a:extLst>
-              <a:ext uri="{FF2B5EF4-FFF2-40B4-BE49-F238E27FC236}">
-                <a16:creationId xmlns:a16="http://schemas.microsoft.com/office/drawing/2014/main" id="{79F8C598-D7C8-8EF8-7A70-CD4A68FB8D77}"/>
-              </a:ext>
-            </a:extLst>
-          </p:cNvPr>
-          <p:cNvPicPr>
-            <a:picLocks noChangeAspect="1" noChangeArrowheads="1"/>
-          </p:cNvPicPr>
-          <p:nvPr/>
-        </p:nvPicPr>
-        <p:blipFill rotWithShape="1">
-          <a:blip r:embed="rId6">
-            <a:extLst>
-              <a:ext uri="{28A0092B-C50C-407E-A947-70E740481C1C}">
-                <a14:useLocalDpi xmlns:a14="http://schemas.microsoft.com/office/drawing/2010/main" val="0"/>
-              </a:ext>
-            </a:extLst>
-          </a:blip>
-          <a:srcRect b="66497"/>
-          <a:stretch/>
-        </p:blipFill>
-        <p:spPr bwMode="auto">
-          <a:xfrm>
-            <a:off x="8440837" y="2480925"/>
-            <a:ext cx="3607238" cy="2051424"/>
-          </a:xfrm>
-          <a:prstGeom prst="rect">
-            <a:avLst/>
-          </a:prstGeom>
-          <a:noFill/>
-          <a:extLst>
-            <a:ext uri="{909E8E84-426E-40DD-AFC4-6F175D3DCCD1}">
-              <a14:hiddenFill xmlns:a14="http://schemas.microsoft.com/office/drawing/2010/main">
-                <a:solidFill>
-                  <a:srgbClr val="FFFFFF"/>
-                </a:solidFill>
-              </a14:hiddenFill>
-            </a:ext>
-          </a:extLst>
-        </p:spPr>
-      </p:pic>
       <p:sp>
         <p:nvSpPr>
           <p:cNvPr id="2" name="Rectangle 1">
@@ -5655,6 +5612,51 @@
           </a:p>
         </p:txBody>
       </p:sp>
+      <p:pic>
+        <p:nvPicPr>
+          <p:cNvPr id="7" name="Picture 4">
+            <a:extLst>
+              <a:ext uri="{FF2B5EF4-FFF2-40B4-BE49-F238E27FC236}">
+                <a16:creationId xmlns:a16="http://schemas.microsoft.com/office/drawing/2014/main" id="{F9724E8F-6CAD-5C51-2F99-17146927546D}"/>
+              </a:ext>
+            </a:extLst>
+          </p:cNvPr>
+          <p:cNvPicPr>
+            <a:picLocks noChangeAspect="1" noChangeArrowheads="1"/>
+          </p:cNvPicPr>
+          <p:nvPr/>
+        </p:nvPicPr>
+        <p:blipFill rotWithShape="1">
+          <a:blip r:embed="rId6">
+            <a:extLst>
+              <a:ext uri="{28A0092B-C50C-407E-A947-70E740481C1C}">
+                <a14:useLocalDpi xmlns:a14="http://schemas.microsoft.com/office/drawing/2010/main" val="0"/>
+              </a:ext>
+            </a:extLst>
+          </a:blip>
+          <a:srcRect b="66541"/>
+          <a:stretch/>
+        </p:blipFill>
+        <p:spPr bwMode="auto">
+          <a:xfrm>
+            <a:off x="8477289" y="2265265"/>
+            <a:ext cx="3514645" cy="2004809"/>
+          </a:xfrm>
+          <a:prstGeom prst="rect">
+            <a:avLst/>
+          </a:prstGeom>
+          <a:noFill/>
+          <a:extLst>
+            <a:ext uri="{909E8E84-426E-40DD-AFC4-6F175D3DCCD1}">
+              <a14:hiddenFill xmlns:a14="http://schemas.microsoft.com/office/drawing/2010/main">
+                <a:solidFill>
+                  <a:srgbClr val="FFFFFF"/>
+                </a:solidFill>
+              </a14:hiddenFill>
+            </a:ext>
+          </a:extLst>
+        </p:spPr>
+      </p:pic>
       <p:sp>
         <p:nvSpPr>
           <p:cNvPr id="6" name="Rectangle 5">
@@ -5669,7 +5671,7 @@
         </p:nvSpPr>
         <p:spPr>
           <a:xfrm>
-            <a:off x="9486407" y="2674188"/>
+            <a:off x="9506481" y="2447330"/>
             <a:ext cx="1130060" cy="284672"/>
           </a:xfrm>
           <a:prstGeom prst="rect">
@@ -6190,6 +6192,53 @@
           <a:chExt cx="0" cy="0"/>
         </a:xfrm>
       </p:grpSpPr>
+      <p:pic>
+        <p:nvPicPr>
+          <p:cNvPr id="1028" name="Picture 4">
+            <a:extLst>
+              <a:ext uri="{FF2B5EF4-FFF2-40B4-BE49-F238E27FC236}">
+                <a16:creationId xmlns:a16="http://schemas.microsoft.com/office/drawing/2014/main" id="{CE8FA2C4-518E-8E56-9E5A-BED328BCFB0B}"/>
+              </a:ext>
+            </a:extLst>
+          </p:cNvPr>
+          <p:cNvPicPr>
+            <a:picLocks noChangeAspect="1" noChangeArrowheads="1"/>
+          </p:cNvPicPr>
+          <p:nvPr/>
+        </p:nvPicPr>
+        <p:blipFill>
+          <a:blip r:embed="rId2">
+            <a:extLst>
+              <a:ext uri="{28A0092B-C50C-407E-A947-70E740481C1C}">
+                <a14:useLocalDpi xmlns:a14="http://schemas.microsoft.com/office/drawing/2010/main" val="0"/>
+              </a:ext>
+            </a:extLst>
+          </a:blip>
+          <a:srcRect/>
+          <a:stretch>
+            <a:fillRect/>
+          </a:stretch>
+        </p:blipFill>
+        <p:spPr bwMode="auto">
+          <a:xfrm>
+            <a:off x="891966" y="310550"/>
+            <a:ext cx="3592971" cy="6098875"/>
+          </a:xfrm>
+          <a:prstGeom prst="rect">
+            <a:avLst/>
+          </a:prstGeom>
+          <a:noFill/>
+          <a:extLst>
+            <a:ext uri="{909E8E84-426E-40DD-AFC4-6F175D3DCCD1}">
+              <a14:hiddenFill xmlns:a14="http://schemas.microsoft.com/office/drawing/2010/main">
+                <a:solidFill>
+                  <a:srgbClr val="FFFFFF"/>
+                </a:solidFill>
+              </a14:hiddenFill>
+            </a:ext>
+          </a:extLst>
+        </p:spPr>
+      </p:pic>
     </p:spTree>
     <p:extLst>
       <p:ext uri="{BB962C8B-B14F-4D97-AF65-F5344CB8AC3E}">
@@ -6222,10 +6271,10 @@
       </p:grpSpPr>
       <p:pic>
         <p:nvPicPr>
-          <p:cNvPr id="16" name="Picture 10">
-            <a:extLst>
-              <a:ext uri="{FF2B5EF4-FFF2-40B4-BE49-F238E27FC236}">
-                <a16:creationId xmlns:a16="http://schemas.microsoft.com/office/drawing/2014/main" id="{7F3EAF3A-DAFE-F815-5348-733C52BE5BCC}"/>
+          <p:cNvPr id="3074" name="Picture 2">
+            <a:extLst>
+              <a:ext uri="{FF2B5EF4-FFF2-40B4-BE49-F238E27FC236}">
+                <a16:creationId xmlns:a16="http://schemas.microsoft.com/office/drawing/2014/main" id="{23B4D422-9CE6-946F-B74C-4BD780C5F63B}"/>
               </a:ext>
             </a:extLst>
           </p:cNvPr>
@@ -6234,7 +6283,7 @@
           </p:cNvPicPr>
           <p:nvPr/>
         </p:nvPicPr>
-        <p:blipFill rotWithShape="1">
+        <p:blipFill>
           <a:blip r:embed="rId2">
             <a:extLst>
               <a:ext uri="{28A0092B-C50C-407E-A947-70E740481C1C}">
@@ -6242,13 +6291,15 @@
               </a:ext>
             </a:extLst>
           </a:blip>
-          <a:srcRect b="66714"/>
-          <a:stretch/>
+          <a:srcRect/>
+          <a:stretch>
+            <a:fillRect/>
+          </a:stretch>
         </p:blipFill>
         <p:spPr bwMode="auto">
           <a:xfrm>
-            <a:off x="1419912" y="514247"/>
-            <a:ext cx="3607237" cy="2038132"/>
+            <a:off x="605197" y="2075012"/>
+            <a:ext cx="3623581" cy="2707975"/>
           </a:xfrm>
           <a:prstGeom prst="rect">
             <a:avLst/>
@@ -6265,1069 +6316,10 @@
           </a:extLst>
         </p:spPr>
       </p:pic>
-      <p:pic>
-        <p:nvPicPr>
-          <p:cNvPr id="15" name="Picture 14">
-            <a:extLst>
-              <a:ext uri="{FF2B5EF4-FFF2-40B4-BE49-F238E27FC236}">
-                <a16:creationId xmlns:a16="http://schemas.microsoft.com/office/drawing/2014/main" id="{59520540-465D-5105-6AD2-F09277509D6F}"/>
-              </a:ext>
-            </a:extLst>
-          </p:cNvPr>
-          <p:cNvPicPr>
-            <a:picLocks noChangeAspect="1" noChangeArrowheads="1"/>
-          </p:cNvPicPr>
-          <p:nvPr/>
-        </p:nvPicPr>
-        <p:blipFill rotWithShape="1">
-          <a:blip r:embed="rId3">
-            <a:extLst>
-              <a:ext uri="{28A0092B-C50C-407E-A947-70E740481C1C}">
-                <a14:useLocalDpi xmlns:a14="http://schemas.microsoft.com/office/drawing/2010/main" val="0"/>
-              </a:ext>
-            </a:extLst>
-          </a:blip>
-          <a:srcRect b="66714"/>
-          <a:stretch/>
-        </p:blipFill>
-        <p:spPr bwMode="auto">
-          <a:xfrm>
-            <a:off x="4180250" y="498434"/>
-            <a:ext cx="3607237" cy="2038132"/>
-          </a:xfrm>
-          <a:prstGeom prst="rect">
-            <a:avLst/>
-          </a:prstGeom>
-          <a:noFill/>
-          <a:extLst>
-            <a:ext uri="{909E8E84-426E-40DD-AFC4-6F175D3DCCD1}">
-              <a14:hiddenFill xmlns:a14="http://schemas.microsoft.com/office/drawing/2010/main">
-                <a:solidFill>
-                  <a:srgbClr val="FFFFFF"/>
-                </a:solidFill>
-              </a14:hiddenFill>
-            </a:ext>
-          </a:extLst>
-        </p:spPr>
-      </p:pic>
-      <p:pic>
-        <p:nvPicPr>
-          <p:cNvPr id="4" name="Picture 12">
-            <a:extLst>
-              <a:ext uri="{FF2B5EF4-FFF2-40B4-BE49-F238E27FC236}">
-                <a16:creationId xmlns:a16="http://schemas.microsoft.com/office/drawing/2014/main" id="{26B17450-D751-34E1-140A-5ABDDCFD7377}"/>
-              </a:ext>
-            </a:extLst>
-          </p:cNvPr>
-          <p:cNvPicPr>
-            <a:picLocks noChangeAspect="1" noChangeArrowheads="1"/>
-          </p:cNvPicPr>
-          <p:nvPr/>
-        </p:nvPicPr>
-        <p:blipFill rotWithShape="1">
-          <a:blip r:embed="rId4">
-            <a:extLst>
-              <a:ext uri="{28A0092B-C50C-407E-A947-70E740481C1C}">
-                <a14:useLocalDpi xmlns:a14="http://schemas.microsoft.com/office/drawing/2010/main" val="0"/>
-              </a:ext>
-            </a:extLst>
-          </a:blip>
-          <a:srcRect b="66714"/>
-          <a:stretch/>
-        </p:blipFill>
-        <p:spPr bwMode="auto">
-          <a:xfrm>
-            <a:off x="1418154" y="2640867"/>
-            <a:ext cx="3607235" cy="2038132"/>
-          </a:xfrm>
-          <a:prstGeom prst="rect">
-            <a:avLst/>
-          </a:prstGeom>
-          <a:noFill/>
-          <a:extLst>
-            <a:ext uri="{909E8E84-426E-40DD-AFC4-6F175D3DCCD1}">
-              <a14:hiddenFill xmlns:a14="http://schemas.microsoft.com/office/drawing/2010/main">
-                <a:solidFill>
-                  <a:srgbClr val="FFFFFF"/>
-                </a:solidFill>
-              </a14:hiddenFill>
-            </a:ext>
-          </a:extLst>
-        </p:spPr>
-      </p:pic>
-      <p:pic>
-        <p:nvPicPr>
-          <p:cNvPr id="13" name="Picture 2">
-            <a:extLst>
-              <a:ext uri="{FF2B5EF4-FFF2-40B4-BE49-F238E27FC236}">
-                <a16:creationId xmlns:a16="http://schemas.microsoft.com/office/drawing/2014/main" id="{42E175D4-D41C-3838-A5D9-41BEFE25FB13}"/>
-              </a:ext>
-            </a:extLst>
-          </p:cNvPr>
-          <p:cNvPicPr>
-            <a:picLocks noChangeAspect="1" noChangeArrowheads="1"/>
-          </p:cNvPicPr>
-          <p:nvPr/>
-        </p:nvPicPr>
-        <p:blipFill rotWithShape="1">
-          <a:blip r:embed="rId5">
-            <a:extLst>
-              <a:ext uri="{28A0092B-C50C-407E-A947-70E740481C1C}">
-                <a14:useLocalDpi xmlns:a14="http://schemas.microsoft.com/office/drawing/2010/main" val="0"/>
-              </a:ext>
-            </a:extLst>
-          </a:blip>
-          <a:srcRect b="66714"/>
-          <a:stretch/>
-        </p:blipFill>
-        <p:spPr bwMode="auto">
-          <a:xfrm>
-            <a:off x="4180251" y="2634221"/>
-            <a:ext cx="3607237" cy="2038132"/>
-          </a:xfrm>
-          <a:prstGeom prst="rect">
-            <a:avLst/>
-          </a:prstGeom>
-          <a:noFill/>
-          <a:extLst>
-            <a:ext uri="{909E8E84-426E-40DD-AFC4-6F175D3DCCD1}">
-              <a14:hiddenFill xmlns:a14="http://schemas.microsoft.com/office/drawing/2010/main">
-                <a:solidFill>
-                  <a:srgbClr val="FFFFFF"/>
-                </a:solidFill>
-              </a14:hiddenFill>
-            </a:ext>
-          </a:extLst>
-        </p:spPr>
-      </p:pic>
-      <p:sp>
-        <p:nvSpPr>
-          <p:cNvPr id="5" name="Freeform: Shape 4">
-            <a:extLst>
-              <a:ext uri="{FF2B5EF4-FFF2-40B4-BE49-F238E27FC236}">
-                <a16:creationId xmlns:a16="http://schemas.microsoft.com/office/drawing/2014/main" id="{63A62D1D-A5EF-07D5-498F-9071AC4FD4DD}"/>
-              </a:ext>
-            </a:extLst>
-          </p:cNvPr>
-          <p:cNvSpPr/>
-          <p:nvPr/>
-        </p:nvSpPr>
-        <p:spPr>
-          <a:xfrm>
-            <a:off x="2019259" y="3348223"/>
-            <a:ext cx="1798731" cy="574862"/>
-          </a:xfrm>
-          <a:custGeom>
-            <a:avLst/>
-            <a:gdLst>
-              <a:gd name="connsiteX0" fmla="*/ 0 w 1801906"/>
-              <a:gd name="connsiteY0" fmla="*/ 555812 h 555812"/>
-              <a:gd name="connsiteX1" fmla="*/ 726141 w 1801906"/>
-              <a:gd name="connsiteY1" fmla="*/ 179294 h 555812"/>
-              <a:gd name="connsiteX2" fmla="*/ 1801906 w 1801906"/>
-              <a:gd name="connsiteY2" fmla="*/ 0 h 555812"/>
-              <a:gd name="connsiteX0" fmla="*/ 0 w 1801906"/>
-              <a:gd name="connsiteY0" fmla="*/ 555812 h 555812"/>
-              <a:gd name="connsiteX1" fmla="*/ 726141 w 1801906"/>
-              <a:gd name="connsiteY1" fmla="*/ 179294 h 555812"/>
-              <a:gd name="connsiteX2" fmla="*/ 1801906 w 1801906"/>
-              <a:gd name="connsiteY2" fmla="*/ 0 h 555812"/>
-              <a:gd name="connsiteX0" fmla="*/ 0 w 1801906"/>
-              <a:gd name="connsiteY0" fmla="*/ 555812 h 555812"/>
-              <a:gd name="connsiteX1" fmla="*/ 745191 w 1801906"/>
-              <a:gd name="connsiteY1" fmla="*/ 185644 h 555812"/>
-              <a:gd name="connsiteX2" fmla="*/ 1801906 w 1801906"/>
-              <a:gd name="connsiteY2" fmla="*/ 0 h 555812"/>
-              <a:gd name="connsiteX0" fmla="*/ 0 w 1798731"/>
-              <a:gd name="connsiteY0" fmla="*/ 574862 h 574862"/>
-              <a:gd name="connsiteX1" fmla="*/ 742016 w 1798731"/>
-              <a:gd name="connsiteY1" fmla="*/ 185644 h 574862"/>
-              <a:gd name="connsiteX2" fmla="*/ 1798731 w 1798731"/>
-              <a:gd name="connsiteY2" fmla="*/ 0 h 574862"/>
-              <a:gd name="connsiteX0" fmla="*/ 0 w 1798731"/>
-              <a:gd name="connsiteY0" fmla="*/ 574862 h 574862"/>
-              <a:gd name="connsiteX1" fmla="*/ 742016 w 1798731"/>
-              <a:gd name="connsiteY1" fmla="*/ 185644 h 574862"/>
-              <a:gd name="connsiteX2" fmla="*/ 1798731 w 1798731"/>
-              <a:gd name="connsiteY2" fmla="*/ 0 h 574862"/>
-              <a:gd name="connsiteX0" fmla="*/ 0 w 1798731"/>
-              <a:gd name="connsiteY0" fmla="*/ 574862 h 574862"/>
-              <a:gd name="connsiteX1" fmla="*/ 767416 w 1798731"/>
-              <a:gd name="connsiteY1" fmla="*/ 182469 h 574862"/>
-              <a:gd name="connsiteX2" fmla="*/ 1798731 w 1798731"/>
-              <a:gd name="connsiteY2" fmla="*/ 0 h 574862"/>
-              <a:gd name="connsiteX0" fmla="*/ 0 w 1798731"/>
-              <a:gd name="connsiteY0" fmla="*/ 574862 h 574862"/>
-              <a:gd name="connsiteX1" fmla="*/ 773766 w 1798731"/>
-              <a:gd name="connsiteY1" fmla="*/ 172944 h 574862"/>
-              <a:gd name="connsiteX2" fmla="*/ 1798731 w 1798731"/>
-              <a:gd name="connsiteY2" fmla="*/ 0 h 574862"/>
-            </a:gdLst>
-            <a:ahLst/>
-            <a:cxnLst>
-              <a:cxn ang="0">
-                <a:pos x="connsiteX0" y="connsiteY0"/>
-              </a:cxn>
-              <a:cxn ang="0">
-                <a:pos x="connsiteX1" y="connsiteY1"/>
-              </a:cxn>
-              <a:cxn ang="0">
-                <a:pos x="connsiteX2" y="connsiteY2"/>
-              </a:cxn>
-            </a:cxnLst>
-            <a:rect l="l" t="t" r="r" b="b"/>
-            <a:pathLst>
-              <a:path w="1798731" h="574862">
-                <a:moveTo>
-                  <a:pt x="0" y="574862"/>
-                </a:moveTo>
-                <a:cubicBezTo>
-                  <a:pt x="212911" y="423395"/>
-                  <a:pt x="473448" y="265579"/>
-                  <a:pt x="773766" y="172944"/>
-                </a:cubicBezTo>
-                <a:cubicBezTo>
-                  <a:pt x="1074084" y="80309"/>
-                  <a:pt x="1538568" y="24466"/>
-                  <a:pt x="1798731" y="0"/>
-                </a:cubicBezTo>
-              </a:path>
-            </a:pathLst>
-          </a:custGeom>
-          <a:noFill/>
-          <a:ln w="28575">
-            <a:solidFill>
-              <a:srgbClr val="FFC000"/>
-            </a:solidFill>
-          </a:ln>
-        </p:spPr>
-        <p:style>
-          <a:lnRef idx="2">
-            <a:schemeClr val="accent1">
-              <a:shade val="50000"/>
-            </a:schemeClr>
-          </a:lnRef>
-          <a:fillRef idx="1">
-            <a:schemeClr val="accent1"/>
-          </a:fillRef>
-          <a:effectRef idx="0">
-            <a:schemeClr val="accent1"/>
-          </a:effectRef>
-          <a:fontRef idx="minor">
-            <a:schemeClr val="lt1"/>
-          </a:fontRef>
-        </p:style>
-        <p:txBody>
-          <a:bodyPr rtlCol="0" anchor="ctr"/>
-          <a:lstStyle/>
-          <a:p>
-            <a:pPr algn="ctr"/>
-            <a:endParaRPr lang="en-US"/>
-          </a:p>
-        </p:txBody>
-      </p:sp>
-      <p:sp>
-        <p:nvSpPr>
-          <p:cNvPr id="8" name="TextBox 7">
-            <a:extLst>
-              <a:ext uri="{FF2B5EF4-FFF2-40B4-BE49-F238E27FC236}">
-                <a16:creationId xmlns:a16="http://schemas.microsoft.com/office/drawing/2014/main" id="{E94419A6-1539-36F5-5DF2-1E0C2591A504}"/>
-              </a:ext>
-            </a:extLst>
-          </p:cNvPr>
-          <p:cNvSpPr txBox="1"/>
-          <p:nvPr/>
-        </p:nvSpPr>
-        <p:spPr>
-          <a:xfrm>
-            <a:off x="3653797" y="4937471"/>
-            <a:ext cx="3736792" cy="369332"/>
-          </a:xfrm>
-          <a:prstGeom prst="rect">
-            <a:avLst/>
-          </a:prstGeom>
-          <a:noFill/>
-        </p:spPr>
-        <p:txBody>
-          <a:bodyPr wrap="none" rtlCol="0">
-            <a:spAutoFit/>
-          </a:bodyPr>
-          <a:lstStyle/>
-          <a:p>
-            <a:r>
-              <a:rPr lang="en-US" dirty="0">
-                <a:solidFill>
-                  <a:srgbClr val="FF0000"/>
-                </a:solidFill>
-              </a:rPr>
-              <a:t>Traced b25v3 </a:t>
-            </a:r>
-            <a:r>
-              <a:rPr lang="en-US" dirty="0"/>
-              <a:t>and applied onto others</a:t>
-            </a:r>
-          </a:p>
-        </p:txBody>
-      </p:sp>
-      <p:sp>
-        <p:nvSpPr>
-          <p:cNvPr id="6" name="Freeform: Shape 5">
-            <a:extLst>
-              <a:ext uri="{FF2B5EF4-FFF2-40B4-BE49-F238E27FC236}">
-                <a16:creationId xmlns:a16="http://schemas.microsoft.com/office/drawing/2014/main" id="{264494E7-EC9F-611F-B00E-BC7C405E2174}"/>
-              </a:ext>
-            </a:extLst>
-          </p:cNvPr>
-          <p:cNvSpPr/>
-          <p:nvPr/>
-        </p:nvSpPr>
-        <p:spPr>
-          <a:xfrm>
-            <a:off x="4783679" y="3357230"/>
-            <a:ext cx="1798731" cy="574862"/>
-          </a:xfrm>
-          <a:custGeom>
-            <a:avLst/>
-            <a:gdLst>
-              <a:gd name="connsiteX0" fmla="*/ 0 w 1801906"/>
-              <a:gd name="connsiteY0" fmla="*/ 555812 h 555812"/>
-              <a:gd name="connsiteX1" fmla="*/ 726141 w 1801906"/>
-              <a:gd name="connsiteY1" fmla="*/ 179294 h 555812"/>
-              <a:gd name="connsiteX2" fmla="*/ 1801906 w 1801906"/>
-              <a:gd name="connsiteY2" fmla="*/ 0 h 555812"/>
-              <a:gd name="connsiteX0" fmla="*/ 0 w 1801906"/>
-              <a:gd name="connsiteY0" fmla="*/ 555812 h 555812"/>
-              <a:gd name="connsiteX1" fmla="*/ 726141 w 1801906"/>
-              <a:gd name="connsiteY1" fmla="*/ 179294 h 555812"/>
-              <a:gd name="connsiteX2" fmla="*/ 1801906 w 1801906"/>
-              <a:gd name="connsiteY2" fmla="*/ 0 h 555812"/>
-              <a:gd name="connsiteX0" fmla="*/ 0 w 1801906"/>
-              <a:gd name="connsiteY0" fmla="*/ 555812 h 555812"/>
-              <a:gd name="connsiteX1" fmla="*/ 745191 w 1801906"/>
-              <a:gd name="connsiteY1" fmla="*/ 185644 h 555812"/>
-              <a:gd name="connsiteX2" fmla="*/ 1801906 w 1801906"/>
-              <a:gd name="connsiteY2" fmla="*/ 0 h 555812"/>
-              <a:gd name="connsiteX0" fmla="*/ 0 w 1798731"/>
-              <a:gd name="connsiteY0" fmla="*/ 574862 h 574862"/>
-              <a:gd name="connsiteX1" fmla="*/ 742016 w 1798731"/>
-              <a:gd name="connsiteY1" fmla="*/ 185644 h 574862"/>
-              <a:gd name="connsiteX2" fmla="*/ 1798731 w 1798731"/>
-              <a:gd name="connsiteY2" fmla="*/ 0 h 574862"/>
-              <a:gd name="connsiteX0" fmla="*/ 0 w 1798731"/>
-              <a:gd name="connsiteY0" fmla="*/ 574862 h 574862"/>
-              <a:gd name="connsiteX1" fmla="*/ 742016 w 1798731"/>
-              <a:gd name="connsiteY1" fmla="*/ 185644 h 574862"/>
-              <a:gd name="connsiteX2" fmla="*/ 1798731 w 1798731"/>
-              <a:gd name="connsiteY2" fmla="*/ 0 h 574862"/>
-              <a:gd name="connsiteX0" fmla="*/ 0 w 1798731"/>
-              <a:gd name="connsiteY0" fmla="*/ 574862 h 574862"/>
-              <a:gd name="connsiteX1" fmla="*/ 767416 w 1798731"/>
-              <a:gd name="connsiteY1" fmla="*/ 182469 h 574862"/>
-              <a:gd name="connsiteX2" fmla="*/ 1798731 w 1798731"/>
-              <a:gd name="connsiteY2" fmla="*/ 0 h 574862"/>
-              <a:gd name="connsiteX0" fmla="*/ 0 w 1798731"/>
-              <a:gd name="connsiteY0" fmla="*/ 574862 h 574862"/>
-              <a:gd name="connsiteX1" fmla="*/ 773766 w 1798731"/>
-              <a:gd name="connsiteY1" fmla="*/ 172944 h 574862"/>
-              <a:gd name="connsiteX2" fmla="*/ 1798731 w 1798731"/>
-              <a:gd name="connsiteY2" fmla="*/ 0 h 574862"/>
-            </a:gdLst>
-            <a:ahLst/>
-            <a:cxnLst>
-              <a:cxn ang="0">
-                <a:pos x="connsiteX0" y="connsiteY0"/>
-              </a:cxn>
-              <a:cxn ang="0">
-                <a:pos x="connsiteX1" y="connsiteY1"/>
-              </a:cxn>
-              <a:cxn ang="0">
-                <a:pos x="connsiteX2" y="connsiteY2"/>
-              </a:cxn>
-            </a:cxnLst>
-            <a:rect l="l" t="t" r="r" b="b"/>
-            <a:pathLst>
-              <a:path w="1798731" h="574862">
-                <a:moveTo>
-                  <a:pt x="0" y="574862"/>
-                </a:moveTo>
-                <a:cubicBezTo>
-                  <a:pt x="212911" y="423395"/>
-                  <a:pt x="473448" y="265579"/>
-                  <a:pt x="773766" y="172944"/>
-                </a:cubicBezTo>
-                <a:cubicBezTo>
-                  <a:pt x="1074084" y="80309"/>
-                  <a:pt x="1538568" y="24466"/>
-                  <a:pt x="1798731" y="0"/>
-                </a:cubicBezTo>
-              </a:path>
-            </a:pathLst>
-          </a:custGeom>
-          <a:noFill/>
-          <a:ln w="28575">
-            <a:solidFill>
-              <a:srgbClr val="FFC000"/>
-            </a:solidFill>
-          </a:ln>
-        </p:spPr>
-        <p:style>
-          <a:lnRef idx="2">
-            <a:schemeClr val="accent1">
-              <a:shade val="50000"/>
-            </a:schemeClr>
-          </a:lnRef>
-          <a:fillRef idx="1">
-            <a:schemeClr val="accent1"/>
-          </a:fillRef>
-          <a:effectRef idx="0">
-            <a:schemeClr val="accent1"/>
-          </a:effectRef>
-          <a:fontRef idx="minor">
-            <a:schemeClr val="lt1"/>
-          </a:fontRef>
-        </p:style>
-        <p:txBody>
-          <a:bodyPr rtlCol="0" anchor="ctr"/>
-          <a:lstStyle/>
-          <a:p>
-            <a:pPr algn="ctr"/>
-            <a:endParaRPr lang="en-US"/>
-          </a:p>
-        </p:txBody>
-      </p:sp>
-      <p:pic>
-        <p:nvPicPr>
-          <p:cNvPr id="2" name="Picture 6">
-            <a:extLst>
-              <a:ext uri="{FF2B5EF4-FFF2-40B4-BE49-F238E27FC236}">
-                <a16:creationId xmlns:a16="http://schemas.microsoft.com/office/drawing/2014/main" id="{2A90FBB0-89F9-271F-98C1-5741AF3249CF}"/>
-              </a:ext>
-            </a:extLst>
-          </p:cNvPr>
-          <p:cNvPicPr>
-            <a:picLocks noChangeAspect="1" noChangeArrowheads="1"/>
-          </p:cNvPicPr>
-          <p:nvPr/>
-        </p:nvPicPr>
-        <p:blipFill rotWithShape="1">
-          <a:blip r:embed="rId6">
-            <a:extLst>
-              <a:ext uri="{28A0092B-C50C-407E-A947-70E740481C1C}">
-                <a14:useLocalDpi xmlns:a14="http://schemas.microsoft.com/office/drawing/2010/main" val="0"/>
-              </a:ext>
-            </a:extLst>
-          </a:blip>
-          <a:srcRect b="66714"/>
-          <a:stretch/>
-        </p:blipFill>
-        <p:spPr bwMode="auto">
-          <a:xfrm>
-            <a:off x="6962956" y="432405"/>
-            <a:ext cx="3607237" cy="2038132"/>
-          </a:xfrm>
-          <a:prstGeom prst="rect">
-            <a:avLst/>
-          </a:prstGeom>
-          <a:noFill/>
-          <a:extLst>
-            <a:ext uri="{909E8E84-426E-40DD-AFC4-6F175D3DCCD1}">
-              <a14:hiddenFill xmlns:a14="http://schemas.microsoft.com/office/drawing/2010/main">
-                <a:solidFill>
-                  <a:srgbClr val="FFFFFF"/>
-                </a:solidFill>
-              </a14:hiddenFill>
-            </a:ext>
-          </a:extLst>
-        </p:spPr>
-      </p:pic>
-      <p:sp>
-        <p:nvSpPr>
-          <p:cNvPr id="7" name="Freeform: Shape 6">
-            <a:extLst>
-              <a:ext uri="{FF2B5EF4-FFF2-40B4-BE49-F238E27FC236}">
-                <a16:creationId xmlns:a16="http://schemas.microsoft.com/office/drawing/2014/main" id="{20965A0E-2867-4F6A-FF96-0BF56CEB2264}"/>
-              </a:ext>
-            </a:extLst>
-          </p:cNvPr>
-          <p:cNvSpPr/>
-          <p:nvPr/>
-        </p:nvSpPr>
-        <p:spPr>
-          <a:xfrm>
-            <a:off x="7578708" y="1215815"/>
-            <a:ext cx="1798731" cy="574862"/>
-          </a:xfrm>
-          <a:custGeom>
-            <a:avLst/>
-            <a:gdLst>
-              <a:gd name="connsiteX0" fmla="*/ 0 w 1801906"/>
-              <a:gd name="connsiteY0" fmla="*/ 555812 h 555812"/>
-              <a:gd name="connsiteX1" fmla="*/ 726141 w 1801906"/>
-              <a:gd name="connsiteY1" fmla="*/ 179294 h 555812"/>
-              <a:gd name="connsiteX2" fmla="*/ 1801906 w 1801906"/>
-              <a:gd name="connsiteY2" fmla="*/ 0 h 555812"/>
-              <a:gd name="connsiteX0" fmla="*/ 0 w 1801906"/>
-              <a:gd name="connsiteY0" fmla="*/ 555812 h 555812"/>
-              <a:gd name="connsiteX1" fmla="*/ 726141 w 1801906"/>
-              <a:gd name="connsiteY1" fmla="*/ 179294 h 555812"/>
-              <a:gd name="connsiteX2" fmla="*/ 1801906 w 1801906"/>
-              <a:gd name="connsiteY2" fmla="*/ 0 h 555812"/>
-              <a:gd name="connsiteX0" fmla="*/ 0 w 1801906"/>
-              <a:gd name="connsiteY0" fmla="*/ 555812 h 555812"/>
-              <a:gd name="connsiteX1" fmla="*/ 745191 w 1801906"/>
-              <a:gd name="connsiteY1" fmla="*/ 185644 h 555812"/>
-              <a:gd name="connsiteX2" fmla="*/ 1801906 w 1801906"/>
-              <a:gd name="connsiteY2" fmla="*/ 0 h 555812"/>
-              <a:gd name="connsiteX0" fmla="*/ 0 w 1798731"/>
-              <a:gd name="connsiteY0" fmla="*/ 574862 h 574862"/>
-              <a:gd name="connsiteX1" fmla="*/ 742016 w 1798731"/>
-              <a:gd name="connsiteY1" fmla="*/ 185644 h 574862"/>
-              <a:gd name="connsiteX2" fmla="*/ 1798731 w 1798731"/>
-              <a:gd name="connsiteY2" fmla="*/ 0 h 574862"/>
-              <a:gd name="connsiteX0" fmla="*/ 0 w 1798731"/>
-              <a:gd name="connsiteY0" fmla="*/ 574862 h 574862"/>
-              <a:gd name="connsiteX1" fmla="*/ 742016 w 1798731"/>
-              <a:gd name="connsiteY1" fmla="*/ 185644 h 574862"/>
-              <a:gd name="connsiteX2" fmla="*/ 1798731 w 1798731"/>
-              <a:gd name="connsiteY2" fmla="*/ 0 h 574862"/>
-              <a:gd name="connsiteX0" fmla="*/ 0 w 1798731"/>
-              <a:gd name="connsiteY0" fmla="*/ 574862 h 574862"/>
-              <a:gd name="connsiteX1" fmla="*/ 767416 w 1798731"/>
-              <a:gd name="connsiteY1" fmla="*/ 182469 h 574862"/>
-              <a:gd name="connsiteX2" fmla="*/ 1798731 w 1798731"/>
-              <a:gd name="connsiteY2" fmla="*/ 0 h 574862"/>
-              <a:gd name="connsiteX0" fmla="*/ 0 w 1798731"/>
-              <a:gd name="connsiteY0" fmla="*/ 574862 h 574862"/>
-              <a:gd name="connsiteX1" fmla="*/ 773766 w 1798731"/>
-              <a:gd name="connsiteY1" fmla="*/ 172944 h 574862"/>
-              <a:gd name="connsiteX2" fmla="*/ 1798731 w 1798731"/>
-              <a:gd name="connsiteY2" fmla="*/ 0 h 574862"/>
-            </a:gdLst>
-            <a:ahLst/>
-            <a:cxnLst>
-              <a:cxn ang="0">
-                <a:pos x="connsiteX0" y="connsiteY0"/>
-              </a:cxn>
-              <a:cxn ang="0">
-                <a:pos x="connsiteX1" y="connsiteY1"/>
-              </a:cxn>
-              <a:cxn ang="0">
-                <a:pos x="connsiteX2" y="connsiteY2"/>
-              </a:cxn>
-            </a:cxnLst>
-            <a:rect l="l" t="t" r="r" b="b"/>
-            <a:pathLst>
-              <a:path w="1798731" h="574862">
-                <a:moveTo>
-                  <a:pt x="0" y="574862"/>
-                </a:moveTo>
-                <a:cubicBezTo>
-                  <a:pt x="212911" y="423395"/>
-                  <a:pt x="473448" y="265579"/>
-                  <a:pt x="773766" y="172944"/>
-                </a:cubicBezTo>
-                <a:cubicBezTo>
-                  <a:pt x="1074084" y="80309"/>
-                  <a:pt x="1538568" y="24466"/>
-                  <a:pt x="1798731" y="0"/>
-                </a:cubicBezTo>
-              </a:path>
-            </a:pathLst>
-          </a:custGeom>
-          <a:noFill/>
-          <a:ln w="28575">
-            <a:solidFill>
-              <a:srgbClr val="FFC000"/>
-            </a:solidFill>
-          </a:ln>
-        </p:spPr>
-        <p:style>
-          <a:lnRef idx="2">
-            <a:schemeClr val="accent1">
-              <a:shade val="50000"/>
-            </a:schemeClr>
-          </a:lnRef>
-          <a:fillRef idx="1">
-            <a:schemeClr val="accent1"/>
-          </a:fillRef>
-          <a:effectRef idx="0">
-            <a:schemeClr val="accent1"/>
-          </a:effectRef>
-          <a:fontRef idx="minor">
-            <a:schemeClr val="lt1"/>
-          </a:fontRef>
-        </p:style>
-        <p:txBody>
-          <a:bodyPr rtlCol="0" anchor="ctr"/>
-          <a:lstStyle/>
-          <a:p>
-            <a:pPr algn="ctr"/>
-            <a:endParaRPr lang="en-US"/>
-          </a:p>
-        </p:txBody>
-      </p:sp>
-      <p:pic>
-        <p:nvPicPr>
-          <p:cNvPr id="9" name="Picture 4">
-            <a:extLst>
-              <a:ext uri="{FF2B5EF4-FFF2-40B4-BE49-F238E27FC236}">
-                <a16:creationId xmlns:a16="http://schemas.microsoft.com/office/drawing/2014/main" id="{490295EA-E5B8-2A2C-5D84-EB711F808ED7}"/>
-              </a:ext>
-            </a:extLst>
-          </p:cNvPr>
-          <p:cNvPicPr>
-            <a:picLocks noChangeAspect="1" noChangeArrowheads="1"/>
-          </p:cNvPicPr>
-          <p:nvPr/>
-        </p:nvPicPr>
-        <p:blipFill rotWithShape="1">
-          <a:blip r:embed="rId7">
-            <a:extLst>
-              <a:ext uri="{28A0092B-C50C-407E-A947-70E740481C1C}">
-                <a14:useLocalDpi xmlns:a14="http://schemas.microsoft.com/office/drawing/2010/main" val="0"/>
-              </a:ext>
-            </a:extLst>
-          </a:blip>
-          <a:srcRect b="66497"/>
-          <a:stretch/>
-        </p:blipFill>
-        <p:spPr bwMode="auto">
-          <a:xfrm>
-            <a:off x="6982458" y="2634221"/>
-            <a:ext cx="3607238" cy="2051424"/>
-          </a:xfrm>
-          <a:prstGeom prst="rect">
-            <a:avLst/>
-          </a:prstGeom>
-          <a:noFill/>
-          <a:extLst>
-            <a:ext uri="{909E8E84-426E-40DD-AFC4-6F175D3DCCD1}">
-              <a14:hiddenFill xmlns:a14="http://schemas.microsoft.com/office/drawing/2010/main">
-                <a:solidFill>
-                  <a:srgbClr val="FFFFFF"/>
-                </a:solidFill>
-              </a14:hiddenFill>
-            </a:ext>
-          </a:extLst>
-        </p:spPr>
-      </p:pic>
-      <p:sp>
-        <p:nvSpPr>
-          <p:cNvPr id="10" name="Freeform: Shape 9">
-            <a:extLst>
-              <a:ext uri="{FF2B5EF4-FFF2-40B4-BE49-F238E27FC236}">
-                <a16:creationId xmlns:a16="http://schemas.microsoft.com/office/drawing/2014/main" id="{2C4116E4-1A1D-E853-1CC9-967343620925}"/>
-              </a:ext>
-            </a:extLst>
-          </p:cNvPr>
-          <p:cNvSpPr/>
-          <p:nvPr/>
-        </p:nvSpPr>
-        <p:spPr>
-          <a:xfrm>
-            <a:off x="7581734" y="3432901"/>
-            <a:ext cx="1798731" cy="574862"/>
-          </a:xfrm>
-          <a:custGeom>
-            <a:avLst/>
-            <a:gdLst>
-              <a:gd name="connsiteX0" fmla="*/ 0 w 1801906"/>
-              <a:gd name="connsiteY0" fmla="*/ 555812 h 555812"/>
-              <a:gd name="connsiteX1" fmla="*/ 726141 w 1801906"/>
-              <a:gd name="connsiteY1" fmla="*/ 179294 h 555812"/>
-              <a:gd name="connsiteX2" fmla="*/ 1801906 w 1801906"/>
-              <a:gd name="connsiteY2" fmla="*/ 0 h 555812"/>
-              <a:gd name="connsiteX0" fmla="*/ 0 w 1801906"/>
-              <a:gd name="connsiteY0" fmla="*/ 555812 h 555812"/>
-              <a:gd name="connsiteX1" fmla="*/ 726141 w 1801906"/>
-              <a:gd name="connsiteY1" fmla="*/ 179294 h 555812"/>
-              <a:gd name="connsiteX2" fmla="*/ 1801906 w 1801906"/>
-              <a:gd name="connsiteY2" fmla="*/ 0 h 555812"/>
-              <a:gd name="connsiteX0" fmla="*/ 0 w 1801906"/>
-              <a:gd name="connsiteY0" fmla="*/ 555812 h 555812"/>
-              <a:gd name="connsiteX1" fmla="*/ 745191 w 1801906"/>
-              <a:gd name="connsiteY1" fmla="*/ 185644 h 555812"/>
-              <a:gd name="connsiteX2" fmla="*/ 1801906 w 1801906"/>
-              <a:gd name="connsiteY2" fmla="*/ 0 h 555812"/>
-              <a:gd name="connsiteX0" fmla="*/ 0 w 1798731"/>
-              <a:gd name="connsiteY0" fmla="*/ 574862 h 574862"/>
-              <a:gd name="connsiteX1" fmla="*/ 742016 w 1798731"/>
-              <a:gd name="connsiteY1" fmla="*/ 185644 h 574862"/>
-              <a:gd name="connsiteX2" fmla="*/ 1798731 w 1798731"/>
-              <a:gd name="connsiteY2" fmla="*/ 0 h 574862"/>
-              <a:gd name="connsiteX0" fmla="*/ 0 w 1798731"/>
-              <a:gd name="connsiteY0" fmla="*/ 574862 h 574862"/>
-              <a:gd name="connsiteX1" fmla="*/ 742016 w 1798731"/>
-              <a:gd name="connsiteY1" fmla="*/ 185644 h 574862"/>
-              <a:gd name="connsiteX2" fmla="*/ 1798731 w 1798731"/>
-              <a:gd name="connsiteY2" fmla="*/ 0 h 574862"/>
-              <a:gd name="connsiteX0" fmla="*/ 0 w 1798731"/>
-              <a:gd name="connsiteY0" fmla="*/ 574862 h 574862"/>
-              <a:gd name="connsiteX1" fmla="*/ 767416 w 1798731"/>
-              <a:gd name="connsiteY1" fmla="*/ 182469 h 574862"/>
-              <a:gd name="connsiteX2" fmla="*/ 1798731 w 1798731"/>
-              <a:gd name="connsiteY2" fmla="*/ 0 h 574862"/>
-              <a:gd name="connsiteX0" fmla="*/ 0 w 1798731"/>
-              <a:gd name="connsiteY0" fmla="*/ 574862 h 574862"/>
-              <a:gd name="connsiteX1" fmla="*/ 773766 w 1798731"/>
-              <a:gd name="connsiteY1" fmla="*/ 172944 h 574862"/>
-              <a:gd name="connsiteX2" fmla="*/ 1798731 w 1798731"/>
-              <a:gd name="connsiteY2" fmla="*/ 0 h 574862"/>
-            </a:gdLst>
-            <a:ahLst/>
-            <a:cxnLst>
-              <a:cxn ang="0">
-                <a:pos x="connsiteX0" y="connsiteY0"/>
-              </a:cxn>
-              <a:cxn ang="0">
-                <a:pos x="connsiteX1" y="connsiteY1"/>
-              </a:cxn>
-              <a:cxn ang="0">
-                <a:pos x="connsiteX2" y="connsiteY2"/>
-              </a:cxn>
-            </a:cxnLst>
-            <a:rect l="l" t="t" r="r" b="b"/>
-            <a:pathLst>
-              <a:path w="1798731" h="574862">
-                <a:moveTo>
-                  <a:pt x="0" y="574862"/>
-                </a:moveTo>
-                <a:cubicBezTo>
-                  <a:pt x="212911" y="423395"/>
-                  <a:pt x="473448" y="265579"/>
-                  <a:pt x="773766" y="172944"/>
-                </a:cubicBezTo>
-                <a:cubicBezTo>
-                  <a:pt x="1074084" y="80309"/>
-                  <a:pt x="1538568" y="24466"/>
-                  <a:pt x="1798731" y="0"/>
-                </a:cubicBezTo>
-              </a:path>
-            </a:pathLst>
-          </a:custGeom>
-          <a:noFill/>
-          <a:ln w="28575">
-            <a:solidFill>
-              <a:srgbClr val="FFC000"/>
-            </a:solidFill>
-          </a:ln>
-        </p:spPr>
-        <p:style>
-          <a:lnRef idx="2">
-            <a:schemeClr val="accent1">
-              <a:shade val="50000"/>
-            </a:schemeClr>
-          </a:lnRef>
-          <a:fillRef idx="1">
-            <a:schemeClr val="accent1"/>
-          </a:fillRef>
-          <a:effectRef idx="0">
-            <a:schemeClr val="accent1"/>
-          </a:effectRef>
-          <a:fontRef idx="minor">
-            <a:schemeClr val="lt1"/>
-          </a:fontRef>
-        </p:style>
-        <p:txBody>
-          <a:bodyPr rtlCol="0" anchor="ctr"/>
-          <a:lstStyle/>
-          <a:p>
-            <a:pPr algn="ctr"/>
-            <a:endParaRPr lang="en-US"/>
-          </a:p>
-        </p:txBody>
-      </p:sp>
-      <p:sp>
-        <p:nvSpPr>
-          <p:cNvPr id="11" name="TextBox 10">
-            <a:extLst>
-              <a:ext uri="{FF2B5EF4-FFF2-40B4-BE49-F238E27FC236}">
-                <a16:creationId xmlns:a16="http://schemas.microsoft.com/office/drawing/2014/main" id="{ECA70833-27BD-177F-6C98-0A67F3FBF559}"/>
-              </a:ext>
-            </a:extLst>
-          </p:cNvPr>
-          <p:cNvSpPr txBox="1"/>
-          <p:nvPr/>
-        </p:nvSpPr>
-        <p:spPr>
-          <a:xfrm>
-            <a:off x="2671181" y="5404458"/>
-            <a:ext cx="6584949" cy="646331"/>
-          </a:xfrm>
-          <a:prstGeom prst="rect">
-            <a:avLst/>
-          </a:prstGeom>
-          <a:noFill/>
-        </p:spPr>
-        <p:txBody>
-          <a:bodyPr wrap="square" rtlCol="0">
-            <a:spAutoFit/>
-          </a:bodyPr>
-          <a:lstStyle/>
-          <a:p>
-            <a:r>
-              <a:rPr lang="en-US" dirty="0"/>
-              <a:t>Decreasing v0 leads to better behavior at the cost of less realistic polymer density profiles. Need to increase b0 to compensate.</a:t>
-            </a:r>
-          </a:p>
-        </p:txBody>
-      </p:sp>
-      <p:sp>
-        <p:nvSpPr>
-          <p:cNvPr id="17" name="Freeform: Shape 16">
-            <a:extLst>
-              <a:ext uri="{FF2B5EF4-FFF2-40B4-BE49-F238E27FC236}">
-                <a16:creationId xmlns:a16="http://schemas.microsoft.com/office/drawing/2014/main" id="{843B7771-DCC8-16FA-081A-E385F135F8AD}"/>
-              </a:ext>
-            </a:extLst>
-          </p:cNvPr>
-          <p:cNvSpPr/>
-          <p:nvPr/>
-        </p:nvSpPr>
-        <p:spPr>
-          <a:xfrm>
-            <a:off x="2019258" y="1233067"/>
-            <a:ext cx="1798731" cy="574862"/>
-          </a:xfrm>
-          <a:custGeom>
-            <a:avLst/>
-            <a:gdLst>
-              <a:gd name="connsiteX0" fmla="*/ 0 w 1801906"/>
-              <a:gd name="connsiteY0" fmla="*/ 555812 h 555812"/>
-              <a:gd name="connsiteX1" fmla="*/ 726141 w 1801906"/>
-              <a:gd name="connsiteY1" fmla="*/ 179294 h 555812"/>
-              <a:gd name="connsiteX2" fmla="*/ 1801906 w 1801906"/>
-              <a:gd name="connsiteY2" fmla="*/ 0 h 555812"/>
-              <a:gd name="connsiteX0" fmla="*/ 0 w 1801906"/>
-              <a:gd name="connsiteY0" fmla="*/ 555812 h 555812"/>
-              <a:gd name="connsiteX1" fmla="*/ 726141 w 1801906"/>
-              <a:gd name="connsiteY1" fmla="*/ 179294 h 555812"/>
-              <a:gd name="connsiteX2" fmla="*/ 1801906 w 1801906"/>
-              <a:gd name="connsiteY2" fmla="*/ 0 h 555812"/>
-              <a:gd name="connsiteX0" fmla="*/ 0 w 1801906"/>
-              <a:gd name="connsiteY0" fmla="*/ 555812 h 555812"/>
-              <a:gd name="connsiteX1" fmla="*/ 745191 w 1801906"/>
-              <a:gd name="connsiteY1" fmla="*/ 185644 h 555812"/>
-              <a:gd name="connsiteX2" fmla="*/ 1801906 w 1801906"/>
-              <a:gd name="connsiteY2" fmla="*/ 0 h 555812"/>
-              <a:gd name="connsiteX0" fmla="*/ 0 w 1798731"/>
-              <a:gd name="connsiteY0" fmla="*/ 574862 h 574862"/>
-              <a:gd name="connsiteX1" fmla="*/ 742016 w 1798731"/>
-              <a:gd name="connsiteY1" fmla="*/ 185644 h 574862"/>
-              <a:gd name="connsiteX2" fmla="*/ 1798731 w 1798731"/>
-              <a:gd name="connsiteY2" fmla="*/ 0 h 574862"/>
-              <a:gd name="connsiteX0" fmla="*/ 0 w 1798731"/>
-              <a:gd name="connsiteY0" fmla="*/ 574862 h 574862"/>
-              <a:gd name="connsiteX1" fmla="*/ 742016 w 1798731"/>
-              <a:gd name="connsiteY1" fmla="*/ 185644 h 574862"/>
-              <a:gd name="connsiteX2" fmla="*/ 1798731 w 1798731"/>
-              <a:gd name="connsiteY2" fmla="*/ 0 h 574862"/>
-              <a:gd name="connsiteX0" fmla="*/ 0 w 1798731"/>
-              <a:gd name="connsiteY0" fmla="*/ 574862 h 574862"/>
-              <a:gd name="connsiteX1" fmla="*/ 767416 w 1798731"/>
-              <a:gd name="connsiteY1" fmla="*/ 182469 h 574862"/>
-              <a:gd name="connsiteX2" fmla="*/ 1798731 w 1798731"/>
-              <a:gd name="connsiteY2" fmla="*/ 0 h 574862"/>
-              <a:gd name="connsiteX0" fmla="*/ 0 w 1798731"/>
-              <a:gd name="connsiteY0" fmla="*/ 574862 h 574862"/>
-              <a:gd name="connsiteX1" fmla="*/ 773766 w 1798731"/>
-              <a:gd name="connsiteY1" fmla="*/ 172944 h 574862"/>
-              <a:gd name="connsiteX2" fmla="*/ 1798731 w 1798731"/>
-              <a:gd name="connsiteY2" fmla="*/ 0 h 574862"/>
-            </a:gdLst>
-            <a:ahLst/>
-            <a:cxnLst>
-              <a:cxn ang="0">
-                <a:pos x="connsiteX0" y="connsiteY0"/>
-              </a:cxn>
-              <a:cxn ang="0">
-                <a:pos x="connsiteX1" y="connsiteY1"/>
-              </a:cxn>
-              <a:cxn ang="0">
-                <a:pos x="connsiteX2" y="connsiteY2"/>
-              </a:cxn>
-            </a:cxnLst>
-            <a:rect l="l" t="t" r="r" b="b"/>
-            <a:pathLst>
-              <a:path w="1798731" h="574862">
-                <a:moveTo>
-                  <a:pt x="0" y="574862"/>
-                </a:moveTo>
-                <a:cubicBezTo>
-                  <a:pt x="212911" y="423395"/>
-                  <a:pt x="473448" y="265579"/>
-                  <a:pt x="773766" y="172944"/>
-                </a:cubicBezTo>
-                <a:cubicBezTo>
-                  <a:pt x="1074084" y="80309"/>
-                  <a:pt x="1538568" y="24466"/>
-                  <a:pt x="1798731" y="0"/>
-                </a:cubicBezTo>
-              </a:path>
-            </a:pathLst>
-          </a:custGeom>
-          <a:noFill/>
-          <a:ln w="28575">
-            <a:solidFill>
-              <a:srgbClr val="FFC000"/>
-            </a:solidFill>
-          </a:ln>
-        </p:spPr>
-        <p:style>
-          <a:lnRef idx="2">
-            <a:schemeClr val="accent1">
-              <a:shade val="50000"/>
-            </a:schemeClr>
-          </a:lnRef>
-          <a:fillRef idx="1">
-            <a:schemeClr val="accent1"/>
-          </a:fillRef>
-          <a:effectRef idx="0">
-            <a:schemeClr val="accent1"/>
-          </a:effectRef>
-          <a:fontRef idx="minor">
-            <a:schemeClr val="lt1"/>
-          </a:fontRef>
-        </p:style>
-        <p:txBody>
-          <a:bodyPr rtlCol="0" anchor="ctr"/>
-          <a:lstStyle/>
-          <a:p>
-            <a:pPr algn="ctr"/>
-            <a:endParaRPr lang="en-US"/>
-          </a:p>
-        </p:txBody>
-      </p:sp>
-      <p:sp>
-        <p:nvSpPr>
-          <p:cNvPr id="18" name="Freeform: Shape 17">
-            <a:extLst>
-              <a:ext uri="{FF2B5EF4-FFF2-40B4-BE49-F238E27FC236}">
-                <a16:creationId xmlns:a16="http://schemas.microsoft.com/office/drawing/2014/main" id="{89D828F2-58AB-16DC-4180-371EB6DB4A24}"/>
-              </a:ext>
-            </a:extLst>
-          </p:cNvPr>
-          <p:cNvSpPr/>
-          <p:nvPr/>
-        </p:nvSpPr>
-        <p:spPr>
-          <a:xfrm>
-            <a:off x="4793338" y="1237000"/>
-            <a:ext cx="1798731" cy="574862"/>
-          </a:xfrm>
-          <a:custGeom>
-            <a:avLst/>
-            <a:gdLst>
-              <a:gd name="connsiteX0" fmla="*/ 0 w 1801906"/>
-              <a:gd name="connsiteY0" fmla="*/ 555812 h 555812"/>
-              <a:gd name="connsiteX1" fmla="*/ 726141 w 1801906"/>
-              <a:gd name="connsiteY1" fmla="*/ 179294 h 555812"/>
-              <a:gd name="connsiteX2" fmla="*/ 1801906 w 1801906"/>
-              <a:gd name="connsiteY2" fmla="*/ 0 h 555812"/>
-              <a:gd name="connsiteX0" fmla="*/ 0 w 1801906"/>
-              <a:gd name="connsiteY0" fmla="*/ 555812 h 555812"/>
-              <a:gd name="connsiteX1" fmla="*/ 726141 w 1801906"/>
-              <a:gd name="connsiteY1" fmla="*/ 179294 h 555812"/>
-              <a:gd name="connsiteX2" fmla="*/ 1801906 w 1801906"/>
-              <a:gd name="connsiteY2" fmla="*/ 0 h 555812"/>
-              <a:gd name="connsiteX0" fmla="*/ 0 w 1801906"/>
-              <a:gd name="connsiteY0" fmla="*/ 555812 h 555812"/>
-              <a:gd name="connsiteX1" fmla="*/ 745191 w 1801906"/>
-              <a:gd name="connsiteY1" fmla="*/ 185644 h 555812"/>
-              <a:gd name="connsiteX2" fmla="*/ 1801906 w 1801906"/>
-              <a:gd name="connsiteY2" fmla="*/ 0 h 555812"/>
-              <a:gd name="connsiteX0" fmla="*/ 0 w 1798731"/>
-              <a:gd name="connsiteY0" fmla="*/ 574862 h 574862"/>
-              <a:gd name="connsiteX1" fmla="*/ 742016 w 1798731"/>
-              <a:gd name="connsiteY1" fmla="*/ 185644 h 574862"/>
-              <a:gd name="connsiteX2" fmla="*/ 1798731 w 1798731"/>
-              <a:gd name="connsiteY2" fmla="*/ 0 h 574862"/>
-              <a:gd name="connsiteX0" fmla="*/ 0 w 1798731"/>
-              <a:gd name="connsiteY0" fmla="*/ 574862 h 574862"/>
-              <a:gd name="connsiteX1" fmla="*/ 742016 w 1798731"/>
-              <a:gd name="connsiteY1" fmla="*/ 185644 h 574862"/>
-              <a:gd name="connsiteX2" fmla="*/ 1798731 w 1798731"/>
-              <a:gd name="connsiteY2" fmla="*/ 0 h 574862"/>
-              <a:gd name="connsiteX0" fmla="*/ 0 w 1798731"/>
-              <a:gd name="connsiteY0" fmla="*/ 574862 h 574862"/>
-              <a:gd name="connsiteX1" fmla="*/ 767416 w 1798731"/>
-              <a:gd name="connsiteY1" fmla="*/ 182469 h 574862"/>
-              <a:gd name="connsiteX2" fmla="*/ 1798731 w 1798731"/>
-              <a:gd name="connsiteY2" fmla="*/ 0 h 574862"/>
-              <a:gd name="connsiteX0" fmla="*/ 0 w 1798731"/>
-              <a:gd name="connsiteY0" fmla="*/ 574862 h 574862"/>
-              <a:gd name="connsiteX1" fmla="*/ 773766 w 1798731"/>
-              <a:gd name="connsiteY1" fmla="*/ 172944 h 574862"/>
-              <a:gd name="connsiteX2" fmla="*/ 1798731 w 1798731"/>
-              <a:gd name="connsiteY2" fmla="*/ 0 h 574862"/>
-            </a:gdLst>
-            <a:ahLst/>
-            <a:cxnLst>
-              <a:cxn ang="0">
-                <a:pos x="connsiteX0" y="connsiteY0"/>
-              </a:cxn>
-              <a:cxn ang="0">
-                <a:pos x="connsiteX1" y="connsiteY1"/>
-              </a:cxn>
-              <a:cxn ang="0">
-                <a:pos x="connsiteX2" y="connsiteY2"/>
-              </a:cxn>
-            </a:cxnLst>
-            <a:rect l="l" t="t" r="r" b="b"/>
-            <a:pathLst>
-              <a:path w="1798731" h="574862">
-                <a:moveTo>
-                  <a:pt x="0" y="574862"/>
-                </a:moveTo>
-                <a:cubicBezTo>
-                  <a:pt x="212911" y="423395"/>
-                  <a:pt x="473448" y="265579"/>
-                  <a:pt x="773766" y="172944"/>
-                </a:cubicBezTo>
-                <a:cubicBezTo>
-                  <a:pt x="1074084" y="80309"/>
-                  <a:pt x="1538568" y="24466"/>
-                  <a:pt x="1798731" y="0"/>
-                </a:cubicBezTo>
-              </a:path>
-            </a:pathLst>
-          </a:custGeom>
-          <a:noFill/>
-          <a:ln w="28575">
-            <a:solidFill>
-              <a:srgbClr val="FFC000"/>
-            </a:solidFill>
-          </a:ln>
-        </p:spPr>
-        <p:style>
-          <a:lnRef idx="2">
-            <a:schemeClr val="accent1">
-              <a:shade val="50000"/>
-            </a:schemeClr>
-          </a:lnRef>
-          <a:fillRef idx="1">
-            <a:schemeClr val="accent1"/>
-          </a:fillRef>
-          <a:effectRef idx="0">
-            <a:schemeClr val="accent1"/>
-          </a:effectRef>
-          <a:fontRef idx="minor">
-            <a:schemeClr val="lt1"/>
-          </a:fontRef>
-        </p:style>
-        <p:txBody>
-          <a:bodyPr rtlCol="0" anchor="ctr"/>
-          <a:lstStyle/>
-          <a:p>
-            <a:pPr algn="ctr"/>
-            <a:endParaRPr lang="en-US"/>
-          </a:p>
-        </p:txBody>
-      </p:sp>
     </p:spTree>
     <p:extLst>
       <p:ext uri="{BB962C8B-B14F-4D97-AF65-F5344CB8AC3E}">
-        <p14:creationId xmlns:p14="http://schemas.microsoft.com/office/powerpoint/2010/main" val="2984301033"/>
+        <p14:creationId xmlns:p14="http://schemas.microsoft.com/office/powerpoint/2010/main" val="504621555"/>
       </p:ext>
     </p:extLst>
   </p:cSld>
@@ -8016,6 +7008,1359 @@
     <p:extLst>
       <p:ext uri="{BB962C8B-B14F-4D97-AF65-F5344CB8AC3E}">
         <p14:creationId xmlns:p14="http://schemas.microsoft.com/office/powerpoint/2010/main" val="3285986406"/>
+      </p:ext>
+    </p:extLst>
+  </p:cSld>
+  <p:clrMapOvr>
+    <a:masterClrMapping/>
+  </p:clrMapOvr>
+</p:sld>
+</file>
+
+<file path=ppt/slides/slide20.xml><?xml version="1.0" encoding="utf-8"?>
+<p:sld xmlns:a="http://schemas.openxmlformats.org/drawingml/2006/main" xmlns:r="http://schemas.openxmlformats.org/officeDocument/2006/relationships" xmlns:p="http://schemas.openxmlformats.org/presentationml/2006/main">
+  <p:cSld>
+    <p:spTree>
+      <p:nvGrpSpPr>
+        <p:cNvPr id="1" name=""/>
+        <p:cNvGrpSpPr/>
+        <p:nvPr/>
+      </p:nvGrpSpPr>
+      <p:grpSpPr>
+        <a:xfrm>
+          <a:off x="0" y="0"/>
+          <a:ext cx="0" cy="0"/>
+          <a:chOff x="0" y="0"/>
+          <a:chExt cx="0" cy="0"/>
+        </a:xfrm>
+      </p:grpSpPr>
+      <p:sp>
+        <p:nvSpPr>
+          <p:cNvPr id="2" name="Title 1">
+            <a:extLst>
+              <a:ext uri="{FF2B5EF4-FFF2-40B4-BE49-F238E27FC236}">
+                <a16:creationId xmlns:a16="http://schemas.microsoft.com/office/drawing/2014/main" id="{AB1C4B7B-7306-7EB3-8134-DD8BE238B95F}"/>
+              </a:ext>
+            </a:extLst>
+          </p:cNvPr>
+          <p:cNvSpPr>
+            <a:spLocks noGrp="1"/>
+          </p:cNvSpPr>
+          <p:nvPr>
+            <p:ph type="ctrTitle"/>
+          </p:nvPr>
+        </p:nvSpPr>
+        <p:spPr/>
+        <p:txBody>
+          <a:bodyPr/>
+          <a:lstStyle/>
+          <a:p>
+            <a:r>
+              <a:rPr lang="en-US" dirty="0"/>
+              <a:t>Summary</a:t>
+            </a:r>
+          </a:p>
+        </p:txBody>
+      </p:sp>
+      <p:sp>
+        <p:nvSpPr>
+          <p:cNvPr id="3" name="Subtitle 2">
+            <a:extLst>
+              <a:ext uri="{FF2B5EF4-FFF2-40B4-BE49-F238E27FC236}">
+                <a16:creationId xmlns:a16="http://schemas.microsoft.com/office/drawing/2014/main" id="{66566986-C320-65F7-1EDC-CBEBFC1B5BED}"/>
+              </a:ext>
+            </a:extLst>
+          </p:cNvPr>
+          <p:cNvSpPr>
+            <a:spLocks noGrp="1"/>
+          </p:cNvSpPr>
+          <p:nvPr>
+            <p:ph type="subTitle" idx="1"/>
+          </p:nvPr>
+        </p:nvSpPr>
+        <p:spPr/>
+        <p:txBody>
+          <a:bodyPr/>
+          <a:lstStyle/>
+          <a:p>
+            <a:endParaRPr lang="en-US"/>
+          </a:p>
+        </p:txBody>
+      </p:sp>
+    </p:spTree>
+    <p:extLst>
+      <p:ext uri="{BB962C8B-B14F-4D97-AF65-F5344CB8AC3E}">
+        <p14:creationId xmlns:p14="http://schemas.microsoft.com/office/powerpoint/2010/main" val="3347771815"/>
+      </p:ext>
+    </p:extLst>
+  </p:cSld>
+  <p:clrMapOvr>
+    <a:masterClrMapping/>
+  </p:clrMapOvr>
+</p:sld>
+</file>
+
+<file path=ppt/slides/slide21.xml><?xml version="1.0" encoding="utf-8"?>
+<p:sld xmlns:a="http://schemas.openxmlformats.org/drawingml/2006/main" xmlns:r="http://schemas.openxmlformats.org/officeDocument/2006/relationships" xmlns:p="http://schemas.openxmlformats.org/presentationml/2006/main">
+  <p:cSld>
+    <p:spTree>
+      <p:nvGrpSpPr>
+        <p:cNvPr id="1" name=""/>
+        <p:cNvGrpSpPr/>
+        <p:nvPr/>
+      </p:nvGrpSpPr>
+      <p:grpSpPr>
+        <a:xfrm>
+          <a:off x="0" y="0"/>
+          <a:ext cx="0" cy="0"/>
+          <a:chOff x="0" y="0"/>
+          <a:chExt cx="0" cy="0"/>
+        </a:xfrm>
+      </p:grpSpPr>
+      <p:pic>
+        <p:nvPicPr>
+          <p:cNvPr id="16" name="Picture 10">
+            <a:extLst>
+              <a:ext uri="{FF2B5EF4-FFF2-40B4-BE49-F238E27FC236}">
+                <a16:creationId xmlns:a16="http://schemas.microsoft.com/office/drawing/2014/main" id="{7F3EAF3A-DAFE-F815-5348-733C52BE5BCC}"/>
+              </a:ext>
+            </a:extLst>
+          </p:cNvPr>
+          <p:cNvPicPr>
+            <a:picLocks noChangeAspect="1" noChangeArrowheads="1"/>
+          </p:cNvPicPr>
+          <p:nvPr/>
+        </p:nvPicPr>
+        <p:blipFill rotWithShape="1">
+          <a:blip r:embed="rId2">
+            <a:extLst>
+              <a:ext uri="{28A0092B-C50C-407E-A947-70E740481C1C}">
+                <a14:useLocalDpi xmlns:a14="http://schemas.microsoft.com/office/drawing/2010/main" val="0"/>
+              </a:ext>
+            </a:extLst>
+          </a:blip>
+          <a:srcRect b="66714"/>
+          <a:stretch/>
+        </p:blipFill>
+        <p:spPr bwMode="auto">
+          <a:xfrm>
+            <a:off x="1758" y="445788"/>
+            <a:ext cx="3607237" cy="2038132"/>
+          </a:xfrm>
+          <a:prstGeom prst="rect">
+            <a:avLst/>
+          </a:prstGeom>
+          <a:noFill/>
+          <a:extLst>
+            <a:ext uri="{909E8E84-426E-40DD-AFC4-6F175D3DCCD1}">
+              <a14:hiddenFill xmlns:a14="http://schemas.microsoft.com/office/drawing/2010/main">
+                <a:solidFill>
+                  <a:srgbClr val="FFFFFF"/>
+                </a:solidFill>
+              </a14:hiddenFill>
+            </a:ext>
+          </a:extLst>
+        </p:spPr>
+      </p:pic>
+      <p:pic>
+        <p:nvPicPr>
+          <p:cNvPr id="15" name="Picture 14">
+            <a:extLst>
+              <a:ext uri="{FF2B5EF4-FFF2-40B4-BE49-F238E27FC236}">
+                <a16:creationId xmlns:a16="http://schemas.microsoft.com/office/drawing/2014/main" id="{59520540-465D-5105-6AD2-F09277509D6F}"/>
+              </a:ext>
+            </a:extLst>
+          </p:cNvPr>
+          <p:cNvPicPr>
+            <a:picLocks noChangeAspect="1" noChangeArrowheads="1"/>
+          </p:cNvPicPr>
+          <p:nvPr/>
+        </p:nvPicPr>
+        <p:blipFill rotWithShape="1">
+          <a:blip r:embed="rId3">
+            <a:extLst>
+              <a:ext uri="{28A0092B-C50C-407E-A947-70E740481C1C}">
+                <a14:useLocalDpi xmlns:a14="http://schemas.microsoft.com/office/drawing/2010/main" val="0"/>
+              </a:ext>
+            </a:extLst>
+          </a:blip>
+          <a:srcRect b="66714"/>
+          <a:stretch/>
+        </p:blipFill>
+        <p:spPr bwMode="auto">
+          <a:xfrm>
+            <a:off x="2762096" y="429975"/>
+            <a:ext cx="3607237" cy="2038132"/>
+          </a:xfrm>
+          <a:prstGeom prst="rect">
+            <a:avLst/>
+          </a:prstGeom>
+          <a:noFill/>
+          <a:extLst>
+            <a:ext uri="{909E8E84-426E-40DD-AFC4-6F175D3DCCD1}">
+              <a14:hiddenFill xmlns:a14="http://schemas.microsoft.com/office/drawing/2010/main">
+                <a:solidFill>
+                  <a:srgbClr val="FFFFFF"/>
+                </a:solidFill>
+              </a14:hiddenFill>
+            </a:ext>
+          </a:extLst>
+        </p:spPr>
+      </p:pic>
+      <p:pic>
+        <p:nvPicPr>
+          <p:cNvPr id="4" name="Picture 12">
+            <a:extLst>
+              <a:ext uri="{FF2B5EF4-FFF2-40B4-BE49-F238E27FC236}">
+                <a16:creationId xmlns:a16="http://schemas.microsoft.com/office/drawing/2014/main" id="{26B17450-D751-34E1-140A-5ABDDCFD7377}"/>
+              </a:ext>
+            </a:extLst>
+          </p:cNvPr>
+          <p:cNvPicPr>
+            <a:picLocks noChangeAspect="1" noChangeArrowheads="1"/>
+          </p:cNvPicPr>
+          <p:nvPr/>
+        </p:nvPicPr>
+        <p:blipFill rotWithShape="1">
+          <a:blip r:embed="rId4">
+            <a:extLst>
+              <a:ext uri="{28A0092B-C50C-407E-A947-70E740481C1C}">
+                <a14:useLocalDpi xmlns:a14="http://schemas.microsoft.com/office/drawing/2010/main" val="0"/>
+              </a:ext>
+            </a:extLst>
+          </a:blip>
+          <a:srcRect b="66714"/>
+          <a:stretch/>
+        </p:blipFill>
+        <p:spPr bwMode="auto">
+          <a:xfrm>
+            <a:off x="0" y="2572408"/>
+            <a:ext cx="3607235" cy="2038132"/>
+          </a:xfrm>
+          <a:prstGeom prst="rect">
+            <a:avLst/>
+          </a:prstGeom>
+          <a:noFill/>
+          <a:extLst>
+            <a:ext uri="{909E8E84-426E-40DD-AFC4-6F175D3DCCD1}">
+              <a14:hiddenFill xmlns:a14="http://schemas.microsoft.com/office/drawing/2010/main">
+                <a:solidFill>
+                  <a:srgbClr val="FFFFFF"/>
+                </a:solidFill>
+              </a14:hiddenFill>
+            </a:ext>
+          </a:extLst>
+        </p:spPr>
+      </p:pic>
+      <p:pic>
+        <p:nvPicPr>
+          <p:cNvPr id="13" name="Picture 2">
+            <a:extLst>
+              <a:ext uri="{FF2B5EF4-FFF2-40B4-BE49-F238E27FC236}">
+                <a16:creationId xmlns:a16="http://schemas.microsoft.com/office/drawing/2014/main" id="{42E175D4-D41C-3838-A5D9-41BEFE25FB13}"/>
+              </a:ext>
+            </a:extLst>
+          </p:cNvPr>
+          <p:cNvPicPr>
+            <a:picLocks noChangeAspect="1" noChangeArrowheads="1"/>
+          </p:cNvPicPr>
+          <p:nvPr/>
+        </p:nvPicPr>
+        <p:blipFill rotWithShape="1">
+          <a:blip r:embed="rId5">
+            <a:extLst>
+              <a:ext uri="{28A0092B-C50C-407E-A947-70E740481C1C}">
+                <a14:useLocalDpi xmlns:a14="http://schemas.microsoft.com/office/drawing/2010/main" val="0"/>
+              </a:ext>
+            </a:extLst>
+          </a:blip>
+          <a:srcRect b="66714"/>
+          <a:stretch/>
+        </p:blipFill>
+        <p:spPr bwMode="auto">
+          <a:xfrm>
+            <a:off x="2762097" y="2565762"/>
+            <a:ext cx="3607237" cy="2038132"/>
+          </a:xfrm>
+          <a:prstGeom prst="rect">
+            <a:avLst/>
+          </a:prstGeom>
+          <a:noFill/>
+          <a:extLst>
+            <a:ext uri="{909E8E84-426E-40DD-AFC4-6F175D3DCCD1}">
+              <a14:hiddenFill xmlns:a14="http://schemas.microsoft.com/office/drawing/2010/main">
+                <a:solidFill>
+                  <a:srgbClr val="FFFFFF"/>
+                </a:solidFill>
+              </a14:hiddenFill>
+            </a:ext>
+          </a:extLst>
+        </p:spPr>
+      </p:pic>
+      <p:sp>
+        <p:nvSpPr>
+          <p:cNvPr id="5" name="Freeform: Shape 4">
+            <a:extLst>
+              <a:ext uri="{FF2B5EF4-FFF2-40B4-BE49-F238E27FC236}">
+                <a16:creationId xmlns:a16="http://schemas.microsoft.com/office/drawing/2014/main" id="{63A62D1D-A5EF-07D5-498F-9071AC4FD4DD}"/>
+              </a:ext>
+            </a:extLst>
+          </p:cNvPr>
+          <p:cNvSpPr/>
+          <p:nvPr/>
+        </p:nvSpPr>
+        <p:spPr>
+          <a:xfrm>
+            <a:off x="601105" y="3279764"/>
+            <a:ext cx="1798731" cy="574862"/>
+          </a:xfrm>
+          <a:custGeom>
+            <a:avLst/>
+            <a:gdLst>
+              <a:gd name="connsiteX0" fmla="*/ 0 w 1801906"/>
+              <a:gd name="connsiteY0" fmla="*/ 555812 h 555812"/>
+              <a:gd name="connsiteX1" fmla="*/ 726141 w 1801906"/>
+              <a:gd name="connsiteY1" fmla="*/ 179294 h 555812"/>
+              <a:gd name="connsiteX2" fmla="*/ 1801906 w 1801906"/>
+              <a:gd name="connsiteY2" fmla="*/ 0 h 555812"/>
+              <a:gd name="connsiteX0" fmla="*/ 0 w 1801906"/>
+              <a:gd name="connsiteY0" fmla="*/ 555812 h 555812"/>
+              <a:gd name="connsiteX1" fmla="*/ 726141 w 1801906"/>
+              <a:gd name="connsiteY1" fmla="*/ 179294 h 555812"/>
+              <a:gd name="connsiteX2" fmla="*/ 1801906 w 1801906"/>
+              <a:gd name="connsiteY2" fmla="*/ 0 h 555812"/>
+              <a:gd name="connsiteX0" fmla="*/ 0 w 1801906"/>
+              <a:gd name="connsiteY0" fmla="*/ 555812 h 555812"/>
+              <a:gd name="connsiteX1" fmla="*/ 745191 w 1801906"/>
+              <a:gd name="connsiteY1" fmla="*/ 185644 h 555812"/>
+              <a:gd name="connsiteX2" fmla="*/ 1801906 w 1801906"/>
+              <a:gd name="connsiteY2" fmla="*/ 0 h 555812"/>
+              <a:gd name="connsiteX0" fmla="*/ 0 w 1798731"/>
+              <a:gd name="connsiteY0" fmla="*/ 574862 h 574862"/>
+              <a:gd name="connsiteX1" fmla="*/ 742016 w 1798731"/>
+              <a:gd name="connsiteY1" fmla="*/ 185644 h 574862"/>
+              <a:gd name="connsiteX2" fmla="*/ 1798731 w 1798731"/>
+              <a:gd name="connsiteY2" fmla="*/ 0 h 574862"/>
+              <a:gd name="connsiteX0" fmla="*/ 0 w 1798731"/>
+              <a:gd name="connsiteY0" fmla="*/ 574862 h 574862"/>
+              <a:gd name="connsiteX1" fmla="*/ 742016 w 1798731"/>
+              <a:gd name="connsiteY1" fmla="*/ 185644 h 574862"/>
+              <a:gd name="connsiteX2" fmla="*/ 1798731 w 1798731"/>
+              <a:gd name="connsiteY2" fmla="*/ 0 h 574862"/>
+              <a:gd name="connsiteX0" fmla="*/ 0 w 1798731"/>
+              <a:gd name="connsiteY0" fmla="*/ 574862 h 574862"/>
+              <a:gd name="connsiteX1" fmla="*/ 767416 w 1798731"/>
+              <a:gd name="connsiteY1" fmla="*/ 182469 h 574862"/>
+              <a:gd name="connsiteX2" fmla="*/ 1798731 w 1798731"/>
+              <a:gd name="connsiteY2" fmla="*/ 0 h 574862"/>
+              <a:gd name="connsiteX0" fmla="*/ 0 w 1798731"/>
+              <a:gd name="connsiteY0" fmla="*/ 574862 h 574862"/>
+              <a:gd name="connsiteX1" fmla="*/ 773766 w 1798731"/>
+              <a:gd name="connsiteY1" fmla="*/ 172944 h 574862"/>
+              <a:gd name="connsiteX2" fmla="*/ 1798731 w 1798731"/>
+              <a:gd name="connsiteY2" fmla="*/ 0 h 574862"/>
+            </a:gdLst>
+            <a:ahLst/>
+            <a:cxnLst>
+              <a:cxn ang="0">
+                <a:pos x="connsiteX0" y="connsiteY0"/>
+              </a:cxn>
+              <a:cxn ang="0">
+                <a:pos x="connsiteX1" y="connsiteY1"/>
+              </a:cxn>
+              <a:cxn ang="0">
+                <a:pos x="connsiteX2" y="connsiteY2"/>
+              </a:cxn>
+            </a:cxnLst>
+            <a:rect l="l" t="t" r="r" b="b"/>
+            <a:pathLst>
+              <a:path w="1798731" h="574862">
+                <a:moveTo>
+                  <a:pt x="0" y="574862"/>
+                </a:moveTo>
+                <a:cubicBezTo>
+                  <a:pt x="212911" y="423395"/>
+                  <a:pt x="473448" y="265579"/>
+                  <a:pt x="773766" y="172944"/>
+                </a:cubicBezTo>
+                <a:cubicBezTo>
+                  <a:pt x="1074084" y="80309"/>
+                  <a:pt x="1538568" y="24466"/>
+                  <a:pt x="1798731" y="0"/>
+                </a:cubicBezTo>
+              </a:path>
+            </a:pathLst>
+          </a:custGeom>
+          <a:noFill/>
+          <a:ln w="28575">
+            <a:solidFill>
+              <a:srgbClr val="FFC000"/>
+            </a:solidFill>
+          </a:ln>
+        </p:spPr>
+        <p:style>
+          <a:lnRef idx="2">
+            <a:schemeClr val="accent1">
+              <a:shade val="50000"/>
+            </a:schemeClr>
+          </a:lnRef>
+          <a:fillRef idx="1">
+            <a:schemeClr val="accent1"/>
+          </a:fillRef>
+          <a:effectRef idx="0">
+            <a:schemeClr val="accent1"/>
+          </a:effectRef>
+          <a:fontRef idx="minor">
+            <a:schemeClr val="lt1"/>
+          </a:fontRef>
+        </p:style>
+        <p:txBody>
+          <a:bodyPr rtlCol="0" anchor="ctr"/>
+          <a:lstStyle/>
+          <a:p>
+            <a:pPr algn="ctr"/>
+            <a:endParaRPr lang="en-US"/>
+          </a:p>
+        </p:txBody>
+      </p:sp>
+      <p:sp>
+        <p:nvSpPr>
+          <p:cNvPr id="8" name="TextBox 7">
+            <a:extLst>
+              <a:ext uri="{FF2B5EF4-FFF2-40B4-BE49-F238E27FC236}">
+                <a16:creationId xmlns:a16="http://schemas.microsoft.com/office/drawing/2014/main" id="{E94419A6-1539-36F5-5DF2-1E0C2591A504}"/>
+              </a:ext>
+            </a:extLst>
+          </p:cNvPr>
+          <p:cNvSpPr txBox="1"/>
+          <p:nvPr/>
+        </p:nvSpPr>
+        <p:spPr>
+          <a:xfrm>
+            <a:off x="4115472" y="-5386"/>
+            <a:ext cx="3736792" cy="369332"/>
+          </a:xfrm>
+          <a:prstGeom prst="rect">
+            <a:avLst/>
+          </a:prstGeom>
+          <a:noFill/>
+        </p:spPr>
+        <p:txBody>
+          <a:bodyPr wrap="none" rtlCol="0">
+            <a:spAutoFit/>
+          </a:bodyPr>
+          <a:lstStyle/>
+          <a:p>
+            <a:r>
+              <a:rPr lang="en-US" dirty="0">
+                <a:solidFill>
+                  <a:schemeClr val="accent2"/>
+                </a:solidFill>
+              </a:rPr>
+              <a:t>Traced b25v3 </a:t>
+            </a:r>
+            <a:r>
+              <a:rPr lang="en-US" dirty="0"/>
+              <a:t>and applied onto others</a:t>
+            </a:r>
+          </a:p>
+        </p:txBody>
+      </p:sp>
+      <p:sp>
+        <p:nvSpPr>
+          <p:cNvPr id="6" name="Freeform: Shape 5">
+            <a:extLst>
+              <a:ext uri="{FF2B5EF4-FFF2-40B4-BE49-F238E27FC236}">
+                <a16:creationId xmlns:a16="http://schemas.microsoft.com/office/drawing/2014/main" id="{264494E7-EC9F-611F-B00E-BC7C405E2174}"/>
+              </a:ext>
+            </a:extLst>
+          </p:cNvPr>
+          <p:cNvSpPr/>
+          <p:nvPr/>
+        </p:nvSpPr>
+        <p:spPr>
+          <a:xfrm>
+            <a:off x="3365525" y="3288771"/>
+            <a:ext cx="1798731" cy="574862"/>
+          </a:xfrm>
+          <a:custGeom>
+            <a:avLst/>
+            <a:gdLst>
+              <a:gd name="connsiteX0" fmla="*/ 0 w 1801906"/>
+              <a:gd name="connsiteY0" fmla="*/ 555812 h 555812"/>
+              <a:gd name="connsiteX1" fmla="*/ 726141 w 1801906"/>
+              <a:gd name="connsiteY1" fmla="*/ 179294 h 555812"/>
+              <a:gd name="connsiteX2" fmla="*/ 1801906 w 1801906"/>
+              <a:gd name="connsiteY2" fmla="*/ 0 h 555812"/>
+              <a:gd name="connsiteX0" fmla="*/ 0 w 1801906"/>
+              <a:gd name="connsiteY0" fmla="*/ 555812 h 555812"/>
+              <a:gd name="connsiteX1" fmla="*/ 726141 w 1801906"/>
+              <a:gd name="connsiteY1" fmla="*/ 179294 h 555812"/>
+              <a:gd name="connsiteX2" fmla="*/ 1801906 w 1801906"/>
+              <a:gd name="connsiteY2" fmla="*/ 0 h 555812"/>
+              <a:gd name="connsiteX0" fmla="*/ 0 w 1801906"/>
+              <a:gd name="connsiteY0" fmla="*/ 555812 h 555812"/>
+              <a:gd name="connsiteX1" fmla="*/ 745191 w 1801906"/>
+              <a:gd name="connsiteY1" fmla="*/ 185644 h 555812"/>
+              <a:gd name="connsiteX2" fmla="*/ 1801906 w 1801906"/>
+              <a:gd name="connsiteY2" fmla="*/ 0 h 555812"/>
+              <a:gd name="connsiteX0" fmla="*/ 0 w 1798731"/>
+              <a:gd name="connsiteY0" fmla="*/ 574862 h 574862"/>
+              <a:gd name="connsiteX1" fmla="*/ 742016 w 1798731"/>
+              <a:gd name="connsiteY1" fmla="*/ 185644 h 574862"/>
+              <a:gd name="connsiteX2" fmla="*/ 1798731 w 1798731"/>
+              <a:gd name="connsiteY2" fmla="*/ 0 h 574862"/>
+              <a:gd name="connsiteX0" fmla="*/ 0 w 1798731"/>
+              <a:gd name="connsiteY0" fmla="*/ 574862 h 574862"/>
+              <a:gd name="connsiteX1" fmla="*/ 742016 w 1798731"/>
+              <a:gd name="connsiteY1" fmla="*/ 185644 h 574862"/>
+              <a:gd name="connsiteX2" fmla="*/ 1798731 w 1798731"/>
+              <a:gd name="connsiteY2" fmla="*/ 0 h 574862"/>
+              <a:gd name="connsiteX0" fmla="*/ 0 w 1798731"/>
+              <a:gd name="connsiteY0" fmla="*/ 574862 h 574862"/>
+              <a:gd name="connsiteX1" fmla="*/ 767416 w 1798731"/>
+              <a:gd name="connsiteY1" fmla="*/ 182469 h 574862"/>
+              <a:gd name="connsiteX2" fmla="*/ 1798731 w 1798731"/>
+              <a:gd name="connsiteY2" fmla="*/ 0 h 574862"/>
+              <a:gd name="connsiteX0" fmla="*/ 0 w 1798731"/>
+              <a:gd name="connsiteY0" fmla="*/ 574862 h 574862"/>
+              <a:gd name="connsiteX1" fmla="*/ 773766 w 1798731"/>
+              <a:gd name="connsiteY1" fmla="*/ 172944 h 574862"/>
+              <a:gd name="connsiteX2" fmla="*/ 1798731 w 1798731"/>
+              <a:gd name="connsiteY2" fmla="*/ 0 h 574862"/>
+            </a:gdLst>
+            <a:ahLst/>
+            <a:cxnLst>
+              <a:cxn ang="0">
+                <a:pos x="connsiteX0" y="connsiteY0"/>
+              </a:cxn>
+              <a:cxn ang="0">
+                <a:pos x="connsiteX1" y="connsiteY1"/>
+              </a:cxn>
+              <a:cxn ang="0">
+                <a:pos x="connsiteX2" y="connsiteY2"/>
+              </a:cxn>
+            </a:cxnLst>
+            <a:rect l="l" t="t" r="r" b="b"/>
+            <a:pathLst>
+              <a:path w="1798731" h="574862">
+                <a:moveTo>
+                  <a:pt x="0" y="574862"/>
+                </a:moveTo>
+                <a:cubicBezTo>
+                  <a:pt x="212911" y="423395"/>
+                  <a:pt x="473448" y="265579"/>
+                  <a:pt x="773766" y="172944"/>
+                </a:cubicBezTo>
+                <a:cubicBezTo>
+                  <a:pt x="1074084" y="80309"/>
+                  <a:pt x="1538568" y="24466"/>
+                  <a:pt x="1798731" y="0"/>
+                </a:cubicBezTo>
+              </a:path>
+            </a:pathLst>
+          </a:custGeom>
+          <a:noFill/>
+          <a:ln w="28575">
+            <a:solidFill>
+              <a:srgbClr val="FFC000"/>
+            </a:solidFill>
+          </a:ln>
+        </p:spPr>
+        <p:style>
+          <a:lnRef idx="2">
+            <a:schemeClr val="accent1">
+              <a:shade val="50000"/>
+            </a:schemeClr>
+          </a:lnRef>
+          <a:fillRef idx="1">
+            <a:schemeClr val="accent1"/>
+          </a:fillRef>
+          <a:effectRef idx="0">
+            <a:schemeClr val="accent1"/>
+          </a:effectRef>
+          <a:fontRef idx="minor">
+            <a:schemeClr val="lt1"/>
+          </a:fontRef>
+        </p:style>
+        <p:txBody>
+          <a:bodyPr rtlCol="0" anchor="ctr"/>
+          <a:lstStyle/>
+          <a:p>
+            <a:pPr algn="ctr"/>
+            <a:endParaRPr lang="en-US"/>
+          </a:p>
+        </p:txBody>
+      </p:sp>
+      <p:pic>
+        <p:nvPicPr>
+          <p:cNvPr id="2" name="Picture 6">
+            <a:extLst>
+              <a:ext uri="{FF2B5EF4-FFF2-40B4-BE49-F238E27FC236}">
+                <a16:creationId xmlns:a16="http://schemas.microsoft.com/office/drawing/2014/main" id="{2A90FBB0-89F9-271F-98C1-5741AF3249CF}"/>
+              </a:ext>
+            </a:extLst>
+          </p:cNvPr>
+          <p:cNvPicPr>
+            <a:picLocks noChangeAspect="1" noChangeArrowheads="1"/>
+          </p:cNvPicPr>
+          <p:nvPr/>
+        </p:nvPicPr>
+        <p:blipFill rotWithShape="1">
+          <a:blip r:embed="rId6">
+            <a:extLst>
+              <a:ext uri="{28A0092B-C50C-407E-A947-70E740481C1C}">
+                <a14:useLocalDpi xmlns:a14="http://schemas.microsoft.com/office/drawing/2010/main" val="0"/>
+              </a:ext>
+            </a:extLst>
+          </a:blip>
+          <a:srcRect b="66714"/>
+          <a:stretch/>
+        </p:blipFill>
+        <p:spPr bwMode="auto">
+          <a:xfrm>
+            <a:off x="5544802" y="363946"/>
+            <a:ext cx="3607237" cy="2038132"/>
+          </a:xfrm>
+          <a:prstGeom prst="rect">
+            <a:avLst/>
+          </a:prstGeom>
+          <a:noFill/>
+          <a:extLst>
+            <a:ext uri="{909E8E84-426E-40DD-AFC4-6F175D3DCCD1}">
+              <a14:hiddenFill xmlns:a14="http://schemas.microsoft.com/office/drawing/2010/main">
+                <a:solidFill>
+                  <a:srgbClr val="FFFFFF"/>
+                </a:solidFill>
+              </a14:hiddenFill>
+            </a:ext>
+          </a:extLst>
+        </p:spPr>
+      </p:pic>
+      <p:sp>
+        <p:nvSpPr>
+          <p:cNvPr id="7" name="Freeform: Shape 6">
+            <a:extLst>
+              <a:ext uri="{FF2B5EF4-FFF2-40B4-BE49-F238E27FC236}">
+                <a16:creationId xmlns:a16="http://schemas.microsoft.com/office/drawing/2014/main" id="{20965A0E-2867-4F6A-FF96-0BF56CEB2264}"/>
+              </a:ext>
+            </a:extLst>
+          </p:cNvPr>
+          <p:cNvSpPr/>
+          <p:nvPr/>
+        </p:nvSpPr>
+        <p:spPr>
+          <a:xfrm>
+            <a:off x="6160554" y="1147356"/>
+            <a:ext cx="1798731" cy="574862"/>
+          </a:xfrm>
+          <a:custGeom>
+            <a:avLst/>
+            <a:gdLst>
+              <a:gd name="connsiteX0" fmla="*/ 0 w 1801906"/>
+              <a:gd name="connsiteY0" fmla="*/ 555812 h 555812"/>
+              <a:gd name="connsiteX1" fmla="*/ 726141 w 1801906"/>
+              <a:gd name="connsiteY1" fmla="*/ 179294 h 555812"/>
+              <a:gd name="connsiteX2" fmla="*/ 1801906 w 1801906"/>
+              <a:gd name="connsiteY2" fmla="*/ 0 h 555812"/>
+              <a:gd name="connsiteX0" fmla="*/ 0 w 1801906"/>
+              <a:gd name="connsiteY0" fmla="*/ 555812 h 555812"/>
+              <a:gd name="connsiteX1" fmla="*/ 726141 w 1801906"/>
+              <a:gd name="connsiteY1" fmla="*/ 179294 h 555812"/>
+              <a:gd name="connsiteX2" fmla="*/ 1801906 w 1801906"/>
+              <a:gd name="connsiteY2" fmla="*/ 0 h 555812"/>
+              <a:gd name="connsiteX0" fmla="*/ 0 w 1801906"/>
+              <a:gd name="connsiteY0" fmla="*/ 555812 h 555812"/>
+              <a:gd name="connsiteX1" fmla="*/ 745191 w 1801906"/>
+              <a:gd name="connsiteY1" fmla="*/ 185644 h 555812"/>
+              <a:gd name="connsiteX2" fmla="*/ 1801906 w 1801906"/>
+              <a:gd name="connsiteY2" fmla="*/ 0 h 555812"/>
+              <a:gd name="connsiteX0" fmla="*/ 0 w 1798731"/>
+              <a:gd name="connsiteY0" fmla="*/ 574862 h 574862"/>
+              <a:gd name="connsiteX1" fmla="*/ 742016 w 1798731"/>
+              <a:gd name="connsiteY1" fmla="*/ 185644 h 574862"/>
+              <a:gd name="connsiteX2" fmla="*/ 1798731 w 1798731"/>
+              <a:gd name="connsiteY2" fmla="*/ 0 h 574862"/>
+              <a:gd name="connsiteX0" fmla="*/ 0 w 1798731"/>
+              <a:gd name="connsiteY0" fmla="*/ 574862 h 574862"/>
+              <a:gd name="connsiteX1" fmla="*/ 742016 w 1798731"/>
+              <a:gd name="connsiteY1" fmla="*/ 185644 h 574862"/>
+              <a:gd name="connsiteX2" fmla="*/ 1798731 w 1798731"/>
+              <a:gd name="connsiteY2" fmla="*/ 0 h 574862"/>
+              <a:gd name="connsiteX0" fmla="*/ 0 w 1798731"/>
+              <a:gd name="connsiteY0" fmla="*/ 574862 h 574862"/>
+              <a:gd name="connsiteX1" fmla="*/ 767416 w 1798731"/>
+              <a:gd name="connsiteY1" fmla="*/ 182469 h 574862"/>
+              <a:gd name="connsiteX2" fmla="*/ 1798731 w 1798731"/>
+              <a:gd name="connsiteY2" fmla="*/ 0 h 574862"/>
+              <a:gd name="connsiteX0" fmla="*/ 0 w 1798731"/>
+              <a:gd name="connsiteY0" fmla="*/ 574862 h 574862"/>
+              <a:gd name="connsiteX1" fmla="*/ 773766 w 1798731"/>
+              <a:gd name="connsiteY1" fmla="*/ 172944 h 574862"/>
+              <a:gd name="connsiteX2" fmla="*/ 1798731 w 1798731"/>
+              <a:gd name="connsiteY2" fmla="*/ 0 h 574862"/>
+            </a:gdLst>
+            <a:ahLst/>
+            <a:cxnLst>
+              <a:cxn ang="0">
+                <a:pos x="connsiteX0" y="connsiteY0"/>
+              </a:cxn>
+              <a:cxn ang="0">
+                <a:pos x="connsiteX1" y="connsiteY1"/>
+              </a:cxn>
+              <a:cxn ang="0">
+                <a:pos x="connsiteX2" y="connsiteY2"/>
+              </a:cxn>
+            </a:cxnLst>
+            <a:rect l="l" t="t" r="r" b="b"/>
+            <a:pathLst>
+              <a:path w="1798731" h="574862">
+                <a:moveTo>
+                  <a:pt x="0" y="574862"/>
+                </a:moveTo>
+                <a:cubicBezTo>
+                  <a:pt x="212911" y="423395"/>
+                  <a:pt x="473448" y="265579"/>
+                  <a:pt x="773766" y="172944"/>
+                </a:cubicBezTo>
+                <a:cubicBezTo>
+                  <a:pt x="1074084" y="80309"/>
+                  <a:pt x="1538568" y="24466"/>
+                  <a:pt x="1798731" y="0"/>
+                </a:cubicBezTo>
+              </a:path>
+            </a:pathLst>
+          </a:custGeom>
+          <a:noFill/>
+          <a:ln w="28575">
+            <a:solidFill>
+              <a:srgbClr val="FFC000"/>
+            </a:solidFill>
+          </a:ln>
+        </p:spPr>
+        <p:style>
+          <a:lnRef idx="2">
+            <a:schemeClr val="accent1">
+              <a:shade val="50000"/>
+            </a:schemeClr>
+          </a:lnRef>
+          <a:fillRef idx="1">
+            <a:schemeClr val="accent1"/>
+          </a:fillRef>
+          <a:effectRef idx="0">
+            <a:schemeClr val="accent1"/>
+          </a:effectRef>
+          <a:fontRef idx="minor">
+            <a:schemeClr val="lt1"/>
+          </a:fontRef>
+        </p:style>
+        <p:txBody>
+          <a:bodyPr rtlCol="0" anchor="ctr"/>
+          <a:lstStyle/>
+          <a:p>
+            <a:pPr algn="ctr"/>
+            <a:endParaRPr lang="en-US"/>
+          </a:p>
+        </p:txBody>
+      </p:sp>
+      <p:sp>
+        <p:nvSpPr>
+          <p:cNvPr id="17" name="Freeform: Shape 16">
+            <a:extLst>
+              <a:ext uri="{FF2B5EF4-FFF2-40B4-BE49-F238E27FC236}">
+                <a16:creationId xmlns:a16="http://schemas.microsoft.com/office/drawing/2014/main" id="{843B7771-DCC8-16FA-081A-E385F135F8AD}"/>
+              </a:ext>
+            </a:extLst>
+          </p:cNvPr>
+          <p:cNvSpPr/>
+          <p:nvPr/>
+        </p:nvSpPr>
+        <p:spPr>
+          <a:xfrm>
+            <a:off x="609730" y="1155982"/>
+            <a:ext cx="1798731" cy="574862"/>
+          </a:xfrm>
+          <a:custGeom>
+            <a:avLst/>
+            <a:gdLst>
+              <a:gd name="connsiteX0" fmla="*/ 0 w 1801906"/>
+              <a:gd name="connsiteY0" fmla="*/ 555812 h 555812"/>
+              <a:gd name="connsiteX1" fmla="*/ 726141 w 1801906"/>
+              <a:gd name="connsiteY1" fmla="*/ 179294 h 555812"/>
+              <a:gd name="connsiteX2" fmla="*/ 1801906 w 1801906"/>
+              <a:gd name="connsiteY2" fmla="*/ 0 h 555812"/>
+              <a:gd name="connsiteX0" fmla="*/ 0 w 1801906"/>
+              <a:gd name="connsiteY0" fmla="*/ 555812 h 555812"/>
+              <a:gd name="connsiteX1" fmla="*/ 726141 w 1801906"/>
+              <a:gd name="connsiteY1" fmla="*/ 179294 h 555812"/>
+              <a:gd name="connsiteX2" fmla="*/ 1801906 w 1801906"/>
+              <a:gd name="connsiteY2" fmla="*/ 0 h 555812"/>
+              <a:gd name="connsiteX0" fmla="*/ 0 w 1801906"/>
+              <a:gd name="connsiteY0" fmla="*/ 555812 h 555812"/>
+              <a:gd name="connsiteX1" fmla="*/ 745191 w 1801906"/>
+              <a:gd name="connsiteY1" fmla="*/ 185644 h 555812"/>
+              <a:gd name="connsiteX2" fmla="*/ 1801906 w 1801906"/>
+              <a:gd name="connsiteY2" fmla="*/ 0 h 555812"/>
+              <a:gd name="connsiteX0" fmla="*/ 0 w 1798731"/>
+              <a:gd name="connsiteY0" fmla="*/ 574862 h 574862"/>
+              <a:gd name="connsiteX1" fmla="*/ 742016 w 1798731"/>
+              <a:gd name="connsiteY1" fmla="*/ 185644 h 574862"/>
+              <a:gd name="connsiteX2" fmla="*/ 1798731 w 1798731"/>
+              <a:gd name="connsiteY2" fmla="*/ 0 h 574862"/>
+              <a:gd name="connsiteX0" fmla="*/ 0 w 1798731"/>
+              <a:gd name="connsiteY0" fmla="*/ 574862 h 574862"/>
+              <a:gd name="connsiteX1" fmla="*/ 742016 w 1798731"/>
+              <a:gd name="connsiteY1" fmla="*/ 185644 h 574862"/>
+              <a:gd name="connsiteX2" fmla="*/ 1798731 w 1798731"/>
+              <a:gd name="connsiteY2" fmla="*/ 0 h 574862"/>
+              <a:gd name="connsiteX0" fmla="*/ 0 w 1798731"/>
+              <a:gd name="connsiteY0" fmla="*/ 574862 h 574862"/>
+              <a:gd name="connsiteX1" fmla="*/ 767416 w 1798731"/>
+              <a:gd name="connsiteY1" fmla="*/ 182469 h 574862"/>
+              <a:gd name="connsiteX2" fmla="*/ 1798731 w 1798731"/>
+              <a:gd name="connsiteY2" fmla="*/ 0 h 574862"/>
+              <a:gd name="connsiteX0" fmla="*/ 0 w 1798731"/>
+              <a:gd name="connsiteY0" fmla="*/ 574862 h 574862"/>
+              <a:gd name="connsiteX1" fmla="*/ 773766 w 1798731"/>
+              <a:gd name="connsiteY1" fmla="*/ 172944 h 574862"/>
+              <a:gd name="connsiteX2" fmla="*/ 1798731 w 1798731"/>
+              <a:gd name="connsiteY2" fmla="*/ 0 h 574862"/>
+            </a:gdLst>
+            <a:ahLst/>
+            <a:cxnLst>
+              <a:cxn ang="0">
+                <a:pos x="connsiteX0" y="connsiteY0"/>
+              </a:cxn>
+              <a:cxn ang="0">
+                <a:pos x="connsiteX1" y="connsiteY1"/>
+              </a:cxn>
+              <a:cxn ang="0">
+                <a:pos x="connsiteX2" y="connsiteY2"/>
+              </a:cxn>
+            </a:cxnLst>
+            <a:rect l="l" t="t" r="r" b="b"/>
+            <a:pathLst>
+              <a:path w="1798731" h="574862">
+                <a:moveTo>
+                  <a:pt x="0" y="574862"/>
+                </a:moveTo>
+                <a:cubicBezTo>
+                  <a:pt x="212911" y="423395"/>
+                  <a:pt x="473448" y="265579"/>
+                  <a:pt x="773766" y="172944"/>
+                </a:cubicBezTo>
+                <a:cubicBezTo>
+                  <a:pt x="1074084" y="80309"/>
+                  <a:pt x="1538568" y="24466"/>
+                  <a:pt x="1798731" y="0"/>
+                </a:cubicBezTo>
+              </a:path>
+            </a:pathLst>
+          </a:custGeom>
+          <a:noFill/>
+          <a:ln w="28575">
+            <a:solidFill>
+              <a:srgbClr val="FFC000"/>
+            </a:solidFill>
+          </a:ln>
+        </p:spPr>
+        <p:style>
+          <a:lnRef idx="2">
+            <a:schemeClr val="accent1">
+              <a:shade val="50000"/>
+            </a:schemeClr>
+          </a:lnRef>
+          <a:fillRef idx="1">
+            <a:schemeClr val="accent1"/>
+          </a:fillRef>
+          <a:effectRef idx="0">
+            <a:schemeClr val="accent1"/>
+          </a:effectRef>
+          <a:fontRef idx="minor">
+            <a:schemeClr val="lt1"/>
+          </a:fontRef>
+        </p:style>
+        <p:txBody>
+          <a:bodyPr rtlCol="0" anchor="ctr"/>
+          <a:lstStyle/>
+          <a:p>
+            <a:pPr algn="ctr"/>
+            <a:endParaRPr lang="en-US"/>
+          </a:p>
+        </p:txBody>
+      </p:sp>
+      <p:sp>
+        <p:nvSpPr>
+          <p:cNvPr id="18" name="Freeform: Shape 17">
+            <a:extLst>
+              <a:ext uri="{FF2B5EF4-FFF2-40B4-BE49-F238E27FC236}">
+                <a16:creationId xmlns:a16="http://schemas.microsoft.com/office/drawing/2014/main" id="{89D828F2-58AB-16DC-4180-371EB6DB4A24}"/>
+              </a:ext>
+            </a:extLst>
+          </p:cNvPr>
+          <p:cNvSpPr/>
+          <p:nvPr/>
+        </p:nvSpPr>
+        <p:spPr>
+          <a:xfrm>
+            <a:off x="3375184" y="1168541"/>
+            <a:ext cx="1798731" cy="574862"/>
+          </a:xfrm>
+          <a:custGeom>
+            <a:avLst/>
+            <a:gdLst>
+              <a:gd name="connsiteX0" fmla="*/ 0 w 1801906"/>
+              <a:gd name="connsiteY0" fmla="*/ 555812 h 555812"/>
+              <a:gd name="connsiteX1" fmla="*/ 726141 w 1801906"/>
+              <a:gd name="connsiteY1" fmla="*/ 179294 h 555812"/>
+              <a:gd name="connsiteX2" fmla="*/ 1801906 w 1801906"/>
+              <a:gd name="connsiteY2" fmla="*/ 0 h 555812"/>
+              <a:gd name="connsiteX0" fmla="*/ 0 w 1801906"/>
+              <a:gd name="connsiteY0" fmla="*/ 555812 h 555812"/>
+              <a:gd name="connsiteX1" fmla="*/ 726141 w 1801906"/>
+              <a:gd name="connsiteY1" fmla="*/ 179294 h 555812"/>
+              <a:gd name="connsiteX2" fmla="*/ 1801906 w 1801906"/>
+              <a:gd name="connsiteY2" fmla="*/ 0 h 555812"/>
+              <a:gd name="connsiteX0" fmla="*/ 0 w 1801906"/>
+              <a:gd name="connsiteY0" fmla="*/ 555812 h 555812"/>
+              <a:gd name="connsiteX1" fmla="*/ 745191 w 1801906"/>
+              <a:gd name="connsiteY1" fmla="*/ 185644 h 555812"/>
+              <a:gd name="connsiteX2" fmla="*/ 1801906 w 1801906"/>
+              <a:gd name="connsiteY2" fmla="*/ 0 h 555812"/>
+              <a:gd name="connsiteX0" fmla="*/ 0 w 1798731"/>
+              <a:gd name="connsiteY0" fmla="*/ 574862 h 574862"/>
+              <a:gd name="connsiteX1" fmla="*/ 742016 w 1798731"/>
+              <a:gd name="connsiteY1" fmla="*/ 185644 h 574862"/>
+              <a:gd name="connsiteX2" fmla="*/ 1798731 w 1798731"/>
+              <a:gd name="connsiteY2" fmla="*/ 0 h 574862"/>
+              <a:gd name="connsiteX0" fmla="*/ 0 w 1798731"/>
+              <a:gd name="connsiteY0" fmla="*/ 574862 h 574862"/>
+              <a:gd name="connsiteX1" fmla="*/ 742016 w 1798731"/>
+              <a:gd name="connsiteY1" fmla="*/ 185644 h 574862"/>
+              <a:gd name="connsiteX2" fmla="*/ 1798731 w 1798731"/>
+              <a:gd name="connsiteY2" fmla="*/ 0 h 574862"/>
+              <a:gd name="connsiteX0" fmla="*/ 0 w 1798731"/>
+              <a:gd name="connsiteY0" fmla="*/ 574862 h 574862"/>
+              <a:gd name="connsiteX1" fmla="*/ 767416 w 1798731"/>
+              <a:gd name="connsiteY1" fmla="*/ 182469 h 574862"/>
+              <a:gd name="connsiteX2" fmla="*/ 1798731 w 1798731"/>
+              <a:gd name="connsiteY2" fmla="*/ 0 h 574862"/>
+              <a:gd name="connsiteX0" fmla="*/ 0 w 1798731"/>
+              <a:gd name="connsiteY0" fmla="*/ 574862 h 574862"/>
+              <a:gd name="connsiteX1" fmla="*/ 773766 w 1798731"/>
+              <a:gd name="connsiteY1" fmla="*/ 172944 h 574862"/>
+              <a:gd name="connsiteX2" fmla="*/ 1798731 w 1798731"/>
+              <a:gd name="connsiteY2" fmla="*/ 0 h 574862"/>
+            </a:gdLst>
+            <a:ahLst/>
+            <a:cxnLst>
+              <a:cxn ang="0">
+                <a:pos x="connsiteX0" y="connsiteY0"/>
+              </a:cxn>
+              <a:cxn ang="0">
+                <a:pos x="connsiteX1" y="connsiteY1"/>
+              </a:cxn>
+              <a:cxn ang="0">
+                <a:pos x="connsiteX2" y="connsiteY2"/>
+              </a:cxn>
+            </a:cxnLst>
+            <a:rect l="l" t="t" r="r" b="b"/>
+            <a:pathLst>
+              <a:path w="1798731" h="574862">
+                <a:moveTo>
+                  <a:pt x="0" y="574862"/>
+                </a:moveTo>
+                <a:cubicBezTo>
+                  <a:pt x="212911" y="423395"/>
+                  <a:pt x="473448" y="265579"/>
+                  <a:pt x="773766" y="172944"/>
+                </a:cubicBezTo>
+                <a:cubicBezTo>
+                  <a:pt x="1074084" y="80309"/>
+                  <a:pt x="1538568" y="24466"/>
+                  <a:pt x="1798731" y="0"/>
+                </a:cubicBezTo>
+              </a:path>
+            </a:pathLst>
+          </a:custGeom>
+          <a:noFill/>
+          <a:ln w="28575">
+            <a:solidFill>
+              <a:srgbClr val="FFC000"/>
+            </a:solidFill>
+          </a:ln>
+        </p:spPr>
+        <p:style>
+          <a:lnRef idx="2">
+            <a:schemeClr val="accent1">
+              <a:shade val="50000"/>
+            </a:schemeClr>
+          </a:lnRef>
+          <a:fillRef idx="1">
+            <a:schemeClr val="accent1"/>
+          </a:fillRef>
+          <a:effectRef idx="0">
+            <a:schemeClr val="accent1"/>
+          </a:effectRef>
+          <a:fontRef idx="minor">
+            <a:schemeClr val="lt1"/>
+          </a:fontRef>
+        </p:style>
+        <p:txBody>
+          <a:bodyPr rtlCol="0" anchor="ctr"/>
+          <a:lstStyle/>
+          <a:p>
+            <a:pPr algn="ctr"/>
+            <a:endParaRPr lang="en-US"/>
+          </a:p>
+        </p:txBody>
+      </p:sp>
+      <p:pic>
+        <p:nvPicPr>
+          <p:cNvPr id="3" name="Picture 2">
+            <a:extLst>
+              <a:ext uri="{FF2B5EF4-FFF2-40B4-BE49-F238E27FC236}">
+                <a16:creationId xmlns:a16="http://schemas.microsoft.com/office/drawing/2014/main" id="{9AF676F5-4CFE-E510-54D2-21CC048EDEA1}"/>
+              </a:ext>
+            </a:extLst>
+          </p:cNvPr>
+          <p:cNvPicPr>
+            <a:picLocks noChangeAspect="1" noChangeArrowheads="1"/>
+          </p:cNvPicPr>
+          <p:nvPr/>
+        </p:nvPicPr>
+        <p:blipFill rotWithShape="1">
+          <a:blip r:embed="rId7">
+            <a:extLst>
+              <a:ext uri="{28A0092B-C50C-407E-A947-70E740481C1C}">
+                <a14:useLocalDpi xmlns:a14="http://schemas.microsoft.com/office/drawing/2010/main" val="0"/>
+              </a:ext>
+            </a:extLst>
+          </a:blip>
+          <a:srcRect b="66765"/>
+          <a:stretch/>
+        </p:blipFill>
+        <p:spPr bwMode="auto">
+          <a:xfrm>
+            <a:off x="8297478" y="363946"/>
+            <a:ext cx="3612786" cy="2038132"/>
+          </a:xfrm>
+          <a:prstGeom prst="rect">
+            <a:avLst/>
+          </a:prstGeom>
+          <a:noFill/>
+          <a:extLst>
+            <a:ext uri="{909E8E84-426E-40DD-AFC4-6F175D3DCCD1}">
+              <a14:hiddenFill xmlns:a14="http://schemas.microsoft.com/office/drawing/2010/main">
+                <a:solidFill>
+                  <a:srgbClr val="FFFFFF"/>
+                </a:solidFill>
+              </a14:hiddenFill>
+            </a:ext>
+          </a:extLst>
+        </p:spPr>
+      </p:pic>
+      <p:sp>
+        <p:nvSpPr>
+          <p:cNvPr id="12" name="Freeform: Shape 11">
+            <a:extLst>
+              <a:ext uri="{FF2B5EF4-FFF2-40B4-BE49-F238E27FC236}">
+                <a16:creationId xmlns:a16="http://schemas.microsoft.com/office/drawing/2014/main" id="{4382437D-AA1E-147D-8045-4AA916DBA9DB}"/>
+              </a:ext>
+            </a:extLst>
+          </p:cNvPr>
+          <p:cNvSpPr/>
+          <p:nvPr/>
+        </p:nvSpPr>
+        <p:spPr>
+          <a:xfrm>
+            <a:off x="8913230" y="1124362"/>
+            <a:ext cx="1798731" cy="574862"/>
+          </a:xfrm>
+          <a:custGeom>
+            <a:avLst/>
+            <a:gdLst>
+              <a:gd name="connsiteX0" fmla="*/ 0 w 1801906"/>
+              <a:gd name="connsiteY0" fmla="*/ 555812 h 555812"/>
+              <a:gd name="connsiteX1" fmla="*/ 726141 w 1801906"/>
+              <a:gd name="connsiteY1" fmla="*/ 179294 h 555812"/>
+              <a:gd name="connsiteX2" fmla="*/ 1801906 w 1801906"/>
+              <a:gd name="connsiteY2" fmla="*/ 0 h 555812"/>
+              <a:gd name="connsiteX0" fmla="*/ 0 w 1801906"/>
+              <a:gd name="connsiteY0" fmla="*/ 555812 h 555812"/>
+              <a:gd name="connsiteX1" fmla="*/ 726141 w 1801906"/>
+              <a:gd name="connsiteY1" fmla="*/ 179294 h 555812"/>
+              <a:gd name="connsiteX2" fmla="*/ 1801906 w 1801906"/>
+              <a:gd name="connsiteY2" fmla="*/ 0 h 555812"/>
+              <a:gd name="connsiteX0" fmla="*/ 0 w 1801906"/>
+              <a:gd name="connsiteY0" fmla="*/ 555812 h 555812"/>
+              <a:gd name="connsiteX1" fmla="*/ 745191 w 1801906"/>
+              <a:gd name="connsiteY1" fmla="*/ 185644 h 555812"/>
+              <a:gd name="connsiteX2" fmla="*/ 1801906 w 1801906"/>
+              <a:gd name="connsiteY2" fmla="*/ 0 h 555812"/>
+              <a:gd name="connsiteX0" fmla="*/ 0 w 1798731"/>
+              <a:gd name="connsiteY0" fmla="*/ 574862 h 574862"/>
+              <a:gd name="connsiteX1" fmla="*/ 742016 w 1798731"/>
+              <a:gd name="connsiteY1" fmla="*/ 185644 h 574862"/>
+              <a:gd name="connsiteX2" fmla="*/ 1798731 w 1798731"/>
+              <a:gd name="connsiteY2" fmla="*/ 0 h 574862"/>
+              <a:gd name="connsiteX0" fmla="*/ 0 w 1798731"/>
+              <a:gd name="connsiteY0" fmla="*/ 574862 h 574862"/>
+              <a:gd name="connsiteX1" fmla="*/ 742016 w 1798731"/>
+              <a:gd name="connsiteY1" fmla="*/ 185644 h 574862"/>
+              <a:gd name="connsiteX2" fmla="*/ 1798731 w 1798731"/>
+              <a:gd name="connsiteY2" fmla="*/ 0 h 574862"/>
+              <a:gd name="connsiteX0" fmla="*/ 0 w 1798731"/>
+              <a:gd name="connsiteY0" fmla="*/ 574862 h 574862"/>
+              <a:gd name="connsiteX1" fmla="*/ 767416 w 1798731"/>
+              <a:gd name="connsiteY1" fmla="*/ 182469 h 574862"/>
+              <a:gd name="connsiteX2" fmla="*/ 1798731 w 1798731"/>
+              <a:gd name="connsiteY2" fmla="*/ 0 h 574862"/>
+              <a:gd name="connsiteX0" fmla="*/ 0 w 1798731"/>
+              <a:gd name="connsiteY0" fmla="*/ 574862 h 574862"/>
+              <a:gd name="connsiteX1" fmla="*/ 773766 w 1798731"/>
+              <a:gd name="connsiteY1" fmla="*/ 172944 h 574862"/>
+              <a:gd name="connsiteX2" fmla="*/ 1798731 w 1798731"/>
+              <a:gd name="connsiteY2" fmla="*/ 0 h 574862"/>
+            </a:gdLst>
+            <a:ahLst/>
+            <a:cxnLst>
+              <a:cxn ang="0">
+                <a:pos x="connsiteX0" y="connsiteY0"/>
+              </a:cxn>
+              <a:cxn ang="0">
+                <a:pos x="connsiteX1" y="connsiteY1"/>
+              </a:cxn>
+              <a:cxn ang="0">
+                <a:pos x="connsiteX2" y="connsiteY2"/>
+              </a:cxn>
+            </a:cxnLst>
+            <a:rect l="l" t="t" r="r" b="b"/>
+            <a:pathLst>
+              <a:path w="1798731" h="574862">
+                <a:moveTo>
+                  <a:pt x="0" y="574862"/>
+                </a:moveTo>
+                <a:cubicBezTo>
+                  <a:pt x="212911" y="423395"/>
+                  <a:pt x="473448" y="265579"/>
+                  <a:pt x="773766" y="172944"/>
+                </a:cubicBezTo>
+                <a:cubicBezTo>
+                  <a:pt x="1074084" y="80309"/>
+                  <a:pt x="1538568" y="24466"/>
+                  <a:pt x="1798731" y="0"/>
+                </a:cubicBezTo>
+              </a:path>
+            </a:pathLst>
+          </a:custGeom>
+          <a:noFill/>
+          <a:ln w="28575">
+            <a:solidFill>
+              <a:srgbClr val="FFC000"/>
+            </a:solidFill>
+          </a:ln>
+        </p:spPr>
+        <p:style>
+          <a:lnRef idx="2">
+            <a:schemeClr val="accent1">
+              <a:shade val="50000"/>
+            </a:schemeClr>
+          </a:lnRef>
+          <a:fillRef idx="1">
+            <a:schemeClr val="accent1"/>
+          </a:fillRef>
+          <a:effectRef idx="0">
+            <a:schemeClr val="accent1"/>
+          </a:effectRef>
+          <a:fontRef idx="minor">
+            <a:schemeClr val="lt1"/>
+          </a:fontRef>
+        </p:style>
+        <p:txBody>
+          <a:bodyPr rtlCol="0" anchor="ctr"/>
+          <a:lstStyle/>
+          <a:p>
+            <a:pPr algn="ctr"/>
+            <a:endParaRPr lang="en-US"/>
+          </a:p>
+        </p:txBody>
+      </p:sp>
+      <p:pic>
+        <p:nvPicPr>
+          <p:cNvPr id="14" name="Picture 4">
+            <a:extLst>
+              <a:ext uri="{FF2B5EF4-FFF2-40B4-BE49-F238E27FC236}">
+                <a16:creationId xmlns:a16="http://schemas.microsoft.com/office/drawing/2014/main" id="{8781BAA7-7F87-0C83-8E5F-90D4ED863479}"/>
+              </a:ext>
+            </a:extLst>
+          </p:cNvPr>
+          <p:cNvPicPr>
+            <a:picLocks noChangeAspect="1" noChangeArrowheads="1"/>
+          </p:cNvPicPr>
+          <p:nvPr/>
+        </p:nvPicPr>
+        <p:blipFill rotWithShape="1">
+          <a:blip r:embed="rId8">
+            <a:extLst>
+              <a:ext uri="{28A0092B-C50C-407E-A947-70E740481C1C}">
+                <a14:useLocalDpi xmlns:a14="http://schemas.microsoft.com/office/drawing/2010/main" val="0"/>
+              </a:ext>
+            </a:extLst>
+          </a:blip>
+          <a:srcRect b="66541"/>
+          <a:stretch/>
+        </p:blipFill>
+        <p:spPr bwMode="auto">
+          <a:xfrm>
+            <a:off x="5544802" y="2573797"/>
+            <a:ext cx="3514645" cy="2004809"/>
+          </a:xfrm>
+          <a:prstGeom prst="rect">
+            <a:avLst/>
+          </a:prstGeom>
+          <a:noFill/>
+          <a:extLst>
+            <a:ext uri="{909E8E84-426E-40DD-AFC4-6F175D3DCCD1}">
+              <a14:hiddenFill xmlns:a14="http://schemas.microsoft.com/office/drawing/2010/main">
+                <a:solidFill>
+                  <a:srgbClr val="FFFFFF"/>
+                </a:solidFill>
+              </a14:hiddenFill>
+            </a:ext>
+          </a:extLst>
+        </p:spPr>
+      </p:pic>
+      <p:sp>
+        <p:nvSpPr>
+          <p:cNvPr id="10" name="Freeform: Shape 9">
+            <a:extLst>
+              <a:ext uri="{FF2B5EF4-FFF2-40B4-BE49-F238E27FC236}">
+                <a16:creationId xmlns:a16="http://schemas.microsoft.com/office/drawing/2014/main" id="{2C4116E4-1A1D-E853-1CC9-967343620925}"/>
+              </a:ext>
+            </a:extLst>
+          </p:cNvPr>
+          <p:cNvSpPr/>
+          <p:nvPr/>
+        </p:nvSpPr>
+        <p:spPr>
+          <a:xfrm>
+            <a:off x="6111824" y="3295431"/>
+            <a:ext cx="1798731" cy="574862"/>
+          </a:xfrm>
+          <a:custGeom>
+            <a:avLst/>
+            <a:gdLst>
+              <a:gd name="connsiteX0" fmla="*/ 0 w 1801906"/>
+              <a:gd name="connsiteY0" fmla="*/ 555812 h 555812"/>
+              <a:gd name="connsiteX1" fmla="*/ 726141 w 1801906"/>
+              <a:gd name="connsiteY1" fmla="*/ 179294 h 555812"/>
+              <a:gd name="connsiteX2" fmla="*/ 1801906 w 1801906"/>
+              <a:gd name="connsiteY2" fmla="*/ 0 h 555812"/>
+              <a:gd name="connsiteX0" fmla="*/ 0 w 1801906"/>
+              <a:gd name="connsiteY0" fmla="*/ 555812 h 555812"/>
+              <a:gd name="connsiteX1" fmla="*/ 726141 w 1801906"/>
+              <a:gd name="connsiteY1" fmla="*/ 179294 h 555812"/>
+              <a:gd name="connsiteX2" fmla="*/ 1801906 w 1801906"/>
+              <a:gd name="connsiteY2" fmla="*/ 0 h 555812"/>
+              <a:gd name="connsiteX0" fmla="*/ 0 w 1801906"/>
+              <a:gd name="connsiteY0" fmla="*/ 555812 h 555812"/>
+              <a:gd name="connsiteX1" fmla="*/ 745191 w 1801906"/>
+              <a:gd name="connsiteY1" fmla="*/ 185644 h 555812"/>
+              <a:gd name="connsiteX2" fmla="*/ 1801906 w 1801906"/>
+              <a:gd name="connsiteY2" fmla="*/ 0 h 555812"/>
+              <a:gd name="connsiteX0" fmla="*/ 0 w 1798731"/>
+              <a:gd name="connsiteY0" fmla="*/ 574862 h 574862"/>
+              <a:gd name="connsiteX1" fmla="*/ 742016 w 1798731"/>
+              <a:gd name="connsiteY1" fmla="*/ 185644 h 574862"/>
+              <a:gd name="connsiteX2" fmla="*/ 1798731 w 1798731"/>
+              <a:gd name="connsiteY2" fmla="*/ 0 h 574862"/>
+              <a:gd name="connsiteX0" fmla="*/ 0 w 1798731"/>
+              <a:gd name="connsiteY0" fmla="*/ 574862 h 574862"/>
+              <a:gd name="connsiteX1" fmla="*/ 742016 w 1798731"/>
+              <a:gd name="connsiteY1" fmla="*/ 185644 h 574862"/>
+              <a:gd name="connsiteX2" fmla="*/ 1798731 w 1798731"/>
+              <a:gd name="connsiteY2" fmla="*/ 0 h 574862"/>
+              <a:gd name="connsiteX0" fmla="*/ 0 w 1798731"/>
+              <a:gd name="connsiteY0" fmla="*/ 574862 h 574862"/>
+              <a:gd name="connsiteX1" fmla="*/ 767416 w 1798731"/>
+              <a:gd name="connsiteY1" fmla="*/ 182469 h 574862"/>
+              <a:gd name="connsiteX2" fmla="*/ 1798731 w 1798731"/>
+              <a:gd name="connsiteY2" fmla="*/ 0 h 574862"/>
+              <a:gd name="connsiteX0" fmla="*/ 0 w 1798731"/>
+              <a:gd name="connsiteY0" fmla="*/ 574862 h 574862"/>
+              <a:gd name="connsiteX1" fmla="*/ 773766 w 1798731"/>
+              <a:gd name="connsiteY1" fmla="*/ 172944 h 574862"/>
+              <a:gd name="connsiteX2" fmla="*/ 1798731 w 1798731"/>
+              <a:gd name="connsiteY2" fmla="*/ 0 h 574862"/>
+            </a:gdLst>
+            <a:ahLst/>
+            <a:cxnLst>
+              <a:cxn ang="0">
+                <a:pos x="connsiteX0" y="connsiteY0"/>
+              </a:cxn>
+              <a:cxn ang="0">
+                <a:pos x="connsiteX1" y="connsiteY1"/>
+              </a:cxn>
+              <a:cxn ang="0">
+                <a:pos x="connsiteX2" y="connsiteY2"/>
+              </a:cxn>
+            </a:cxnLst>
+            <a:rect l="l" t="t" r="r" b="b"/>
+            <a:pathLst>
+              <a:path w="1798731" h="574862">
+                <a:moveTo>
+                  <a:pt x="0" y="574862"/>
+                </a:moveTo>
+                <a:cubicBezTo>
+                  <a:pt x="212911" y="423395"/>
+                  <a:pt x="473448" y="265579"/>
+                  <a:pt x="773766" y="172944"/>
+                </a:cubicBezTo>
+                <a:cubicBezTo>
+                  <a:pt x="1074084" y="80309"/>
+                  <a:pt x="1538568" y="24466"/>
+                  <a:pt x="1798731" y="0"/>
+                </a:cubicBezTo>
+              </a:path>
+            </a:pathLst>
+          </a:custGeom>
+          <a:noFill/>
+          <a:ln w="28575">
+            <a:solidFill>
+              <a:srgbClr val="FFC000"/>
+            </a:solidFill>
+          </a:ln>
+        </p:spPr>
+        <p:style>
+          <a:lnRef idx="2">
+            <a:schemeClr val="accent1">
+              <a:shade val="50000"/>
+            </a:schemeClr>
+          </a:lnRef>
+          <a:fillRef idx="1">
+            <a:schemeClr val="accent1"/>
+          </a:fillRef>
+          <a:effectRef idx="0">
+            <a:schemeClr val="accent1"/>
+          </a:effectRef>
+          <a:fontRef idx="minor">
+            <a:schemeClr val="lt1"/>
+          </a:fontRef>
+        </p:style>
+        <p:txBody>
+          <a:bodyPr rtlCol="0" anchor="ctr"/>
+          <a:lstStyle/>
+          <a:p>
+            <a:pPr algn="ctr"/>
+            <a:endParaRPr lang="en-US"/>
+          </a:p>
+        </p:txBody>
+      </p:sp>
+    </p:spTree>
+    <p:extLst>
+      <p:ext uri="{BB962C8B-B14F-4D97-AF65-F5344CB8AC3E}">
+        <p14:creationId xmlns:p14="http://schemas.microsoft.com/office/powerpoint/2010/main" val="2984301033"/>
       </p:ext>
     </p:extLst>
   </p:cSld>

--- a/NLH.pptx
+++ b/NLH.pptx
@@ -6089,7 +6089,7 @@
         </p:nvSpPr>
         <p:spPr>
           <a:xfrm>
-            <a:off x="4382269" y="5089583"/>
+            <a:off x="4319171" y="5106929"/>
             <a:ext cx="4917006" cy="291381"/>
           </a:xfrm>
           <a:prstGeom prst="rect">
